--- a/CYFI445/lectures/09_multiclass_classification_cnn_n_to_n/0_cnn_concepts.pptx
+++ b/CYFI445/lectures/09_multiclass_classification_cnn_n_to_n/0_cnn_concepts.pptx
@@ -168,355 +168,6 @@
 <file path=ppt/changesInfos/changesInfo1.xml><?xml version="1.0" encoding="utf-8"?>
 <pc:chgInfo xmlns:a="http://schemas.openxmlformats.org/drawingml/2006/main" xmlns:r="http://schemas.openxmlformats.org/officeDocument/2006/relationships" xmlns:ac="http://schemas.microsoft.com/office/drawing/2013/main/command" xmlns:pc="http://schemas.microsoft.com/office/powerpoint/2013/main/command">
   <pc:docChgLst>
-    <pc:chgData name="Weifeng Xu" userId="e7aed605-a3dd-4d5a-a692-a87037af107b" providerId="ADAL" clId="{69090D41-60B8-4636-A275-1996D027DEDB}"/>
-    <pc:docChg chg="undo custSel addSld delSld modSld sldOrd">
-      <pc:chgData name="Weifeng Xu" userId="e7aed605-a3dd-4d5a-a692-a87037af107b" providerId="ADAL" clId="{69090D41-60B8-4636-A275-1996D027DEDB}" dt="2025-05-05T02:01:40.995" v="4514" actId="1076"/>
-      <pc:docMkLst>
-        <pc:docMk/>
-      </pc:docMkLst>
-      <pc:sldChg chg="modSp mod">
-        <pc:chgData name="Weifeng Xu" userId="e7aed605-a3dd-4d5a-a692-a87037af107b" providerId="ADAL" clId="{69090D41-60B8-4636-A275-1996D027DEDB}" dt="2025-05-03T20:45:02.331" v="33"/>
-        <pc:sldMkLst>
-          <pc:docMk/>
-          <pc:sldMk cId="1325061211" sldId="256"/>
-        </pc:sldMkLst>
-        <pc:spChg chg="mod">
-          <ac:chgData name="Weifeng Xu" userId="e7aed605-a3dd-4d5a-a692-a87037af107b" providerId="ADAL" clId="{69090D41-60B8-4636-A275-1996D027DEDB}" dt="2025-05-03T20:44:45.203" v="32" actId="27636"/>
-          <ac:spMkLst>
-            <pc:docMk/>
-            <pc:sldMk cId="1325061211" sldId="256"/>
-            <ac:spMk id="2" creationId="{00000000-0000-0000-0000-000000000000}"/>
-          </ac:spMkLst>
-        </pc:spChg>
-        <pc:spChg chg="mod">
-          <ac:chgData name="Weifeng Xu" userId="e7aed605-a3dd-4d5a-a692-a87037af107b" providerId="ADAL" clId="{69090D41-60B8-4636-A275-1996D027DEDB}" dt="2025-05-03T20:45:02.331" v="33"/>
-          <ac:spMkLst>
-            <pc:docMk/>
-            <pc:sldMk cId="1325061211" sldId="256"/>
-            <ac:spMk id="3" creationId="{00000000-0000-0000-0000-000000000000}"/>
-          </ac:spMkLst>
-        </pc:spChg>
-      </pc:sldChg>
-      <pc:sldChg chg="del">
-        <pc:chgData name="Weifeng Xu" userId="e7aed605-a3dd-4d5a-a692-a87037af107b" providerId="ADAL" clId="{69090D41-60B8-4636-A275-1996D027DEDB}" dt="2025-05-03T02:29:18.938" v="0" actId="47"/>
-        <pc:sldMkLst>
-          <pc:docMk/>
-          <pc:sldMk cId="1640287784" sldId="257"/>
-        </pc:sldMkLst>
-      </pc:sldChg>
-      <pc:sldChg chg="modSp new mod">
-        <pc:chgData name="Weifeng Xu" userId="e7aed605-a3dd-4d5a-a692-a87037af107b" providerId="ADAL" clId="{69090D41-60B8-4636-A275-1996D027DEDB}" dt="2025-05-03T20:45:36.690" v="43"/>
-        <pc:sldMkLst>
-          <pc:docMk/>
-          <pc:sldMk cId="3637650244" sldId="257"/>
-        </pc:sldMkLst>
-        <pc:spChg chg="mod">
-          <ac:chgData name="Weifeng Xu" userId="e7aed605-a3dd-4d5a-a692-a87037af107b" providerId="ADAL" clId="{69090D41-60B8-4636-A275-1996D027DEDB}" dt="2025-05-03T20:45:28.055" v="42" actId="20577"/>
-          <ac:spMkLst>
-            <pc:docMk/>
-            <pc:sldMk cId="3637650244" sldId="257"/>
-            <ac:spMk id="2" creationId="{581B0BDA-EADA-7012-694F-60F1BFB9D6D9}"/>
-          </ac:spMkLst>
-        </pc:spChg>
-        <pc:spChg chg="mod">
-          <ac:chgData name="Weifeng Xu" userId="e7aed605-a3dd-4d5a-a692-a87037af107b" providerId="ADAL" clId="{69090D41-60B8-4636-A275-1996D027DEDB}" dt="2025-05-03T20:45:36.690" v="43"/>
-          <ac:spMkLst>
-            <pc:docMk/>
-            <pc:sldMk cId="3637650244" sldId="257"/>
-            <ac:spMk id="3" creationId="{06162081-A63F-B575-CA37-6004D51E7702}"/>
-          </ac:spMkLst>
-        </pc:spChg>
-      </pc:sldChg>
-      <pc:sldChg chg="del">
-        <pc:chgData name="Weifeng Xu" userId="e7aed605-a3dd-4d5a-a692-a87037af107b" providerId="ADAL" clId="{69090D41-60B8-4636-A275-1996D027DEDB}" dt="2025-05-03T02:29:19.445" v="1" actId="47"/>
-        <pc:sldMkLst>
-          <pc:docMk/>
-          <pc:sldMk cId="717681411" sldId="258"/>
-        </pc:sldMkLst>
-      </pc:sldChg>
-      <pc:sldChg chg="addSp delSp modSp new mod modNotesTx">
-        <pc:chgData name="Weifeng Xu" userId="e7aed605-a3dd-4d5a-a692-a87037af107b" providerId="ADAL" clId="{69090D41-60B8-4636-A275-1996D027DEDB}" dt="2025-05-04T22:04:45.157" v="3868" actId="20577"/>
-        <pc:sldMkLst>
-          <pc:docMk/>
-          <pc:sldMk cId="2182874950" sldId="258"/>
-        </pc:sldMkLst>
-      </pc:sldChg>
-      <pc:sldChg chg="del">
-        <pc:chgData name="Weifeng Xu" userId="e7aed605-a3dd-4d5a-a692-a87037af107b" providerId="ADAL" clId="{69090D41-60B8-4636-A275-1996D027DEDB}" dt="2025-05-03T02:29:19.479" v="2" actId="47"/>
-        <pc:sldMkLst>
-          <pc:docMk/>
-          <pc:sldMk cId="3856045583" sldId="259"/>
-        </pc:sldMkLst>
-      </pc:sldChg>
-      <pc:sldChg chg="addSp delSp modSp new mod modClrScheme chgLayout">
-        <pc:chgData name="Weifeng Xu" userId="e7aed605-a3dd-4d5a-a692-a87037af107b" providerId="ADAL" clId="{69090D41-60B8-4636-A275-1996D027DEDB}" dt="2025-05-04T22:45:41.404" v="4018" actId="20577"/>
-        <pc:sldMkLst>
-          <pc:docMk/>
-          <pc:sldMk cId="3948614833" sldId="259"/>
-        </pc:sldMkLst>
-      </pc:sldChg>
-      <pc:sldChg chg="del">
-        <pc:chgData name="Weifeng Xu" userId="e7aed605-a3dd-4d5a-a692-a87037af107b" providerId="ADAL" clId="{69090D41-60B8-4636-A275-1996D027DEDB}" dt="2025-05-03T02:29:19.512" v="3" actId="47"/>
-        <pc:sldMkLst>
-          <pc:docMk/>
-          <pc:sldMk cId="1123301564" sldId="260"/>
-        </pc:sldMkLst>
-      </pc:sldChg>
-      <pc:sldChg chg="addSp delSp modSp new mod modClrScheme chgLayout">
-        <pc:chgData name="Weifeng Xu" userId="e7aed605-a3dd-4d5a-a692-a87037af107b" providerId="ADAL" clId="{69090D41-60B8-4636-A275-1996D027DEDB}" dt="2025-05-04T22:02:21.858" v="3831" actId="20577"/>
-        <pc:sldMkLst>
-          <pc:docMk/>
-          <pc:sldMk cId="2232272763" sldId="260"/>
-        </pc:sldMkLst>
-      </pc:sldChg>
-      <pc:sldChg chg="del">
-        <pc:chgData name="Weifeng Xu" userId="e7aed605-a3dd-4d5a-a692-a87037af107b" providerId="ADAL" clId="{69090D41-60B8-4636-A275-1996D027DEDB}" dt="2025-05-03T02:29:19.545" v="4" actId="47"/>
-        <pc:sldMkLst>
-          <pc:docMk/>
-          <pc:sldMk cId="805984163" sldId="261"/>
-        </pc:sldMkLst>
-      </pc:sldChg>
-      <pc:sldChg chg="addSp delSp modSp new mod modClrScheme chgLayout">
-        <pc:chgData name="Weifeng Xu" userId="e7aed605-a3dd-4d5a-a692-a87037af107b" providerId="ADAL" clId="{69090D41-60B8-4636-A275-1996D027DEDB}" dt="2025-05-04T20:34:48.379" v="3499" actId="6549"/>
-        <pc:sldMkLst>
-          <pc:docMk/>
-          <pc:sldMk cId="2892488957" sldId="261"/>
-        </pc:sldMkLst>
-      </pc:sldChg>
-      <pc:sldChg chg="addSp delSp modSp new mod modClrScheme chgLayout">
-        <pc:chgData name="Weifeng Xu" userId="e7aed605-a3dd-4d5a-a692-a87037af107b" providerId="ADAL" clId="{69090D41-60B8-4636-A275-1996D027DEDB}" dt="2025-05-04T22:12:00.114" v="3933" actId="404"/>
-        <pc:sldMkLst>
-          <pc:docMk/>
-          <pc:sldMk cId="151526665" sldId="262"/>
-        </pc:sldMkLst>
-      </pc:sldChg>
-      <pc:sldChg chg="del">
-        <pc:chgData name="Weifeng Xu" userId="e7aed605-a3dd-4d5a-a692-a87037af107b" providerId="ADAL" clId="{69090D41-60B8-4636-A275-1996D027DEDB}" dt="2025-05-03T02:29:19.586" v="5" actId="47"/>
-        <pc:sldMkLst>
-          <pc:docMk/>
-          <pc:sldMk cId="914522820" sldId="262"/>
-        </pc:sldMkLst>
-      </pc:sldChg>
-      <pc:sldChg chg="addSp delSp modSp new mod">
-        <pc:chgData name="Weifeng Xu" userId="e7aed605-a3dd-4d5a-a692-a87037af107b" providerId="ADAL" clId="{69090D41-60B8-4636-A275-1996D027DEDB}" dt="2025-05-04T20:22:41.257" v="3369"/>
-        <pc:sldMkLst>
-          <pc:docMk/>
-          <pc:sldMk cId="1683674305" sldId="263"/>
-        </pc:sldMkLst>
-      </pc:sldChg>
-      <pc:sldChg chg="del">
-        <pc:chgData name="Weifeng Xu" userId="e7aed605-a3dd-4d5a-a692-a87037af107b" providerId="ADAL" clId="{69090D41-60B8-4636-A275-1996D027DEDB}" dt="2025-05-03T02:29:19.623" v="6" actId="47"/>
-        <pc:sldMkLst>
-          <pc:docMk/>
-          <pc:sldMk cId="3784490461" sldId="263"/>
-        </pc:sldMkLst>
-      </pc:sldChg>
-      <pc:sldChg chg="addSp delSp modSp new mod modClrScheme chgLayout modNotesTx">
-        <pc:chgData name="Weifeng Xu" userId="e7aed605-a3dd-4d5a-a692-a87037af107b" providerId="ADAL" clId="{69090D41-60B8-4636-A275-1996D027DEDB}" dt="2025-05-04T19:49:37.200" v="2941" actId="6549"/>
-        <pc:sldMkLst>
-          <pc:docMk/>
-          <pc:sldMk cId="14529535" sldId="264"/>
-        </pc:sldMkLst>
-      </pc:sldChg>
-      <pc:sldChg chg="del">
-        <pc:chgData name="Weifeng Xu" userId="e7aed605-a3dd-4d5a-a692-a87037af107b" providerId="ADAL" clId="{69090D41-60B8-4636-A275-1996D027DEDB}" dt="2025-05-03T02:29:19.652" v="7" actId="47"/>
-        <pc:sldMkLst>
-          <pc:docMk/>
-          <pc:sldMk cId="1859847628" sldId="264"/>
-        </pc:sldMkLst>
-      </pc:sldChg>
-      <pc:sldChg chg="addSp delSp modSp new mod modClrScheme chgLayout">
-        <pc:chgData name="Weifeng Xu" userId="e7aed605-a3dd-4d5a-a692-a87037af107b" providerId="ADAL" clId="{69090D41-60B8-4636-A275-1996D027DEDB}" dt="2025-05-04T02:10:58.399" v="2040"/>
-        <pc:sldMkLst>
-          <pc:docMk/>
-          <pc:sldMk cId="2513134488" sldId="265"/>
-        </pc:sldMkLst>
-      </pc:sldChg>
-      <pc:sldChg chg="del">
-        <pc:chgData name="Weifeng Xu" userId="e7aed605-a3dd-4d5a-a692-a87037af107b" providerId="ADAL" clId="{69090D41-60B8-4636-A275-1996D027DEDB}" dt="2025-05-03T02:29:19.700" v="8" actId="47"/>
-        <pc:sldMkLst>
-          <pc:docMk/>
-          <pc:sldMk cId="2875748899" sldId="265"/>
-        </pc:sldMkLst>
-      </pc:sldChg>
-      <pc:sldChg chg="addSp delSp modSp new mod modClrScheme chgLayout">
-        <pc:chgData name="Weifeng Xu" userId="e7aed605-a3dd-4d5a-a692-a87037af107b" providerId="ADAL" clId="{69090D41-60B8-4636-A275-1996D027DEDB}" dt="2025-05-04T23:50:40.716" v="4038" actId="6549"/>
-        <pc:sldMkLst>
-          <pc:docMk/>
-          <pc:sldMk cId="2697101003" sldId="266"/>
-        </pc:sldMkLst>
-      </pc:sldChg>
-      <pc:sldChg chg="del">
-        <pc:chgData name="Weifeng Xu" userId="e7aed605-a3dd-4d5a-a692-a87037af107b" providerId="ADAL" clId="{69090D41-60B8-4636-A275-1996D027DEDB}" dt="2025-05-03T02:29:19.736" v="9" actId="47"/>
-        <pc:sldMkLst>
-          <pc:docMk/>
-          <pc:sldMk cId="3455260336" sldId="266"/>
-        </pc:sldMkLst>
-      </pc:sldChg>
-      <pc:sldChg chg="del">
-        <pc:chgData name="Weifeng Xu" userId="e7aed605-a3dd-4d5a-a692-a87037af107b" providerId="ADAL" clId="{69090D41-60B8-4636-A275-1996D027DEDB}" dt="2025-05-03T02:29:19.771" v="10" actId="47"/>
-        <pc:sldMkLst>
-          <pc:docMk/>
-          <pc:sldMk cId="2341961951" sldId="267"/>
-        </pc:sldMkLst>
-      </pc:sldChg>
-      <pc:sldChg chg="addSp delSp modSp new mod modClrScheme modAnim chgLayout">
-        <pc:chgData name="Weifeng Xu" userId="e7aed605-a3dd-4d5a-a692-a87037af107b" providerId="ADAL" clId="{69090D41-60B8-4636-A275-1996D027DEDB}" dt="2025-05-04T11:48:14.823" v="2052"/>
-        <pc:sldMkLst>
-          <pc:docMk/>
-          <pc:sldMk cId="2718594992" sldId="267"/>
-        </pc:sldMkLst>
-      </pc:sldChg>
-      <pc:sldChg chg="del">
-        <pc:chgData name="Weifeng Xu" userId="e7aed605-a3dd-4d5a-a692-a87037af107b" providerId="ADAL" clId="{69090D41-60B8-4636-A275-1996D027DEDB}" dt="2025-05-03T02:29:19.798" v="11" actId="47"/>
-        <pc:sldMkLst>
-          <pc:docMk/>
-          <pc:sldMk cId="1430309032" sldId="268"/>
-        </pc:sldMkLst>
-      </pc:sldChg>
-      <pc:sldChg chg="addSp delSp modSp new mod modClrScheme chgLayout modNotesTx">
-        <pc:chgData name="Weifeng Xu" userId="e7aed605-a3dd-4d5a-a692-a87037af107b" providerId="ADAL" clId="{69090D41-60B8-4636-A275-1996D027DEDB}" dt="2025-05-04T23:47:37.298" v="4026" actId="20577"/>
-        <pc:sldMkLst>
-          <pc:docMk/>
-          <pc:sldMk cId="2848934703" sldId="268"/>
-        </pc:sldMkLst>
-      </pc:sldChg>
-      <pc:sldChg chg="del">
-        <pc:chgData name="Weifeng Xu" userId="e7aed605-a3dd-4d5a-a692-a87037af107b" providerId="ADAL" clId="{69090D41-60B8-4636-A275-1996D027DEDB}" dt="2025-05-03T02:29:19.855" v="12" actId="47"/>
-        <pc:sldMkLst>
-          <pc:docMk/>
-          <pc:sldMk cId="2476079575" sldId="269"/>
-        </pc:sldMkLst>
-      </pc:sldChg>
-      <pc:sldChg chg="addSp delSp modSp new mod modClrScheme chgLayout">
-        <pc:chgData name="Weifeng Xu" userId="e7aed605-a3dd-4d5a-a692-a87037af107b" providerId="ADAL" clId="{69090D41-60B8-4636-A275-1996D027DEDB}" dt="2025-05-04T21:25:16.347" v="3795" actId="1076"/>
-        <pc:sldMkLst>
-          <pc:docMk/>
-          <pc:sldMk cId="2627592652" sldId="269"/>
-        </pc:sldMkLst>
-      </pc:sldChg>
-      <pc:sldChg chg="del">
-        <pc:chgData name="Weifeng Xu" userId="e7aed605-a3dd-4d5a-a692-a87037af107b" providerId="ADAL" clId="{69090D41-60B8-4636-A275-1996D027DEDB}" dt="2025-05-03T02:29:19.881" v="13" actId="47"/>
-        <pc:sldMkLst>
-          <pc:docMk/>
-          <pc:sldMk cId="2069138016" sldId="270"/>
-        </pc:sldMkLst>
-      </pc:sldChg>
-      <pc:sldChg chg="addSp modSp new del mod modClrScheme chgLayout">
-        <pc:chgData name="Weifeng Xu" userId="e7aed605-a3dd-4d5a-a692-a87037af107b" providerId="ADAL" clId="{69090D41-60B8-4636-A275-1996D027DEDB}" dt="2025-05-04T16:17:30.394" v="2661" actId="47"/>
-        <pc:sldMkLst>
-          <pc:docMk/>
-          <pc:sldMk cId="3686103974" sldId="270"/>
-        </pc:sldMkLst>
-      </pc:sldChg>
-      <pc:sldChg chg="addSp delSp modSp new mod ord modClrScheme chgLayout">
-        <pc:chgData name="Weifeng Xu" userId="e7aed605-a3dd-4d5a-a692-a87037af107b" providerId="ADAL" clId="{69090D41-60B8-4636-A275-1996D027DEDB}" dt="2025-05-05T01:21:44.476" v="4316" actId="1076"/>
-        <pc:sldMkLst>
-          <pc:docMk/>
-          <pc:sldMk cId="2150245760" sldId="271"/>
-        </pc:sldMkLst>
-      </pc:sldChg>
-      <pc:sldChg chg="addSp modSp new modAnim">
-        <pc:chgData name="Weifeng Xu" userId="e7aed605-a3dd-4d5a-a692-a87037af107b" providerId="ADAL" clId="{69090D41-60B8-4636-A275-1996D027DEDB}" dt="2025-05-04T16:50:45.261" v="2663"/>
-        <pc:sldMkLst>
-          <pc:docMk/>
-          <pc:sldMk cId="2888544228" sldId="272"/>
-        </pc:sldMkLst>
-      </pc:sldChg>
-      <pc:sldChg chg="addSp delSp modSp add mod modClrScheme chgLayout">
-        <pc:chgData name="Weifeng Xu" userId="e7aed605-a3dd-4d5a-a692-a87037af107b" providerId="ADAL" clId="{69090D41-60B8-4636-A275-1996D027DEDB}" dt="2025-05-05T00:12:48.273" v="4241" actId="1076"/>
-        <pc:sldMkLst>
-          <pc:docMk/>
-          <pc:sldMk cId="2994016025" sldId="273"/>
-        </pc:sldMkLst>
-      </pc:sldChg>
-      <pc:sldChg chg="addSp modSp new mod">
-        <pc:chgData name="Weifeng Xu" userId="e7aed605-a3dd-4d5a-a692-a87037af107b" providerId="ADAL" clId="{69090D41-60B8-4636-A275-1996D027DEDB}" dt="2025-05-05T01:09:51.415" v="4262" actId="14100"/>
-        <pc:sldMkLst>
-          <pc:docMk/>
-          <pc:sldMk cId="1783593539" sldId="274"/>
-        </pc:sldMkLst>
-      </pc:sldChg>
-      <pc:sldChg chg="addSp delSp modSp new mod modClrScheme chgLayout">
-        <pc:chgData name="Weifeng Xu" userId="e7aed605-a3dd-4d5a-a692-a87037af107b" providerId="ADAL" clId="{69090D41-60B8-4636-A275-1996D027DEDB}" dt="2025-05-04T23:50:17.691" v="4037" actId="1076"/>
-        <pc:sldMkLst>
-          <pc:docMk/>
-          <pc:sldMk cId="1245700757" sldId="275"/>
-        </pc:sldMkLst>
-      </pc:sldChg>
-      <pc:sldChg chg="addSp modSp new mod modClrScheme chgLayout">
-        <pc:chgData name="Weifeng Xu" userId="e7aed605-a3dd-4d5a-a692-a87037af107b" providerId="ADAL" clId="{69090D41-60B8-4636-A275-1996D027DEDB}" dt="2025-05-05T01:16:32.042" v="4267"/>
-        <pc:sldMkLst>
-          <pc:docMk/>
-          <pc:sldMk cId="495228592" sldId="276"/>
-        </pc:sldMkLst>
-      </pc:sldChg>
-      <pc:sldChg chg="addSp delSp modSp new mod modClrScheme chgLayout">
-        <pc:chgData name="Weifeng Xu" userId="e7aed605-a3dd-4d5a-a692-a87037af107b" providerId="ADAL" clId="{69090D41-60B8-4636-A275-1996D027DEDB}" dt="2025-05-05T01:25:53.851" v="4328" actId="1076"/>
-        <pc:sldMkLst>
-          <pc:docMk/>
-          <pc:sldMk cId="3629368376" sldId="277"/>
-        </pc:sldMkLst>
-      </pc:sldChg>
-      <pc:sldChg chg="addSp delSp modSp new mod modClrScheme chgLayout">
-        <pc:chgData name="Weifeng Xu" userId="e7aed605-a3dd-4d5a-a692-a87037af107b" providerId="ADAL" clId="{69090D41-60B8-4636-A275-1996D027DEDB}" dt="2025-05-05T01:32:44.557" v="4331"/>
-        <pc:sldMkLst>
-          <pc:docMk/>
-          <pc:sldMk cId="1472723351" sldId="278"/>
-        </pc:sldMkLst>
-      </pc:sldChg>
-      <pc:sldChg chg="addSp delSp modSp new del mod modClrScheme chgLayout">
-        <pc:chgData name="Weifeng Xu" userId="e7aed605-a3dd-4d5a-a692-a87037af107b" providerId="ADAL" clId="{69090D41-60B8-4636-A275-1996D027DEDB}" dt="2025-05-05T01:44:35.522" v="4366" actId="47"/>
-        <pc:sldMkLst>
-          <pc:docMk/>
-          <pc:sldMk cId="1885935106" sldId="279"/>
-        </pc:sldMkLst>
-      </pc:sldChg>
-      <pc:sldChg chg="addSp delSp modSp new mod modClrScheme chgLayout">
-        <pc:chgData name="Weifeng Xu" userId="e7aed605-a3dd-4d5a-a692-a87037af107b" providerId="ADAL" clId="{69090D41-60B8-4636-A275-1996D027DEDB}" dt="2025-05-05T01:40:17.329" v="4347" actId="14100"/>
-        <pc:sldMkLst>
-          <pc:docMk/>
-          <pc:sldMk cId="545826806" sldId="280"/>
-        </pc:sldMkLst>
-      </pc:sldChg>
-      <pc:sldChg chg="addSp modSp new mod modClrScheme chgLayout">
-        <pc:chgData name="Weifeng Xu" userId="e7aed605-a3dd-4d5a-a692-a87037af107b" providerId="ADAL" clId="{69090D41-60B8-4636-A275-1996D027DEDB}" dt="2025-05-05T01:42:07.354" v="4356" actId="207"/>
-        <pc:sldMkLst>
-          <pc:docMk/>
-          <pc:sldMk cId="1846476847" sldId="281"/>
-        </pc:sldMkLst>
-      </pc:sldChg>
-      <pc:sldChg chg="addSp delSp modSp new mod modClrScheme chgLayout">
-        <pc:chgData name="Weifeng Xu" userId="e7aed605-a3dd-4d5a-a692-a87037af107b" providerId="ADAL" clId="{69090D41-60B8-4636-A275-1996D027DEDB}" dt="2025-05-05T01:43:32.678" v="4364" actId="14100"/>
-        <pc:sldMkLst>
-          <pc:docMk/>
-          <pc:sldMk cId="1740457000" sldId="282"/>
-        </pc:sldMkLst>
-      </pc:sldChg>
-      <pc:sldChg chg="addSp delSp modSp new mod modClrScheme chgLayout">
-        <pc:chgData name="Weifeng Xu" userId="e7aed605-a3dd-4d5a-a692-a87037af107b" providerId="ADAL" clId="{69090D41-60B8-4636-A275-1996D027DEDB}" dt="2025-05-05T01:56:58.333" v="4492" actId="20577"/>
-        <pc:sldMkLst>
-          <pc:docMk/>
-          <pc:sldMk cId="1312178182" sldId="283"/>
-        </pc:sldMkLst>
-      </pc:sldChg>
-      <pc:sldChg chg="addSp delSp modSp new mod">
-        <pc:chgData name="Weifeng Xu" userId="e7aed605-a3dd-4d5a-a692-a87037af107b" providerId="ADAL" clId="{69090D41-60B8-4636-A275-1996D027DEDB}" dt="2025-05-05T02:01:40.995" v="4514" actId="1076"/>
-        <pc:sldMkLst>
-          <pc:docMk/>
-          <pc:sldMk cId="383624214" sldId="284"/>
-        </pc:sldMkLst>
-      </pc:sldChg>
-      <pc:sldChg chg="modSp new mod">
-        <pc:chgData name="Weifeng Xu" userId="e7aed605-a3dd-4d5a-a692-a87037af107b" providerId="ADAL" clId="{69090D41-60B8-4636-A275-1996D027DEDB}" dt="2025-05-05T01:59:56.660" v="4513"/>
-        <pc:sldMkLst>
-          <pc:docMk/>
-          <pc:sldMk cId="3552171113" sldId="285"/>
-        </pc:sldMkLst>
-      </pc:sldChg>
-    </pc:docChg>
-  </pc:docChgLst>
-  <pc:docChgLst>
     <pc:chgData name="Weifeng Xu" userId="e7aed605-a3dd-4d5a-a692-a87037af107b" providerId="ADAL" clId="{E34D94EB-D766-41A9-93D0-B8D12317CF67}"/>
     <pc:docChg chg="undo custSel modSld addMainMaster delMainMaster modMainMaster">
       <pc:chgData name="Weifeng Xu" userId="e7aed605-a3dd-4d5a-a692-a87037af107b" providerId="ADAL" clId="{E34D94EB-D766-41A9-93D0-B8D12317CF67}" dt="2025-04-19T02:39:47.128" v="134" actId="700"/>
@@ -732,6 +383,398 @@
     </pc:docChg>
   </pc:docChgLst>
   <pc:docChgLst>
+    <pc:chgData name="Weifeng Xu" userId="e7aed605-a3dd-4d5a-a692-a87037af107b" providerId="ADAL" clId="{77503F2E-F3A0-409B-A511-BB14035E722B}"/>
+    <pc:docChg chg="undo custSel addSld delSld modSld sldOrd">
+      <pc:chgData name="Weifeng Xu" userId="e7aed605-a3dd-4d5a-a692-a87037af107b" providerId="ADAL" clId="{77503F2E-F3A0-409B-A511-BB14035E722B}" dt="2025-05-01T18:53:56.374" v="2136" actId="20577"/>
+      <pc:docMkLst>
+        <pc:docMk/>
+      </pc:docMkLst>
+      <pc:sldChg chg="addSp modSp mod">
+        <pc:chgData name="Weifeng Xu" userId="e7aed605-a3dd-4d5a-a692-a87037af107b" providerId="ADAL" clId="{77503F2E-F3A0-409B-A511-BB14035E722B}" dt="2025-04-30T22:37:51.320" v="275" actId="1076"/>
+        <pc:sldMkLst>
+          <pc:docMk/>
+          <pc:sldMk cId="1325061211" sldId="256"/>
+        </pc:sldMkLst>
+        <pc:spChg chg="mod">
+          <ac:chgData name="Weifeng Xu" userId="e7aed605-a3dd-4d5a-a692-a87037af107b" providerId="ADAL" clId="{77503F2E-F3A0-409B-A511-BB14035E722B}" dt="2025-04-30T21:32:17.306" v="10"/>
+          <ac:spMkLst>
+            <pc:docMk/>
+            <pc:sldMk cId="1325061211" sldId="256"/>
+            <ac:spMk id="2" creationId="{00000000-0000-0000-0000-000000000000}"/>
+          </ac:spMkLst>
+        </pc:spChg>
+        <pc:spChg chg="mod">
+          <ac:chgData name="Weifeng Xu" userId="e7aed605-a3dd-4d5a-a692-a87037af107b" providerId="ADAL" clId="{77503F2E-F3A0-409B-A511-BB14035E722B}" dt="2025-04-30T21:32:19.688" v="11" actId="6549"/>
+          <ac:spMkLst>
+            <pc:docMk/>
+            <pc:sldMk cId="1325061211" sldId="256"/>
+            <ac:spMk id="3" creationId="{00000000-0000-0000-0000-000000000000}"/>
+          </ac:spMkLst>
+        </pc:spChg>
+      </pc:sldChg>
+      <pc:sldChg chg="addSp delSp modSp new mod modClrScheme chgLayout">
+        <pc:chgData name="Weifeng Xu" userId="e7aed605-a3dd-4d5a-a692-a87037af107b" providerId="ADAL" clId="{77503F2E-F3A0-409B-A511-BB14035E722B}" dt="2025-04-30T22:00:56.674" v="162" actId="14100"/>
+        <pc:sldMkLst>
+          <pc:docMk/>
+          <pc:sldMk cId="2003605107" sldId="257"/>
+        </pc:sldMkLst>
+      </pc:sldChg>
+      <pc:sldChg chg="del">
+        <pc:chgData name="Weifeng Xu" userId="e7aed605-a3dd-4d5a-a692-a87037af107b" providerId="ADAL" clId="{77503F2E-F3A0-409B-A511-BB14035E722B}" dt="2025-04-30T21:31:57.304" v="0" actId="47"/>
+        <pc:sldMkLst>
+          <pc:docMk/>
+          <pc:sldMk cId="2572427240" sldId="257"/>
+        </pc:sldMkLst>
+      </pc:sldChg>
+      <pc:sldChg chg="del">
+        <pc:chgData name="Weifeng Xu" userId="e7aed605-a3dd-4d5a-a692-a87037af107b" providerId="ADAL" clId="{77503F2E-F3A0-409B-A511-BB14035E722B}" dt="2025-04-30T21:31:57.413" v="1" actId="47"/>
+        <pc:sldMkLst>
+          <pc:docMk/>
+          <pc:sldMk cId="3100494254" sldId="258"/>
+        </pc:sldMkLst>
+      </pc:sldChg>
+      <pc:sldChg chg="addSp delSp modSp add mod modClrScheme chgLayout">
+        <pc:chgData name="Weifeng Xu" userId="e7aed605-a3dd-4d5a-a692-a87037af107b" providerId="ADAL" clId="{77503F2E-F3A0-409B-A511-BB14035E722B}" dt="2025-04-30T22:36:13.270" v="244" actId="27636"/>
+        <pc:sldMkLst>
+          <pc:docMk/>
+          <pc:sldMk cId="3148078500" sldId="258"/>
+        </pc:sldMkLst>
+      </pc:sldChg>
+      <pc:sldChg chg="del">
+        <pc:chgData name="Weifeng Xu" userId="e7aed605-a3dd-4d5a-a692-a87037af107b" providerId="ADAL" clId="{77503F2E-F3A0-409B-A511-BB14035E722B}" dt="2025-04-30T21:31:57.571" v="2" actId="47"/>
+        <pc:sldMkLst>
+          <pc:docMk/>
+          <pc:sldMk cId="1655253961" sldId="259"/>
+        </pc:sldMkLst>
+      </pc:sldChg>
+      <pc:sldChg chg="addSp delSp modSp new mod modClrScheme chgLayout">
+        <pc:chgData name="Weifeng Xu" userId="e7aed605-a3dd-4d5a-a692-a87037af107b" providerId="ADAL" clId="{77503F2E-F3A0-409B-A511-BB14035E722B}" dt="2025-05-01T02:24:49.515" v="1486" actId="1076"/>
+        <pc:sldMkLst>
+          <pc:docMk/>
+          <pc:sldMk cId="2942233055" sldId="259"/>
+        </pc:sldMkLst>
+      </pc:sldChg>
+      <pc:sldChg chg="del">
+        <pc:chgData name="Weifeng Xu" userId="e7aed605-a3dd-4d5a-a692-a87037af107b" providerId="ADAL" clId="{77503F2E-F3A0-409B-A511-BB14035E722B}" dt="2025-04-30T21:31:58.684" v="5" actId="47"/>
+        <pc:sldMkLst>
+          <pc:docMk/>
+          <pc:sldMk cId="3375603492" sldId="260"/>
+        </pc:sldMkLst>
+      </pc:sldChg>
+      <pc:sldChg chg="addSp delSp modSp new mod modClrScheme chgLayout modNotesTx">
+        <pc:chgData name="Weifeng Xu" userId="e7aed605-a3dd-4d5a-a692-a87037af107b" providerId="ADAL" clId="{77503F2E-F3A0-409B-A511-BB14035E722B}" dt="2025-04-30T23:57:46.285" v="501" actId="1076"/>
+        <pc:sldMkLst>
+          <pc:docMk/>
+          <pc:sldMk cId="4238292093" sldId="260"/>
+        </pc:sldMkLst>
+      </pc:sldChg>
+      <pc:sldChg chg="addSp delSp modSp new mod ord modClrScheme chgLayout modNotesTx">
+        <pc:chgData name="Weifeng Xu" userId="e7aed605-a3dd-4d5a-a692-a87037af107b" providerId="ADAL" clId="{77503F2E-F3A0-409B-A511-BB14035E722B}" dt="2025-05-01T00:20:09.257" v="663" actId="20577"/>
+        <pc:sldMkLst>
+          <pc:docMk/>
+          <pc:sldMk cId="773548588" sldId="261"/>
+        </pc:sldMkLst>
+      </pc:sldChg>
+      <pc:sldChg chg="del">
+        <pc:chgData name="Weifeng Xu" userId="e7aed605-a3dd-4d5a-a692-a87037af107b" providerId="ADAL" clId="{77503F2E-F3A0-409B-A511-BB14035E722B}" dt="2025-04-30T21:31:57.746" v="3" actId="47"/>
+        <pc:sldMkLst>
+          <pc:docMk/>
+          <pc:sldMk cId="909895920" sldId="261"/>
+        </pc:sldMkLst>
+      </pc:sldChg>
+      <pc:sldChg chg="del">
+        <pc:chgData name="Weifeng Xu" userId="e7aed605-a3dd-4d5a-a692-a87037af107b" providerId="ADAL" clId="{77503F2E-F3A0-409B-A511-BB14035E722B}" dt="2025-04-30T21:31:57.991" v="4" actId="47"/>
+        <pc:sldMkLst>
+          <pc:docMk/>
+          <pc:sldMk cId="1010189504" sldId="262"/>
+        </pc:sldMkLst>
+      </pc:sldChg>
+      <pc:sldChg chg="addSp modSp new mod ord modClrScheme chgLayout">
+        <pc:chgData name="Weifeng Xu" userId="e7aed605-a3dd-4d5a-a692-a87037af107b" providerId="ADAL" clId="{77503F2E-F3A0-409B-A511-BB14035E722B}" dt="2025-05-01T01:31:48.820" v="1112"/>
+        <pc:sldMkLst>
+          <pc:docMk/>
+          <pc:sldMk cId="3939068785" sldId="262"/>
+        </pc:sldMkLst>
+      </pc:sldChg>
+      <pc:sldChg chg="addSp delSp modSp new mod modClrScheme chgLayout">
+        <pc:chgData name="Weifeng Xu" userId="e7aed605-a3dd-4d5a-a692-a87037af107b" providerId="ADAL" clId="{77503F2E-F3A0-409B-A511-BB14035E722B}" dt="2025-05-01T01:30:59.453" v="1110" actId="207"/>
+        <pc:sldMkLst>
+          <pc:docMk/>
+          <pc:sldMk cId="2162073066" sldId="263"/>
+        </pc:sldMkLst>
+      </pc:sldChg>
+      <pc:sldChg chg="addSp delSp modSp new mod modClrScheme chgLayout">
+        <pc:chgData name="Weifeng Xu" userId="e7aed605-a3dd-4d5a-a692-a87037af107b" providerId="ADAL" clId="{77503F2E-F3A0-409B-A511-BB14035E722B}" dt="2025-05-01T02:28:32.993" v="1527"/>
+        <pc:sldMkLst>
+          <pc:docMk/>
+          <pc:sldMk cId="1975365164" sldId="264"/>
+        </pc:sldMkLst>
+      </pc:sldChg>
+      <pc:sldChg chg="addSp delSp modSp new mod">
+        <pc:chgData name="Weifeng Xu" userId="e7aed605-a3dd-4d5a-a692-a87037af107b" providerId="ADAL" clId="{77503F2E-F3A0-409B-A511-BB14035E722B}" dt="2025-05-01T16:11:44.655" v="2082" actId="1076"/>
+        <pc:sldMkLst>
+          <pc:docMk/>
+          <pc:sldMk cId="4163382801" sldId="265"/>
+        </pc:sldMkLst>
+      </pc:sldChg>
+      <pc:sldChg chg="addSp delSp modSp new mod modClrScheme chgLayout modNotesTx">
+        <pc:chgData name="Weifeng Xu" userId="e7aed605-a3dd-4d5a-a692-a87037af107b" providerId="ADAL" clId="{77503F2E-F3A0-409B-A511-BB14035E722B}" dt="2025-05-01T15:39:51.026" v="1945" actId="403"/>
+        <pc:sldMkLst>
+          <pc:docMk/>
+          <pc:sldMk cId="711940281" sldId="266"/>
+        </pc:sldMkLst>
+      </pc:sldChg>
+      <pc:sldChg chg="addSp delSp modSp new mod">
+        <pc:chgData name="Weifeng Xu" userId="e7aed605-a3dd-4d5a-a692-a87037af107b" providerId="ADAL" clId="{77503F2E-F3A0-409B-A511-BB14035E722B}" dt="2025-05-01T15:44:07.976" v="1954" actId="14100"/>
+        <pc:sldMkLst>
+          <pc:docMk/>
+          <pc:sldMk cId="3000902119" sldId="267"/>
+        </pc:sldMkLst>
+      </pc:sldChg>
+      <pc:sldChg chg="addSp modSp new mod modClrScheme chgLayout">
+        <pc:chgData name="Weifeng Xu" userId="e7aed605-a3dd-4d5a-a692-a87037af107b" providerId="ADAL" clId="{77503F2E-F3A0-409B-A511-BB14035E722B}" dt="2025-05-01T02:13:32.434" v="1403"/>
+        <pc:sldMkLst>
+          <pc:docMk/>
+          <pc:sldMk cId="70125468" sldId="268"/>
+        </pc:sldMkLst>
+      </pc:sldChg>
+      <pc:sldChg chg="modSp new mod">
+        <pc:chgData name="Weifeng Xu" userId="e7aed605-a3dd-4d5a-a692-a87037af107b" providerId="ADAL" clId="{77503F2E-F3A0-409B-A511-BB14035E722B}" dt="2025-05-01T18:53:56.374" v="2136" actId="20577"/>
+        <pc:sldMkLst>
+          <pc:docMk/>
+          <pc:sldMk cId="1829157120" sldId="269"/>
+        </pc:sldMkLst>
+      </pc:sldChg>
+      <pc:sldChg chg="addSp delSp modSp new mod modClrScheme chgLayout">
+        <pc:chgData name="Weifeng Xu" userId="e7aed605-a3dd-4d5a-a692-a87037af107b" providerId="ADAL" clId="{77503F2E-F3A0-409B-A511-BB14035E722B}" dt="2025-05-01T16:45:54.163" v="2089" actId="1076"/>
+        <pc:sldMkLst>
+          <pc:docMk/>
+          <pc:sldMk cId="1822568230" sldId="270"/>
+        </pc:sldMkLst>
+      </pc:sldChg>
+      <pc:sldChg chg="addSp modSp new mod modClrScheme chgLayout">
+        <pc:chgData name="Weifeng Xu" userId="e7aed605-a3dd-4d5a-a692-a87037af107b" providerId="ADAL" clId="{77503F2E-F3A0-409B-A511-BB14035E722B}" dt="2025-05-01T14:02:37.278" v="1563" actId="14100"/>
+        <pc:sldMkLst>
+          <pc:docMk/>
+          <pc:sldMk cId="929903445" sldId="271"/>
+        </pc:sldMkLst>
+      </pc:sldChg>
+      <pc:sldChg chg="addSp modSp new mod modClrScheme chgLayout">
+        <pc:chgData name="Weifeng Xu" userId="e7aed605-a3dd-4d5a-a692-a87037af107b" providerId="ADAL" clId="{77503F2E-F3A0-409B-A511-BB14035E722B}" dt="2025-05-01T15:30:04.850" v="1882" actId="14100"/>
+        <pc:sldMkLst>
+          <pc:docMk/>
+          <pc:sldMk cId="409369350" sldId="272"/>
+        </pc:sldMkLst>
+      </pc:sldChg>
+      <pc:sldChg chg="addSp delSp modSp new mod modClrScheme chgLayout">
+        <pc:chgData name="Weifeng Xu" userId="e7aed605-a3dd-4d5a-a692-a87037af107b" providerId="ADAL" clId="{77503F2E-F3A0-409B-A511-BB14035E722B}" dt="2025-05-01T14:59:11.283" v="1722" actId="20577"/>
+        <pc:sldMkLst>
+          <pc:docMk/>
+          <pc:sldMk cId="3399795082" sldId="273"/>
+        </pc:sldMkLst>
+      </pc:sldChg>
+      <pc:sldChg chg="addSp delSp modSp new mod modClrScheme chgLayout modNotesTx">
+        <pc:chgData name="Weifeng Xu" userId="e7aed605-a3dd-4d5a-a692-a87037af107b" providerId="ADAL" clId="{77503F2E-F3A0-409B-A511-BB14035E722B}" dt="2025-05-01T15:30:28.941" v="1887" actId="403"/>
+        <pc:sldMkLst>
+          <pc:docMk/>
+          <pc:sldMk cId="1313382436" sldId="274"/>
+        </pc:sldMkLst>
+      </pc:sldChg>
+      <pc:sldChg chg="addSp delSp modSp new mod modClrScheme chgLayout">
+        <pc:chgData name="Weifeng Xu" userId="e7aed605-a3dd-4d5a-a692-a87037af107b" providerId="ADAL" clId="{77503F2E-F3A0-409B-A511-BB14035E722B}" dt="2025-05-01T15:07:31.776" v="1818" actId="12"/>
+        <pc:sldMkLst>
+          <pc:docMk/>
+          <pc:sldMk cId="4170236264" sldId="275"/>
+        </pc:sldMkLst>
+      </pc:sldChg>
+      <pc:sldChg chg="addSp delSp modSp new mod ord modClrScheme chgLayout">
+        <pc:chgData name="Weifeng Xu" userId="e7aed605-a3dd-4d5a-a692-a87037af107b" providerId="ADAL" clId="{77503F2E-F3A0-409B-A511-BB14035E722B}" dt="2025-05-01T16:46:25.876" v="2093" actId="207"/>
+        <pc:sldMkLst>
+          <pc:docMk/>
+          <pc:sldMk cId="363184616" sldId="276"/>
+        </pc:sldMkLst>
+      </pc:sldChg>
+      <pc:sldChg chg="addSp modSp new del mod">
+        <pc:chgData name="Weifeng Xu" userId="e7aed605-a3dd-4d5a-a692-a87037af107b" providerId="ADAL" clId="{77503F2E-F3A0-409B-A511-BB14035E722B}" dt="2025-05-01T16:11:58.243" v="2083" actId="47"/>
+        <pc:sldMkLst>
+          <pc:docMk/>
+          <pc:sldMk cId="1433488969" sldId="276"/>
+        </pc:sldMkLst>
+      </pc:sldChg>
+      <pc:sldChg chg="addSp delSp modSp new del mod modClrScheme chgLayout">
+        <pc:chgData name="Weifeng Xu" userId="e7aed605-a3dd-4d5a-a692-a87037af107b" providerId="ADAL" clId="{77503F2E-F3A0-409B-A511-BB14035E722B}" dt="2025-05-01T15:56:30.529" v="2015" actId="680"/>
+        <pc:sldMkLst>
+          <pc:docMk/>
+          <pc:sldMk cId="1774214095" sldId="276"/>
+        </pc:sldMkLst>
+      </pc:sldChg>
+      <pc:sldChg chg="addSp modSp new del mod modClrScheme chgLayout">
+        <pc:chgData name="Weifeng Xu" userId="e7aed605-a3dd-4d5a-a692-a87037af107b" providerId="ADAL" clId="{77503F2E-F3A0-409B-A511-BB14035E722B}" dt="2025-05-01T15:40:18.963" v="1946" actId="47"/>
+        <pc:sldMkLst>
+          <pc:docMk/>
+          <pc:sldMk cId="3294603324" sldId="276"/>
+        </pc:sldMkLst>
+      </pc:sldChg>
+      <pc:sldChg chg="addSp modSp new mod modAnim">
+        <pc:chgData name="Weifeng Xu" userId="e7aed605-a3dd-4d5a-a692-a87037af107b" providerId="ADAL" clId="{77503F2E-F3A0-409B-A511-BB14035E722B}" dt="2025-05-01T18:53:39.456" v="2135" actId="1076"/>
+        <pc:sldMkLst>
+          <pc:docMk/>
+          <pc:sldMk cId="1572050356" sldId="277"/>
+        </pc:sldMkLst>
+      </pc:sldChg>
+      <pc:sldChg chg="add del">
+        <pc:chgData name="Weifeng Xu" userId="e7aed605-a3dd-4d5a-a692-a87037af107b" providerId="ADAL" clId="{77503F2E-F3A0-409B-A511-BB14035E722B}" dt="2025-05-01T18:49:24.473" v="2098"/>
+        <pc:sldMkLst>
+          <pc:docMk/>
+          <pc:sldMk cId="3665025083" sldId="277"/>
+        </pc:sldMkLst>
+      </pc:sldChg>
+      <pc:sldChg chg="add del">
+        <pc:chgData name="Weifeng Xu" userId="e7aed605-a3dd-4d5a-a692-a87037af107b" providerId="ADAL" clId="{77503F2E-F3A0-409B-A511-BB14035E722B}" dt="2025-05-01T18:49:10.145" v="2095"/>
+        <pc:sldMkLst>
+          <pc:docMk/>
+          <pc:sldMk cId="4149124542" sldId="277"/>
+        </pc:sldMkLst>
+      </pc:sldChg>
+    </pc:docChg>
+  </pc:docChgLst>
+  <pc:docChgLst>
+    <pc:chgData name="Weifeng Xu" userId="e7aed605-a3dd-4d5a-a692-a87037af107b" providerId="ADAL" clId="{9C06CBEB-0343-4287-8B81-0C702673DE5E}"/>
+    <pc:docChg chg="undo redo custSel addSld delSld modSld sldOrd">
+      <pc:chgData name="Weifeng Xu" userId="e7aed605-a3dd-4d5a-a692-a87037af107b" providerId="ADAL" clId="{9C06CBEB-0343-4287-8B81-0C702673DE5E}" dt="2025-04-23T23:34:27.047" v="4553" actId="1076"/>
+      <pc:docMkLst>
+        <pc:docMk/>
+      </pc:docMkLst>
+      <pc:sldChg chg="modSp mod">
+        <pc:chgData name="Weifeng Xu" userId="e7aed605-a3dd-4d5a-a692-a87037af107b" providerId="ADAL" clId="{9C06CBEB-0343-4287-8B81-0C702673DE5E}" dt="2025-04-23T01:31:59.756" v="4545" actId="20577"/>
+        <pc:sldMkLst>
+          <pc:docMk/>
+          <pc:sldMk cId="1325061211" sldId="256"/>
+        </pc:sldMkLst>
+        <pc:spChg chg="mod">
+          <ac:chgData name="Weifeng Xu" userId="e7aed605-a3dd-4d5a-a692-a87037af107b" providerId="ADAL" clId="{9C06CBEB-0343-4287-8B81-0C702673DE5E}" dt="2025-04-23T01:31:59.756" v="4545" actId="20577"/>
+          <ac:spMkLst>
+            <pc:docMk/>
+            <pc:sldMk cId="1325061211" sldId="256"/>
+            <ac:spMk id="2" creationId="{00000000-0000-0000-0000-000000000000}"/>
+          </ac:spMkLst>
+        </pc:spChg>
+      </pc:sldChg>
+      <pc:sldChg chg="addSp delSp modSp mod modClrScheme chgLayout">
+        <pc:chgData name="Weifeng Xu" userId="e7aed605-a3dd-4d5a-a692-a87037af107b" providerId="ADAL" clId="{9C06CBEB-0343-4287-8B81-0C702673DE5E}" dt="2025-04-20T02:53:00.098" v="242" actId="20577"/>
+        <pc:sldMkLst>
+          <pc:docMk/>
+          <pc:sldMk cId="2201572609" sldId="257"/>
+        </pc:sldMkLst>
+      </pc:sldChg>
+      <pc:sldChg chg="addSp delSp modSp mod modClrScheme chgLayout">
+        <pc:chgData name="Weifeng Xu" userId="e7aed605-a3dd-4d5a-a692-a87037af107b" providerId="ADAL" clId="{9C06CBEB-0343-4287-8B81-0C702673DE5E}" dt="2025-04-22T03:01:31.344" v="3590" actId="1076"/>
+        <pc:sldMkLst>
+          <pc:docMk/>
+          <pc:sldMk cId="450669007" sldId="258"/>
+        </pc:sldMkLst>
+      </pc:sldChg>
+      <pc:sldChg chg="addSp delSp modSp add mod">
+        <pc:chgData name="Weifeng Xu" userId="e7aed605-a3dd-4d5a-a692-a87037af107b" providerId="ADAL" clId="{9C06CBEB-0343-4287-8B81-0C702673DE5E}" dt="2025-04-23T00:43:03.009" v="4084" actId="20577"/>
+        <pc:sldMkLst>
+          <pc:docMk/>
+          <pc:sldMk cId="3233567480" sldId="259"/>
+        </pc:sldMkLst>
+      </pc:sldChg>
+      <pc:sldChg chg="addSp delSp modSp new mod">
+        <pc:chgData name="Weifeng Xu" userId="e7aed605-a3dd-4d5a-a692-a87037af107b" providerId="ADAL" clId="{9C06CBEB-0343-4287-8B81-0C702673DE5E}" dt="2025-04-21T12:06:27.352" v="1955" actId="1076"/>
+        <pc:sldMkLst>
+          <pc:docMk/>
+          <pc:sldMk cId="2715224073" sldId="260"/>
+        </pc:sldMkLst>
+      </pc:sldChg>
+      <pc:sldChg chg="addSp delSp modSp new mod modClrScheme chgLayout">
+        <pc:chgData name="Weifeng Xu" userId="e7aed605-a3dd-4d5a-a692-a87037af107b" providerId="ADAL" clId="{9C06CBEB-0343-4287-8B81-0C702673DE5E}" dt="2025-04-22T01:35:22.881" v="2625" actId="14100"/>
+        <pc:sldMkLst>
+          <pc:docMk/>
+          <pc:sldMk cId="1030786537" sldId="261"/>
+        </pc:sldMkLst>
+      </pc:sldChg>
+      <pc:sldChg chg="addSp delSp modSp new mod">
+        <pc:chgData name="Weifeng Xu" userId="e7aed605-a3dd-4d5a-a692-a87037af107b" providerId="ADAL" clId="{9C06CBEB-0343-4287-8B81-0C702673DE5E}" dt="2025-04-23T00:36:22.083" v="3996" actId="20577"/>
+        <pc:sldMkLst>
+          <pc:docMk/>
+          <pc:sldMk cId="3284022864" sldId="262"/>
+        </pc:sldMkLst>
+      </pc:sldChg>
+      <pc:sldChg chg="addSp delSp modSp new mod">
+        <pc:chgData name="Weifeng Xu" userId="e7aed605-a3dd-4d5a-a692-a87037af107b" providerId="ADAL" clId="{9C06CBEB-0343-4287-8B81-0C702673DE5E}" dt="2025-04-23T00:40:19.679" v="4005" actId="6549"/>
+        <pc:sldMkLst>
+          <pc:docMk/>
+          <pc:sldMk cId="786756272" sldId="263"/>
+        </pc:sldMkLst>
+      </pc:sldChg>
+      <pc:sldChg chg="addSp delSp modSp new mod modClrScheme chgLayout">
+        <pc:chgData name="Weifeng Xu" userId="e7aed605-a3dd-4d5a-a692-a87037af107b" providerId="ADAL" clId="{9C06CBEB-0343-4287-8B81-0C702673DE5E}" dt="2025-04-23T00:42:08.933" v="4070" actId="108"/>
+        <pc:sldMkLst>
+          <pc:docMk/>
+          <pc:sldMk cId="3548515090" sldId="264"/>
+        </pc:sldMkLst>
+      </pc:sldChg>
+      <pc:sldChg chg="addSp delSp modSp new mod modClrScheme chgLayout modNotesTx">
+        <pc:chgData name="Weifeng Xu" userId="e7aed605-a3dd-4d5a-a692-a87037af107b" providerId="ADAL" clId="{9C06CBEB-0343-4287-8B81-0C702673DE5E}" dt="2025-04-21T13:40:04.327" v="2094" actId="207"/>
+        <pc:sldMkLst>
+          <pc:docMk/>
+          <pc:sldMk cId="3523214092" sldId="265"/>
+        </pc:sldMkLst>
+      </pc:sldChg>
+      <pc:sldChg chg="addSp delSp modSp new mod ord modClrScheme chgLayout">
+        <pc:chgData name="Weifeng Xu" userId="e7aed605-a3dd-4d5a-a692-a87037af107b" providerId="ADAL" clId="{9C06CBEB-0343-4287-8B81-0C702673DE5E}" dt="2025-04-23T01:02:14.800" v="4310" actId="207"/>
+        <pc:sldMkLst>
+          <pc:docMk/>
+          <pc:sldMk cId="756868712" sldId="266"/>
+        </pc:sldMkLst>
+      </pc:sldChg>
+      <pc:sldChg chg="addSp delSp modSp add mod">
+        <pc:chgData name="Weifeng Xu" userId="e7aed605-a3dd-4d5a-a692-a87037af107b" providerId="ADAL" clId="{9C06CBEB-0343-4287-8B81-0C702673DE5E}" dt="2025-04-22T02:46:00.589" v="3485" actId="20577"/>
+        <pc:sldMkLst>
+          <pc:docMk/>
+          <pc:sldMk cId="2973990778" sldId="267"/>
+        </pc:sldMkLst>
+      </pc:sldChg>
+      <pc:sldChg chg="addSp delSp modSp add del mod">
+        <pc:chgData name="Weifeng Xu" userId="e7aed605-a3dd-4d5a-a692-a87037af107b" providerId="ADAL" clId="{9C06CBEB-0343-4287-8B81-0C702673DE5E}" dt="2025-04-22T12:56:50.206" v="3699" actId="1076"/>
+        <pc:sldMkLst>
+          <pc:docMk/>
+          <pc:sldMk cId="2042884208" sldId="268"/>
+        </pc:sldMkLst>
+      </pc:sldChg>
+      <pc:sldChg chg="addSp delSp modSp add mod modClrScheme chgLayout">
+        <pc:chgData name="Weifeng Xu" userId="e7aed605-a3dd-4d5a-a692-a87037af107b" providerId="ADAL" clId="{9C06CBEB-0343-4287-8B81-0C702673DE5E}" dt="2025-04-23T01:19:14.631" v="4375" actId="207"/>
+        <pc:sldMkLst>
+          <pc:docMk/>
+          <pc:sldMk cId="3256057421" sldId="269"/>
+        </pc:sldMkLst>
+      </pc:sldChg>
+      <pc:sldChg chg="addSp modSp add mod">
+        <pc:chgData name="Weifeng Xu" userId="e7aed605-a3dd-4d5a-a692-a87037af107b" providerId="ADAL" clId="{9C06CBEB-0343-4287-8B81-0C702673DE5E}" dt="2025-04-23T01:19:18.460" v="4376" actId="207"/>
+        <pc:sldMkLst>
+          <pc:docMk/>
+          <pc:sldMk cId="146876777" sldId="270"/>
+        </pc:sldMkLst>
+      </pc:sldChg>
+      <pc:sldChg chg="addSp delSp modSp add mod modClrScheme chgLayout">
+        <pc:chgData name="Weifeng Xu" userId="e7aed605-a3dd-4d5a-a692-a87037af107b" providerId="ADAL" clId="{9C06CBEB-0343-4287-8B81-0C702673DE5E}" dt="2025-04-23T01:26:00.614" v="4493" actId="1076"/>
+        <pc:sldMkLst>
+          <pc:docMk/>
+          <pc:sldMk cId="1939243851" sldId="271"/>
+        </pc:sldMkLst>
+      </pc:sldChg>
+      <pc:sldChg chg="addSp modSp new mod">
+        <pc:chgData name="Weifeng Xu" userId="e7aed605-a3dd-4d5a-a692-a87037af107b" providerId="ADAL" clId="{9C06CBEB-0343-4287-8B81-0C702673DE5E}" dt="2025-04-23T23:34:27.047" v="4553" actId="1076"/>
+        <pc:sldMkLst>
+          <pc:docMk/>
+          <pc:sldMk cId="2238745649" sldId="272"/>
+        </pc:sldMkLst>
+      </pc:sldChg>
+    </pc:docChg>
+  </pc:docChgLst>
+  <pc:docChgLst>
     <pc:chgData name="Weifeng Xu" userId="e7aed605-a3dd-4d5a-a692-a87037af107b" providerId="ADAL" clId="{B29BA757-A9E5-4E35-900E-70A7C044DEA3}"/>
     <pc:docChg chg="undo custSel addSld delSld modSld sldOrd">
       <pc:chgData name="Weifeng Xu" userId="e7aed605-a3dd-4d5a-a692-a87037af107b" providerId="ADAL" clId="{B29BA757-A9E5-4E35-900E-70A7C044DEA3}" dt="2025-05-08T20:26:31.713" v="2302"/>
@@ -2903,6 +2946,355 @@
             <ac:spMk id="3" creationId="{E3E9BEF8-C647-4ACB-A62B-0922FFFFC91A}"/>
           </ac:spMkLst>
         </pc:spChg>
+      </pc:sldChg>
+    </pc:docChg>
+  </pc:docChgLst>
+  <pc:docChgLst>
+    <pc:chgData name="Weifeng Xu" userId="e7aed605-a3dd-4d5a-a692-a87037af107b" providerId="ADAL" clId="{69090D41-60B8-4636-A275-1996D027DEDB}"/>
+    <pc:docChg chg="undo custSel addSld delSld modSld sldOrd">
+      <pc:chgData name="Weifeng Xu" userId="e7aed605-a3dd-4d5a-a692-a87037af107b" providerId="ADAL" clId="{69090D41-60B8-4636-A275-1996D027DEDB}" dt="2025-05-05T02:01:40.995" v="4514" actId="1076"/>
+      <pc:docMkLst>
+        <pc:docMk/>
+      </pc:docMkLst>
+      <pc:sldChg chg="modSp mod">
+        <pc:chgData name="Weifeng Xu" userId="e7aed605-a3dd-4d5a-a692-a87037af107b" providerId="ADAL" clId="{69090D41-60B8-4636-A275-1996D027DEDB}" dt="2025-05-03T20:45:02.331" v="33"/>
+        <pc:sldMkLst>
+          <pc:docMk/>
+          <pc:sldMk cId="1325061211" sldId="256"/>
+        </pc:sldMkLst>
+        <pc:spChg chg="mod">
+          <ac:chgData name="Weifeng Xu" userId="e7aed605-a3dd-4d5a-a692-a87037af107b" providerId="ADAL" clId="{69090D41-60B8-4636-A275-1996D027DEDB}" dt="2025-05-03T20:44:45.203" v="32" actId="27636"/>
+          <ac:spMkLst>
+            <pc:docMk/>
+            <pc:sldMk cId="1325061211" sldId="256"/>
+            <ac:spMk id="2" creationId="{00000000-0000-0000-0000-000000000000}"/>
+          </ac:spMkLst>
+        </pc:spChg>
+        <pc:spChg chg="mod">
+          <ac:chgData name="Weifeng Xu" userId="e7aed605-a3dd-4d5a-a692-a87037af107b" providerId="ADAL" clId="{69090D41-60B8-4636-A275-1996D027DEDB}" dt="2025-05-03T20:45:02.331" v="33"/>
+          <ac:spMkLst>
+            <pc:docMk/>
+            <pc:sldMk cId="1325061211" sldId="256"/>
+            <ac:spMk id="3" creationId="{00000000-0000-0000-0000-000000000000}"/>
+          </ac:spMkLst>
+        </pc:spChg>
+      </pc:sldChg>
+      <pc:sldChg chg="del">
+        <pc:chgData name="Weifeng Xu" userId="e7aed605-a3dd-4d5a-a692-a87037af107b" providerId="ADAL" clId="{69090D41-60B8-4636-A275-1996D027DEDB}" dt="2025-05-03T02:29:18.938" v="0" actId="47"/>
+        <pc:sldMkLst>
+          <pc:docMk/>
+          <pc:sldMk cId="1640287784" sldId="257"/>
+        </pc:sldMkLst>
+      </pc:sldChg>
+      <pc:sldChg chg="modSp new mod">
+        <pc:chgData name="Weifeng Xu" userId="e7aed605-a3dd-4d5a-a692-a87037af107b" providerId="ADAL" clId="{69090D41-60B8-4636-A275-1996D027DEDB}" dt="2025-05-03T20:45:36.690" v="43"/>
+        <pc:sldMkLst>
+          <pc:docMk/>
+          <pc:sldMk cId="3637650244" sldId="257"/>
+        </pc:sldMkLst>
+        <pc:spChg chg="mod">
+          <ac:chgData name="Weifeng Xu" userId="e7aed605-a3dd-4d5a-a692-a87037af107b" providerId="ADAL" clId="{69090D41-60B8-4636-A275-1996D027DEDB}" dt="2025-05-03T20:45:28.055" v="42" actId="20577"/>
+          <ac:spMkLst>
+            <pc:docMk/>
+            <pc:sldMk cId="3637650244" sldId="257"/>
+            <ac:spMk id="2" creationId="{581B0BDA-EADA-7012-694F-60F1BFB9D6D9}"/>
+          </ac:spMkLst>
+        </pc:spChg>
+        <pc:spChg chg="mod">
+          <ac:chgData name="Weifeng Xu" userId="e7aed605-a3dd-4d5a-a692-a87037af107b" providerId="ADAL" clId="{69090D41-60B8-4636-A275-1996D027DEDB}" dt="2025-05-03T20:45:36.690" v="43"/>
+          <ac:spMkLst>
+            <pc:docMk/>
+            <pc:sldMk cId="3637650244" sldId="257"/>
+            <ac:spMk id="3" creationId="{06162081-A63F-B575-CA37-6004D51E7702}"/>
+          </ac:spMkLst>
+        </pc:spChg>
+      </pc:sldChg>
+      <pc:sldChg chg="del">
+        <pc:chgData name="Weifeng Xu" userId="e7aed605-a3dd-4d5a-a692-a87037af107b" providerId="ADAL" clId="{69090D41-60B8-4636-A275-1996D027DEDB}" dt="2025-05-03T02:29:19.445" v="1" actId="47"/>
+        <pc:sldMkLst>
+          <pc:docMk/>
+          <pc:sldMk cId="717681411" sldId="258"/>
+        </pc:sldMkLst>
+      </pc:sldChg>
+      <pc:sldChg chg="addSp delSp modSp new mod modNotesTx">
+        <pc:chgData name="Weifeng Xu" userId="e7aed605-a3dd-4d5a-a692-a87037af107b" providerId="ADAL" clId="{69090D41-60B8-4636-A275-1996D027DEDB}" dt="2025-05-04T22:04:45.157" v="3868" actId="20577"/>
+        <pc:sldMkLst>
+          <pc:docMk/>
+          <pc:sldMk cId="2182874950" sldId="258"/>
+        </pc:sldMkLst>
+      </pc:sldChg>
+      <pc:sldChg chg="del">
+        <pc:chgData name="Weifeng Xu" userId="e7aed605-a3dd-4d5a-a692-a87037af107b" providerId="ADAL" clId="{69090D41-60B8-4636-A275-1996D027DEDB}" dt="2025-05-03T02:29:19.479" v="2" actId="47"/>
+        <pc:sldMkLst>
+          <pc:docMk/>
+          <pc:sldMk cId="3856045583" sldId="259"/>
+        </pc:sldMkLst>
+      </pc:sldChg>
+      <pc:sldChg chg="addSp delSp modSp new mod modClrScheme chgLayout">
+        <pc:chgData name="Weifeng Xu" userId="e7aed605-a3dd-4d5a-a692-a87037af107b" providerId="ADAL" clId="{69090D41-60B8-4636-A275-1996D027DEDB}" dt="2025-05-04T22:45:41.404" v="4018" actId="20577"/>
+        <pc:sldMkLst>
+          <pc:docMk/>
+          <pc:sldMk cId="3948614833" sldId="259"/>
+        </pc:sldMkLst>
+      </pc:sldChg>
+      <pc:sldChg chg="del">
+        <pc:chgData name="Weifeng Xu" userId="e7aed605-a3dd-4d5a-a692-a87037af107b" providerId="ADAL" clId="{69090D41-60B8-4636-A275-1996D027DEDB}" dt="2025-05-03T02:29:19.512" v="3" actId="47"/>
+        <pc:sldMkLst>
+          <pc:docMk/>
+          <pc:sldMk cId="1123301564" sldId="260"/>
+        </pc:sldMkLst>
+      </pc:sldChg>
+      <pc:sldChg chg="addSp delSp modSp new mod modClrScheme chgLayout">
+        <pc:chgData name="Weifeng Xu" userId="e7aed605-a3dd-4d5a-a692-a87037af107b" providerId="ADAL" clId="{69090D41-60B8-4636-A275-1996D027DEDB}" dt="2025-05-04T22:02:21.858" v="3831" actId="20577"/>
+        <pc:sldMkLst>
+          <pc:docMk/>
+          <pc:sldMk cId="2232272763" sldId="260"/>
+        </pc:sldMkLst>
+      </pc:sldChg>
+      <pc:sldChg chg="del">
+        <pc:chgData name="Weifeng Xu" userId="e7aed605-a3dd-4d5a-a692-a87037af107b" providerId="ADAL" clId="{69090D41-60B8-4636-A275-1996D027DEDB}" dt="2025-05-03T02:29:19.545" v="4" actId="47"/>
+        <pc:sldMkLst>
+          <pc:docMk/>
+          <pc:sldMk cId="805984163" sldId="261"/>
+        </pc:sldMkLst>
+      </pc:sldChg>
+      <pc:sldChg chg="addSp delSp modSp new mod modClrScheme chgLayout">
+        <pc:chgData name="Weifeng Xu" userId="e7aed605-a3dd-4d5a-a692-a87037af107b" providerId="ADAL" clId="{69090D41-60B8-4636-A275-1996D027DEDB}" dt="2025-05-04T20:34:48.379" v="3499" actId="6549"/>
+        <pc:sldMkLst>
+          <pc:docMk/>
+          <pc:sldMk cId="2892488957" sldId="261"/>
+        </pc:sldMkLst>
+      </pc:sldChg>
+      <pc:sldChg chg="addSp delSp modSp new mod modClrScheme chgLayout">
+        <pc:chgData name="Weifeng Xu" userId="e7aed605-a3dd-4d5a-a692-a87037af107b" providerId="ADAL" clId="{69090D41-60B8-4636-A275-1996D027DEDB}" dt="2025-05-04T22:12:00.114" v="3933" actId="404"/>
+        <pc:sldMkLst>
+          <pc:docMk/>
+          <pc:sldMk cId="151526665" sldId="262"/>
+        </pc:sldMkLst>
+      </pc:sldChg>
+      <pc:sldChg chg="del">
+        <pc:chgData name="Weifeng Xu" userId="e7aed605-a3dd-4d5a-a692-a87037af107b" providerId="ADAL" clId="{69090D41-60B8-4636-A275-1996D027DEDB}" dt="2025-05-03T02:29:19.586" v="5" actId="47"/>
+        <pc:sldMkLst>
+          <pc:docMk/>
+          <pc:sldMk cId="914522820" sldId="262"/>
+        </pc:sldMkLst>
+      </pc:sldChg>
+      <pc:sldChg chg="addSp delSp modSp new mod">
+        <pc:chgData name="Weifeng Xu" userId="e7aed605-a3dd-4d5a-a692-a87037af107b" providerId="ADAL" clId="{69090D41-60B8-4636-A275-1996D027DEDB}" dt="2025-05-04T20:22:41.257" v="3369"/>
+        <pc:sldMkLst>
+          <pc:docMk/>
+          <pc:sldMk cId="1683674305" sldId="263"/>
+        </pc:sldMkLst>
+      </pc:sldChg>
+      <pc:sldChg chg="del">
+        <pc:chgData name="Weifeng Xu" userId="e7aed605-a3dd-4d5a-a692-a87037af107b" providerId="ADAL" clId="{69090D41-60B8-4636-A275-1996D027DEDB}" dt="2025-05-03T02:29:19.623" v="6" actId="47"/>
+        <pc:sldMkLst>
+          <pc:docMk/>
+          <pc:sldMk cId="3784490461" sldId="263"/>
+        </pc:sldMkLst>
+      </pc:sldChg>
+      <pc:sldChg chg="addSp delSp modSp new mod modClrScheme chgLayout modNotesTx">
+        <pc:chgData name="Weifeng Xu" userId="e7aed605-a3dd-4d5a-a692-a87037af107b" providerId="ADAL" clId="{69090D41-60B8-4636-A275-1996D027DEDB}" dt="2025-05-04T19:49:37.200" v="2941" actId="6549"/>
+        <pc:sldMkLst>
+          <pc:docMk/>
+          <pc:sldMk cId="14529535" sldId="264"/>
+        </pc:sldMkLst>
+      </pc:sldChg>
+      <pc:sldChg chg="del">
+        <pc:chgData name="Weifeng Xu" userId="e7aed605-a3dd-4d5a-a692-a87037af107b" providerId="ADAL" clId="{69090D41-60B8-4636-A275-1996D027DEDB}" dt="2025-05-03T02:29:19.652" v="7" actId="47"/>
+        <pc:sldMkLst>
+          <pc:docMk/>
+          <pc:sldMk cId="1859847628" sldId="264"/>
+        </pc:sldMkLst>
+      </pc:sldChg>
+      <pc:sldChg chg="addSp delSp modSp new mod modClrScheme chgLayout">
+        <pc:chgData name="Weifeng Xu" userId="e7aed605-a3dd-4d5a-a692-a87037af107b" providerId="ADAL" clId="{69090D41-60B8-4636-A275-1996D027DEDB}" dt="2025-05-04T02:10:58.399" v="2040"/>
+        <pc:sldMkLst>
+          <pc:docMk/>
+          <pc:sldMk cId="2513134488" sldId="265"/>
+        </pc:sldMkLst>
+      </pc:sldChg>
+      <pc:sldChg chg="del">
+        <pc:chgData name="Weifeng Xu" userId="e7aed605-a3dd-4d5a-a692-a87037af107b" providerId="ADAL" clId="{69090D41-60B8-4636-A275-1996D027DEDB}" dt="2025-05-03T02:29:19.700" v="8" actId="47"/>
+        <pc:sldMkLst>
+          <pc:docMk/>
+          <pc:sldMk cId="2875748899" sldId="265"/>
+        </pc:sldMkLst>
+      </pc:sldChg>
+      <pc:sldChg chg="addSp delSp modSp new mod modClrScheme chgLayout">
+        <pc:chgData name="Weifeng Xu" userId="e7aed605-a3dd-4d5a-a692-a87037af107b" providerId="ADAL" clId="{69090D41-60B8-4636-A275-1996D027DEDB}" dt="2025-05-04T23:50:40.716" v="4038" actId="6549"/>
+        <pc:sldMkLst>
+          <pc:docMk/>
+          <pc:sldMk cId="2697101003" sldId="266"/>
+        </pc:sldMkLst>
+      </pc:sldChg>
+      <pc:sldChg chg="del">
+        <pc:chgData name="Weifeng Xu" userId="e7aed605-a3dd-4d5a-a692-a87037af107b" providerId="ADAL" clId="{69090D41-60B8-4636-A275-1996D027DEDB}" dt="2025-05-03T02:29:19.736" v="9" actId="47"/>
+        <pc:sldMkLst>
+          <pc:docMk/>
+          <pc:sldMk cId="3455260336" sldId="266"/>
+        </pc:sldMkLst>
+      </pc:sldChg>
+      <pc:sldChg chg="del">
+        <pc:chgData name="Weifeng Xu" userId="e7aed605-a3dd-4d5a-a692-a87037af107b" providerId="ADAL" clId="{69090D41-60B8-4636-A275-1996D027DEDB}" dt="2025-05-03T02:29:19.771" v="10" actId="47"/>
+        <pc:sldMkLst>
+          <pc:docMk/>
+          <pc:sldMk cId="2341961951" sldId="267"/>
+        </pc:sldMkLst>
+      </pc:sldChg>
+      <pc:sldChg chg="addSp delSp modSp new mod modClrScheme modAnim chgLayout">
+        <pc:chgData name="Weifeng Xu" userId="e7aed605-a3dd-4d5a-a692-a87037af107b" providerId="ADAL" clId="{69090D41-60B8-4636-A275-1996D027DEDB}" dt="2025-05-04T11:48:14.823" v="2052"/>
+        <pc:sldMkLst>
+          <pc:docMk/>
+          <pc:sldMk cId="2718594992" sldId="267"/>
+        </pc:sldMkLst>
+      </pc:sldChg>
+      <pc:sldChg chg="del">
+        <pc:chgData name="Weifeng Xu" userId="e7aed605-a3dd-4d5a-a692-a87037af107b" providerId="ADAL" clId="{69090D41-60B8-4636-A275-1996D027DEDB}" dt="2025-05-03T02:29:19.798" v="11" actId="47"/>
+        <pc:sldMkLst>
+          <pc:docMk/>
+          <pc:sldMk cId="1430309032" sldId="268"/>
+        </pc:sldMkLst>
+      </pc:sldChg>
+      <pc:sldChg chg="addSp delSp modSp new mod modClrScheme chgLayout modNotesTx">
+        <pc:chgData name="Weifeng Xu" userId="e7aed605-a3dd-4d5a-a692-a87037af107b" providerId="ADAL" clId="{69090D41-60B8-4636-A275-1996D027DEDB}" dt="2025-05-04T23:47:37.298" v="4026" actId="20577"/>
+        <pc:sldMkLst>
+          <pc:docMk/>
+          <pc:sldMk cId="2848934703" sldId="268"/>
+        </pc:sldMkLst>
+      </pc:sldChg>
+      <pc:sldChg chg="del">
+        <pc:chgData name="Weifeng Xu" userId="e7aed605-a3dd-4d5a-a692-a87037af107b" providerId="ADAL" clId="{69090D41-60B8-4636-A275-1996D027DEDB}" dt="2025-05-03T02:29:19.855" v="12" actId="47"/>
+        <pc:sldMkLst>
+          <pc:docMk/>
+          <pc:sldMk cId="2476079575" sldId="269"/>
+        </pc:sldMkLst>
+      </pc:sldChg>
+      <pc:sldChg chg="addSp delSp modSp new mod modClrScheme chgLayout">
+        <pc:chgData name="Weifeng Xu" userId="e7aed605-a3dd-4d5a-a692-a87037af107b" providerId="ADAL" clId="{69090D41-60B8-4636-A275-1996D027DEDB}" dt="2025-05-04T21:25:16.347" v="3795" actId="1076"/>
+        <pc:sldMkLst>
+          <pc:docMk/>
+          <pc:sldMk cId="2627592652" sldId="269"/>
+        </pc:sldMkLst>
+      </pc:sldChg>
+      <pc:sldChg chg="del">
+        <pc:chgData name="Weifeng Xu" userId="e7aed605-a3dd-4d5a-a692-a87037af107b" providerId="ADAL" clId="{69090D41-60B8-4636-A275-1996D027DEDB}" dt="2025-05-03T02:29:19.881" v="13" actId="47"/>
+        <pc:sldMkLst>
+          <pc:docMk/>
+          <pc:sldMk cId="2069138016" sldId="270"/>
+        </pc:sldMkLst>
+      </pc:sldChg>
+      <pc:sldChg chg="addSp modSp new del mod modClrScheme chgLayout">
+        <pc:chgData name="Weifeng Xu" userId="e7aed605-a3dd-4d5a-a692-a87037af107b" providerId="ADAL" clId="{69090D41-60B8-4636-A275-1996D027DEDB}" dt="2025-05-04T16:17:30.394" v="2661" actId="47"/>
+        <pc:sldMkLst>
+          <pc:docMk/>
+          <pc:sldMk cId="3686103974" sldId="270"/>
+        </pc:sldMkLst>
+      </pc:sldChg>
+      <pc:sldChg chg="addSp delSp modSp new mod ord modClrScheme chgLayout">
+        <pc:chgData name="Weifeng Xu" userId="e7aed605-a3dd-4d5a-a692-a87037af107b" providerId="ADAL" clId="{69090D41-60B8-4636-A275-1996D027DEDB}" dt="2025-05-05T01:21:44.476" v="4316" actId="1076"/>
+        <pc:sldMkLst>
+          <pc:docMk/>
+          <pc:sldMk cId="2150245760" sldId="271"/>
+        </pc:sldMkLst>
+      </pc:sldChg>
+      <pc:sldChg chg="addSp modSp new modAnim">
+        <pc:chgData name="Weifeng Xu" userId="e7aed605-a3dd-4d5a-a692-a87037af107b" providerId="ADAL" clId="{69090D41-60B8-4636-A275-1996D027DEDB}" dt="2025-05-04T16:50:45.261" v="2663"/>
+        <pc:sldMkLst>
+          <pc:docMk/>
+          <pc:sldMk cId="2888544228" sldId="272"/>
+        </pc:sldMkLst>
+      </pc:sldChg>
+      <pc:sldChg chg="addSp delSp modSp add mod modClrScheme chgLayout">
+        <pc:chgData name="Weifeng Xu" userId="e7aed605-a3dd-4d5a-a692-a87037af107b" providerId="ADAL" clId="{69090D41-60B8-4636-A275-1996D027DEDB}" dt="2025-05-05T00:12:48.273" v="4241" actId="1076"/>
+        <pc:sldMkLst>
+          <pc:docMk/>
+          <pc:sldMk cId="2994016025" sldId="273"/>
+        </pc:sldMkLst>
+      </pc:sldChg>
+      <pc:sldChg chg="addSp modSp new mod">
+        <pc:chgData name="Weifeng Xu" userId="e7aed605-a3dd-4d5a-a692-a87037af107b" providerId="ADAL" clId="{69090D41-60B8-4636-A275-1996D027DEDB}" dt="2025-05-05T01:09:51.415" v="4262" actId="14100"/>
+        <pc:sldMkLst>
+          <pc:docMk/>
+          <pc:sldMk cId="1783593539" sldId="274"/>
+        </pc:sldMkLst>
+      </pc:sldChg>
+      <pc:sldChg chg="addSp delSp modSp new mod modClrScheme chgLayout">
+        <pc:chgData name="Weifeng Xu" userId="e7aed605-a3dd-4d5a-a692-a87037af107b" providerId="ADAL" clId="{69090D41-60B8-4636-A275-1996D027DEDB}" dt="2025-05-04T23:50:17.691" v="4037" actId="1076"/>
+        <pc:sldMkLst>
+          <pc:docMk/>
+          <pc:sldMk cId="1245700757" sldId="275"/>
+        </pc:sldMkLst>
+      </pc:sldChg>
+      <pc:sldChg chg="addSp modSp new mod modClrScheme chgLayout">
+        <pc:chgData name="Weifeng Xu" userId="e7aed605-a3dd-4d5a-a692-a87037af107b" providerId="ADAL" clId="{69090D41-60B8-4636-A275-1996D027DEDB}" dt="2025-05-05T01:16:32.042" v="4267"/>
+        <pc:sldMkLst>
+          <pc:docMk/>
+          <pc:sldMk cId="495228592" sldId="276"/>
+        </pc:sldMkLst>
+      </pc:sldChg>
+      <pc:sldChg chg="addSp delSp modSp new mod modClrScheme chgLayout">
+        <pc:chgData name="Weifeng Xu" userId="e7aed605-a3dd-4d5a-a692-a87037af107b" providerId="ADAL" clId="{69090D41-60B8-4636-A275-1996D027DEDB}" dt="2025-05-05T01:25:53.851" v="4328" actId="1076"/>
+        <pc:sldMkLst>
+          <pc:docMk/>
+          <pc:sldMk cId="3629368376" sldId="277"/>
+        </pc:sldMkLst>
+      </pc:sldChg>
+      <pc:sldChg chg="addSp delSp modSp new mod modClrScheme chgLayout">
+        <pc:chgData name="Weifeng Xu" userId="e7aed605-a3dd-4d5a-a692-a87037af107b" providerId="ADAL" clId="{69090D41-60B8-4636-A275-1996D027DEDB}" dt="2025-05-05T01:32:44.557" v="4331"/>
+        <pc:sldMkLst>
+          <pc:docMk/>
+          <pc:sldMk cId="1472723351" sldId="278"/>
+        </pc:sldMkLst>
+      </pc:sldChg>
+      <pc:sldChg chg="addSp delSp modSp new del mod modClrScheme chgLayout">
+        <pc:chgData name="Weifeng Xu" userId="e7aed605-a3dd-4d5a-a692-a87037af107b" providerId="ADAL" clId="{69090D41-60B8-4636-A275-1996D027DEDB}" dt="2025-05-05T01:44:35.522" v="4366" actId="47"/>
+        <pc:sldMkLst>
+          <pc:docMk/>
+          <pc:sldMk cId="1885935106" sldId="279"/>
+        </pc:sldMkLst>
+      </pc:sldChg>
+      <pc:sldChg chg="addSp delSp modSp new mod modClrScheme chgLayout">
+        <pc:chgData name="Weifeng Xu" userId="e7aed605-a3dd-4d5a-a692-a87037af107b" providerId="ADAL" clId="{69090D41-60B8-4636-A275-1996D027DEDB}" dt="2025-05-05T01:40:17.329" v="4347" actId="14100"/>
+        <pc:sldMkLst>
+          <pc:docMk/>
+          <pc:sldMk cId="545826806" sldId="280"/>
+        </pc:sldMkLst>
+      </pc:sldChg>
+      <pc:sldChg chg="addSp modSp new mod modClrScheme chgLayout">
+        <pc:chgData name="Weifeng Xu" userId="e7aed605-a3dd-4d5a-a692-a87037af107b" providerId="ADAL" clId="{69090D41-60B8-4636-A275-1996D027DEDB}" dt="2025-05-05T01:42:07.354" v="4356" actId="207"/>
+        <pc:sldMkLst>
+          <pc:docMk/>
+          <pc:sldMk cId="1846476847" sldId="281"/>
+        </pc:sldMkLst>
+      </pc:sldChg>
+      <pc:sldChg chg="addSp delSp modSp new mod modClrScheme chgLayout">
+        <pc:chgData name="Weifeng Xu" userId="e7aed605-a3dd-4d5a-a692-a87037af107b" providerId="ADAL" clId="{69090D41-60B8-4636-A275-1996D027DEDB}" dt="2025-05-05T01:43:32.678" v="4364" actId="14100"/>
+        <pc:sldMkLst>
+          <pc:docMk/>
+          <pc:sldMk cId="1740457000" sldId="282"/>
+        </pc:sldMkLst>
+      </pc:sldChg>
+      <pc:sldChg chg="addSp delSp modSp new mod modClrScheme chgLayout">
+        <pc:chgData name="Weifeng Xu" userId="e7aed605-a3dd-4d5a-a692-a87037af107b" providerId="ADAL" clId="{69090D41-60B8-4636-A275-1996D027DEDB}" dt="2025-05-05T01:56:58.333" v="4492" actId="20577"/>
+        <pc:sldMkLst>
+          <pc:docMk/>
+          <pc:sldMk cId="1312178182" sldId="283"/>
+        </pc:sldMkLst>
+      </pc:sldChg>
+      <pc:sldChg chg="addSp delSp modSp new mod">
+        <pc:chgData name="Weifeng Xu" userId="e7aed605-a3dd-4d5a-a692-a87037af107b" providerId="ADAL" clId="{69090D41-60B8-4636-A275-1996D027DEDB}" dt="2025-05-05T02:01:40.995" v="4514" actId="1076"/>
+        <pc:sldMkLst>
+          <pc:docMk/>
+          <pc:sldMk cId="383624214" sldId="284"/>
+        </pc:sldMkLst>
+      </pc:sldChg>
+      <pc:sldChg chg="modSp new mod">
+        <pc:chgData name="Weifeng Xu" userId="e7aed605-a3dd-4d5a-a692-a87037af107b" providerId="ADAL" clId="{69090D41-60B8-4636-A275-1996D027DEDB}" dt="2025-05-05T01:59:56.660" v="4513"/>
+        <pc:sldMkLst>
+          <pc:docMk/>
+          <pc:sldMk cId="3552171113" sldId="285"/>
+        </pc:sldMkLst>
       </pc:sldChg>
     </pc:docChg>
   </pc:docChgLst>
@@ -3102,262 +3494,6 @@
     </pc:docChg>
   </pc:docChgLst>
   <pc:docChgLst>
-    <pc:chgData name="Weifeng Xu" userId="e7aed605-a3dd-4d5a-a692-a87037af107b" providerId="ADAL" clId="{77503F2E-F3A0-409B-A511-BB14035E722B}"/>
-    <pc:docChg chg="undo custSel addSld delSld modSld sldOrd">
-      <pc:chgData name="Weifeng Xu" userId="e7aed605-a3dd-4d5a-a692-a87037af107b" providerId="ADAL" clId="{77503F2E-F3A0-409B-A511-BB14035E722B}" dt="2025-05-01T18:53:56.374" v="2136" actId="20577"/>
-      <pc:docMkLst>
-        <pc:docMk/>
-      </pc:docMkLst>
-      <pc:sldChg chg="addSp modSp mod">
-        <pc:chgData name="Weifeng Xu" userId="e7aed605-a3dd-4d5a-a692-a87037af107b" providerId="ADAL" clId="{77503F2E-F3A0-409B-A511-BB14035E722B}" dt="2025-04-30T22:37:51.320" v="275" actId="1076"/>
-        <pc:sldMkLst>
-          <pc:docMk/>
-          <pc:sldMk cId="1325061211" sldId="256"/>
-        </pc:sldMkLst>
-        <pc:spChg chg="mod">
-          <ac:chgData name="Weifeng Xu" userId="e7aed605-a3dd-4d5a-a692-a87037af107b" providerId="ADAL" clId="{77503F2E-F3A0-409B-A511-BB14035E722B}" dt="2025-04-30T21:32:17.306" v="10"/>
-          <ac:spMkLst>
-            <pc:docMk/>
-            <pc:sldMk cId="1325061211" sldId="256"/>
-            <ac:spMk id="2" creationId="{00000000-0000-0000-0000-000000000000}"/>
-          </ac:spMkLst>
-        </pc:spChg>
-        <pc:spChg chg="mod">
-          <ac:chgData name="Weifeng Xu" userId="e7aed605-a3dd-4d5a-a692-a87037af107b" providerId="ADAL" clId="{77503F2E-F3A0-409B-A511-BB14035E722B}" dt="2025-04-30T21:32:19.688" v="11" actId="6549"/>
-          <ac:spMkLst>
-            <pc:docMk/>
-            <pc:sldMk cId="1325061211" sldId="256"/>
-            <ac:spMk id="3" creationId="{00000000-0000-0000-0000-000000000000}"/>
-          </ac:spMkLst>
-        </pc:spChg>
-      </pc:sldChg>
-      <pc:sldChg chg="addSp delSp modSp new mod modClrScheme chgLayout">
-        <pc:chgData name="Weifeng Xu" userId="e7aed605-a3dd-4d5a-a692-a87037af107b" providerId="ADAL" clId="{77503F2E-F3A0-409B-A511-BB14035E722B}" dt="2025-04-30T22:00:56.674" v="162" actId="14100"/>
-        <pc:sldMkLst>
-          <pc:docMk/>
-          <pc:sldMk cId="2003605107" sldId="257"/>
-        </pc:sldMkLst>
-      </pc:sldChg>
-      <pc:sldChg chg="del">
-        <pc:chgData name="Weifeng Xu" userId="e7aed605-a3dd-4d5a-a692-a87037af107b" providerId="ADAL" clId="{77503F2E-F3A0-409B-A511-BB14035E722B}" dt="2025-04-30T21:31:57.304" v="0" actId="47"/>
-        <pc:sldMkLst>
-          <pc:docMk/>
-          <pc:sldMk cId="2572427240" sldId="257"/>
-        </pc:sldMkLst>
-      </pc:sldChg>
-      <pc:sldChg chg="del">
-        <pc:chgData name="Weifeng Xu" userId="e7aed605-a3dd-4d5a-a692-a87037af107b" providerId="ADAL" clId="{77503F2E-F3A0-409B-A511-BB14035E722B}" dt="2025-04-30T21:31:57.413" v="1" actId="47"/>
-        <pc:sldMkLst>
-          <pc:docMk/>
-          <pc:sldMk cId="3100494254" sldId="258"/>
-        </pc:sldMkLst>
-      </pc:sldChg>
-      <pc:sldChg chg="addSp delSp modSp add mod modClrScheme chgLayout">
-        <pc:chgData name="Weifeng Xu" userId="e7aed605-a3dd-4d5a-a692-a87037af107b" providerId="ADAL" clId="{77503F2E-F3A0-409B-A511-BB14035E722B}" dt="2025-04-30T22:36:13.270" v="244" actId="27636"/>
-        <pc:sldMkLst>
-          <pc:docMk/>
-          <pc:sldMk cId="3148078500" sldId="258"/>
-        </pc:sldMkLst>
-      </pc:sldChg>
-      <pc:sldChg chg="del">
-        <pc:chgData name="Weifeng Xu" userId="e7aed605-a3dd-4d5a-a692-a87037af107b" providerId="ADAL" clId="{77503F2E-F3A0-409B-A511-BB14035E722B}" dt="2025-04-30T21:31:57.571" v="2" actId="47"/>
-        <pc:sldMkLst>
-          <pc:docMk/>
-          <pc:sldMk cId="1655253961" sldId="259"/>
-        </pc:sldMkLst>
-      </pc:sldChg>
-      <pc:sldChg chg="addSp delSp modSp new mod modClrScheme chgLayout">
-        <pc:chgData name="Weifeng Xu" userId="e7aed605-a3dd-4d5a-a692-a87037af107b" providerId="ADAL" clId="{77503F2E-F3A0-409B-A511-BB14035E722B}" dt="2025-05-01T02:24:49.515" v="1486" actId="1076"/>
-        <pc:sldMkLst>
-          <pc:docMk/>
-          <pc:sldMk cId="2942233055" sldId="259"/>
-        </pc:sldMkLst>
-      </pc:sldChg>
-      <pc:sldChg chg="del">
-        <pc:chgData name="Weifeng Xu" userId="e7aed605-a3dd-4d5a-a692-a87037af107b" providerId="ADAL" clId="{77503F2E-F3A0-409B-A511-BB14035E722B}" dt="2025-04-30T21:31:58.684" v="5" actId="47"/>
-        <pc:sldMkLst>
-          <pc:docMk/>
-          <pc:sldMk cId="3375603492" sldId="260"/>
-        </pc:sldMkLst>
-      </pc:sldChg>
-      <pc:sldChg chg="addSp delSp modSp new mod modClrScheme chgLayout modNotesTx">
-        <pc:chgData name="Weifeng Xu" userId="e7aed605-a3dd-4d5a-a692-a87037af107b" providerId="ADAL" clId="{77503F2E-F3A0-409B-A511-BB14035E722B}" dt="2025-04-30T23:57:46.285" v="501" actId="1076"/>
-        <pc:sldMkLst>
-          <pc:docMk/>
-          <pc:sldMk cId="4238292093" sldId="260"/>
-        </pc:sldMkLst>
-      </pc:sldChg>
-      <pc:sldChg chg="addSp delSp modSp new mod ord modClrScheme chgLayout modNotesTx">
-        <pc:chgData name="Weifeng Xu" userId="e7aed605-a3dd-4d5a-a692-a87037af107b" providerId="ADAL" clId="{77503F2E-F3A0-409B-A511-BB14035E722B}" dt="2025-05-01T00:20:09.257" v="663" actId="20577"/>
-        <pc:sldMkLst>
-          <pc:docMk/>
-          <pc:sldMk cId="773548588" sldId="261"/>
-        </pc:sldMkLst>
-      </pc:sldChg>
-      <pc:sldChg chg="del">
-        <pc:chgData name="Weifeng Xu" userId="e7aed605-a3dd-4d5a-a692-a87037af107b" providerId="ADAL" clId="{77503F2E-F3A0-409B-A511-BB14035E722B}" dt="2025-04-30T21:31:57.746" v="3" actId="47"/>
-        <pc:sldMkLst>
-          <pc:docMk/>
-          <pc:sldMk cId="909895920" sldId="261"/>
-        </pc:sldMkLst>
-      </pc:sldChg>
-      <pc:sldChg chg="del">
-        <pc:chgData name="Weifeng Xu" userId="e7aed605-a3dd-4d5a-a692-a87037af107b" providerId="ADAL" clId="{77503F2E-F3A0-409B-A511-BB14035E722B}" dt="2025-04-30T21:31:57.991" v="4" actId="47"/>
-        <pc:sldMkLst>
-          <pc:docMk/>
-          <pc:sldMk cId="1010189504" sldId="262"/>
-        </pc:sldMkLst>
-      </pc:sldChg>
-      <pc:sldChg chg="addSp modSp new mod ord modClrScheme chgLayout">
-        <pc:chgData name="Weifeng Xu" userId="e7aed605-a3dd-4d5a-a692-a87037af107b" providerId="ADAL" clId="{77503F2E-F3A0-409B-A511-BB14035E722B}" dt="2025-05-01T01:31:48.820" v="1112"/>
-        <pc:sldMkLst>
-          <pc:docMk/>
-          <pc:sldMk cId="3939068785" sldId="262"/>
-        </pc:sldMkLst>
-      </pc:sldChg>
-      <pc:sldChg chg="addSp delSp modSp new mod modClrScheme chgLayout">
-        <pc:chgData name="Weifeng Xu" userId="e7aed605-a3dd-4d5a-a692-a87037af107b" providerId="ADAL" clId="{77503F2E-F3A0-409B-A511-BB14035E722B}" dt="2025-05-01T01:30:59.453" v="1110" actId="207"/>
-        <pc:sldMkLst>
-          <pc:docMk/>
-          <pc:sldMk cId="2162073066" sldId="263"/>
-        </pc:sldMkLst>
-      </pc:sldChg>
-      <pc:sldChg chg="addSp delSp modSp new mod modClrScheme chgLayout">
-        <pc:chgData name="Weifeng Xu" userId="e7aed605-a3dd-4d5a-a692-a87037af107b" providerId="ADAL" clId="{77503F2E-F3A0-409B-A511-BB14035E722B}" dt="2025-05-01T02:28:32.993" v="1527"/>
-        <pc:sldMkLst>
-          <pc:docMk/>
-          <pc:sldMk cId="1975365164" sldId="264"/>
-        </pc:sldMkLst>
-      </pc:sldChg>
-      <pc:sldChg chg="addSp delSp modSp new mod">
-        <pc:chgData name="Weifeng Xu" userId="e7aed605-a3dd-4d5a-a692-a87037af107b" providerId="ADAL" clId="{77503F2E-F3A0-409B-A511-BB14035E722B}" dt="2025-05-01T16:11:44.655" v="2082" actId="1076"/>
-        <pc:sldMkLst>
-          <pc:docMk/>
-          <pc:sldMk cId="4163382801" sldId="265"/>
-        </pc:sldMkLst>
-      </pc:sldChg>
-      <pc:sldChg chg="addSp delSp modSp new mod modClrScheme chgLayout modNotesTx">
-        <pc:chgData name="Weifeng Xu" userId="e7aed605-a3dd-4d5a-a692-a87037af107b" providerId="ADAL" clId="{77503F2E-F3A0-409B-A511-BB14035E722B}" dt="2025-05-01T15:39:51.026" v="1945" actId="403"/>
-        <pc:sldMkLst>
-          <pc:docMk/>
-          <pc:sldMk cId="711940281" sldId="266"/>
-        </pc:sldMkLst>
-      </pc:sldChg>
-      <pc:sldChg chg="addSp delSp modSp new mod">
-        <pc:chgData name="Weifeng Xu" userId="e7aed605-a3dd-4d5a-a692-a87037af107b" providerId="ADAL" clId="{77503F2E-F3A0-409B-A511-BB14035E722B}" dt="2025-05-01T15:44:07.976" v="1954" actId="14100"/>
-        <pc:sldMkLst>
-          <pc:docMk/>
-          <pc:sldMk cId="3000902119" sldId="267"/>
-        </pc:sldMkLst>
-      </pc:sldChg>
-      <pc:sldChg chg="addSp modSp new mod modClrScheme chgLayout">
-        <pc:chgData name="Weifeng Xu" userId="e7aed605-a3dd-4d5a-a692-a87037af107b" providerId="ADAL" clId="{77503F2E-F3A0-409B-A511-BB14035E722B}" dt="2025-05-01T02:13:32.434" v="1403"/>
-        <pc:sldMkLst>
-          <pc:docMk/>
-          <pc:sldMk cId="70125468" sldId="268"/>
-        </pc:sldMkLst>
-      </pc:sldChg>
-      <pc:sldChg chg="modSp new mod">
-        <pc:chgData name="Weifeng Xu" userId="e7aed605-a3dd-4d5a-a692-a87037af107b" providerId="ADAL" clId="{77503F2E-F3A0-409B-A511-BB14035E722B}" dt="2025-05-01T18:53:56.374" v="2136" actId="20577"/>
-        <pc:sldMkLst>
-          <pc:docMk/>
-          <pc:sldMk cId="1829157120" sldId="269"/>
-        </pc:sldMkLst>
-      </pc:sldChg>
-      <pc:sldChg chg="addSp delSp modSp new mod modClrScheme chgLayout">
-        <pc:chgData name="Weifeng Xu" userId="e7aed605-a3dd-4d5a-a692-a87037af107b" providerId="ADAL" clId="{77503F2E-F3A0-409B-A511-BB14035E722B}" dt="2025-05-01T16:45:54.163" v="2089" actId="1076"/>
-        <pc:sldMkLst>
-          <pc:docMk/>
-          <pc:sldMk cId="1822568230" sldId="270"/>
-        </pc:sldMkLst>
-      </pc:sldChg>
-      <pc:sldChg chg="addSp modSp new mod modClrScheme chgLayout">
-        <pc:chgData name="Weifeng Xu" userId="e7aed605-a3dd-4d5a-a692-a87037af107b" providerId="ADAL" clId="{77503F2E-F3A0-409B-A511-BB14035E722B}" dt="2025-05-01T14:02:37.278" v="1563" actId="14100"/>
-        <pc:sldMkLst>
-          <pc:docMk/>
-          <pc:sldMk cId="929903445" sldId="271"/>
-        </pc:sldMkLst>
-      </pc:sldChg>
-      <pc:sldChg chg="addSp modSp new mod modClrScheme chgLayout">
-        <pc:chgData name="Weifeng Xu" userId="e7aed605-a3dd-4d5a-a692-a87037af107b" providerId="ADAL" clId="{77503F2E-F3A0-409B-A511-BB14035E722B}" dt="2025-05-01T15:30:04.850" v="1882" actId="14100"/>
-        <pc:sldMkLst>
-          <pc:docMk/>
-          <pc:sldMk cId="409369350" sldId="272"/>
-        </pc:sldMkLst>
-      </pc:sldChg>
-      <pc:sldChg chg="addSp delSp modSp new mod modClrScheme chgLayout">
-        <pc:chgData name="Weifeng Xu" userId="e7aed605-a3dd-4d5a-a692-a87037af107b" providerId="ADAL" clId="{77503F2E-F3A0-409B-A511-BB14035E722B}" dt="2025-05-01T14:59:11.283" v="1722" actId="20577"/>
-        <pc:sldMkLst>
-          <pc:docMk/>
-          <pc:sldMk cId="3399795082" sldId="273"/>
-        </pc:sldMkLst>
-      </pc:sldChg>
-      <pc:sldChg chg="addSp delSp modSp new mod modClrScheme chgLayout modNotesTx">
-        <pc:chgData name="Weifeng Xu" userId="e7aed605-a3dd-4d5a-a692-a87037af107b" providerId="ADAL" clId="{77503F2E-F3A0-409B-A511-BB14035E722B}" dt="2025-05-01T15:30:28.941" v="1887" actId="403"/>
-        <pc:sldMkLst>
-          <pc:docMk/>
-          <pc:sldMk cId="1313382436" sldId="274"/>
-        </pc:sldMkLst>
-      </pc:sldChg>
-      <pc:sldChg chg="addSp delSp modSp new mod modClrScheme chgLayout">
-        <pc:chgData name="Weifeng Xu" userId="e7aed605-a3dd-4d5a-a692-a87037af107b" providerId="ADAL" clId="{77503F2E-F3A0-409B-A511-BB14035E722B}" dt="2025-05-01T15:07:31.776" v="1818" actId="12"/>
-        <pc:sldMkLst>
-          <pc:docMk/>
-          <pc:sldMk cId="4170236264" sldId="275"/>
-        </pc:sldMkLst>
-      </pc:sldChg>
-      <pc:sldChg chg="addSp delSp modSp new mod ord modClrScheme chgLayout">
-        <pc:chgData name="Weifeng Xu" userId="e7aed605-a3dd-4d5a-a692-a87037af107b" providerId="ADAL" clId="{77503F2E-F3A0-409B-A511-BB14035E722B}" dt="2025-05-01T16:46:25.876" v="2093" actId="207"/>
-        <pc:sldMkLst>
-          <pc:docMk/>
-          <pc:sldMk cId="363184616" sldId="276"/>
-        </pc:sldMkLst>
-      </pc:sldChg>
-      <pc:sldChg chg="addSp modSp new del mod">
-        <pc:chgData name="Weifeng Xu" userId="e7aed605-a3dd-4d5a-a692-a87037af107b" providerId="ADAL" clId="{77503F2E-F3A0-409B-A511-BB14035E722B}" dt="2025-05-01T16:11:58.243" v="2083" actId="47"/>
-        <pc:sldMkLst>
-          <pc:docMk/>
-          <pc:sldMk cId="1433488969" sldId="276"/>
-        </pc:sldMkLst>
-      </pc:sldChg>
-      <pc:sldChg chg="addSp delSp modSp new del mod modClrScheme chgLayout">
-        <pc:chgData name="Weifeng Xu" userId="e7aed605-a3dd-4d5a-a692-a87037af107b" providerId="ADAL" clId="{77503F2E-F3A0-409B-A511-BB14035E722B}" dt="2025-05-01T15:56:30.529" v="2015" actId="680"/>
-        <pc:sldMkLst>
-          <pc:docMk/>
-          <pc:sldMk cId="1774214095" sldId="276"/>
-        </pc:sldMkLst>
-      </pc:sldChg>
-      <pc:sldChg chg="addSp modSp new del mod modClrScheme chgLayout">
-        <pc:chgData name="Weifeng Xu" userId="e7aed605-a3dd-4d5a-a692-a87037af107b" providerId="ADAL" clId="{77503F2E-F3A0-409B-A511-BB14035E722B}" dt="2025-05-01T15:40:18.963" v="1946" actId="47"/>
-        <pc:sldMkLst>
-          <pc:docMk/>
-          <pc:sldMk cId="3294603324" sldId="276"/>
-        </pc:sldMkLst>
-      </pc:sldChg>
-      <pc:sldChg chg="addSp modSp new mod modAnim">
-        <pc:chgData name="Weifeng Xu" userId="e7aed605-a3dd-4d5a-a692-a87037af107b" providerId="ADAL" clId="{77503F2E-F3A0-409B-A511-BB14035E722B}" dt="2025-05-01T18:53:39.456" v="2135" actId="1076"/>
-        <pc:sldMkLst>
-          <pc:docMk/>
-          <pc:sldMk cId="1572050356" sldId="277"/>
-        </pc:sldMkLst>
-      </pc:sldChg>
-      <pc:sldChg chg="add del">
-        <pc:chgData name="Weifeng Xu" userId="e7aed605-a3dd-4d5a-a692-a87037af107b" providerId="ADAL" clId="{77503F2E-F3A0-409B-A511-BB14035E722B}" dt="2025-05-01T18:49:24.473" v="2098"/>
-        <pc:sldMkLst>
-          <pc:docMk/>
-          <pc:sldMk cId="3665025083" sldId="277"/>
-        </pc:sldMkLst>
-      </pc:sldChg>
-      <pc:sldChg chg="add del">
-        <pc:chgData name="Weifeng Xu" userId="e7aed605-a3dd-4d5a-a692-a87037af107b" providerId="ADAL" clId="{77503F2E-F3A0-409B-A511-BB14035E722B}" dt="2025-05-01T18:49:10.145" v="2095"/>
-        <pc:sldMkLst>
-          <pc:docMk/>
-          <pc:sldMk cId="4149124542" sldId="277"/>
-        </pc:sldMkLst>
-      </pc:sldChg>
-    </pc:docChg>
-  </pc:docChgLst>
-  <pc:docChgLst>
     <pc:chgData name="Weifeng Xu" userId="e7aed605-a3dd-4d5a-a692-a87037af107b" providerId="ADAL" clId="{30C724EF-4842-4D28-AD5E-F8ADBCCE7FC4}"/>
     <pc:docChg chg="undo custSel addSld delSld modSld">
       <pc:chgData name="Weifeng Xu" userId="e7aed605-a3dd-4d5a-a692-a87037af107b" providerId="ADAL" clId="{30C724EF-4842-4D28-AD5E-F8ADBCCE7FC4}" dt="2025-05-02T15:10:40.316" v="141" actId="1076"/>
@@ -3630,142 +3766,6 @@
         <pc:sldMkLst>
           <pc:docMk/>
           <pc:sldMk cId="1572050356" sldId="277"/>
-        </pc:sldMkLst>
-      </pc:sldChg>
-    </pc:docChg>
-  </pc:docChgLst>
-  <pc:docChgLst>
-    <pc:chgData name="Weifeng Xu" userId="e7aed605-a3dd-4d5a-a692-a87037af107b" providerId="ADAL" clId="{9C06CBEB-0343-4287-8B81-0C702673DE5E}"/>
-    <pc:docChg chg="undo redo custSel addSld delSld modSld sldOrd">
-      <pc:chgData name="Weifeng Xu" userId="e7aed605-a3dd-4d5a-a692-a87037af107b" providerId="ADAL" clId="{9C06CBEB-0343-4287-8B81-0C702673DE5E}" dt="2025-04-23T23:34:27.047" v="4553" actId="1076"/>
-      <pc:docMkLst>
-        <pc:docMk/>
-      </pc:docMkLst>
-      <pc:sldChg chg="modSp mod">
-        <pc:chgData name="Weifeng Xu" userId="e7aed605-a3dd-4d5a-a692-a87037af107b" providerId="ADAL" clId="{9C06CBEB-0343-4287-8B81-0C702673DE5E}" dt="2025-04-23T01:31:59.756" v="4545" actId="20577"/>
-        <pc:sldMkLst>
-          <pc:docMk/>
-          <pc:sldMk cId="1325061211" sldId="256"/>
-        </pc:sldMkLst>
-        <pc:spChg chg="mod">
-          <ac:chgData name="Weifeng Xu" userId="e7aed605-a3dd-4d5a-a692-a87037af107b" providerId="ADAL" clId="{9C06CBEB-0343-4287-8B81-0C702673DE5E}" dt="2025-04-23T01:31:59.756" v="4545" actId="20577"/>
-          <ac:spMkLst>
-            <pc:docMk/>
-            <pc:sldMk cId="1325061211" sldId="256"/>
-            <ac:spMk id="2" creationId="{00000000-0000-0000-0000-000000000000}"/>
-          </ac:spMkLst>
-        </pc:spChg>
-      </pc:sldChg>
-      <pc:sldChg chg="addSp delSp modSp mod modClrScheme chgLayout">
-        <pc:chgData name="Weifeng Xu" userId="e7aed605-a3dd-4d5a-a692-a87037af107b" providerId="ADAL" clId="{9C06CBEB-0343-4287-8B81-0C702673DE5E}" dt="2025-04-20T02:53:00.098" v="242" actId="20577"/>
-        <pc:sldMkLst>
-          <pc:docMk/>
-          <pc:sldMk cId="2201572609" sldId="257"/>
-        </pc:sldMkLst>
-      </pc:sldChg>
-      <pc:sldChg chg="addSp delSp modSp mod modClrScheme chgLayout">
-        <pc:chgData name="Weifeng Xu" userId="e7aed605-a3dd-4d5a-a692-a87037af107b" providerId="ADAL" clId="{9C06CBEB-0343-4287-8B81-0C702673DE5E}" dt="2025-04-22T03:01:31.344" v="3590" actId="1076"/>
-        <pc:sldMkLst>
-          <pc:docMk/>
-          <pc:sldMk cId="450669007" sldId="258"/>
-        </pc:sldMkLst>
-      </pc:sldChg>
-      <pc:sldChg chg="addSp delSp modSp add mod">
-        <pc:chgData name="Weifeng Xu" userId="e7aed605-a3dd-4d5a-a692-a87037af107b" providerId="ADAL" clId="{9C06CBEB-0343-4287-8B81-0C702673DE5E}" dt="2025-04-23T00:43:03.009" v="4084" actId="20577"/>
-        <pc:sldMkLst>
-          <pc:docMk/>
-          <pc:sldMk cId="3233567480" sldId="259"/>
-        </pc:sldMkLst>
-      </pc:sldChg>
-      <pc:sldChg chg="addSp delSp modSp new mod">
-        <pc:chgData name="Weifeng Xu" userId="e7aed605-a3dd-4d5a-a692-a87037af107b" providerId="ADAL" clId="{9C06CBEB-0343-4287-8B81-0C702673DE5E}" dt="2025-04-21T12:06:27.352" v="1955" actId="1076"/>
-        <pc:sldMkLst>
-          <pc:docMk/>
-          <pc:sldMk cId="2715224073" sldId="260"/>
-        </pc:sldMkLst>
-      </pc:sldChg>
-      <pc:sldChg chg="addSp delSp modSp new mod modClrScheme chgLayout">
-        <pc:chgData name="Weifeng Xu" userId="e7aed605-a3dd-4d5a-a692-a87037af107b" providerId="ADAL" clId="{9C06CBEB-0343-4287-8B81-0C702673DE5E}" dt="2025-04-22T01:35:22.881" v="2625" actId="14100"/>
-        <pc:sldMkLst>
-          <pc:docMk/>
-          <pc:sldMk cId="1030786537" sldId="261"/>
-        </pc:sldMkLst>
-      </pc:sldChg>
-      <pc:sldChg chg="addSp delSp modSp new mod">
-        <pc:chgData name="Weifeng Xu" userId="e7aed605-a3dd-4d5a-a692-a87037af107b" providerId="ADAL" clId="{9C06CBEB-0343-4287-8B81-0C702673DE5E}" dt="2025-04-23T00:36:22.083" v="3996" actId="20577"/>
-        <pc:sldMkLst>
-          <pc:docMk/>
-          <pc:sldMk cId="3284022864" sldId="262"/>
-        </pc:sldMkLst>
-      </pc:sldChg>
-      <pc:sldChg chg="addSp delSp modSp new mod">
-        <pc:chgData name="Weifeng Xu" userId="e7aed605-a3dd-4d5a-a692-a87037af107b" providerId="ADAL" clId="{9C06CBEB-0343-4287-8B81-0C702673DE5E}" dt="2025-04-23T00:40:19.679" v="4005" actId="6549"/>
-        <pc:sldMkLst>
-          <pc:docMk/>
-          <pc:sldMk cId="786756272" sldId="263"/>
-        </pc:sldMkLst>
-      </pc:sldChg>
-      <pc:sldChg chg="addSp delSp modSp new mod modClrScheme chgLayout">
-        <pc:chgData name="Weifeng Xu" userId="e7aed605-a3dd-4d5a-a692-a87037af107b" providerId="ADAL" clId="{9C06CBEB-0343-4287-8B81-0C702673DE5E}" dt="2025-04-23T00:42:08.933" v="4070" actId="108"/>
-        <pc:sldMkLst>
-          <pc:docMk/>
-          <pc:sldMk cId="3548515090" sldId="264"/>
-        </pc:sldMkLst>
-      </pc:sldChg>
-      <pc:sldChg chg="addSp delSp modSp new mod modClrScheme chgLayout modNotesTx">
-        <pc:chgData name="Weifeng Xu" userId="e7aed605-a3dd-4d5a-a692-a87037af107b" providerId="ADAL" clId="{9C06CBEB-0343-4287-8B81-0C702673DE5E}" dt="2025-04-21T13:40:04.327" v="2094" actId="207"/>
-        <pc:sldMkLst>
-          <pc:docMk/>
-          <pc:sldMk cId="3523214092" sldId="265"/>
-        </pc:sldMkLst>
-      </pc:sldChg>
-      <pc:sldChg chg="addSp delSp modSp new mod ord modClrScheme chgLayout">
-        <pc:chgData name="Weifeng Xu" userId="e7aed605-a3dd-4d5a-a692-a87037af107b" providerId="ADAL" clId="{9C06CBEB-0343-4287-8B81-0C702673DE5E}" dt="2025-04-23T01:02:14.800" v="4310" actId="207"/>
-        <pc:sldMkLst>
-          <pc:docMk/>
-          <pc:sldMk cId="756868712" sldId="266"/>
-        </pc:sldMkLst>
-      </pc:sldChg>
-      <pc:sldChg chg="addSp delSp modSp add mod">
-        <pc:chgData name="Weifeng Xu" userId="e7aed605-a3dd-4d5a-a692-a87037af107b" providerId="ADAL" clId="{9C06CBEB-0343-4287-8B81-0C702673DE5E}" dt="2025-04-22T02:46:00.589" v="3485" actId="20577"/>
-        <pc:sldMkLst>
-          <pc:docMk/>
-          <pc:sldMk cId="2973990778" sldId="267"/>
-        </pc:sldMkLst>
-      </pc:sldChg>
-      <pc:sldChg chg="addSp delSp modSp add del mod">
-        <pc:chgData name="Weifeng Xu" userId="e7aed605-a3dd-4d5a-a692-a87037af107b" providerId="ADAL" clId="{9C06CBEB-0343-4287-8B81-0C702673DE5E}" dt="2025-04-22T12:56:50.206" v="3699" actId="1076"/>
-        <pc:sldMkLst>
-          <pc:docMk/>
-          <pc:sldMk cId="2042884208" sldId="268"/>
-        </pc:sldMkLst>
-      </pc:sldChg>
-      <pc:sldChg chg="addSp delSp modSp add mod modClrScheme chgLayout">
-        <pc:chgData name="Weifeng Xu" userId="e7aed605-a3dd-4d5a-a692-a87037af107b" providerId="ADAL" clId="{9C06CBEB-0343-4287-8B81-0C702673DE5E}" dt="2025-04-23T01:19:14.631" v="4375" actId="207"/>
-        <pc:sldMkLst>
-          <pc:docMk/>
-          <pc:sldMk cId="3256057421" sldId="269"/>
-        </pc:sldMkLst>
-      </pc:sldChg>
-      <pc:sldChg chg="addSp modSp add mod">
-        <pc:chgData name="Weifeng Xu" userId="e7aed605-a3dd-4d5a-a692-a87037af107b" providerId="ADAL" clId="{9C06CBEB-0343-4287-8B81-0C702673DE5E}" dt="2025-04-23T01:19:18.460" v="4376" actId="207"/>
-        <pc:sldMkLst>
-          <pc:docMk/>
-          <pc:sldMk cId="146876777" sldId="270"/>
-        </pc:sldMkLst>
-      </pc:sldChg>
-      <pc:sldChg chg="addSp delSp modSp add mod modClrScheme chgLayout">
-        <pc:chgData name="Weifeng Xu" userId="e7aed605-a3dd-4d5a-a692-a87037af107b" providerId="ADAL" clId="{9C06CBEB-0343-4287-8B81-0C702673DE5E}" dt="2025-04-23T01:26:00.614" v="4493" actId="1076"/>
-        <pc:sldMkLst>
-          <pc:docMk/>
-          <pc:sldMk cId="1939243851" sldId="271"/>
-        </pc:sldMkLst>
-      </pc:sldChg>
-      <pc:sldChg chg="addSp modSp new mod">
-        <pc:chgData name="Weifeng Xu" userId="e7aed605-a3dd-4d5a-a692-a87037af107b" providerId="ADAL" clId="{9C06CBEB-0343-4287-8B81-0C702673DE5E}" dt="2025-04-23T23:34:27.047" v="4553" actId="1076"/>
-        <pc:sldMkLst>
-          <pc:docMk/>
-          <pc:sldMk cId="2238745649" sldId="272"/>
         </pc:sldMkLst>
       </pc:sldChg>
     </pc:docChg>
@@ -3855,7 +3855,7 @@
           <a:p>
             <a:fld id="{2A59A54D-A59E-4D85-AEC9-D5AFF867AB55}" type="datetimeFigureOut">
               <a:rPr lang="en-US" smtClean="0"/>
-              <a:t>5/7/2025</a:t>
+              <a:t>10/15/2025</a:t>
             </a:fld>
             <a:endParaRPr lang="en-US"/>
           </a:p>
@@ -5325,7 +5325,7 @@
           <a:p>
             <a:fld id="{4263717A-E3C1-4BED-ABE0-B7069385E023}" type="datetimeFigureOut">
               <a:rPr lang="en-US" smtClean="0"/>
-              <a:t>5/7/2025</a:t>
+              <a:t>10/15/2025</a:t>
             </a:fld>
             <a:endParaRPr lang="en-US"/>
           </a:p>
@@ -5498,7 +5498,7 @@
           <a:p>
             <a:fld id="{4263717A-E3C1-4BED-ABE0-B7069385E023}" type="datetimeFigureOut">
               <a:rPr lang="en-US" smtClean="0"/>
-              <a:t>5/7/2025</a:t>
+              <a:t>10/15/2025</a:t>
             </a:fld>
             <a:endParaRPr lang="en-US"/>
           </a:p>
@@ -5676,7 +5676,7 @@
           <a:p>
             <a:fld id="{4263717A-E3C1-4BED-ABE0-B7069385E023}" type="datetimeFigureOut">
               <a:rPr lang="en-US" smtClean="0"/>
-              <a:t>5/7/2025</a:t>
+              <a:t>10/15/2025</a:t>
             </a:fld>
             <a:endParaRPr lang="en-US"/>
           </a:p>
@@ -5844,7 +5844,7 @@
           <a:p>
             <a:fld id="{4263717A-E3C1-4BED-ABE0-B7069385E023}" type="datetimeFigureOut">
               <a:rPr lang="en-US" smtClean="0"/>
-              <a:t>5/7/2025</a:t>
+              <a:t>10/15/2025</a:t>
             </a:fld>
             <a:endParaRPr lang="en-US"/>
           </a:p>
@@ -6089,7 +6089,7 @@
           <a:p>
             <a:fld id="{4263717A-E3C1-4BED-ABE0-B7069385E023}" type="datetimeFigureOut">
               <a:rPr lang="en-US" smtClean="0"/>
-              <a:t>5/7/2025</a:t>
+              <a:t>10/15/2025</a:t>
             </a:fld>
             <a:endParaRPr lang="en-US"/>
           </a:p>
@@ -6318,7 +6318,7 @@
           <a:p>
             <a:fld id="{4263717A-E3C1-4BED-ABE0-B7069385E023}" type="datetimeFigureOut">
               <a:rPr lang="en-US" smtClean="0"/>
-              <a:t>5/7/2025</a:t>
+              <a:t>10/15/2025</a:t>
             </a:fld>
             <a:endParaRPr lang="en-US"/>
           </a:p>
@@ -6682,7 +6682,7 @@
           <a:p>
             <a:fld id="{4263717A-E3C1-4BED-ABE0-B7069385E023}" type="datetimeFigureOut">
               <a:rPr lang="en-US" smtClean="0"/>
-              <a:t>5/7/2025</a:t>
+              <a:t>10/15/2025</a:t>
             </a:fld>
             <a:endParaRPr lang="en-US"/>
           </a:p>
@@ -6799,7 +6799,7 @@
           <a:p>
             <a:fld id="{4263717A-E3C1-4BED-ABE0-B7069385E023}" type="datetimeFigureOut">
               <a:rPr lang="en-US" smtClean="0"/>
-              <a:t>5/7/2025</a:t>
+              <a:t>10/15/2025</a:t>
             </a:fld>
             <a:endParaRPr lang="en-US"/>
           </a:p>
@@ -6894,7 +6894,7 @@
           <a:p>
             <a:fld id="{4263717A-E3C1-4BED-ABE0-B7069385E023}" type="datetimeFigureOut">
               <a:rPr lang="en-US" smtClean="0"/>
-              <a:t>5/7/2025</a:t>
+              <a:t>10/15/2025</a:t>
             </a:fld>
             <a:endParaRPr lang="en-US"/>
           </a:p>
@@ -7169,7 +7169,7 @@
           <a:p>
             <a:fld id="{4263717A-E3C1-4BED-ABE0-B7069385E023}" type="datetimeFigureOut">
               <a:rPr lang="en-US" smtClean="0"/>
-              <a:t>5/7/2025</a:t>
+              <a:t>10/15/2025</a:t>
             </a:fld>
             <a:endParaRPr lang="en-US"/>
           </a:p>
@@ -7421,7 +7421,7 @@
           <a:p>
             <a:fld id="{4263717A-E3C1-4BED-ABE0-B7069385E023}" type="datetimeFigureOut">
               <a:rPr lang="en-US" smtClean="0"/>
-              <a:t>5/7/2025</a:t>
+              <a:t>10/15/2025</a:t>
             </a:fld>
             <a:endParaRPr lang="en-US"/>
           </a:p>
@@ -7640,7 +7640,7 @@
           <a:p>
             <a:fld id="{4263717A-E3C1-4BED-ABE0-B7069385E023}" type="datetimeFigureOut">
               <a:rPr lang="en-US" smtClean="0"/>
-              <a:t>5/7/2025</a:t>
+              <a:t>10/15/2025</a:t>
             </a:fld>
             <a:endParaRPr lang="en-US"/>
           </a:p>
@@ -14579,7 +14579,20 @@
             </a:r>
             <a:r>
               <a:rPr lang="en-US" dirty="0"/>
-              <a:t> Tutorials: https://pytorch.org/tutorials</a:t>
+              <a:t> Tutorials: </a:t>
+            </a:r>
+            <a:r>
+              <a:rPr lang="en-US" dirty="0">
+                <a:hlinkClick r:id="rId2"/>
+              </a:rPr>
+              <a:t>https://pytorch.org/tutorials</a:t>
+            </a:r>
+            <a:endParaRPr lang="en-US" dirty="0"/>
+          </a:p>
+          <a:p>
+            <a:r>
+              <a:rPr lang="en-US" dirty="0"/>
+              <a:t>https://www.youtube.com/watch?v=aircAruvnKk&amp;t=846s</a:t>
             </a:r>
           </a:p>
           <a:p>

--- a/CYFI445/lectures/09_multiclass_classification_cnn_n_to_n/0_cnn_concepts.pptx
+++ b/CYFI445/lectures/09_multiclass_classification_cnn_n_to_n/0_cnn_concepts.pptx
@@ -5,7 +5,7 @@
     <p:sldMasterId id="2147483648" r:id="rId1"/>
   </p:sldMasterIdLst>
   <p:notesMasterIdLst>
-    <p:notesMasterId r:id="rId45"/>
+    <p:notesMasterId r:id="rId46"/>
   </p:notesMasterIdLst>
   <p:sldIdLst>
     <p:sldId id="256" r:id="rId2"/>
@@ -13,44 +13,45 @@
     <p:sldId id="258" r:id="rId4"/>
     <p:sldId id="259" r:id="rId5"/>
     <p:sldId id="273" r:id="rId6"/>
-    <p:sldId id="260" r:id="rId7"/>
-    <p:sldId id="274" r:id="rId8"/>
-    <p:sldId id="261" r:id="rId9"/>
-    <p:sldId id="262" r:id="rId10"/>
-    <p:sldId id="267" r:id="rId11"/>
-    <p:sldId id="263" r:id="rId12"/>
-    <p:sldId id="264" r:id="rId13"/>
-    <p:sldId id="265" r:id="rId14"/>
-    <p:sldId id="269" r:id="rId15"/>
-    <p:sldId id="270" r:id="rId16"/>
-    <p:sldId id="290" r:id="rId17"/>
-    <p:sldId id="275" r:id="rId18"/>
-    <p:sldId id="271" r:id="rId19"/>
-    <p:sldId id="276" r:id="rId20"/>
-    <p:sldId id="266" r:id="rId21"/>
-    <p:sldId id="268" r:id="rId22"/>
-    <p:sldId id="272" r:id="rId23"/>
-    <p:sldId id="284" r:id="rId24"/>
-    <p:sldId id="286" r:id="rId25"/>
-    <p:sldId id="289" r:id="rId26"/>
-    <p:sldId id="293" r:id="rId27"/>
-    <p:sldId id="277" r:id="rId28"/>
-    <p:sldId id="278" r:id="rId29"/>
-    <p:sldId id="279" r:id="rId30"/>
-    <p:sldId id="280" r:id="rId31"/>
-    <p:sldId id="281" r:id="rId32"/>
-    <p:sldId id="282" r:id="rId33"/>
-    <p:sldId id="283" r:id="rId34"/>
-    <p:sldId id="287" r:id="rId35"/>
-    <p:sldId id="288" r:id="rId36"/>
-    <p:sldId id="291" r:id="rId37"/>
-    <p:sldId id="292" r:id="rId38"/>
-    <p:sldId id="294" r:id="rId39"/>
-    <p:sldId id="295" r:id="rId40"/>
-    <p:sldId id="296" r:id="rId41"/>
-    <p:sldId id="297" r:id="rId42"/>
-    <p:sldId id="298" r:id="rId43"/>
-    <p:sldId id="299" r:id="rId44"/>
+    <p:sldId id="300" r:id="rId7"/>
+    <p:sldId id="260" r:id="rId8"/>
+    <p:sldId id="274" r:id="rId9"/>
+    <p:sldId id="261" r:id="rId10"/>
+    <p:sldId id="262" r:id="rId11"/>
+    <p:sldId id="267" r:id="rId12"/>
+    <p:sldId id="263" r:id="rId13"/>
+    <p:sldId id="264" r:id="rId14"/>
+    <p:sldId id="265" r:id="rId15"/>
+    <p:sldId id="269" r:id="rId16"/>
+    <p:sldId id="270" r:id="rId17"/>
+    <p:sldId id="290" r:id="rId18"/>
+    <p:sldId id="275" r:id="rId19"/>
+    <p:sldId id="271" r:id="rId20"/>
+    <p:sldId id="276" r:id="rId21"/>
+    <p:sldId id="266" r:id="rId22"/>
+    <p:sldId id="268" r:id="rId23"/>
+    <p:sldId id="272" r:id="rId24"/>
+    <p:sldId id="284" r:id="rId25"/>
+    <p:sldId id="286" r:id="rId26"/>
+    <p:sldId id="289" r:id="rId27"/>
+    <p:sldId id="293" r:id="rId28"/>
+    <p:sldId id="277" r:id="rId29"/>
+    <p:sldId id="278" r:id="rId30"/>
+    <p:sldId id="279" r:id="rId31"/>
+    <p:sldId id="280" r:id="rId32"/>
+    <p:sldId id="281" r:id="rId33"/>
+    <p:sldId id="282" r:id="rId34"/>
+    <p:sldId id="283" r:id="rId35"/>
+    <p:sldId id="287" r:id="rId36"/>
+    <p:sldId id="288" r:id="rId37"/>
+    <p:sldId id="291" r:id="rId38"/>
+    <p:sldId id="292" r:id="rId39"/>
+    <p:sldId id="294" r:id="rId40"/>
+    <p:sldId id="295" r:id="rId41"/>
+    <p:sldId id="296" r:id="rId42"/>
+    <p:sldId id="297" r:id="rId43"/>
+    <p:sldId id="298" r:id="rId44"/>
+    <p:sldId id="299" r:id="rId45"/>
   </p:sldIdLst>
   <p:sldSz cx="12192000" cy="6858000"/>
   <p:notesSz cx="6858000" cy="9144000"/>
@@ -160,13 +161,1458 @@
 <file path=ppt/revisionInfo.xml><?xml version="1.0" encoding="utf-8"?>
 <p1510:revInfo xmlns:a="http://schemas.openxmlformats.org/drawingml/2006/main" xmlns:r="http://schemas.openxmlformats.org/officeDocument/2006/relationships" xmlns:p1510="http://schemas.microsoft.com/office/powerpoint/2015/10/main">
   <p1510:revLst>
-    <p1510:client id="{B29BA757-A9E5-4E35-900E-70A7C044DEA3}" v="241" dt="2025-05-08T19:36:27.570"/>
+    <p1510:client id="{B29BA757-A9E5-4E35-900E-70A7C044DEA3}" v="259" dt="2025-10-22T20:15:21.727"/>
   </p1510:revLst>
 </p1510:revInfo>
 </file>
 
 <file path=ppt/changesInfos/changesInfo1.xml><?xml version="1.0" encoding="utf-8"?>
 <pc:chgInfo xmlns:a="http://schemas.openxmlformats.org/drawingml/2006/main" xmlns:r="http://schemas.openxmlformats.org/officeDocument/2006/relationships" xmlns:ac="http://schemas.microsoft.com/office/drawing/2013/main/command" xmlns:pc="http://schemas.microsoft.com/office/powerpoint/2013/main/command">
+  <pc:docChgLst>
+    <pc:chgData name="Weifeng Xu" userId="e7aed605-a3dd-4d5a-a692-a87037af107b" providerId="ADAL" clId="{F99F8FFF-BA20-43EA-924B-4DF5D2A785F3}"/>
+    <pc:docChg chg="undo custSel addSld modSld">
+      <pc:chgData name="Weifeng Xu" userId="e7aed605-a3dd-4d5a-a692-a87037af107b" providerId="ADAL" clId="{F99F8FFF-BA20-43EA-924B-4DF5D2A785F3}" dt="2025-10-22T20:15:51.878" v="89" actId="1076"/>
+      <pc:docMkLst>
+        <pc:docMk/>
+      </pc:docMkLst>
+      <pc:sldChg chg="addSp modSp mod">
+        <pc:chgData name="Weifeng Xu" userId="e7aed605-a3dd-4d5a-a692-a87037af107b" providerId="ADAL" clId="{F99F8FFF-BA20-43EA-924B-4DF5D2A785F3}" dt="2025-10-22T20:11:11.740" v="27" actId="207"/>
+        <pc:sldMkLst>
+          <pc:docMk/>
+          <pc:sldMk cId="1840264368" sldId="260"/>
+        </pc:sldMkLst>
+        <pc:spChg chg="add mod">
+          <ac:chgData name="Weifeng Xu" userId="e7aed605-a3dd-4d5a-a692-a87037af107b" providerId="ADAL" clId="{F99F8FFF-BA20-43EA-924B-4DF5D2A785F3}" dt="2025-10-22T20:11:11.740" v="27" actId="207"/>
+          <ac:spMkLst>
+            <pc:docMk/>
+            <pc:sldMk cId="1840264368" sldId="260"/>
+            <ac:spMk id="2" creationId="{1B19169C-2A22-BF7F-62B6-823A4B891FC2}"/>
+          </ac:spMkLst>
+        </pc:spChg>
+      </pc:sldChg>
+      <pc:sldChg chg="addSp modSp">
+        <pc:chgData name="Weifeng Xu" userId="e7aed605-a3dd-4d5a-a692-a87037af107b" providerId="ADAL" clId="{F99F8FFF-BA20-43EA-924B-4DF5D2A785F3}" dt="2025-10-22T20:15:21.725" v="81" actId="14100"/>
+        <pc:sldMkLst>
+          <pc:docMk/>
+          <pc:sldMk cId="862046090" sldId="273"/>
+        </pc:sldMkLst>
+        <pc:picChg chg="add mod">
+          <ac:chgData name="Weifeng Xu" userId="e7aed605-a3dd-4d5a-a692-a87037af107b" providerId="ADAL" clId="{F99F8FFF-BA20-43EA-924B-4DF5D2A785F3}" dt="2025-10-22T20:15:21.725" v="81" actId="14100"/>
+          <ac:picMkLst>
+            <pc:docMk/>
+            <pc:sldMk cId="862046090" sldId="273"/>
+            <ac:picMk id="1026" creationId="{85D32D6C-4761-E6F5-CA78-491F0A9117C9}"/>
+          </ac:picMkLst>
+        </pc:picChg>
+      </pc:sldChg>
+      <pc:sldChg chg="addSp delSp modSp new mod modClrScheme chgLayout">
+        <pc:chgData name="Weifeng Xu" userId="e7aed605-a3dd-4d5a-a692-a87037af107b" providerId="ADAL" clId="{F99F8FFF-BA20-43EA-924B-4DF5D2A785F3}" dt="2025-10-22T20:15:51.878" v="89" actId="1076"/>
+        <pc:sldMkLst>
+          <pc:docMk/>
+          <pc:sldMk cId="1083673441" sldId="300"/>
+        </pc:sldMkLst>
+        <pc:spChg chg="del mod ord">
+          <ac:chgData name="Weifeng Xu" userId="e7aed605-a3dd-4d5a-a692-a87037af107b" providerId="ADAL" clId="{F99F8FFF-BA20-43EA-924B-4DF5D2A785F3}" dt="2025-10-22T20:11:39.661" v="29" actId="700"/>
+          <ac:spMkLst>
+            <pc:docMk/>
+            <pc:sldMk cId="1083673441" sldId="300"/>
+            <ac:spMk id="2" creationId="{2524C367-FF1A-0F44-EAF6-796C0A97CB89}"/>
+          </ac:spMkLst>
+        </pc:spChg>
+        <pc:spChg chg="del">
+          <ac:chgData name="Weifeng Xu" userId="e7aed605-a3dd-4d5a-a692-a87037af107b" providerId="ADAL" clId="{F99F8FFF-BA20-43EA-924B-4DF5D2A785F3}" dt="2025-10-22T20:11:39.661" v="29" actId="700"/>
+          <ac:spMkLst>
+            <pc:docMk/>
+            <pc:sldMk cId="1083673441" sldId="300"/>
+            <ac:spMk id="3" creationId="{E3E70318-9C91-C4EB-BB99-6E78638AB5B1}"/>
+          </ac:spMkLst>
+        </pc:spChg>
+        <pc:spChg chg="add mod ord">
+          <ac:chgData name="Weifeng Xu" userId="e7aed605-a3dd-4d5a-a692-a87037af107b" providerId="ADAL" clId="{F99F8FFF-BA20-43EA-924B-4DF5D2A785F3}" dt="2025-10-22T20:11:49.033" v="57" actId="20577"/>
+          <ac:spMkLst>
+            <pc:docMk/>
+            <pc:sldMk cId="1083673441" sldId="300"/>
+            <ac:spMk id="4" creationId="{AA2ADA8E-70C3-DCA2-226D-D9A8E6F42A5C}"/>
+          </ac:spMkLst>
+        </pc:spChg>
+        <pc:spChg chg="add">
+          <ac:chgData name="Weifeng Xu" userId="e7aed605-a3dd-4d5a-a692-a87037af107b" providerId="ADAL" clId="{F99F8FFF-BA20-43EA-924B-4DF5D2A785F3}" dt="2025-10-22T20:14:21.868" v="63"/>
+          <ac:spMkLst>
+            <pc:docMk/>
+            <pc:sldMk cId="1083673441" sldId="300"/>
+            <ac:spMk id="5" creationId="{D40787F7-0BC4-9DDB-405C-7732D36BA337}"/>
+          </ac:spMkLst>
+        </pc:spChg>
+        <pc:spChg chg="add">
+          <ac:chgData name="Weifeng Xu" userId="e7aed605-a3dd-4d5a-a692-a87037af107b" providerId="ADAL" clId="{F99F8FFF-BA20-43EA-924B-4DF5D2A785F3}" dt="2025-10-22T20:14:26.892" v="64"/>
+          <ac:spMkLst>
+            <pc:docMk/>
+            <pc:sldMk cId="1083673441" sldId="300"/>
+            <ac:spMk id="6" creationId="{9C12D7B5-D7EB-7331-D7D8-F279ABD08B8F}"/>
+          </ac:spMkLst>
+        </pc:spChg>
+        <pc:spChg chg="add mod">
+          <ac:chgData name="Weifeng Xu" userId="e7aed605-a3dd-4d5a-a692-a87037af107b" providerId="ADAL" clId="{F99F8FFF-BA20-43EA-924B-4DF5D2A785F3}" dt="2025-10-22T20:15:51.878" v="89" actId="1076"/>
+          <ac:spMkLst>
+            <pc:docMk/>
+            <pc:sldMk cId="1083673441" sldId="300"/>
+            <ac:spMk id="9" creationId="{9F4DA791-AC47-E678-D460-1466145F44E9}"/>
+          </ac:spMkLst>
+        </pc:spChg>
+        <pc:picChg chg="add mod">
+          <ac:chgData name="Weifeng Xu" userId="e7aed605-a3dd-4d5a-a692-a87037af107b" providerId="ADAL" clId="{F99F8FFF-BA20-43EA-924B-4DF5D2A785F3}" dt="2025-10-22T20:15:44.686" v="85" actId="1076"/>
+          <ac:picMkLst>
+            <pc:docMk/>
+            <pc:sldMk cId="1083673441" sldId="300"/>
+            <ac:picMk id="7" creationId="{4AC5A175-8D53-FC22-BF47-0EADC660EC1F}"/>
+          </ac:picMkLst>
+        </pc:picChg>
+        <pc:picChg chg="add del mod">
+          <ac:chgData name="Weifeng Xu" userId="e7aed605-a3dd-4d5a-a692-a87037af107b" providerId="ADAL" clId="{F99F8FFF-BA20-43EA-924B-4DF5D2A785F3}" dt="2025-10-22T20:15:16.896" v="79" actId="21"/>
+          <ac:picMkLst>
+            <pc:docMk/>
+            <pc:sldMk cId="1083673441" sldId="300"/>
+            <ac:picMk id="1026" creationId="{85D32D6C-4761-E6F5-CA78-491F0A9117C9}"/>
+          </ac:picMkLst>
+        </pc:picChg>
+      </pc:sldChg>
+    </pc:docChg>
+  </pc:docChgLst>
+  <pc:docChgLst>
+    <pc:chgData name="Weifeng Xu" userId="e7aed605-a3dd-4d5a-a692-a87037af107b" providerId="ADAL" clId="{77503F2E-F3A0-409B-A511-BB14035E722B}"/>
+    <pc:docChg chg="undo custSel addSld delSld modSld sldOrd">
+      <pc:chgData name="Weifeng Xu" userId="e7aed605-a3dd-4d5a-a692-a87037af107b" providerId="ADAL" clId="{77503F2E-F3A0-409B-A511-BB14035E722B}" dt="2025-05-01T18:53:56.374" v="2136" actId="20577"/>
+      <pc:docMkLst>
+        <pc:docMk/>
+      </pc:docMkLst>
+      <pc:sldChg chg="addSp modSp mod">
+        <pc:chgData name="Weifeng Xu" userId="e7aed605-a3dd-4d5a-a692-a87037af107b" providerId="ADAL" clId="{77503F2E-F3A0-409B-A511-BB14035E722B}" dt="2025-04-30T22:37:51.320" v="275" actId="1076"/>
+        <pc:sldMkLst>
+          <pc:docMk/>
+          <pc:sldMk cId="1325061211" sldId="256"/>
+        </pc:sldMkLst>
+      </pc:sldChg>
+      <pc:sldChg chg="addSp delSp modSp new mod modClrScheme chgLayout">
+        <pc:chgData name="Weifeng Xu" userId="e7aed605-a3dd-4d5a-a692-a87037af107b" providerId="ADAL" clId="{77503F2E-F3A0-409B-A511-BB14035E722B}" dt="2025-04-30T22:00:56.674" v="162" actId="14100"/>
+        <pc:sldMkLst>
+          <pc:docMk/>
+          <pc:sldMk cId="2003605107" sldId="257"/>
+        </pc:sldMkLst>
+      </pc:sldChg>
+      <pc:sldChg chg="del">
+        <pc:chgData name="Weifeng Xu" userId="e7aed605-a3dd-4d5a-a692-a87037af107b" providerId="ADAL" clId="{77503F2E-F3A0-409B-A511-BB14035E722B}" dt="2025-04-30T21:31:57.304" v="0" actId="47"/>
+        <pc:sldMkLst>
+          <pc:docMk/>
+          <pc:sldMk cId="2572427240" sldId="257"/>
+        </pc:sldMkLst>
+      </pc:sldChg>
+      <pc:sldChg chg="del">
+        <pc:chgData name="Weifeng Xu" userId="e7aed605-a3dd-4d5a-a692-a87037af107b" providerId="ADAL" clId="{77503F2E-F3A0-409B-A511-BB14035E722B}" dt="2025-04-30T21:31:57.413" v="1" actId="47"/>
+        <pc:sldMkLst>
+          <pc:docMk/>
+          <pc:sldMk cId="3100494254" sldId="258"/>
+        </pc:sldMkLst>
+      </pc:sldChg>
+      <pc:sldChg chg="addSp delSp modSp add mod modClrScheme chgLayout">
+        <pc:chgData name="Weifeng Xu" userId="e7aed605-a3dd-4d5a-a692-a87037af107b" providerId="ADAL" clId="{77503F2E-F3A0-409B-A511-BB14035E722B}" dt="2025-04-30T22:36:13.270" v="244" actId="27636"/>
+        <pc:sldMkLst>
+          <pc:docMk/>
+          <pc:sldMk cId="3148078500" sldId="258"/>
+        </pc:sldMkLst>
+      </pc:sldChg>
+      <pc:sldChg chg="del">
+        <pc:chgData name="Weifeng Xu" userId="e7aed605-a3dd-4d5a-a692-a87037af107b" providerId="ADAL" clId="{77503F2E-F3A0-409B-A511-BB14035E722B}" dt="2025-04-30T21:31:57.571" v="2" actId="47"/>
+        <pc:sldMkLst>
+          <pc:docMk/>
+          <pc:sldMk cId="1655253961" sldId="259"/>
+        </pc:sldMkLst>
+      </pc:sldChg>
+      <pc:sldChg chg="addSp delSp modSp new mod modClrScheme chgLayout">
+        <pc:chgData name="Weifeng Xu" userId="e7aed605-a3dd-4d5a-a692-a87037af107b" providerId="ADAL" clId="{77503F2E-F3A0-409B-A511-BB14035E722B}" dt="2025-05-01T02:24:49.515" v="1486" actId="1076"/>
+        <pc:sldMkLst>
+          <pc:docMk/>
+          <pc:sldMk cId="2942233055" sldId="259"/>
+        </pc:sldMkLst>
+      </pc:sldChg>
+      <pc:sldChg chg="del">
+        <pc:chgData name="Weifeng Xu" userId="e7aed605-a3dd-4d5a-a692-a87037af107b" providerId="ADAL" clId="{77503F2E-F3A0-409B-A511-BB14035E722B}" dt="2025-04-30T21:31:58.684" v="5" actId="47"/>
+        <pc:sldMkLst>
+          <pc:docMk/>
+          <pc:sldMk cId="3375603492" sldId="260"/>
+        </pc:sldMkLst>
+      </pc:sldChg>
+      <pc:sldChg chg="addSp delSp modSp new mod modClrScheme chgLayout modNotesTx">
+        <pc:chgData name="Weifeng Xu" userId="e7aed605-a3dd-4d5a-a692-a87037af107b" providerId="ADAL" clId="{77503F2E-F3A0-409B-A511-BB14035E722B}" dt="2025-04-30T23:57:46.285" v="501" actId="1076"/>
+        <pc:sldMkLst>
+          <pc:docMk/>
+          <pc:sldMk cId="4238292093" sldId="260"/>
+        </pc:sldMkLst>
+      </pc:sldChg>
+      <pc:sldChg chg="addSp delSp modSp new mod ord modClrScheme chgLayout modNotesTx">
+        <pc:chgData name="Weifeng Xu" userId="e7aed605-a3dd-4d5a-a692-a87037af107b" providerId="ADAL" clId="{77503F2E-F3A0-409B-A511-BB14035E722B}" dt="2025-05-01T00:20:09.257" v="663" actId="20577"/>
+        <pc:sldMkLst>
+          <pc:docMk/>
+          <pc:sldMk cId="773548588" sldId="261"/>
+        </pc:sldMkLst>
+      </pc:sldChg>
+      <pc:sldChg chg="del">
+        <pc:chgData name="Weifeng Xu" userId="e7aed605-a3dd-4d5a-a692-a87037af107b" providerId="ADAL" clId="{77503F2E-F3A0-409B-A511-BB14035E722B}" dt="2025-04-30T21:31:57.746" v="3" actId="47"/>
+        <pc:sldMkLst>
+          <pc:docMk/>
+          <pc:sldMk cId="909895920" sldId="261"/>
+        </pc:sldMkLst>
+      </pc:sldChg>
+      <pc:sldChg chg="del">
+        <pc:chgData name="Weifeng Xu" userId="e7aed605-a3dd-4d5a-a692-a87037af107b" providerId="ADAL" clId="{77503F2E-F3A0-409B-A511-BB14035E722B}" dt="2025-04-30T21:31:57.991" v="4" actId="47"/>
+        <pc:sldMkLst>
+          <pc:docMk/>
+          <pc:sldMk cId="1010189504" sldId="262"/>
+        </pc:sldMkLst>
+      </pc:sldChg>
+      <pc:sldChg chg="addSp modSp new mod ord modClrScheme chgLayout">
+        <pc:chgData name="Weifeng Xu" userId="e7aed605-a3dd-4d5a-a692-a87037af107b" providerId="ADAL" clId="{77503F2E-F3A0-409B-A511-BB14035E722B}" dt="2025-05-01T01:31:48.820" v="1112"/>
+        <pc:sldMkLst>
+          <pc:docMk/>
+          <pc:sldMk cId="3939068785" sldId="262"/>
+        </pc:sldMkLst>
+      </pc:sldChg>
+      <pc:sldChg chg="addSp delSp modSp new mod modClrScheme chgLayout">
+        <pc:chgData name="Weifeng Xu" userId="e7aed605-a3dd-4d5a-a692-a87037af107b" providerId="ADAL" clId="{77503F2E-F3A0-409B-A511-BB14035E722B}" dt="2025-05-01T01:30:59.453" v="1110" actId="207"/>
+        <pc:sldMkLst>
+          <pc:docMk/>
+          <pc:sldMk cId="2162073066" sldId="263"/>
+        </pc:sldMkLst>
+      </pc:sldChg>
+      <pc:sldChg chg="addSp delSp modSp new mod modClrScheme chgLayout">
+        <pc:chgData name="Weifeng Xu" userId="e7aed605-a3dd-4d5a-a692-a87037af107b" providerId="ADAL" clId="{77503F2E-F3A0-409B-A511-BB14035E722B}" dt="2025-05-01T02:28:32.993" v="1527"/>
+        <pc:sldMkLst>
+          <pc:docMk/>
+          <pc:sldMk cId="1975365164" sldId="264"/>
+        </pc:sldMkLst>
+      </pc:sldChg>
+      <pc:sldChg chg="addSp delSp modSp new mod">
+        <pc:chgData name="Weifeng Xu" userId="e7aed605-a3dd-4d5a-a692-a87037af107b" providerId="ADAL" clId="{77503F2E-F3A0-409B-A511-BB14035E722B}" dt="2025-05-01T16:11:44.655" v="2082" actId="1076"/>
+        <pc:sldMkLst>
+          <pc:docMk/>
+          <pc:sldMk cId="4163382801" sldId="265"/>
+        </pc:sldMkLst>
+      </pc:sldChg>
+      <pc:sldChg chg="addSp delSp modSp new mod modClrScheme chgLayout modNotesTx">
+        <pc:chgData name="Weifeng Xu" userId="e7aed605-a3dd-4d5a-a692-a87037af107b" providerId="ADAL" clId="{77503F2E-F3A0-409B-A511-BB14035E722B}" dt="2025-05-01T15:39:51.026" v="1945" actId="403"/>
+        <pc:sldMkLst>
+          <pc:docMk/>
+          <pc:sldMk cId="711940281" sldId="266"/>
+        </pc:sldMkLst>
+      </pc:sldChg>
+      <pc:sldChg chg="addSp delSp modSp new mod">
+        <pc:chgData name="Weifeng Xu" userId="e7aed605-a3dd-4d5a-a692-a87037af107b" providerId="ADAL" clId="{77503F2E-F3A0-409B-A511-BB14035E722B}" dt="2025-05-01T15:44:07.976" v="1954" actId="14100"/>
+        <pc:sldMkLst>
+          <pc:docMk/>
+          <pc:sldMk cId="3000902119" sldId="267"/>
+        </pc:sldMkLst>
+      </pc:sldChg>
+      <pc:sldChg chg="addSp modSp new mod modClrScheme chgLayout">
+        <pc:chgData name="Weifeng Xu" userId="e7aed605-a3dd-4d5a-a692-a87037af107b" providerId="ADAL" clId="{77503F2E-F3A0-409B-A511-BB14035E722B}" dt="2025-05-01T02:13:32.434" v="1403"/>
+        <pc:sldMkLst>
+          <pc:docMk/>
+          <pc:sldMk cId="70125468" sldId="268"/>
+        </pc:sldMkLst>
+      </pc:sldChg>
+      <pc:sldChg chg="modSp new mod">
+        <pc:chgData name="Weifeng Xu" userId="e7aed605-a3dd-4d5a-a692-a87037af107b" providerId="ADAL" clId="{77503F2E-F3A0-409B-A511-BB14035E722B}" dt="2025-05-01T18:53:56.374" v="2136" actId="20577"/>
+        <pc:sldMkLst>
+          <pc:docMk/>
+          <pc:sldMk cId="1829157120" sldId="269"/>
+        </pc:sldMkLst>
+      </pc:sldChg>
+      <pc:sldChg chg="addSp delSp modSp new mod modClrScheme chgLayout">
+        <pc:chgData name="Weifeng Xu" userId="e7aed605-a3dd-4d5a-a692-a87037af107b" providerId="ADAL" clId="{77503F2E-F3A0-409B-A511-BB14035E722B}" dt="2025-05-01T16:45:54.163" v="2089" actId="1076"/>
+        <pc:sldMkLst>
+          <pc:docMk/>
+          <pc:sldMk cId="1822568230" sldId="270"/>
+        </pc:sldMkLst>
+      </pc:sldChg>
+      <pc:sldChg chg="addSp modSp new mod modClrScheme chgLayout">
+        <pc:chgData name="Weifeng Xu" userId="e7aed605-a3dd-4d5a-a692-a87037af107b" providerId="ADAL" clId="{77503F2E-F3A0-409B-A511-BB14035E722B}" dt="2025-05-01T14:02:37.278" v="1563" actId="14100"/>
+        <pc:sldMkLst>
+          <pc:docMk/>
+          <pc:sldMk cId="929903445" sldId="271"/>
+        </pc:sldMkLst>
+      </pc:sldChg>
+      <pc:sldChg chg="addSp modSp new mod modClrScheme chgLayout">
+        <pc:chgData name="Weifeng Xu" userId="e7aed605-a3dd-4d5a-a692-a87037af107b" providerId="ADAL" clId="{77503F2E-F3A0-409B-A511-BB14035E722B}" dt="2025-05-01T15:30:04.850" v="1882" actId="14100"/>
+        <pc:sldMkLst>
+          <pc:docMk/>
+          <pc:sldMk cId="409369350" sldId="272"/>
+        </pc:sldMkLst>
+      </pc:sldChg>
+      <pc:sldChg chg="addSp delSp modSp new mod modClrScheme chgLayout">
+        <pc:chgData name="Weifeng Xu" userId="e7aed605-a3dd-4d5a-a692-a87037af107b" providerId="ADAL" clId="{77503F2E-F3A0-409B-A511-BB14035E722B}" dt="2025-05-01T14:59:11.283" v="1722" actId="20577"/>
+        <pc:sldMkLst>
+          <pc:docMk/>
+          <pc:sldMk cId="3399795082" sldId="273"/>
+        </pc:sldMkLst>
+      </pc:sldChg>
+      <pc:sldChg chg="addSp delSp modSp new mod modClrScheme chgLayout modNotesTx">
+        <pc:chgData name="Weifeng Xu" userId="e7aed605-a3dd-4d5a-a692-a87037af107b" providerId="ADAL" clId="{77503F2E-F3A0-409B-A511-BB14035E722B}" dt="2025-05-01T15:30:28.941" v="1887" actId="403"/>
+        <pc:sldMkLst>
+          <pc:docMk/>
+          <pc:sldMk cId="1313382436" sldId="274"/>
+        </pc:sldMkLst>
+      </pc:sldChg>
+      <pc:sldChg chg="addSp delSp modSp new mod modClrScheme chgLayout">
+        <pc:chgData name="Weifeng Xu" userId="e7aed605-a3dd-4d5a-a692-a87037af107b" providerId="ADAL" clId="{77503F2E-F3A0-409B-A511-BB14035E722B}" dt="2025-05-01T15:07:31.776" v="1818" actId="12"/>
+        <pc:sldMkLst>
+          <pc:docMk/>
+          <pc:sldMk cId="4170236264" sldId="275"/>
+        </pc:sldMkLst>
+      </pc:sldChg>
+      <pc:sldChg chg="addSp delSp modSp new mod ord modClrScheme chgLayout">
+        <pc:chgData name="Weifeng Xu" userId="e7aed605-a3dd-4d5a-a692-a87037af107b" providerId="ADAL" clId="{77503F2E-F3A0-409B-A511-BB14035E722B}" dt="2025-05-01T16:46:25.876" v="2093" actId="207"/>
+        <pc:sldMkLst>
+          <pc:docMk/>
+          <pc:sldMk cId="363184616" sldId="276"/>
+        </pc:sldMkLst>
+      </pc:sldChg>
+      <pc:sldChg chg="addSp modSp new del mod">
+        <pc:chgData name="Weifeng Xu" userId="e7aed605-a3dd-4d5a-a692-a87037af107b" providerId="ADAL" clId="{77503F2E-F3A0-409B-A511-BB14035E722B}" dt="2025-05-01T16:11:58.243" v="2083" actId="47"/>
+        <pc:sldMkLst>
+          <pc:docMk/>
+          <pc:sldMk cId="1433488969" sldId="276"/>
+        </pc:sldMkLst>
+      </pc:sldChg>
+      <pc:sldChg chg="addSp delSp modSp new del mod modClrScheme chgLayout">
+        <pc:chgData name="Weifeng Xu" userId="e7aed605-a3dd-4d5a-a692-a87037af107b" providerId="ADAL" clId="{77503F2E-F3A0-409B-A511-BB14035E722B}" dt="2025-05-01T15:56:30.529" v="2015" actId="680"/>
+        <pc:sldMkLst>
+          <pc:docMk/>
+          <pc:sldMk cId="1774214095" sldId="276"/>
+        </pc:sldMkLst>
+      </pc:sldChg>
+      <pc:sldChg chg="addSp modSp new del mod modClrScheme chgLayout">
+        <pc:chgData name="Weifeng Xu" userId="e7aed605-a3dd-4d5a-a692-a87037af107b" providerId="ADAL" clId="{77503F2E-F3A0-409B-A511-BB14035E722B}" dt="2025-05-01T15:40:18.963" v="1946" actId="47"/>
+        <pc:sldMkLst>
+          <pc:docMk/>
+          <pc:sldMk cId="3294603324" sldId="276"/>
+        </pc:sldMkLst>
+      </pc:sldChg>
+      <pc:sldChg chg="addSp modSp new mod modAnim">
+        <pc:chgData name="Weifeng Xu" userId="e7aed605-a3dd-4d5a-a692-a87037af107b" providerId="ADAL" clId="{77503F2E-F3A0-409B-A511-BB14035E722B}" dt="2025-05-01T18:53:39.456" v="2135" actId="1076"/>
+        <pc:sldMkLst>
+          <pc:docMk/>
+          <pc:sldMk cId="1572050356" sldId="277"/>
+        </pc:sldMkLst>
+      </pc:sldChg>
+      <pc:sldChg chg="add del">
+        <pc:chgData name="Weifeng Xu" userId="e7aed605-a3dd-4d5a-a692-a87037af107b" providerId="ADAL" clId="{77503F2E-F3A0-409B-A511-BB14035E722B}" dt="2025-05-01T18:49:24.473" v="2098"/>
+        <pc:sldMkLst>
+          <pc:docMk/>
+          <pc:sldMk cId="3665025083" sldId="277"/>
+        </pc:sldMkLst>
+      </pc:sldChg>
+      <pc:sldChg chg="add del">
+        <pc:chgData name="Weifeng Xu" userId="e7aed605-a3dd-4d5a-a692-a87037af107b" providerId="ADAL" clId="{77503F2E-F3A0-409B-A511-BB14035E722B}" dt="2025-05-01T18:49:10.145" v="2095"/>
+        <pc:sldMkLst>
+          <pc:docMk/>
+          <pc:sldMk cId="4149124542" sldId="277"/>
+        </pc:sldMkLst>
+      </pc:sldChg>
+    </pc:docChg>
+  </pc:docChgLst>
+  <pc:docChgLst>
+    <pc:chgData name="Weifeng Xu" userId="e7aed605-a3dd-4d5a-a692-a87037af107b" providerId="ADAL" clId="{8E5A6AEC-921D-4BE6-8002-CC8D4F2830D2}"/>
+    <pc:docChg chg="undo custSel addSld delSld modSld">
+      <pc:chgData name="Weifeng Xu" userId="e7aed605-a3dd-4d5a-a692-a87037af107b" providerId="ADAL" clId="{8E5A6AEC-921D-4BE6-8002-CC8D4F2830D2}" dt="2025-04-28T15:23:27.017" v="746" actId="6549"/>
+      <pc:docMkLst>
+        <pc:docMk/>
+      </pc:docMkLst>
+      <pc:sldChg chg="modSp mod chgLayout">
+        <pc:chgData name="Weifeng Xu" userId="e7aed605-a3dd-4d5a-a692-a87037af107b" providerId="ADAL" clId="{8E5A6AEC-921D-4BE6-8002-CC8D4F2830D2}" dt="2025-04-27T15:24:07.342" v="34" actId="700"/>
+        <pc:sldMkLst>
+          <pc:docMk/>
+          <pc:sldMk cId="1325061211" sldId="256"/>
+        </pc:sldMkLst>
+      </pc:sldChg>
+      <pc:sldChg chg="del">
+        <pc:chgData name="Weifeng Xu" userId="e7aed605-a3dd-4d5a-a692-a87037af107b" providerId="ADAL" clId="{8E5A6AEC-921D-4BE6-8002-CC8D4F2830D2}" dt="2025-04-27T15:25:06.899" v="35" actId="47"/>
+        <pc:sldMkLst>
+          <pc:docMk/>
+          <pc:sldMk cId="2201572609" sldId="257"/>
+        </pc:sldMkLst>
+      </pc:sldChg>
+      <pc:sldChg chg="addSp modSp new mod">
+        <pc:chgData name="Weifeng Xu" userId="e7aed605-a3dd-4d5a-a692-a87037af107b" providerId="ADAL" clId="{8E5A6AEC-921D-4BE6-8002-CC8D4F2830D2}" dt="2025-04-27T15:43:48.595" v="157" actId="1076"/>
+        <pc:sldMkLst>
+          <pc:docMk/>
+          <pc:sldMk cId="2572427240" sldId="257"/>
+        </pc:sldMkLst>
+      </pc:sldChg>
+      <pc:sldChg chg="del">
+        <pc:chgData name="Weifeng Xu" userId="e7aed605-a3dd-4d5a-a692-a87037af107b" providerId="ADAL" clId="{8E5A6AEC-921D-4BE6-8002-CC8D4F2830D2}" dt="2025-04-27T15:25:07.244" v="36" actId="47"/>
+        <pc:sldMkLst>
+          <pc:docMk/>
+          <pc:sldMk cId="450669007" sldId="258"/>
+        </pc:sldMkLst>
+      </pc:sldChg>
+      <pc:sldChg chg="addSp delSp modSp new mod modClrScheme chgLayout">
+        <pc:chgData name="Weifeng Xu" userId="e7aed605-a3dd-4d5a-a692-a87037af107b" providerId="ADAL" clId="{8E5A6AEC-921D-4BE6-8002-CC8D4F2830D2}" dt="2025-04-27T16:01:11.569" v="507" actId="207"/>
+        <pc:sldMkLst>
+          <pc:docMk/>
+          <pc:sldMk cId="3100494254" sldId="258"/>
+        </pc:sldMkLst>
+      </pc:sldChg>
+      <pc:sldChg chg="modSp new mod">
+        <pc:chgData name="Weifeng Xu" userId="e7aed605-a3dd-4d5a-a692-a87037af107b" providerId="ADAL" clId="{8E5A6AEC-921D-4BE6-8002-CC8D4F2830D2}" dt="2025-04-27T16:03:14.809" v="520" actId="207"/>
+        <pc:sldMkLst>
+          <pc:docMk/>
+          <pc:sldMk cId="1655253961" sldId="259"/>
+        </pc:sldMkLst>
+      </pc:sldChg>
+      <pc:sldChg chg="del">
+        <pc:chgData name="Weifeng Xu" userId="e7aed605-a3dd-4d5a-a692-a87037af107b" providerId="ADAL" clId="{8E5A6AEC-921D-4BE6-8002-CC8D4F2830D2}" dt="2025-04-27T15:25:07.654" v="37" actId="47"/>
+        <pc:sldMkLst>
+          <pc:docMk/>
+          <pc:sldMk cId="3233567480" sldId="259"/>
+        </pc:sldMkLst>
+      </pc:sldChg>
+      <pc:sldChg chg="del">
+        <pc:chgData name="Weifeng Xu" userId="e7aed605-a3dd-4d5a-a692-a87037af107b" providerId="ADAL" clId="{8E5A6AEC-921D-4BE6-8002-CC8D4F2830D2}" dt="2025-04-27T15:25:09.947" v="46" actId="47"/>
+        <pc:sldMkLst>
+          <pc:docMk/>
+          <pc:sldMk cId="2715224073" sldId="260"/>
+        </pc:sldMkLst>
+      </pc:sldChg>
+      <pc:sldChg chg="modSp new mod">
+        <pc:chgData name="Weifeng Xu" userId="e7aed605-a3dd-4d5a-a692-a87037af107b" providerId="ADAL" clId="{8E5A6AEC-921D-4BE6-8002-CC8D4F2830D2}" dt="2025-04-27T16:04:14.976" v="601" actId="313"/>
+        <pc:sldMkLst>
+          <pc:docMk/>
+          <pc:sldMk cId="3375603492" sldId="260"/>
+        </pc:sldMkLst>
+      </pc:sldChg>
+      <pc:sldChg chg="modSp new mod">
+        <pc:chgData name="Weifeng Xu" userId="e7aed605-a3dd-4d5a-a692-a87037af107b" providerId="ADAL" clId="{8E5A6AEC-921D-4BE6-8002-CC8D4F2830D2}" dt="2025-04-27T16:05:14.474" v="618"/>
+        <pc:sldMkLst>
+          <pc:docMk/>
+          <pc:sldMk cId="909895920" sldId="261"/>
+        </pc:sldMkLst>
+      </pc:sldChg>
+      <pc:sldChg chg="del">
+        <pc:chgData name="Weifeng Xu" userId="e7aed605-a3dd-4d5a-a692-a87037af107b" providerId="ADAL" clId="{8E5A6AEC-921D-4BE6-8002-CC8D4F2830D2}" dt="2025-04-27T15:25:07.871" v="38" actId="47"/>
+        <pc:sldMkLst>
+          <pc:docMk/>
+          <pc:sldMk cId="1030786537" sldId="261"/>
+        </pc:sldMkLst>
+      </pc:sldChg>
+      <pc:sldChg chg="addSp delSp modSp new mod">
+        <pc:chgData name="Weifeng Xu" userId="e7aed605-a3dd-4d5a-a692-a87037af107b" providerId="ADAL" clId="{8E5A6AEC-921D-4BE6-8002-CC8D4F2830D2}" dt="2025-04-28T15:23:27.017" v="746" actId="6549"/>
+        <pc:sldMkLst>
+          <pc:docMk/>
+          <pc:sldMk cId="1010189504" sldId="262"/>
+        </pc:sldMkLst>
+      </pc:sldChg>
+      <pc:sldChg chg="del">
+        <pc:chgData name="Weifeng Xu" userId="e7aed605-a3dd-4d5a-a692-a87037af107b" providerId="ADAL" clId="{8E5A6AEC-921D-4BE6-8002-CC8D4F2830D2}" dt="2025-04-27T15:25:08.095" v="39" actId="47"/>
+        <pc:sldMkLst>
+          <pc:docMk/>
+          <pc:sldMk cId="3548515090" sldId="264"/>
+        </pc:sldMkLst>
+      </pc:sldChg>
+      <pc:sldChg chg="del">
+        <pc:chgData name="Weifeng Xu" userId="e7aed605-a3dd-4d5a-a692-a87037af107b" providerId="ADAL" clId="{8E5A6AEC-921D-4BE6-8002-CC8D4F2830D2}" dt="2025-04-27T15:25:10.434" v="47" actId="47"/>
+        <pc:sldMkLst>
+          <pc:docMk/>
+          <pc:sldMk cId="3523214092" sldId="265"/>
+        </pc:sldMkLst>
+      </pc:sldChg>
+      <pc:sldChg chg="del">
+        <pc:chgData name="Weifeng Xu" userId="e7aed605-a3dd-4d5a-a692-a87037af107b" providerId="ADAL" clId="{8E5A6AEC-921D-4BE6-8002-CC8D4F2830D2}" dt="2025-04-27T15:25:08.929" v="43" actId="47"/>
+        <pc:sldMkLst>
+          <pc:docMk/>
+          <pc:sldMk cId="756868712" sldId="266"/>
+        </pc:sldMkLst>
+      </pc:sldChg>
+      <pc:sldChg chg="del">
+        <pc:chgData name="Weifeng Xu" userId="e7aed605-a3dd-4d5a-a692-a87037af107b" providerId="ADAL" clId="{8E5A6AEC-921D-4BE6-8002-CC8D4F2830D2}" dt="2025-04-27T15:25:09.145" v="44" actId="47"/>
+        <pc:sldMkLst>
+          <pc:docMk/>
+          <pc:sldMk cId="2973990778" sldId="267"/>
+        </pc:sldMkLst>
+      </pc:sldChg>
+      <pc:sldChg chg="del">
+        <pc:chgData name="Weifeng Xu" userId="e7aed605-a3dd-4d5a-a692-a87037af107b" providerId="ADAL" clId="{8E5A6AEC-921D-4BE6-8002-CC8D4F2830D2}" dt="2025-04-27T15:25:09.362" v="45" actId="47"/>
+        <pc:sldMkLst>
+          <pc:docMk/>
+          <pc:sldMk cId="2042884208" sldId="268"/>
+        </pc:sldMkLst>
+      </pc:sldChg>
+      <pc:sldChg chg="del">
+        <pc:chgData name="Weifeng Xu" userId="e7aed605-a3dd-4d5a-a692-a87037af107b" providerId="ADAL" clId="{8E5A6AEC-921D-4BE6-8002-CC8D4F2830D2}" dt="2025-04-27T15:25:08.271" v="40" actId="47"/>
+        <pc:sldMkLst>
+          <pc:docMk/>
+          <pc:sldMk cId="3256057421" sldId="269"/>
+        </pc:sldMkLst>
+      </pc:sldChg>
+      <pc:sldChg chg="del">
+        <pc:chgData name="Weifeng Xu" userId="e7aed605-a3dd-4d5a-a692-a87037af107b" providerId="ADAL" clId="{8E5A6AEC-921D-4BE6-8002-CC8D4F2830D2}" dt="2025-04-27T15:25:08.466" v="41" actId="47"/>
+        <pc:sldMkLst>
+          <pc:docMk/>
+          <pc:sldMk cId="146876777" sldId="270"/>
+        </pc:sldMkLst>
+      </pc:sldChg>
+      <pc:sldChg chg="del">
+        <pc:chgData name="Weifeng Xu" userId="e7aed605-a3dd-4d5a-a692-a87037af107b" providerId="ADAL" clId="{8E5A6AEC-921D-4BE6-8002-CC8D4F2830D2}" dt="2025-04-27T15:25:08.686" v="42" actId="47"/>
+        <pc:sldMkLst>
+          <pc:docMk/>
+          <pc:sldMk cId="1939243851" sldId="271"/>
+        </pc:sldMkLst>
+      </pc:sldChg>
+      <pc:sldChg chg="del">
+        <pc:chgData name="Weifeng Xu" userId="e7aed605-a3dd-4d5a-a692-a87037af107b" providerId="ADAL" clId="{8E5A6AEC-921D-4BE6-8002-CC8D4F2830D2}" dt="2025-04-27T15:25:11.096" v="48" actId="47"/>
+        <pc:sldMkLst>
+          <pc:docMk/>
+          <pc:sldMk cId="2238745649" sldId="272"/>
+        </pc:sldMkLst>
+      </pc:sldChg>
+    </pc:docChg>
+  </pc:docChgLst>
+  <pc:docChgLst>
+    <pc:chgData name="Weifeng Xu" userId="e7aed605-a3dd-4d5a-a692-a87037af107b" providerId="ADAL" clId="{781DD69C-B3C3-4AA3-A094-E5C237C15CAE}"/>
+    <pc:docChg chg="delSld">
+      <pc:chgData name="Weifeng Xu" userId="e7aed605-a3dd-4d5a-a692-a87037af107b" providerId="ADAL" clId="{781DD69C-B3C3-4AA3-A094-E5C237C15CAE}" dt="2025-04-26T15:34:37.721" v="1" actId="47"/>
+      <pc:docMkLst>
+        <pc:docMk/>
+      </pc:docMkLst>
+      <pc:sldChg chg="del">
+        <pc:chgData name="Weifeng Xu" userId="e7aed605-a3dd-4d5a-a692-a87037af107b" providerId="ADAL" clId="{781DD69C-B3C3-4AA3-A094-E5C237C15CAE}" dt="2025-04-26T15:34:36.333" v="0" actId="47"/>
+        <pc:sldMkLst>
+          <pc:docMk/>
+          <pc:sldMk cId="3284022864" sldId="262"/>
+        </pc:sldMkLst>
+      </pc:sldChg>
+      <pc:sldChg chg="del">
+        <pc:chgData name="Weifeng Xu" userId="e7aed605-a3dd-4d5a-a692-a87037af107b" providerId="ADAL" clId="{781DD69C-B3C3-4AA3-A094-E5C237C15CAE}" dt="2025-04-26T15:34:37.721" v="1" actId="47"/>
+        <pc:sldMkLst>
+          <pc:docMk/>
+          <pc:sldMk cId="786756272" sldId="263"/>
+        </pc:sldMkLst>
+      </pc:sldChg>
+    </pc:docChg>
+  </pc:docChgLst>
+  <pc:docChgLst>
+    <pc:chgData name="Weifeng Xu" userId="e7aed605-a3dd-4d5a-a692-a87037af107b" providerId="ADAL" clId="{B29BA757-A9E5-4E35-900E-70A7C044DEA3}"/>
+    <pc:docChg chg="undo custSel addSld delSld modSld sldOrd">
+      <pc:chgData name="Weifeng Xu" userId="e7aed605-a3dd-4d5a-a692-a87037af107b" providerId="ADAL" clId="{B29BA757-A9E5-4E35-900E-70A7C044DEA3}" dt="2025-05-08T20:26:31.713" v="2302"/>
+      <pc:docMkLst>
+        <pc:docMk/>
+      </pc:docMkLst>
+      <pc:sldChg chg="addSp modSp mod">
+        <pc:chgData name="Weifeng Xu" userId="e7aed605-a3dd-4d5a-a692-a87037af107b" providerId="ADAL" clId="{B29BA757-A9E5-4E35-900E-70A7C044DEA3}" dt="2025-05-07T14:31:41.747" v="329" actId="1076"/>
+        <pc:sldMkLst>
+          <pc:docMk/>
+          <pc:sldMk cId="1325061211" sldId="256"/>
+        </pc:sldMkLst>
+      </pc:sldChg>
+      <pc:sldChg chg="modSp mod">
+        <pc:chgData name="Weifeng Xu" userId="e7aed605-a3dd-4d5a-a692-a87037af107b" providerId="ADAL" clId="{B29BA757-A9E5-4E35-900E-70A7C044DEA3}" dt="2025-05-07T19:12:32.998" v="1316" actId="27636"/>
+        <pc:sldMkLst>
+          <pc:docMk/>
+          <pc:sldMk cId="3637650244" sldId="257"/>
+        </pc:sldMkLst>
+      </pc:sldChg>
+      <pc:sldChg chg="del">
+        <pc:chgData name="Weifeng Xu" userId="e7aed605-a3dd-4d5a-a692-a87037af107b" providerId="ADAL" clId="{B29BA757-A9E5-4E35-900E-70A7C044DEA3}" dt="2025-05-07T01:05:38.460" v="1" actId="47"/>
+        <pc:sldMkLst>
+          <pc:docMk/>
+          <pc:sldMk cId="2182874950" sldId="258"/>
+        </pc:sldMkLst>
+      </pc:sldChg>
+      <pc:sldChg chg="modSp new mod">
+        <pc:chgData name="Weifeng Xu" userId="e7aed605-a3dd-4d5a-a692-a87037af107b" providerId="ADAL" clId="{B29BA757-A9E5-4E35-900E-70A7C044DEA3}" dt="2025-05-07T01:09:41.997" v="59" actId="15"/>
+        <pc:sldMkLst>
+          <pc:docMk/>
+          <pc:sldMk cId="2656776715" sldId="258"/>
+        </pc:sldMkLst>
+      </pc:sldChg>
+      <pc:sldChg chg="addSp modSp new mod modClrScheme chgLayout">
+        <pc:chgData name="Weifeng Xu" userId="e7aed605-a3dd-4d5a-a692-a87037af107b" providerId="ADAL" clId="{B29BA757-A9E5-4E35-900E-70A7C044DEA3}" dt="2025-05-08T16:47:57.135" v="2086" actId="27636"/>
+        <pc:sldMkLst>
+          <pc:docMk/>
+          <pc:sldMk cId="727829765" sldId="259"/>
+        </pc:sldMkLst>
+      </pc:sldChg>
+      <pc:sldChg chg="del">
+        <pc:chgData name="Weifeng Xu" userId="e7aed605-a3dd-4d5a-a692-a87037af107b" providerId="ADAL" clId="{B29BA757-A9E5-4E35-900E-70A7C044DEA3}" dt="2025-05-07T01:05:38.614" v="2" actId="47"/>
+        <pc:sldMkLst>
+          <pc:docMk/>
+          <pc:sldMk cId="3948614833" sldId="259"/>
+        </pc:sldMkLst>
+      </pc:sldChg>
+      <pc:sldChg chg="addSp delSp modSp new mod modClrScheme chgLayout">
+        <pc:chgData name="Weifeng Xu" userId="e7aed605-a3dd-4d5a-a692-a87037af107b" providerId="ADAL" clId="{B29BA757-A9E5-4E35-900E-70A7C044DEA3}" dt="2025-05-07T15:58:32.517" v="715" actId="20577"/>
+        <pc:sldMkLst>
+          <pc:docMk/>
+          <pc:sldMk cId="1840264368" sldId="260"/>
+        </pc:sldMkLst>
+      </pc:sldChg>
+      <pc:sldChg chg="del">
+        <pc:chgData name="Weifeng Xu" userId="e7aed605-a3dd-4d5a-a692-a87037af107b" providerId="ADAL" clId="{B29BA757-A9E5-4E35-900E-70A7C044DEA3}" dt="2025-05-07T01:05:38.749" v="3" actId="47"/>
+        <pc:sldMkLst>
+          <pc:docMk/>
+          <pc:sldMk cId="2232272763" sldId="260"/>
+        </pc:sldMkLst>
+      </pc:sldChg>
+      <pc:sldChg chg="del">
+        <pc:chgData name="Weifeng Xu" userId="e7aed605-a3dd-4d5a-a692-a87037af107b" providerId="ADAL" clId="{B29BA757-A9E5-4E35-900E-70A7C044DEA3}" dt="2025-05-07T01:05:38.900" v="4" actId="47"/>
+        <pc:sldMkLst>
+          <pc:docMk/>
+          <pc:sldMk cId="2892488957" sldId="261"/>
+        </pc:sldMkLst>
+      </pc:sldChg>
+      <pc:sldChg chg="addSp delSp modSp new mod modClrScheme chgLayout">
+        <pc:chgData name="Weifeng Xu" userId="e7aed605-a3dd-4d5a-a692-a87037af107b" providerId="ADAL" clId="{B29BA757-A9E5-4E35-900E-70A7C044DEA3}" dt="2025-05-07T16:07:46.408" v="827" actId="113"/>
+        <pc:sldMkLst>
+          <pc:docMk/>
+          <pc:sldMk cId="4111090122" sldId="261"/>
+        </pc:sldMkLst>
+      </pc:sldChg>
+      <pc:sldChg chg="del">
+        <pc:chgData name="Weifeng Xu" userId="e7aed605-a3dd-4d5a-a692-a87037af107b" providerId="ADAL" clId="{B29BA757-A9E5-4E35-900E-70A7C044DEA3}" dt="2025-05-07T01:05:39.385" v="6" actId="47"/>
+        <pc:sldMkLst>
+          <pc:docMk/>
+          <pc:sldMk cId="151526665" sldId="262"/>
+        </pc:sldMkLst>
+      </pc:sldChg>
+      <pc:sldChg chg="addSp delSp modSp new mod">
+        <pc:chgData name="Weifeng Xu" userId="e7aed605-a3dd-4d5a-a692-a87037af107b" providerId="ADAL" clId="{B29BA757-A9E5-4E35-900E-70A7C044DEA3}" dt="2025-05-07T02:15:40.306" v="320" actId="20577"/>
+        <pc:sldMkLst>
+          <pc:docMk/>
+          <pc:sldMk cId="2317883494" sldId="262"/>
+        </pc:sldMkLst>
+      </pc:sldChg>
+      <pc:sldChg chg="addSp modSp new mod modClrScheme chgLayout">
+        <pc:chgData name="Weifeng Xu" userId="e7aed605-a3dd-4d5a-a692-a87037af107b" providerId="ADAL" clId="{B29BA757-A9E5-4E35-900E-70A7C044DEA3}" dt="2025-05-07T01:53:07.182" v="259" actId="1076"/>
+        <pc:sldMkLst>
+          <pc:docMk/>
+          <pc:sldMk cId="811983070" sldId="263"/>
+        </pc:sldMkLst>
+      </pc:sldChg>
+      <pc:sldChg chg="del">
+        <pc:chgData name="Weifeng Xu" userId="e7aed605-a3dd-4d5a-a692-a87037af107b" providerId="ADAL" clId="{B29BA757-A9E5-4E35-900E-70A7C044DEA3}" dt="2025-05-07T01:05:39.039" v="5" actId="47"/>
+        <pc:sldMkLst>
+          <pc:docMk/>
+          <pc:sldMk cId="1683674305" sldId="263"/>
+        </pc:sldMkLst>
+      </pc:sldChg>
+      <pc:sldChg chg="del">
+        <pc:chgData name="Weifeng Xu" userId="e7aed605-a3dd-4d5a-a692-a87037af107b" providerId="ADAL" clId="{B29BA757-A9E5-4E35-900E-70A7C044DEA3}" dt="2025-05-07T01:05:39.710" v="7" actId="47"/>
+        <pc:sldMkLst>
+          <pc:docMk/>
+          <pc:sldMk cId="14529535" sldId="264"/>
+        </pc:sldMkLst>
+      </pc:sldChg>
+      <pc:sldChg chg="addSp modSp new mod modClrScheme chgLayout">
+        <pc:chgData name="Weifeng Xu" userId="e7aed605-a3dd-4d5a-a692-a87037af107b" providerId="ADAL" clId="{B29BA757-A9E5-4E35-900E-70A7C044DEA3}" dt="2025-05-07T01:53:03.713" v="258" actId="14100"/>
+        <pc:sldMkLst>
+          <pc:docMk/>
+          <pc:sldMk cId="1963809480" sldId="264"/>
+        </pc:sldMkLst>
+      </pc:sldChg>
+      <pc:sldChg chg="addSp delSp modSp new mod modClrScheme chgLayout">
+        <pc:chgData name="Weifeng Xu" userId="e7aed605-a3dd-4d5a-a692-a87037af107b" providerId="ADAL" clId="{B29BA757-A9E5-4E35-900E-70A7C044DEA3}" dt="2025-05-07T02:00:05.906" v="291" actId="27636"/>
+        <pc:sldMkLst>
+          <pc:docMk/>
+          <pc:sldMk cId="1407222423" sldId="265"/>
+        </pc:sldMkLst>
+      </pc:sldChg>
+      <pc:sldChg chg="del">
+        <pc:chgData name="Weifeng Xu" userId="e7aed605-a3dd-4d5a-a692-a87037af107b" providerId="ADAL" clId="{B29BA757-A9E5-4E35-900E-70A7C044DEA3}" dt="2025-05-07T01:05:38.315" v="0" actId="47"/>
+        <pc:sldMkLst>
+          <pc:docMk/>
+          <pc:sldMk cId="2513134488" sldId="265"/>
+        </pc:sldMkLst>
+      </pc:sldChg>
+      <pc:sldChg chg="addSp delSp modSp new mod ord modClrScheme chgLayout">
+        <pc:chgData name="Weifeng Xu" userId="e7aed605-a3dd-4d5a-a692-a87037af107b" providerId="ADAL" clId="{B29BA757-A9E5-4E35-900E-70A7C044DEA3}" dt="2025-05-07T16:11:53.180" v="845"/>
+        <pc:sldMkLst>
+          <pc:docMk/>
+          <pc:sldMk cId="765826211" sldId="266"/>
+        </pc:sldMkLst>
+      </pc:sldChg>
+      <pc:sldChg chg="del">
+        <pc:chgData name="Weifeng Xu" userId="e7aed605-a3dd-4d5a-a692-a87037af107b" providerId="ADAL" clId="{B29BA757-A9E5-4E35-900E-70A7C044DEA3}" dt="2025-05-07T01:05:40.134" v="10" actId="47"/>
+        <pc:sldMkLst>
+          <pc:docMk/>
+          <pc:sldMk cId="2697101003" sldId="266"/>
+        </pc:sldMkLst>
+      </pc:sldChg>
+      <pc:sldChg chg="new del">
+        <pc:chgData name="Weifeng Xu" userId="e7aed605-a3dd-4d5a-a692-a87037af107b" providerId="ADAL" clId="{B29BA757-A9E5-4E35-900E-70A7C044DEA3}" dt="2025-05-07T02:16:40.905" v="322" actId="680"/>
+        <pc:sldMkLst>
+          <pc:docMk/>
+          <pc:sldMk cId="3259922637" sldId="266"/>
+        </pc:sldMkLst>
+      </pc:sldChg>
+      <pc:sldChg chg="del">
+        <pc:chgData name="Weifeng Xu" userId="e7aed605-a3dd-4d5a-a692-a87037af107b" providerId="ADAL" clId="{B29BA757-A9E5-4E35-900E-70A7C044DEA3}" dt="2025-05-07T01:05:39.993" v="9" actId="47"/>
+        <pc:sldMkLst>
+          <pc:docMk/>
+          <pc:sldMk cId="2718594992" sldId="267"/>
+        </pc:sldMkLst>
+      </pc:sldChg>
+      <pc:sldChg chg="addSp delSp modSp new mod modClrScheme chgLayout modNotesTx">
+        <pc:chgData name="Weifeng Xu" userId="e7aed605-a3dd-4d5a-a692-a87037af107b" providerId="ADAL" clId="{B29BA757-A9E5-4E35-900E-70A7C044DEA3}" dt="2025-05-07T14:46:51.402" v="411" actId="478"/>
+        <pc:sldMkLst>
+          <pc:docMk/>
+          <pc:sldMk cId="3504296645" sldId="267"/>
+        </pc:sldMkLst>
+      </pc:sldChg>
+      <pc:sldChg chg="addSp modSp new mod">
+        <pc:chgData name="Weifeng Xu" userId="e7aed605-a3dd-4d5a-a692-a87037af107b" providerId="ADAL" clId="{B29BA757-A9E5-4E35-900E-70A7C044DEA3}" dt="2025-05-07T19:16:35.860" v="1318" actId="1076"/>
+        <pc:sldMkLst>
+          <pc:docMk/>
+          <pc:sldMk cId="679910618" sldId="268"/>
+        </pc:sldMkLst>
+      </pc:sldChg>
+      <pc:sldChg chg="del">
+        <pc:chgData name="Weifeng Xu" userId="e7aed605-a3dd-4d5a-a692-a87037af107b" providerId="ADAL" clId="{B29BA757-A9E5-4E35-900E-70A7C044DEA3}" dt="2025-05-07T01:05:40.272" v="11" actId="47"/>
+        <pc:sldMkLst>
+          <pc:docMk/>
+          <pc:sldMk cId="2848934703" sldId="268"/>
+        </pc:sldMkLst>
+      </pc:sldChg>
+      <pc:sldChg chg="addSp delSp modSp new mod modClrScheme chgLayout">
+        <pc:chgData name="Weifeng Xu" userId="e7aed605-a3dd-4d5a-a692-a87037af107b" providerId="ADAL" clId="{B29BA757-A9E5-4E35-900E-70A7C044DEA3}" dt="2025-05-07T15:40:11.868" v="444" actId="1076"/>
+        <pc:sldMkLst>
+          <pc:docMk/>
+          <pc:sldMk cId="2594904362" sldId="269"/>
+        </pc:sldMkLst>
+      </pc:sldChg>
+      <pc:sldChg chg="del">
+        <pc:chgData name="Weifeng Xu" userId="e7aed605-a3dd-4d5a-a692-a87037af107b" providerId="ADAL" clId="{B29BA757-A9E5-4E35-900E-70A7C044DEA3}" dt="2025-05-07T01:05:41.327" v="15" actId="47"/>
+        <pc:sldMkLst>
+          <pc:docMk/>
+          <pc:sldMk cId="2627592652" sldId="269"/>
+        </pc:sldMkLst>
+      </pc:sldChg>
+      <pc:sldChg chg="addSp modSp new mod">
+        <pc:chgData name="Weifeng Xu" userId="e7aed605-a3dd-4d5a-a692-a87037af107b" providerId="ADAL" clId="{B29BA757-A9E5-4E35-900E-70A7C044DEA3}" dt="2025-05-08T13:13:14.917" v="2061" actId="1076"/>
+        <pc:sldMkLst>
+          <pc:docMk/>
+          <pc:sldMk cId="3508688350" sldId="270"/>
+        </pc:sldMkLst>
+      </pc:sldChg>
+      <pc:sldChg chg="del">
+        <pc:chgData name="Weifeng Xu" userId="e7aed605-a3dd-4d5a-a692-a87037af107b" providerId="ADAL" clId="{B29BA757-A9E5-4E35-900E-70A7C044DEA3}" dt="2025-05-07T01:05:39.869" v="8" actId="47"/>
+        <pc:sldMkLst>
+          <pc:docMk/>
+          <pc:sldMk cId="2150245760" sldId="271"/>
+        </pc:sldMkLst>
+      </pc:sldChg>
+      <pc:sldChg chg="addSp modSp new mod ord">
+        <pc:chgData name="Weifeng Xu" userId="e7aed605-a3dd-4d5a-a692-a87037af107b" providerId="ADAL" clId="{B29BA757-A9E5-4E35-900E-70A7C044DEA3}" dt="2025-05-07T16:10:31.408" v="829"/>
+        <pc:sldMkLst>
+          <pc:docMk/>
+          <pc:sldMk cId="2923167307" sldId="271"/>
+        </pc:sldMkLst>
+      </pc:sldChg>
+      <pc:sldChg chg="addSp delSp modSp new mod modClrScheme chgLayout">
+        <pc:chgData name="Weifeng Xu" userId="e7aed605-a3dd-4d5a-a692-a87037af107b" providerId="ADAL" clId="{B29BA757-A9E5-4E35-900E-70A7C044DEA3}" dt="2025-05-08T16:30:39.819" v="2079" actId="207"/>
+        <pc:sldMkLst>
+          <pc:docMk/>
+          <pc:sldMk cId="868934236" sldId="272"/>
+        </pc:sldMkLst>
+      </pc:sldChg>
+      <pc:sldChg chg="del">
+        <pc:chgData name="Weifeng Xu" userId="e7aed605-a3dd-4d5a-a692-a87037af107b" providerId="ADAL" clId="{B29BA757-A9E5-4E35-900E-70A7C044DEA3}" dt="2025-05-07T01:05:41.838" v="16" actId="47"/>
+        <pc:sldMkLst>
+          <pc:docMk/>
+          <pc:sldMk cId="2888544228" sldId="272"/>
+        </pc:sldMkLst>
+      </pc:sldChg>
+      <pc:sldChg chg="addSp delSp modSp new mod modClrScheme chgLayout">
+        <pc:chgData name="Weifeng Xu" userId="e7aed605-a3dd-4d5a-a692-a87037af107b" providerId="ADAL" clId="{B29BA757-A9E5-4E35-900E-70A7C044DEA3}" dt="2025-05-07T15:54:54.600" v="665" actId="20577"/>
+        <pc:sldMkLst>
+          <pc:docMk/>
+          <pc:sldMk cId="862046090" sldId="273"/>
+        </pc:sldMkLst>
+      </pc:sldChg>
+      <pc:sldChg chg="del">
+        <pc:chgData name="Weifeng Xu" userId="e7aed605-a3dd-4d5a-a692-a87037af107b" providerId="ADAL" clId="{B29BA757-A9E5-4E35-900E-70A7C044DEA3}" dt="2025-05-07T01:05:40.913" v="12" actId="47"/>
+        <pc:sldMkLst>
+          <pc:docMk/>
+          <pc:sldMk cId="2994016025" sldId="273"/>
+        </pc:sldMkLst>
+      </pc:sldChg>
+      <pc:sldChg chg="addSp delSp modSp new mod ord modClrScheme chgLayout">
+        <pc:chgData name="Weifeng Xu" userId="e7aed605-a3dd-4d5a-a692-a87037af107b" providerId="ADAL" clId="{B29BA757-A9E5-4E35-900E-70A7C044DEA3}" dt="2025-05-07T16:06:14.904" v="769" actId="20577"/>
+        <pc:sldMkLst>
+          <pc:docMk/>
+          <pc:sldMk cId="602319858" sldId="274"/>
+        </pc:sldMkLst>
+      </pc:sldChg>
+      <pc:sldChg chg="del">
+        <pc:chgData name="Weifeng Xu" userId="e7aed605-a3dd-4d5a-a692-a87037af107b" providerId="ADAL" clId="{B29BA757-A9E5-4E35-900E-70A7C044DEA3}" dt="2025-05-07T01:05:41.168" v="14" actId="47"/>
+        <pc:sldMkLst>
+          <pc:docMk/>
+          <pc:sldMk cId="1783593539" sldId="274"/>
+        </pc:sldMkLst>
+      </pc:sldChg>
+      <pc:sldChg chg="del">
+        <pc:chgData name="Weifeng Xu" userId="e7aed605-a3dd-4d5a-a692-a87037af107b" providerId="ADAL" clId="{B29BA757-A9E5-4E35-900E-70A7C044DEA3}" dt="2025-05-07T01:05:41.058" v="13" actId="47"/>
+        <pc:sldMkLst>
+          <pc:docMk/>
+          <pc:sldMk cId="1245700757" sldId="275"/>
+        </pc:sldMkLst>
+      </pc:sldChg>
+      <pc:sldChg chg="addSp delSp modSp new mod modClrScheme chgLayout">
+        <pc:chgData name="Weifeng Xu" userId="e7aed605-a3dd-4d5a-a692-a87037af107b" providerId="ADAL" clId="{B29BA757-A9E5-4E35-900E-70A7C044DEA3}" dt="2025-05-07T16:10:51.558" v="834" actId="20577"/>
+        <pc:sldMkLst>
+          <pc:docMk/>
+          <pc:sldMk cId="1760818567" sldId="275"/>
+        </pc:sldMkLst>
+      </pc:sldChg>
+      <pc:sldChg chg="del">
+        <pc:chgData name="Weifeng Xu" userId="e7aed605-a3dd-4d5a-a692-a87037af107b" providerId="ADAL" clId="{B29BA757-A9E5-4E35-900E-70A7C044DEA3}" dt="2025-05-07T01:05:41.987" v="17" actId="47"/>
+        <pc:sldMkLst>
+          <pc:docMk/>
+          <pc:sldMk cId="495228592" sldId="276"/>
+        </pc:sldMkLst>
+      </pc:sldChg>
+      <pc:sldChg chg="addSp delSp modSp new mod modClrScheme chgLayout">
+        <pc:chgData name="Weifeng Xu" userId="e7aed605-a3dd-4d5a-a692-a87037af107b" providerId="ADAL" clId="{B29BA757-A9E5-4E35-900E-70A7C044DEA3}" dt="2025-05-07T16:11:45.415" v="843" actId="20577"/>
+        <pc:sldMkLst>
+          <pc:docMk/>
+          <pc:sldMk cId="2550957305" sldId="276"/>
+        </pc:sldMkLst>
+      </pc:sldChg>
+      <pc:sldChg chg="addSp delSp modSp new mod modClrScheme chgLayout">
+        <pc:chgData name="Weifeng Xu" userId="e7aed605-a3dd-4d5a-a692-a87037af107b" providerId="ADAL" clId="{B29BA757-A9E5-4E35-900E-70A7C044DEA3}" dt="2025-05-07T16:14:54.334" v="868" actId="20577"/>
+        <pc:sldMkLst>
+          <pc:docMk/>
+          <pc:sldMk cId="3185848680" sldId="277"/>
+        </pc:sldMkLst>
+      </pc:sldChg>
+      <pc:sldChg chg="del">
+        <pc:chgData name="Weifeng Xu" userId="e7aed605-a3dd-4d5a-a692-a87037af107b" providerId="ADAL" clId="{B29BA757-A9E5-4E35-900E-70A7C044DEA3}" dt="2025-05-07T01:05:42.120" v="18" actId="47"/>
+        <pc:sldMkLst>
+          <pc:docMk/>
+          <pc:sldMk cId="3629368376" sldId="277"/>
+        </pc:sldMkLst>
+      </pc:sldChg>
+      <pc:sldChg chg="addSp delSp modSp new mod modClrScheme chgLayout">
+        <pc:chgData name="Weifeng Xu" userId="e7aed605-a3dd-4d5a-a692-a87037af107b" providerId="ADAL" clId="{B29BA757-A9E5-4E35-900E-70A7C044DEA3}" dt="2025-05-07T16:14:46.033" v="864" actId="21"/>
+        <pc:sldMkLst>
+          <pc:docMk/>
+          <pc:sldMk cId="405124300" sldId="278"/>
+        </pc:sldMkLst>
+      </pc:sldChg>
+      <pc:sldChg chg="del">
+        <pc:chgData name="Weifeng Xu" userId="e7aed605-a3dd-4d5a-a692-a87037af107b" providerId="ADAL" clId="{B29BA757-A9E5-4E35-900E-70A7C044DEA3}" dt="2025-05-07T01:05:42.732" v="19" actId="47"/>
+        <pc:sldMkLst>
+          <pc:docMk/>
+          <pc:sldMk cId="1472723351" sldId="278"/>
+        </pc:sldMkLst>
+      </pc:sldChg>
+      <pc:sldChg chg="addSp modSp new mod">
+        <pc:chgData name="Weifeng Xu" userId="e7aed605-a3dd-4d5a-a692-a87037af107b" providerId="ADAL" clId="{B29BA757-A9E5-4E35-900E-70A7C044DEA3}" dt="2025-05-07T16:22:03.960" v="883" actId="6549"/>
+        <pc:sldMkLst>
+          <pc:docMk/>
+          <pc:sldMk cId="2022899757" sldId="279"/>
+        </pc:sldMkLst>
+      </pc:sldChg>
+      <pc:sldChg chg="del">
+        <pc:chgData name="Weifeng Xu" userId="e7aed605-a3dd-4d5a-a692-a87037af107b" providerId="ADAL" clId="{B29BA757-A9E5-4E35-900E-70A7C044DEA3}" dt="2025-05-07T01:05:42.915" v="20" actId="47"/>
+        <pc:sldMkLst>
+          <pc:docMk/>
+          <pc:sldMk cId="545826806" sldId="280"/>
+        </pc:sldMkLst>
+      </pc:sldChg>
+      <pc:sldChg chg="addSp modSp new mod">
+        <pc:chgData name="Weifeng Xu" userId="e7aed605-a3dd-4d5a-a692-a87037af107b" providerId="ADAL" clId="{B29BA757-A9E5-4E35-900E-70A7C044DEA3}" dt="2025-05-07T16:49:42.797" v="901" actId="1076"/>
+        <pc:sldMkLst>
+          <pc:docMk/>
+          <pc:sldMk cId="2021787752" sldId="280"/>
+        </pc:sldMkLst>
+      </pc:sldChg>
+      <pc:sldChg chg="del">
+        <pc:chgData name="Weifeng Xu" userId="e7aed605-a3dd-4d5a-a692-a87037af107b" providerId="ADAL" clId="{B29BA757-A9E5-4E35-900E-70A7C044DEA3}" dt="2025-05-07T01:05:43.017" v="21" actId="47"/>
+        <pc:sldMkLst>
+          <pc:docMk/>
+          <pc:sldMk cId="1846476847" sldId="281"/>
+        </pc:sldMkLst>
+      </pc:sldChg>
+      <pc:sldChg chg="addSp modSp new mod modClrScheme chgLayout">
+        <pc:chgData name="Weifeng Xu" userId="e7aed605-a3dd-4d5a-a692-a87037af107b" providerId="ADAL" clId="{B29BA757-A9E5-4E35-900E-70A7C044DEA3}" dt="2025-05-07T18:40:01.580" v="1051" actId="14100"/>
+        <pc:sldMkLst>
+          <pc:docMk/>
+          <pc:sldMk cId="3900806462" sldId="281"/>
+        </pc:sldMkLst>
+      </pc:sldChg>
+      <pc:sldChg chg="del">
+        <pc:chgData name="Weifeng Xu" userId="e7aed605-a3dd-4d5a-a692-a87037af107b" providerId="ADAL" clId="{B29BA757-A9E5-4E35-900E-70A7C044DEA3}" dt="2025-05-07T01:05:43.560" v="22" actId="47"/>
+        <pc:sldMkLst>
+          <pc:docMk/>
+          <pc:sldMk cId="1740457000" sldId="282"/>
+        </pc:sldMkLst>
+      </pc:sldChg>
+      <pc:sldChg chg="addSp delSp modSp new mod modClrScheme chgLayout">
+        <pc:chgData name="Weifeng Xu" userId="e7aed605-a3dd-4d5a-a692-a87037af107b" providerId="ADAL" clId="{B29BA757-A9E5-4E35-900E-70A7C044DEA3}" dt="2025-05-07T19:07:15.321" v="1278" actId="20577"/>
+        <pc:sldMkLst>
+          <pc:docMk/>
+          <pc:sldMk cId="2831829862" sldId="282"/>
+        </pc:sldMkLst>
+      </pc:sldChg>
+      <pc:sldChg chg="del">
+        <pc:chgData name="Weifeng Xu" userId="e7aed605-a3dd-4d5a-a692-a87037af107b" providerId="ADAL" clId="{B29BA757-A9E5-4E35-900E-70A7C044DEA3}" dt="2025-05-07T01:05:43.719" v="23" actId="47"/>
+        <pc:sldMkLst>
+          <pc:docMk/>
+          <pc:sldMk cId="1312178182" sldId="283"/>
+        </pc:sldMkLst>
+      </pc:sldChg>
+      <pc:sldChg chg="addSp delSp modSp new mod">
+        <pc:chgData name="Weifeng Xu" userId="e7aed605-a3dd-4d5a-a692-a87037af107b" providerId="ADAL" clId="{B29BA757-A9E5-4E35-900E-70A7C044DEA3}" dt="2025-05-07T19:10:31.791" v="1310" actId="1076"/>
+        <pc:sldMkLst>
+          <pc:docMk/>
+          <pc:sldMk cId="3760669567" sldId="283"/>
+        </pc:sldMkLst>
+      </pc:sldChg>
+      <pc:sldChg chg="del">
+        <pc:chgData name="Weifeng Xu" userId="e7aed605-a3dd-4d5a-a692-a87037af107b" providerId="ADAL" clId="{B29BA757-A9E5-4E35-900E-70A7C044DEA3}" dt="2025-05-07T01:05:43.858" v="24" actId="47"/>
+        <pc:sldMkLst>
+          <pc:docMk/>
+          <pc:sldMk cId="383624214" sldId="284"/>
+        </pc:sldMkLst>
+      </pc:sldChg>
+      <pc:sldChg chg="addSp delSp modSp new mod modClrScheme chgLayout">
+        <pc:chgData name="Weifeng Xu" userId="e7aed605-a3dd-4d5a-a692-a87037af107b" providerId="ADAL" clId="{B29BA757-A9E5-4E35-900E-70A7C044DEA3}" dt="2025-05-07T21:25:08.149" v="1502" actId="20577"/>
+        <pc:sldMkLst>
+          <pc:docMk/>
+          <pc:sldMk cId="2141137123" sldId="284"/>
+        </pc:sldMkLst>
+      </pc:sldChg>
+      <pc:sldChg chg="addSp delSp modSp new del mod modClrScheme chgLayout modNotesTx">
+        <pc:chgData name="Weifeng Xu" userId="e7aed605-a3dd-4d5a-a692-a87037af107b" providerId="ADAL" clId="{B29BA757-A9E5-4E35-900E-70A7C044DEA3}" dt="2025-05-07T21:20:02.566" v="1484" actId="47"/>
+        <pc:sldMkLst>
+          <pc:docMk/>
+          <pc:sldMk cId="2382133442" sldId="285"/>
+        </pc:sldMkLst>
+      </pc:sldChg>
+      <pc:sldChg chg="del">
+        <pc:chgData name="Weifeng Xu" userId="e7aed605-a3dd-4d5a-a692-a87037af107b" providerId="ADAL" clId="{B29BA757-A9E5-4E35-900E-70A7C044DEA3}" dt="2025-05-07T01:05:43.978" v="25" actId="47"/>
+        <pc:sldMkLst>
+          <pc:docMk/>
+          <pc:sldMk cId="3552171113" sldId="285"/>
+        </pc:sldMkLst>
+      </pc:sldChg>
+      <pc:sldChg chg="addSp delSp modSp new del mod">
+        <pc:chgData name="Weifeng Xu" userId="e7aed605-a3dd-4d5a-a692-a87037af107b" providerId="ADAL" clId="{B29BA757-A9E5-4E35-900E-70A7C044DEA3}" dt="2025-05-07T21:11:08.982" v="1441" actId="47"/>
+        <pc:sldMkLst>
+          <pc:docMk/>
+          <pc:sldMk cId="1698969649" sldId="286"/>
+        </pc:sldMkLst>
+      </pc:sldChg>
+      <pc:sldChg chg="addSp modSp new mod modClrScheme chgLayout modNotesTx">
+        <pc:chgData name="Weifeng Xu" userId="e7aed605-a3dd-4d5a-a692-a87037af107b" providerId="ADAL" clId="{B29BA757-A9E5-4E35-900E-70A7C044DEA3}" dt="2025-05-07T21:24:47.497" v="1500" actId="14100"/>
+        <pc:sldMkLst>
+          <pc:docMk/>
+          <pc:sldMk cId="4021924536" sldId="286"/>
+        </pc:sldMkLst>
+      </pc:sldChg>
+      <pc:sldChg chg="addSp delSp modSp new mod modClrScheme chgLayout">
+        <pc:chgData name="Weifeng Xu" userId="e7aed605-a3dd-4d5a-a692-a87037af107b" providerId="ADAL" clId="{B29BA757-A9E5-4E35-900E-70A7C044DEA3}" dt="2025-05-08T16:45:28.350" v="2080" actId="6549"/>
+        <pc:sldMkLst>
+          <pc:docMk/>
+          <pc:sldMk cId="214610006" sldId="287"/>
+        </pc:sldMkLst>
+      </pc:sldChg>
+      <pc:sldChg chg="addSp delSp modSp new mod modClrScheme chgLayout">
+        <pc:chgData name="Weifeng Xu" userId="e7aed605-a3dd-4d5a-a692-a87037af107b" providerId="ADAL" clId="{B29BA757-A9E5-4E35-900E-70A7C044DEA3}" dt="2025-05-08T19:16:33.374" v="2189" actId="27636"/>
+        <pc:sldMkLst>
+          <pc:docMk/>
+          <pc:sldMk cId="1407769080" sldId="288"/>
+        </pc:sldMkLst>
+      </pc:sldChg>
+      <pc:sldChg chg="addSp delSp modSp new mod ord modClrScheme chgLayout">
+        <pc:chgData name="Weifeng Xu" userId="e7aed605-a3dd-4d5a-a692-a87037af107b" providerId="ADAL" clId="{B29BA757-A9E5-4E35-900E-70A7C044DEA3}" dt="2025-05-08T12:59:41.769" v="2034"/>
+        <pc:sldMkLst>
+          <pc:docMk/>
+          <pc:sldMk cId="104095834" sldId="289"/>
+        </pc:sldMkLst>
+      </pc:sldChg>
+      <pc:sldChg chg="addSp delSp modSp new mod ord modClrScheme chgLayout">
+        <pc:chgData name="Weifeng Xu" userId="e7aed605-a3dd-4d5a-a692-a87037af107b" providerId="ADAL" clId="{B29BA757-A9E5-4E35-900E-70A7C044DEA3}" dt="2025-05-08T13:08:23.713" v="2038"/>
+        <pc:sldMkLst>
+          <pc:docMk/>
+          <pc:sldMk cId="3513636499" sldId="290"/>
+        </pc:sldMkLst>
+      </pc:sldChg>
+      <pc:sldChg chg="addSp delSp modSp new mod">
+        <pc:chgData name="Weifeng Xu" userId="e7aed605-a3dd-4d5a-a692-a87037af107b" providerId="ADAL" clId="{B29BA757-A9E5-4E35-900E-70A7C044DEA3}" dt="2025-05-08T19:18:52.428" v="2201" actId="1076"/>
+        <pc:sldMkLst>
+          <pc:docMk/>
+          <pc:sldMk cId="767342062" sldId="291"/>
+        </pc:sldMkLst>
+      </pc:sldChg>
+      <pc:sldChg chg="delSp add del mod">
+        <pc:chgData name="Weifeng Xu" userId="e7aed605-a3dd-4d5a-a692-a87037af107b" providerId="ADAL" clId="{B29BA757-A9E5-4E35-900E-70A7C044DEA3}" dt="2025-05-08T12:59:23.881" v="2032" actId="47"/>
+        <pc:sldMkLst>
+          <pc:docMk/>
+          <pc:sldMk cId="4059981469" sldId="291"/>
+        </pc:sldMkLst>
+      </pc:sldChg>
+      <pc:sldChg chg="addSp modSp new mod">
+        <pc:chgData name="Weifeng Xu" userId="e7aed605-a3dd-4d5a-a692-a87037af107b" providerId="ADAL" clId="{B29BA757-A9E5-4E35-900E-70A7C044DEA3}" dt="2025-05-08T19:19:12.442" v="2205" actId="1076"/>
+        <pc:sldMkLst>
+          <pc:docMk/>
+          <pc:sldMk cId="3454193145" sldId="292"/>
+        </pc:sldMkLst>
+      </pc:sldChg>
+      <pc:sldChg chg="addSp delSp modSp new mod modClrScheme chgLayout">
+        <pc:chgData name="Weifeng Xu" userId="e7aed605-a3dd-4d5a-a692-a87037af107b" providerId="ADAL" clId="{B29BA757-A9E5-4E35-900E-70A7C044DEA3}" dt="2025-05-08T19:17:53.737" v="2198" actId="14100"/>
+        <pc:sldMkLst>
+          <pc:docMk/>
+          <pc:sldMk cId="2222583924" sldId="293"/>
+        </pc:sldMkLst>
+      </pc:sldChg>
+      <pc:sldChg chg="addSp delSp modSp new del mod modClrScheme chgLayout">
+        <pc:chgData name="Weifeng Xu" userId="e7aed605-a3dd-4d5a-a692-a87037af107b" providerId="ADAL" clId="{B29BA757-A9E5-4E35-900E-70A7C044DEA3}" dt="2025-05-08T19:16:46.459" v="2191" actId="47"/>
+        <pc:sldMkLst>
+          <pc:docMk/>
+          <pc:sldMk cId="3547774912" sldId="293"/>
+        </pc:sldMkLst>
+      </pc:sldChg>
+      <pc:sldChg chg="addSp modSp new mod">
+        <pc:chgData name="Weifeng Xu" userId="e7aed605-a3dd-4d5a-a692-a87037af107b" providerId="ADAL" clId="{B29BA757-A9E5-4E35-900E-70A7C044DEA3}" dt="2025-05-08T19:22:47.041" v="2221" actId="1076"/>
+        <pc:sldMkLst>
+          <pc:docMk/>
+          <pc:sldMk cId="1894162818" sldId="294"/>
+        </pc:sldMkLst>
+      </pc:sldChg>
+      <pc:sldChg chg="addSp modSp new mod">
+        <pc:chgData name="Weifeng Xu" userId="e7aed605-a3dd-4d5a-a692-a87037af107b" providerId="ADAL" clId="{B29BA757-A9E5-4E35-900E-70A7C044DEA3}" dt="2025-05-08T19:25:57.875" v="2250" actId="14100"/>
+        <pc:sldMkLst>
+          <pc:docMk/>
+          <pc:sldMk cId="4224664371" sldId="295"/>
+        </pc:sldMkLst>
+      </pc:sldChg>
+      <pc:sldChg chg="addSp delSp modSp new mod modClrScheme chgLayout">
+        <pc:chgData name="Weifeng Xu" userId="e7aed605-a3dd-4d5a-a692-a87037af107b" providerId="ADAL" clId="{B29BA757-A9E5-4E35-900E-70A7C044DEA3}" dt="2025-05-08T20:23:00.544" v="2270" actId="14100"/>
+        <pc:sldMkLst>
+          <pc:docMk/>
+          <pc:sldMk cId="720217490" sldId="296"/>
+        </pc:sldMkLst>
+      </pc:sldChg>
+      <pc:sldChg chg="addSp modSp new mod modClrScheme chgLayout">
+        <pc:chgData name="Weifeng Xu" userId="e7aed605-a3dd-4d5a-a692-a87037af107b" providerId="ADAL" clId="{B29BA757-A9E5-4E35-900E-70A7C044DEA3}" dt="2025-05-08T20:25:29.479" v="2296" actId="14100"/>
+        <pc:sldMkLst>
+          <pc:docMk/>
+          <pc:sldMk cId="4294253925" sldId="297"/>
+        </pc:sldMkLst>
+      </pc:sldChg>
+      <pc:sldChg chg="modSp new mod">
+        <pc:chgData name="Weifeng Xu" userId="e7aed605-a3dd-4d5a-a692-a87037af107b" providerId="ADAL" clId="{B29BA757-A9E5-4E35-900E-70A7C044DEA3}" dt="2025-05-08T20:26:01.468" v="2299"/>
+        <pc:sldMkLst>
+          <pc:docMk/>
+          <pc:sldMk cId="2038064399" sldId="298"/>
+        </pc:sldMkLst>
+      </pc:sldChg>
+      <pc:sldChg chg="modSp new mod">
+        <pc:chgData name="Weifeng Xu" userId="e7aed605-a3dd-4d5a-a692-a87037af107b" providerId="ADAL" clId="{B29BA757-A9E5-4E35-900E-70A7C044DEA3}" dt="2025-05-08T20:26:31.713" v="2302"/>
+        <pc:sldMkLst>
+          <pc:docMk/>
+          <pc:sldMk cId="1215718099" sldId="299"/>
+        </pc:sldMkLst>
+      </pc:sldChg>
+    </pc:docChg>
+  </pc:docChgLst>
+  <pc:docChgLst>
+    <pc:chgData name="Weifeng Xu" userId="e7aed605-a3dd-4d5a-a692-a87037af107b" providerId="ADAL" clId="{30C724EF-4842-4D28-AD5E-F8ADBCCE7FC4}"/>
+    <pc:docChg chg="undo custSel addSld delSld modSld">
+      <pc:chgData name="Weifeng Xu" userId="e7aed605-a3dd-4d5a-a692-a87037af107b" providerId="ADAL" clId="{30C724EF-4842-4D28-AD5E-F8ADBCCE7FC4}" dt="2025-05-02T15:10:40.316" v="141" actId="1076"/>
+      <pc:docMkLst>
+        <pc:docMk/>
+      </pc:docMkLst>
+      <pc:sldChg chg="delSp modSp mod">
+        <pc:chgData name="Weifeng Xu" userId="e7aed605-a3dd-4d5a-a692-a87037af107b" providerId="ADAL" clId="{30C724EF-4842-4D28-AD5E-F8ADBCCE7FC4}" dt="2025-05-02T14:27:30.559" v="26" actId="6549"/>
+        <pc:sldMkLst>
+          <pc:docMk/>
+          <pc:sldMk cId="1325061211" sldId="256"/>
+        </pc:sldMkLst>
+      </pc:sldChg>
+      <pc:sldChg chg="modSp new mod">
+        <pc:chgData name="Weifeng Xu" userId="e7aed605-a3dd-4d5a-a692-a87037af107b" providerId="ADAL" clId="{30C724EF-4842-4D28-AD5E-F8ADBCCE7FC4}" dt="2025-05-02T14:27:48.979" v="28"/>
+        <pc:sldMkLst>
+          <pc:docMk/>
+          <pc:sldMk cId="1640287784" sldId="257"/>
+        </pc:sldMkLst>
+      </pc:sldChg>
+      <pc:sldChg chg="del">
+        <pc:chgData name="Weifeng Xu" userId="e7aed605-a3dd-4d5a-a692-a87037af107b" providerId="ADAL" clId="{30C724EF-4842-4D28-AD5E-F8ADBCCE7FC4}" dt="2025-05-02T14:26:32.787" v="0" actId="47"/>
+        <pc:sldMkLst>
+          <pc:docMk/>
+          <pc:sldMk cId="2003605107" sldId="257"/>
+        </pc:sldMkLst>
+      </pc:sldChg>
+      <pc:sldChg chg="modSp new mod">
+        <pc:chgData name="Weifeng Xu" userId="e7aed605-a3dd-4d5a-a692-a87037af107b" providerId="ADAL" clId="{30C724EF-4842-4D28-AD5E-F8ADBCCE7FC4}" dt="2025-05-02T14:31:22.834" v="56" actId="108"/>
+        <pc:sldMkLst>
+          <pc:docMk/>
+          <pc:sldMk cId="717681411" sldId="258"/>
+        </pc:sldMkLst>
+      </pc:sldChg>
+      <pc:sldChg chg="del">
+        <pc:chgData name="Weifeng Xu" userId="e7aed605-a3dd-4d5a-a692-a87037af107b" providerId="ADAL" clId="{30C724EF-4842-4D28-AD5E-F8ADBCCE7FC4}" dt="2025-05-02T14:26:32.949" v="1" actId="47"/>
+        <pc:sldMkLst>
+          <pc:docMk/>
+          <pc:sldMk cId="3148078500" sldId="258"/>
+        </pc:sldMkLst>
+      </pc:sldChg>
+      <pc:sldChg chg="del">
+        <pc:chgData name="Weifeng Xu" userId="e7aed605-a3dd-4d5a-a692-a87037af107b" providerId="ADAL" clId="{30C724EF-4842-4D28-AD5E-F8ADBCCE7FC4}" dt="2025-05-02T14:26:33.102" v="2" actId="47"/>
+        <pc:sldMkLst>
+          <pc:docMk/>
+          <pc:sldMk cId="2942233055" sldId="259"/>
+        </pc:sldMkLst>
+      </pc:sldChg>
+      <pc:sldChg chg="modSp new mod">
+        <pc:chgData name="Weifeng Xu" userId="e7aed605-a3dd-4d5a-a692-a87037af107b" providerId="ADAL" clId="{30C724EF-4842-4D28-AD5E-F8ADBCCE7FC4}" dt="2025-05-02T14:31:19.127" v="55" actId="108"/>
+        <pc:sldMkLst>
+          <pc:docMk/>
+          <pc:sldMk cId="3856045583" sldId="259"/>
+        </pc:sldMkLst>
+      </pc:sldChg>
+      <pc:sldChg chg="addSp modSp new mod">
+        <pc:chgData name="Weifeng Xu" userId="e7aed605-a3dd-4d5a-a692-a87037af107b" providerId="ADAL" clId="{30C724EF-4842-4D28-AD5E-F8ADBCCE7FC4}" dt="2025-05-02T15:07:43.406" v="100" actId="1076"/>
+        <pc:sldMkLst>
+          <pc:docMk/>
+          <pc:sldMk cId="1123301564" sldId="260"/>
+        </pc:sldMkLst>
+      </pc:sldChg>
+      <pc:sldChg chg="del">
+        <pc:chgData name="Weifeng Xu" userId="e7aed605-a3dd-4d5a-a692-a87037af107b" providerId="ADAL" clId="{30C724EF-4842-4D28-AD5E-F8ADBCCE7FC4}" dt="2025-05-02T14:26:33.278" v="3" actId="47"/>
+        <pc:sldMkLst>
+          <pc:docMk/>
+          <pc:sldMk cId="4238292093" sldId="260"/>
+        </pc:sldMkLst>
+      </pc:sldChg>
+      <pc:sldChg chg="del">
+        <pc:chgData name="Weifeng Xu" userId="e7aed605-a3dd-4d5a-a692-a87037af107b" providerId="ADAL" clId="{30C724EF-4842-4D28-AD5E-F8ADBCCE7FC4}" dt="2025-05-02T14:26:33.438" v="4" actId="47"/>
+        <pc:sldMkLst>
+          <pc:docMk/>
+          <pc:sldMk cId="773548588" sldId="261"/>
+        </pc:sldMkLst>
+      </pc:sldChg>
+      <pc:sldChg chg="modSp new mod">
+        <pc:chgData name="Weifeng Xu" userId="e7aed605-a3dd-4d5a-a692-a87037af107b" providerId="ADAL" clId="{30C724EF-4842-4D28-AD5E-F8ADBCCE7FC4}" dt="2025-05-02T14:31:40.332" v="59" actId="20577"/>
+        <pc:sldMkLst>
+          <pc:docMk/>
+          <pc:sldMk cId="805984163" sldId="261"/>
+        </pc:sldMkLst>
+      </pc:sldChg>
+      <pc:sldChg chg="modSp new mod">
+        <pc:chgData name="Weifeng Xu" userId="e7aed605-a3dd-4d5a-a692-a87037af107b" providerId="ADAL" clId="{30C724EF-4842-4D28-AD5E-F8ADBCCE7FC4}" dt="2025-05-02T14:32:29.484" v="64"/>
+        <pc:sldMkLst>
+          <pc:docMk/>
+          <pc:sldMk cId="914522820" sldId="262"/>
+        </pc:sldMkLst>
+      </pc:sldChg>
+      <pc:sldChg chg="del">
+        <pc:chgData name="Weifeng Xu" userId="e7aed605-a3dd-4d5a-a692-a87037af107b" providerId="ADAL" clId="{30C724EF-4842-4D28-AD5E-F8ADBCCE7FC4}" dt="2025-05-02T14:26:33.690" v="5" actId="47"/>
+        <pc:sldMkLst>
+          <pc:docMk/>
+          <pc:sldMk cId="3939068785" sldId="262"/>
+        </pc:sldMkLst>
+      </pc:sldChg>
+      <pc:sldChg chg="del">
+        <pc:chgData name="Weifeng Xu" userId="e7aed605-a3dd-4d5a-a692-a87037af107b" providerId="ADAL" clId="{30C724EF-4842-4D28-AD5E-F8ADBCCE7FC4}" dt="2025-05-02T14:26:33.878" v="6" actId="47"/>
+        <pc:sldMkLst>
+          <pc:docMk/>
+          <pc:sldMk cId="2162073066" sldId="263"/>
+        </pc:sldMkLst>
+      </pc:sldChg>
+      <pc:sldChg chg="modSp new mod">
+        <pc:chgData name="Weifeng Xu" userId="e7aed605-a3dd-4d5a-a692-a87037af107b" providerId="ADAL" clId="{30C724EF-4842-4D28-AD5E-F8ADBCCE7FC4}" dt="2025-05-02T14:32:55.778" v="67"/>
+        <pc:sldMkLst>
+          <pc:docMk/>
+          <pc:sldMk cId="3784490461" sldId="263"/>
+        </pc:sldMkLst>
+      </pc:sldChg>
+      <pc:sldChg chg="modSp new mod">
+        <pc:chgData name="Weifeng Xu" userId="e7aed605-a3dd-4d5a-a692-a87037af107b" providerId="ADAL" clId="{30C724EF-4842-4D28-AD5E-F8ADBCCE7FC4}" dt="2025-05-02T14:34:02.101" v="70"/>
+        <pc:sldMkLst>
+          <pc:docMk/>
+          <pc:sldMk cId="1859847628" sldId="264"/>
+        </pc:sldMkLst>
+      </pc:sldChg>
+      <pc:sldChg chg="del">
+        <pc:chgData name="Weifeng Xu" userId="e7aed605-a3dd-4d5a-a692-a87037af107b" providerId="ADAL" clId="{30C724EF-4842-4D28-AD5E-F8ADBCCE7FC4}" dt="2025-05-02T14:26:34.055" v="7" actId="47"/>
+        <pc:sldMkLst>
+          <pc:docMk/>
+          <pc:sldMk cId="1975365164" sldId="264"/>
+        </pc:sldMkLst>
+      </pc:sldChg>
+      <pc:sldChg chg="modSp new mod">
+        <pc:chgData name="Weifeng Xu" userId="e7aed605-a3dd-4d5a-a692-a87037af107b" providerId="ADAL" clId="{30C724EF-4842-4D28-AD5E-F8ADBCCE7FC4}" dt="2025-05-02T14:36:37.939" v="73"/>
+        <pc:sldMkLst>
+          <pc:docMk/>
+          <pc:sldMk cId="2875748899" sldId="265"/>
+        </pc:sldMkLst>
+      </pc:sldChg>
+      <pc:sldChg chg="del">
+        <pc:chgData name="Weifeng Xu" userId="e7aed605-a3dd-4d5a-a692-a87037af107b" providerId="ADAL" clId="{30C724EF-4842-4D28-AD5E-F8ADBCCE7FC4}" dt="2025-05-02T14:26:34.218" v="8" actId="47"/>
+        <pc:sldMkLst>
+          <pc:docMk/>
+          <pc:sldMk cId="4163382801" sldId="265"/>
+        </pc:sldMkLst>
+      </pc:sldChg>
+      <pc:sldChg chg="del">
+        <pc:chgData name="Weifeng Xu" userId="e7aed605-a3dd-4d5a-a692-a87037af107b" providerId="ADAL" clId="{30C724EF-4842-4D28-AD5E-F8ADBCCE7FC4}" dt="2025-05-02T14:26:35.006" v="12" actId="47"/>
+        <pc:sldMkLst>
+          <pc:docMk/>
+          <pc:sldMk cId="711940281" sldId="266"/>
+        </pc:sldMkLst>
+      </pc:sldChg>
+      <pc:sldChg chg="modSp new mod">
+        <pc:chgData name="Weifeng Xu" userId="e7aed605-a3dd-4d5a-a692-a87037af107b" providerId="ADAL" clId="{30C724EF-4842-4D28-AD5E-F8ADBCCE7FC4}" dt="2025-05-02T14:37:14.713" v="77" actId="27636"/>
+        <pc:sldMkLst>
+          <pc:docMk/>
+          <pc:sldMk cId="3455260336" sldId="266"/>
+        </pc:sldMkLst>
+      </pc:sldChg>
+      <pc:sldChg chg="modSp new mod">
+        <pc:chgData name="Weifeng Xu" userId="e7aed605-a3dd-4d5a-a692-a87037af107b" providerId="ADAL" clId="{30C724EF-4842-4D28-AD5E-F8ADBCCE7FC4}" dt="2025-05-02T14:37:38.176" v="80"/>
+        <pc:sldMkLst>
+          <pc:docMk/>
+          <pc:sldMk cId="2341961951" sldId="267"/>
+        </pc:sldMkLst>
+      </pc:sldChg>
+      <pc:sldChg chg="del">
+        <pc:chgData name="Weifeng Xu" userId="e7aed605-a3dd-4d5a-a692-a87037af107b" providerId="ADAL" clId="{30C724EF-4842-4D28-AD5E-F8ADBCCE7FC4}" dt="2025-05-02T14:26:35.227" v="13" actId="47"/>
+        <pc:sldMkLst>
+          <pc:docMk/>
+          <pc:sldMk cId="3000902119" sldId="267"/>
+        </pc:sldMkLst>
+      </pc:sldChg>
+      <pc:sldChg chg="del">
+        <pc:chgData name="Weifeng Xu" userId="e7aed605-a3dd-4d5a-a692-a87037af107b" providerId="ADAL" clId="{30C724EF-4842-4D28-AD5E-F8ADBCCE7FC4}" dt="2025-05-02T14:26:35.390" v="14" actId="47"/>
+        <pc:sldMkLst>
+          <pc:docMk/>
+          <pc:sldMk cId="70125468" sldId="268"/>
+        </pc:sldMkLst>
+      </pc:sldChg>
+      <pc:sldChg chg="modSp new mod">
+        <pc:chgData name="Weifeng Xu" userId="e7aed605-a3dd-4d5a-a692-a87037af107b" providerId="ADAL" clId="{30C724EF-4842-4D28-AD5E-F8ADBCCE7FC4}" dt="2025-05-02T14:38:19.021" v="83"/>
+        <pc:sldMkLst>
+          <pc:docMk/>
+          <pc:sldMk cId="1430309032" sldId="268"/>
+        </pc:sldMkLst>
+      </pc:sldChg>
+      <pc:sldChg chg="del">
+        <pc:chgData name="Weifeng Xu" userId="e7aed605-a3dd-4d5a-a692-a87037af107b" providerId="ADAL" clId="{30C724EF-4842-4D28-AD5E-F8ADBCCE7FC4}" dt="2025-05-02T14:26:38.233" v="19" actId="47"/>
+        <pc:sldMkLst>
+          <pc:docMk/>
+          <pc:sldMk cId="1829157120" sldId="269"/>
+        </pc:sldMkLst>
+      </pc:sldChg>
+      <pc:sldChg chg="addSp delSp modSp new mod modClrScheme chgLayout">
+        <pc:chgData name="Weifeng Xu" userId="e7aed605-a3dd-4d5a-a692-a87037af107b" providerId="ADAL" clId="{30C724EF-4842-4D28-AD5E-F8ADBCCE7FC4}" dt="2025-05-02T15:09:25.274" v="131" actId="1076"/>
+        <pc:sldMkLst>
+          <pc:docMk/>
+          <pc:sldMk cId="2476079575" sldId="269"/>
+        </pc:sldMkLst>
+      </pc:sldChg>
+      <pc:sldChg chg="del">
+        <pc:chgData name="Weifeng Xu" userId="e7aed605-a3dd-4d5a-a692-a87037af107b" providerId="ADAL" clId="{30C724EF-4842-4D28-AD5E-F8ADBCCE7FC4}" dt="2025-05-02T14:26:35.560" v="15" actId="47"/>
+        <pc:sldMkLst>
+          <pc:docMk/>
+          <pc:sldMk cId="1822568230" sldId="270"/>
+        </pc:sldMkLst>
+      </pc:sldChg>
+      <pc:sldChg chg="addSp delSp modSp new mod modClrScheme chgLayout">
+        <pc:chgData name="Weifeng Xu" userId="e7aed605-a3dd-4d5a-a692-a87037af107b" providerId="ADAL" clId="{30C724EF-4842-4D28-AD5E-F8ADBCCE7FC4}" dt="2025-05-02T15:10:40.316" v="141" actId="1076"/>
+        <pc:sldMkLst>
+          <pc:docMk/>
+          <pc:sldMk cId="2069138016" sldId="270"/>
+        </pc:sldMkLst>
+      </pc:sldChg>
+      <pc:sldChg chg="del">
+        <pc:chgData name="Weifeng Xu" userId="e7aed605-a3dd-4d5a-a692-a87037af107b" providerId="ADAL" clId="{30C724EF-4842-4D28-AD5E-F8ADBCCE7FC4}" dt="2025-05-02T14:26:36.264" v="17" actId="47"/>
+        <pc:sldMkLst>
+          <pc:docMk/>
+          <pc:sldMk cId="929903445" sldId="271"/>
+        </pc:sldMkLst>
+      </pc:sldChg>
+      <pc:sldChg chg="del">
+        <pc:chgData name="Weifeng Xu" userId="e7aed605-a3dd-4d5a-a692-a87037af107b" providerId="ADAL" clId="{30C724EF-4842-4D28-AD5E-F8ADBCCE7FC4}" dt="2025-05-02T14:26:34.596" v="10" actId="47"/>
+        <pc:sldMkLst>
+          <pc:docMk/>
+          <pc:sldMk cId="409369350" sldId="272"/>
+        </pc:sldMkLst>
+      </pc:sldChg>
+      <pc:sldChg chg="del">
+        <pc:chgData name="Weifeng Xu" userId="e7aed605-a3dd-4d5a-a692-a87037af107b" providerId="ADAL" clId="{30C724EF-4842-4D28-AD5E-F8ADBCCE7FC4}" dt="2025-05-02T14:26:34.416" v="9" actId="47"/>
+        <pc:sldMkLst>
+          <pc:docMk/>
+          <pc:sldMk cId="3399795082" sldId="273"/>
+        </pc:sldMkLst>
+      </pc:sldChg>
+      <pc:sldChg chg="del">
+        <pc:chgData name="Weifeng Xu" userId="e7aed605-a3dd-4d5a-a692-a87037af107b" providerId="ADAL" clId="{30C724EF-4842-4D28-AD5E-F8ADBCCE7FC4}" dt="2025-05-02T14:26:34.833" v="11" actId="47"/>
+        <pc:sldMkLst>
+          <pc:docMk/>
+          <pc:sldMk cId="1313382436" sldId="274"/>
+        </pc:sldMkLst>
+      </pc:sldChg>
+      <pc:sldChg chg="del">
+        <pc:chgData name="Weifeng Xu" userId="e7aed605-a3dd-4d5a-a692-a87037af107b" providerId="ADAL" clId="{30C724EF-4842-4D28-AD5E-F8ADBCCE7FC4}" dt="2025-05-02T14:26:39.207" v="20" actId="47"/>
+        <pc:sldMkLst>
+          <pc:docMk/>
+          <pc:sldMk cId="4170236264" sldId="275"/>
+        </pc:sldMkLst>
+      </pc:sldChg>
+      <pc:sldChg chg="del">
+        <pc:chgData name="Weifeng Xu" userId="e7aed605-a3dd-4d5a-a692-a87037af107b" providerId="ADAL" clId="{30C724EF-4842-4D28-AD5E-F8ADBCCE7FC4}" dt="2025-05-02T14:26:35.754" v="16" actId="47"/>
+        <pc:sldMkLst>
+          <pc:docMk/>
+          <pc:sldMk cId="363184616" sldId="276"/>
+        </pc:sldMkLst>
+      </pc:sldChg>
+      <pc:sldChg chg="del">
+        <pc:chgData name="Weifeng Xu" userId="e7aed605-a3dd-4d5a-a692-a87037af107b" providerId="ADAL" clId="{30C724EF-4842-4D28-AD5E-F8ADBCCE7FC4}" dt="2025-05-02T14:26:37.362" v="18" actId="47"/>
+        <pc:sldMkLst>
+          <pc:docMk/>
+          <pc:sldMk cId="1572050356" sldId="277"/>
+        </pc:sldMkLst>
+      </pc:sldChg>
+    </pc:docChg>
+  </pc:docChgLst>
+  <pc:docChgLst>
+    <pc:chgData name="Weifeng Xu" userId="e7aed605-a3dd-4d5a-a692-a87037af107b" providerId="ADAL" clId="{9C06CBEB-0343-4287-8B81-0C702673DE5E}"/>
+    <pc:docChg chg="undo redo custSel addSld delSld modSld sldOrd">
+      <pc:chgData name="Weifeng Xu" userId="e7aed605-a3dd-4d5a-a692-a87037af107b" providerId="ADAL" clId="{9C06CBEB-0343-4287-8B81-0C702673DE5E}" dt="2025-04-23T23:34:27.047" v="4553" actId="1076"/>
+      <pc:docMkLst>
+        <pc:docMk/>
+      </pc:docMkLst>
+      <pc:sldChg chg="modSp mod">
+        <pc:chgData name="Weifeng Xu" userId="e7aed605-a3dd-4d5a-a692-a87037af107b" providerId="ADAL" clId="{9C06CBEB-0343-4287-8B81-0C702673DE5E}" dt="2025-04-23T01:31:59.756" v="4545" actId="20577"/>
+        <pc:sldMkLst>
+          <pc:docMk/>
+          <pc:sldMk cId="1325061211" sldId="256"/>
+        </pc:sldMkLst>
+      </pc:sldChg>
+      <pc:sldChg chg="addSp delSp modSp mod modClrScheme chgLayout">
+        <pc:chgData name="Weifeng Xu" userId="e7aed605-a3dd-4d5a-a692-a87037af107b" providerId="ADAL" clId="{9C06CBEB-0343-4287-8B81-0C702673DE5E}" dt="2025-04-20T02:53:00.098" v="242" actId="20577"/>
+        <pc:sldMkLst>
+          <pc:docMk/>
+          <pc:sldMk cId="2201572609" sldId="257"/>
+        </pc:sldMkLst>
+      </pc:sldChg>
+      <pc:sldChg chg="addSp delSp modSp mod modClrScheme chgLayout">
+        <pc:chgData name="Weifeng Xu" userId="e7aed605-a3dd-4d5a-a692-a87037af107b" providerId="ADAL" clId="{9C06CBEB-0343-4287-8B81-0C702673DE5E}" dt="2025-04-22T03:01:31.344" v="3590" actId="1076"/>
+        <pc:sldMkLst>
+          <pc:docMk/>
+          <pc:sldMk cId="450669007" sldId="258"/>
+        </pc:sldMkLst>
+      </pc:sldChg>
+      <pc:sldChg chg="addSp delSp modSp add mod">
+        <pc:chgData name="Weifeng Xu" userId="e7aed605-a3dd-4d5a-a692-a87037af107b" providerId="ADAL" clId="{9C06CBEB-0343-4287-8B81-0C702673DE5E}" dt="2025-04-23T00:43:03.009" v="4084" actId="20577"/>
+        <pc:sldMkLst>
+          <pc:docMk/>
+          <pc:sldMk cId="3233567480" sldId="259"/>
+        </pc:sldMkLst>
+      </pc:sldChg>
+      <pc:sldChg chg="addSp delSp modSp new mod">
+        <pc:chgData name="Weifeng Xu" userId="e7aed605-a3dd-4d5a-a692-a87037af107b" providerId="ADAL" clId="{9C06CBEB-0343-4287-8B81-0C702673DE5E}" dt="2025-04-21T12:06:27.352" v="1955" actId="1076"/>
+        <pc:sldMkLst>
+          <pc:docMk/>
+          <pc:sldMk cId="2715224073" sldId="260"/>
+        </pc:sldMkLst>
+      </pc:sldChg>
+      <pc:sldChg chg="addSp delSp modSp new mod modClrScheme chgLayout">
+        <pc:chgData name="Weifeng Xu" userId="e7aed605-a3dd-4d5a-a692-a87037af107b" providerId="ADAL" clId="{9C06CBEB-0343-4287-8B81-0C702673DE5E}" dt="2025-04-22T01:35:22.881" v="2625" actId="14100"/>
+        <pc:sldMkLst>
+          <pc:docMk/>
+          <pc:sldMk cId="1030786537" sldId="261"/>
+        </pc:sldMkLst>
+      </pc:sldChg>
+      <pc:sldChg chg="addSp delSp modSp new mod">
+        <pc:chgData name="Weifeng Xu" userId="e7aed605-a3dd-4d5a-a692-a87037af107b" providerId="ADAL" clId="{9C06CBEB-0343-4287-8B81-0C702673DE5E}" dt="2025-04-23T00:36:22.083" v="3996" actId="20577"/>
+        <pc:sldMkLst>
+          <pc:docMk/>
+          <pc:sldMk cId="3284022864" sldId="262"/>
+        </pc:sldMkLst>
+      </pc:sldChg>
+      <pc:sldChg chg="addSp delSp modSp new mod">
+        <pc:chgData name="Weifeng Xu" userId="e7aed605-a3dd-4d5a-a692-a87037af107b" providerId="ADAL" clId="{9C06CBEB-0343-4287-8B81-0C702673DE5E}" dt="2025-04-23T00:40:19.679" v="4005" actId="6549"/>
+        <pc:sldMkLst>
+          <pc:docMk/>
+          <pc:sldMk cId="786756272" sldId="263"/>
+        </pc:sldMkLst>
+      </pc:sldChg>
+      <pc:sldChg chg="addSp delSp modSp new mod modClrScheme chgLayout">
+        <pc:chgData name="Weifeng Xu" userId="e7aed605-a3dd-4d5a-a692-a87037af107b" providerId="ADAL" clId="{9C06CBEB-0343-4287-8B81-0C702673DE5E}" dt="2025-04-23T00:42:08.933" v="4070" actId="108"/>
+        <pc:sldMkLst>
+          <pc:docMk/>
+          <pc:sldMk cId="3548515090" sldId="264"/>
+        </pc:sldMkLst>
+      </pc:sldChg>
+      <pc:sldChg chg="addSp delSp modSp new mod modClrScheme chgLayout modNotesTx">
+        <pc:chgData name="Weifeng Xu" userId="e7aed605-a3dd-4d5a-a692-a87037af107b" providerId="ADAL" clId="{9C06CBEB-0343-4287-8B81-0C702673DE5E}" dt="2025-04-21T13:40:04.327" v="2094" actId="207"/>
+        <pc:sldMkLst>
+          <pc:docMk/>
+          <pc:sldMk cId="3523214092" sldId="265"/>
+        </pc:sldMkLst>
+      </pc:sldChg>
+      <pc:sldChg chg="addSp delSp modSp new mod ord modClrScheme chgLayout">
+        <pc:chgData name="Weifeng Xu" userId="e7aed605-a3dd-4d5a-a692-a87037af107b" providerId="ADAL" clId="{9C06CBEB-0343-4287-8B81-0C702673DE5E}" dt="2025-04-23T01:02:14.800" v="4310" actId="207"/>
+        <pc:sldMkLst>
+          <pc:docMk/>
+          <pc:sldMk cId="756868712" sldId="266"/>
+        </pc:sldMkLst>
+      </pc:sldChg>
+      <pc:sldChg chg="addSp delSp modSp add mod">
+        <pc:chgData name="Weifeng Xu" userId="e7aed605-a3dd-4d5a-a692-a87037af107b" providerId="ADAL" clId="{9C06CBEB-0343-4287-8B81-0C702673DE5E}" dt="2025-04-22T02:46:00.589" v="3485" actId="20577"/>
+        <pc:sldMkLst>
+          <pc:docMk/>
+          <pc:sldMk cId="2973990778" sldId="267"/>
+        </pc:sldMkLst>
+      </pc:sldChg>
+      <pc:sldChg chg="addSp delSp modSp add del mod">
+        <pc:chgData name="Weifeng Xu" userId="e7aed605-a3dd-4d5a-a692-a87037af107b" providerId="ADAL" clId="{9C06CBEB-0343-4287-8B81-0C702673DE5E}" dt="2025-04-22T12:56:50.206" v="3699" actId="1076"/>
+        <pc:sldMkLst>
+          <pc:docMk/>
+          <pc:sldMk cId="2042884208" sldId="268"/>
+        </pc:sldMkLst>
+      </pc:sldChg>
+      <pc:sldChg chg="addSp delSp modSp add mod modClrScheme chgLayout">
+        <pc:chgData name="Weifeng Xu" userId="e7aed605-a3dd-4d5a-a692-a87037af107b" providerId="ADAL" clId="{9C06CBEB-0343-4287-8B81-0C702673DE5E}" dt="2025-04-23T01:19:14.631" v="4375" actId="207"/>
+        <pc:sldMkLst>
+          <pc:docMk/>
+          <pc:sldMk cId="3256057421" sldId="269"/>
+        </pc:sldMkLst>
+      </pc:sldChg>
+      <pc:sldChg chg="addSp modSp add mod">
+        <pc:chgData name="Weifeng Xu" userId="e7aed605-a3dd-4d5a-a692-a87037af107b" providerId="ADAL" clId="{9C06CBEB-0343-4287-8B81-0C702673DE5E}" dt="2025-04-23T01:19:18.460" v="4376" actId="207"/>
+        <pc:sldMkLst>
+          <pc:docMk/>
+          <pc:sldMk cId="146876777" sldId="270"/>
+        </pc:sldMkLst>
+      </pc:sldChg>
+      <pc:sldChg chg="addSp delSp modSp add mod modClrScheme chgLayout">
+        <pc:chgData name="Weifeng Xu" userId="e7aed605-a3dd-4d5a-a692-a87037af107b" providerId="ADAL" clId="{9C06CBEB-0343-4287-8B81-0C702673DE5E}" dt="2025-04-23T01:26:00.614" v="4493" actId="1076"/>
+        <pc:sldMkLst>
+          <pc:docMk/>
+          <pc:sldMk cId="1939243851" sldId="271"/>
+        </pc:sldMkLst>
+      </pc:sldChg>
+      <pc:sldChg chg="addSp modSp new mod">
+        <pc:chgData name="Weifeng Xu" userId="e7aed605-a3dd-4d5a-a692-a87037af107b" providerId="ADAL" clId="{9C06CBEB-0343-4287-8B81-0C702673DE5E}" dt="2025-04-23T23:34:27.047" v="4553" actId="1076"/>
+        <pc:sldMkLst>
+          <pc:docMk/>
+          <pc:sldMk cId="2238745649" sldId="272"/>
+        </pc:sldMkLst>
+      </pc:sldChg>
+    </pc:docChg>
+  </pc:docChgLst>
   <pc:docChgLst>
     <pc:chgData name="Weifeng Xu" userId="e7aed605-a3dd-4d5a-a692-a87037af107b" providerId="ADAL" clId="{E34D94EB-D766-41A9-93D0-B8D12317CF67}"/>
     <pc:docChg chg="undo custSel modSld addMainMaster delMainMaster modMainMaster">
@@ -194,15 +1640,6 @@
             <pc:sldMasterMk cId="813574162" sldId="2147483648"/>
             <pc:sldLayoutMk cId="821171414" sldId="2147483649"/>
           </pc:sldLayoutMkLst>
-          <pc:spChg chg="add del mod">
-            <ac:chgData name="Weifeng Xu" userId="e7aed605-a3dd-4d5a-a692-a87037af107b" providerId="ADAL" clId="{E34D94EB-D766-41A9-93D0-B8D12317CF67}" dt="2025-04-19T02:11:54.327" v="3" actId="1076"/>
-            <ac:spMkLst>
-              <pc:docMk/>
-              <pc:sldMasterMk cId="813574162" sldId="2147483648"/>
-              <pc:sldLayoutMk cId="821171414" sldId="2147483649"/>
-              <ac:spMk id="4" creationId="{00000000-0000-0000-0000-000000000000}"/>
-            </ac:spMkLst>
-          </pc:spChg>
         </pc:sldLayoutChg>
         <pc:sldLayoutChg chg="setBg">
           <pc:chgData name="Weifeng Xu" userId="e7aed605-a3dd-4d5a-a692-a87037af107b" providerId="ADAL" clId="{E34D94EB-D766-41A9-93D0-B8D12317CF67}" dt="2025-04-19T02:39:28.427" v="133"/>
@@ -383,2573 +1820,6 @@
     </pc:docChg>
   </pc:docChgLst>
   <pc:docChgLst>
-    <pc:chgData name="Weifeng Xu" userId="e7aed605-a3dd-4d5a-a692-a87037af107b" providerId="ADAL" clId="{77503F2E-F3A0-409B-A511-BB14035E722B}"/>
-    <pc:docChg chg="undo custSel addSld delSld modSld sldOrd">
-      <pc:chgData name="Weifeng Xu" userId="e7aed605-a3dd-4d5a-a692-a87037af107b" providerId="ADAL" clId="{77503F2E-F3A0-409B-A511-BB14035E722B}" dt="2025-05-01T18:53:56.374" v="2136" actId="20577"/>
-      <pc:docMkLst>
-        <pc:docMk/>
-      </pc:docMkLst>
-      <pc:sldChg chg="addSp modSp mod">
-        <pc:chgData name="Weifeng Xu" userId="e7aed605-a3dd-4d5a-a692-a87037af107b" providerId="ADAL" clId="{77503F2E-F3A0-409B-A511-BB14035E722B}" dt="2025-04-30T22:37:51.320" v="275" actId="1076"/>
-        <pc:sldMkLst>
-          <pc:docMk/>
-          <pc:sldMk cId="1325061211" sldId="256"/>
-        </pc:sldMkLst>
-        <pc:spChg chg="mod">
-          <ac:chgData name="Weifeng Xu" userId="e7aed605-a3dd-4d5a-a692-a87037af107b" providerId="ADAL" clId="{77503F2E-F3A0-409B-A511-BB14035E722B}" dt="2025-04-30T21:32:17.306" v="10"/>
-          <ac:spMkLst>
-            <pc:docMk/>
-            <pc:sldMk cId="1325061211" sldId="256"/>
-            <ac:spMk id="2" creationId="{00000000-0000-0000-0000-000000000000}"/>
-          </ac:spMkLst>
-        </pc:spChg>
-        <pc:spChg chg="mod">
-          <ac:chgData name="Weifeng Xu" userId="e7aed605-a3dd-4d5a-a692-a87037af107b" providerId="ADAL" clId="{77503F2E-F3A0-409B-A511-BB14035E722B}" dt="2025-04-30T21:32:19.688" v="11" actId="6549"/>
-          <ac:spMkLst>
-            <pc:docMk/>
-            <pc:sldMk cId="1325061211" sldId="256"/>
-            <ac:spMk id="3" creationId="{00000000-0000-0000-0000-000000000000}"/>
-          </ac:spMkLst>
-        </pc:spChg>
-      </pc:sldChg>
-      <pc:sldChg chg="addSp delSp modSp new mod modClrScheme chgLayout">
-        <pc:chgData name="Weifeng Xu" userId="e7aed605-a3dd-4d5a-a692-a87037af107b" providerId="ADAL" clId="{77503F2E-F3A0-409B-A511-BB14035E722B}" dt="2025-04-30T22:00:56.674" v="162" actId="14100"/>
-        <pc:sldMkLst>
-          <pc:docMk/>
-          <pc:sldMk cId="2003605107" sldId="257"/>
-        </pc:sldMkLst>
-      </pc:sldChg>
-      <pc:sldChg chg="del">
-        <pc:chgData name="Weifeng Xu" userId="e7aed605-a3dd-4d5a-a692-a87037af107b" providerId="ADAL" clId="{77503F2E-F3A0-409B-A511-BB14035E722B}" dt="2025-04-30T21:31:57.304" v="0" actId="47"/>
-        <pc:sldMkLst>
-          <pc:docMk/>
-          <pc:sldMk cId="2572427240" sldId="257"/>
-        </pc:sldMkLst>
-      </pc:sldChg>
-      <pc:sldChg chg="del">
-        <pc:chgData name="Weifeng Xu" userId="e7aed605-a3dd-4d5a-a692-a87037af107b" providerId="ADAL" clId="{77503F2E-F3A0-409B-A511-BB14035E722B}" dt="2025-04-30T21:31:57.413" v="1" actId="47"/>
-        <pc:sldMkLst>
-          <pc:docMk/>
-          <pc:sldMk cId="3100494254" sldId="258"/>
-        </pc:sldMkLst>
-      </pc:sldChg>
-      <pc:sldChg chg="addSp delSp modSp add mod modClrScheme chgLayout">
-        <pc:chgData name="Weifeng Xu" userId="e7aed605-a3dd-4d5a-a692-a87037af107b" providerId="ADAL" clId="{77503F2E-F3A0-409B-A511-BB14035E722B}" dt="2025-04-30T22:36:13.270" v="244" actId="27636"/>
-        <pc:sldMkLst>
-          <pc:docMk/>
-          <pc:sldMk cId="3148078500" sldId="258"/>
-        </pc:sldMkLst>
-      </pc:sldChg>
-      <pc:sldChg chg="del">
-        <pc:chgData name="Weifeng Xu" userId="e7aed605-a3dd-4d5a-a692-a87037af107b" providerId="ADAL" clId="{77503F2E-F3A0-409B-A511-BB14035E722B}" dt="2025-04-30T21:31:57.571" v="2" actId="47"/>
-        <pc:sldMkLst>
-          <pc:docMk/>
-          <pc:sldMk cId="1655253961" sldId="259"/>
-        </pc:sldMkLst>
-      </pc:sldChg>
-      <pc:sldChg chg="addSp delSp modSp new mod modClrScheme chgLayout">
-        <pc:chgData name="Weifeng Xu" userId="e7aed605-a3dd-4d5a-a692-a87037af107b" providerId="ADAL" clId="{77503F2E-F3A0-409B-A511-BB14035E722B}" dt="2025-05-01T02:24:49.515" v="1486" actId="1076"/>
-        <pc:sldMkLst>
-          <pc:docMk/>
-          <pc:sldMk cId="2942233055" sldId="259"/>
-        </pc:sldMkLst>
-      </pc:sldChg>
-      <pc:sldChg chg="del">
-        <pc:chgData name="Weifeng Xu" userId="e7aed605-a3dd-4d5a-a692-a87037af107b" providerId="ADAL" clId="{77503F2E-F3A0-409B-A511-BB14035E722B}" dt="2025-04-30T21:31:58.684" v="5" actId="47"/>
-        <pc:sldMkLst>
-          <pc:docMk/>
-          <pc:sldMk cId="3375603492" sldId="260"/>
-        </pc:sldMkLst>
-      </pc:sldChg>
-      <pc:sldChg chg="addSp delSp modSp new mod modClrScheme chgLayout modNotesTx">
-        <pc:chgData name="Weifeng Xu" userId="e7aed605-a3dd-4d5a-a692-a87037af107b" providerId="ADAL" clId="{77503F2E-F3A0-409B-A511-BB14035E722B}" dt="2025-04-30T23:57:46.285" v="501" actId="1076"/>
-        <pc:sldMkLst>
-          <pc:docMk/>
-          <pc:sldMk cId="4238292093" sldId="260"/>
-        </pc:sldMkLst>
-      </pc:sldChg>
-      <pc:sldChg chg="addSp delSp modSp new mod ord modClrScheme chgLayout modNotesTx">
-        <pc:chgData name="Weifeng Xu" userId="e7aed605-a3dd-4d5a-a692-a87037af107b" providerId="ADAL" clId="{77503F2E-F3A0-409B-A511-BB14035E722B}" dt="2025-05-01T00:20:09.257" v="663" actId="20577"/>
-        <pc:sldMkLst>
-          <pc:docMk/>
-          <pc:sldMk cId="773548588" sldId="261"/>
-        </pc:sldMkLst>
-      </pc:sldChg>
-      <pc:sldChg chg="del">
-        <pc:chgData name="Weifeng Xu" userId="e7aed605-a3dd-4d5a-a692-a87037af107b" providerId="ADAL" clId="{77503F2E-F3A0-409B-A511-BB14035E722B}" dt="2025-04-30T21:31:57.746" v="3" actId="47"/>
-        <pc:sldMkLst>
-          <pc:docMk/>
-          <pc:sldMk cId="909895920" sldId="261"/>
-        </pc:sldMkLst>
-      </pc:sldChg>
-      <pc:sldChg chg="del">
-        <pc:chgData name="Weifeng Xu" userId="e7aed605-a3dd-4d5a-a692-a87037af107b" providerId="ADAL" clId="{77503F2E-F3A0-409B-A511-BB14035E722B}" dt="2025-04-30T21:31:57.991" v="4" actId="47"/>
-        <pc:sldMkLst>
-          <pc:docMk/>
-          <pc:sldMk cId="1010189504" sldId="262"/>
-        </pc:sldMkLst>
-      </pc:sldChg>
-      <pc:sldChg chg="addSp modSp new mod ord modClrScheme chgLayout">
-        <pc:chgData name="Weifeng Xu" userId="e7aed605-a3dd-4d5a-a692-a87037af107b" providerId="ADAL" clId="{77503F2E-F3A0-409B-A511-BB14035E722B}" dt="2025-05-01T01:31:48.820" v="1112"/>
-        <pc:sldMkLst>
-          <pc:docMk/>
-          <pc:sldMk cId="3939068785" sldId="262"/>
-        </pc:sldMkLst>
-      </pc:sldChg>
-      <pc:sldChg chg="addSp delSp modSp new mod modClrScheme chgLayout">
-        <pc:chgData name="Weifeng Xu" userId="e7aed605-a3dd-4d5a-a692-a87037af107b" providerId="ADAL" clId="{77503F2E-F3A0-409B-A511-BB14035E722B}" dt="2025-05-01T01:30:59.453" v="1110" actId="207"/>
-        <pc:sldMkLst>
-          <pc:docMk/>
-          <pc:sldMk cId="2162073066" sldId="263"/>
-        </pc:sldMkLst>
-      </pc:sldChg>
-      <pc:sldChg chg="addSp delSp modSp new mod modClrScheme chgLayout">
-        <pc:chgData name="Weifeng Xu" userId="e7aed605-a3dd-4d5a-a692-a87037af107b" providerId="ADAL" clId="{77503F2E-F3A0-409B-A511-BB14035E722B}" dt="2025-05-01T02:28:32.993" v="1527"/>
-        <pc:sldMkLst>
-          <pc:docMk/>
-          <pc:sldMk cId="1975365164" sldId="264"/>
-        </pc:sldMkLst>
-      </pc:sldChg>
-      <pc:sldChg chg="addSp delSp modSp new mod">
-        <pc:chgData name="Weifeng Xu" userId="e7aed605-a3dd-4d5a-a692-a87037af107b" providerId="ADAL" clId="{77503F2E-F3A0-409B-A511-BB14035E722B}" dt="2025-05-01T16:11:44.655" v="2082" actId="1076"/>
-        <pc:sldMkLst>
-          <pc:docMk/>
-          <pc:sldMk cId="4163382801" sldId="265"/>
-        </pc:sldMkLst>
-      </pc:sldChg>
-      <pc:sldChg chg="addSp delSp modSp new mod modClrScheme chgLayout modNotesTx">
-        <pc:chgData name="Weifeng Xu" userId="e7aed605-a3dd-4d5a-a692-a87037af107b" providerId="ADAL" clId="{77503F2E-F3A0-409B-A511-BB14035E722B}" dt="2025-05-01T15:39:51.026" v="1945" actId="403"/>
-        <pc:sldMkLst>
-          <pc:docMk/>
-          <pc:sldMk cId="711940281" sldId="266"/>
-        </pc:sldMkLst>
-      </pc:sldChg>
-      <pc:sldChg chg="addSp delSp modSp new mod">
-        <pc:chgData name="Weifeng Xu" userId="e7aed605-a3dd-4d5a-a692-a87037af107b" providerId="ADAL" clId="{77503F2E-F3A0-409B-A511-BB14035E722B}" dt="2025-05-01T15:44:07.976" v="1954" actId="14100"/>
-        <pc:sldMkLst>
-          <pc:docMk/>
-          <pc:sldMk cId="3000902119" sldId="267"/>
-        </pc:sldMkLst>
-      </pc:sldChg>
-      <pc:sldChg chg="addSp modSp new mod modClrScheme chgLayout">
-        <pc:chgData name="Weifeng Xu" userId="e7aed605-a3dd-4d5a-a692-a87037af107b" providerId="ADAL" clId="{77503F2E-F3A0-409B-A511-BB14035E722B}" dt="2025-05-01T02:13:32.434" v="1403"/>
-        <pc:sldMkLst>
-          <pc:docMk/>
-          <pc:sldMk cId="70125468" sldId="268"/>
-        </pc:sldMkLst>
-      </pc:sldChg>
-      <pc:sldChg chg="modSp new mod">
-        <pc:chgData name="Weifeng Xu" userId="e7aed605-a3dd-4d5a-a692-a87037af107b" providerId="ADAL" clId="{77503F2E-F3A0-409B-A511-BB14035E722B}" dt="2025-05-01T18:53:56.374" v="2136" actId="20577"/>
-        <pc:sldMkLst>
-          <pc:docMk/>
-          <pc:sldMk cId="1829157120" sldId="269"/>
-        </pc:sldMkLst>
-      </pc:sldChg>
-      <pc:sldChg chg="addSp delSp modSp new mod modClrScheme chgLayout">
-        <pc:chgData name="Weifeng Xu" userId="e7aed605-a3dd-4d5a-a692-a87037af107b" providerId="ADAL" clId="{77503F2E-F3A0-409B-A511-BB14035E722B}" dt="2025-05-01T16:45:54.163" v="2089" actId="1076"/>
-        <pc:sldMkLst>
-          <pc:docMk/>
-          <pc:sldMk cId="1822568230" sldId="270"/>
-        </pc:sldMkLst>
-      </pc:sldChg>
-      <pc:sldChg chg="addSp modSp new mod modClrScheme chgLayout">
-        <pc:chgData name="Weifeng Xu" userId="e7aed605-a3dd-4d5a-a692-a87037af107b" providerId="ADAL" clId="{77503F2E-F3A0-409B-A511-BB14035E722B}" dt="2025-05-01T14:02:37.278" v="1563" actId="14100"/>
-        <pc:sldMkLst>
-          <pc:docMk/>
-          <pc:sldMk cId="929903445" sldId="271"/>
-        </pc:sldMkLst>
-      </pc:sldChg>
-      <pc:sldChg chg="addSp modSp new mod modClrScheme chgLayout">
-        <pc:chgData name="Weifeng Xu" userId="e7aed605-a3dd-4d5a-a692-a87037af107b" providerId="ADAL" clId="{77503F2E-F3A0-409B-A511-BB14035E722B}" dt="2025-05-01T15:30:04.850" v="1882" actId="14100"/>
-        <pc:sldMkLst>
-          <pc:docMk/>
-          <pc:sldMk cId="409369350" sldId="272"/>
-        </pc:sldMkLst>
-      </pc:sldChg>
-      <pc:sldChg chg="addSp delSp modSp new mod modClrScheme chgLayout">
-        <pc:chgData name="Weifeng Xu" userId="e7aed605-a3dd-4d5a-a692-a87037af107b" providerId="ADAL" clId="{77503F2E-F3A0-409B-A511-BB14035E722B}" dt="2025-05-01T14:59:11.283" v="1722" actId="20577"/>
-        <pc:sldMkLst>
-          <pc:docMk/>
-          <pc:sldMk cId="3399795082" sldId="273"/>
-        </pc:sldMkLst>
-      </pc:sldChg>
-      <pc:sldChg chg="addSp delSp modSp new mod modClrScheme chgLayout modNotesTx">
-        <pc:chgData name="Weifeng Xu" userId="e7aed605-a3dd-4d5a-a692-a87037af107b" providerId="ADAL" clId="{77503F2E-F3A0-409B-A511-BB14035E722B}" dt="2025-05-01T15:30:28.941" v="1887" actId="403"/>
-        <pc:sldMkLst>
-          <pc:docMk/>
-          <pc:sldMk cId="1313382436" sldId="274"/>
-        </pc:sldMkLst>
-      </pc:sldChg>
-      <pc:sldChg chg="addSp delSp modSp new mod modClrScheme chgLayout">
-        <pc:chgData name="Weifeng Xu" userId="e7aed605-a3dd-4d5a-a692-a87037af107b" providerId="ADAL" clId="{77503F2E-F3A0-409B-A511-BB14035E722B}" dt="2025-05-01T15:07:31.776" v="1818" actId="12"/>
-        <pc:sldMkLst>
-          <pc:docMk/>
-          <pc:sldMk cId="4170236264" sldId="275"/>
-        </pc:sldMkLst>
-      </pc:sldChg>
-      <pc:sldChg chg="addSp delSp modSp new mod ord modClrScheme chgLayout">
-        <pc:chgData name="Weifeng Xu" userId="e7aed605-a3dd-4d5a-a692-a87037af107b" providerId="ADAL" clId="{77503F2E-F3A0-409B-A511-BB14035E722B}" dt="2025-05-01T16:46:25.876" v="2093" actId="207"/>
-        <pc:sldMkLst>
-          <pc:docMk/>
-          <pc:sldMk cId="363184616" sldId="276"/>
-        </pc:sldMkLst>
-      </pc:sldChg>
-      <pc:sldChg chg="addSp modSp new del mod">
-        <pc:chgData name="Weifeng Xu" userId="e7aed605-a3dd-4d5a-a692-a87037af107b" providerId="ADAL" clId="{77503F2E-F3A0-409B-A511-BB14035E722B}" dt="2025-05-01T16:11:58.243" v="2083" actId="47"/>
-        <pc:sldMkLst>
-          <pc:docMk/>
-          <pc:sldMk cId="1433488969" sldId="276"/>
-        </pc:sldMkLst>
-      </pc:sldChg>
-      <pc:sldChg chg="addSp delSp modSp new del mod modClrScheme chgLayout">
-        <pc:chgData name="Weifeng Xu" userId="e7aed605-a3dd-4d5a-a692-a87037af107b" providerId="ADAL" clId="{77503F2E-F3A0-409B-A511-BB14035E722B}" dt="2025-05-01T15:56:30.529" v="2015" actId="680"/>
-        <pc:sldMkLst>
-          <pc:docMk/>
-          <pc:sldMk cId="1774214095" sldId="276"/>
-        </pc:sldMkLst>
-      </pc:sldChg>
-      <pc:sldChg chg="addSp modSp new del mod modClrScheme chgLayout">
-        <pc:chgData name="Weifeng Xu" userId="e7aed605-a3dd-4d5a-a692-a87037af107b" providerId="ADAL" clId="{77503F2E-F3A0-409B-A511-BB14035E722B}" dt="2025-05-01T15:40:18.963" v="1946" actId="47"/>
-        <pc:sldMkLst>
-          <pc:docMk/>
-          <pc:sldMk cId="3294603324" sldId="276"/>
-        </pc:sldMkLst>
-      </pc:sldChg>
-      <pc:sldChg chg="addSp modSp new mod modAnim">
-        <pc:chgData name="Weifeng Xu" userId="e7aed605-a3dd-4d5a-a692-a87037af107b" providerId="ADAL" clId="{77503F2E-F3A0-409B-A511-BB14035E722B}" dt="2025-05-01T18:53:39.456" v="2135" actId="1076"/>
-        <pc:sldMkLst>
-          <pc:docMk/>
-          <pc:sldMk cId="1572050356" sldId="277"/>
-        </pc:sldMkLst>
-      </pc:sldChg>
-      <pc:sldChg chg="add del">
-        <pc:chgData name="Weifeng Xu" userId="e7aed605-a3dd-4d5a-a692-a87037af107b" providerId="ADAL" clId="{77503F2E-F3A0-409B-A511-BB14035E722B}" dt="2025-05-01T18:49:24.473" v="2098"/>
-        <pc:sldMkLst>
-          <pc:docMk/>
-          <pc:sldMk cId="3665025083" sldId="277"/>
-        </pc:sldMkLst>
-      </pc:sldChg>
-      <pc:sldChg chg="add del">
-        <pc:chgData name="Weifeng Xu" userId="e7aed605-a3dd-4d5a-a692-a87037af107b" providerId="ADAL" clId="{77503F2E-F3A0-409B-A511-BB14035E722B}" dt="2025-05-01T18:49:10.145" v="2095"/>
-        <pc:sldMkLst>
-          <pc:docMk/>
-          <pc:sldMk cId="4149124542" sldId="277"/>
-        </pc:sldMkLst>
-      </pc:sldChg>
-    </pc:docChg>
-  </pc:docChgLst>
-  <pc:docChgLst>
-    <pc:chgData name="Weifeng Xu" userId="e7aed605-a3dd-4d5a-a692-a87037af107b" providerId="ADAL" clId="{9C06CBEB-0343-4287-8B81-0C702673DE5E}"/>
-    <pc:docChg chg="undo redo custSel addSld delSld modSld sldOrd">
-      <pc:chgData name="Weifeng Xu" userId="e7aed605-a3dd-4d5a-a692-a87037af107b" providerId="ADAL" clId="{9C06CBEB-0343-4287-8B81-0C702673DE5E}" dt="2025-04-23T23:34:27.047" v="4553" actId="1076"/>
-      <pc:docMkLst>
-        <pc:docMk/>
-      </pc:docMkLst>
-      <pc:sldChg chg="modSp mod">
-        <pc:chgData name="Weifeng Xu" userId="e7aed605-a3dd-4d5a-a692-a87037af107b" providerId="ADAL" clId="{9C06CBEB-0343-4287-8B81-0C702673DE5E}" dt="2025-04-23T01:31:59.756" v="4545" actId="20577"/>
-        <pc:sldMkLst>
-          <pc:docMk/>
-          <pc:sldMk cId="1325061211" sldId="256"/>
-        </pc:sldMkLst>
-        <pc:spChg chg="mod">
-          <ac:chgData name="Weifeng Xu" userId="e7aed605-a3dd-4d5a-a692-a87037af107b" providerId="ADAL" clId="{9C06CBEB-0343-4287-8B81-0C702673DE5E}" dt="2025-04-23T01:31:59.756" v="4545" actId="20577"/>
-          <ac:spMkLst>
-            <pc:docMk/>
-            <pc:sldMk cId="1325061211" sldId="256"/>
-            <ac:spMk id="2" creationId="{00000000-0000-0000-0000-000000000000}"/>
-          </ac:spMkLst>
-        </pc:spChg>
-      </pc:sldChg>
-      <pc:sldChg chg="addSp delSp modSp mod modClrScheme chgLayout">
-        <pc:chgData name="Weifeng Xu" userId="e7aed605-a3dd-4d5a-a692-a87037af107b" providerId="ADAL" clId="{9C06CBEB-0343-4287-8B81-0C702673DE5E}" dt="2025-04-20T02:53:00.098" v="242" actId="20577"/>
-        <pc:sldMkLst>
-          <pc:docMk/>
-          <pc:sldMk cId="2201572609" sldId="257"/>
-        </pc:sldMkLst>
-      </pc:sldChg>
-      <pc:sldChg chg="addSp delSp modSp mod modClrScheme chgLayout">
-        <pc:chgData name="Weifeng Xu" userId="e7aed605-a3dd-4d5a-a692-a87037af107b" providerId="ADAL" clId="{9C06CBEB-0343-4287-8B81-0C702673DE5E}" dt="2025-04-22T03:01:31.344" v="3590" actId="1076"/>
-        <pc:sldMkLst>
-          <pc:docMk/>
-          <pc:sldMk cId="450669007" sldId="258"/>
-        </pc:sldMkLst>
-      </pc:sldChg>
-      <pc:sldChg chg="addSp delSp modSp add mod">
-        <pc:chgData name="Weifeng Xu" userId="e7aed605-a3dd-4d5a-a692-a87037af107b" providerId="ADAL" clId="{9C06CBEB-0343-4287-8B81-0C702673DE5E}" dt="2025-04-23T00:43:03.009" v="4084" actId="20577"/>
-        <pc:sldMkLst>
-          <pc:docMk/>
-          <pc:sldMk cId="3233567480" sldId="259"/>
-        </pc:sldMkLst>
-      </pc:sldChg>
-      <pc:sldChg chg="addSp delSp modSp new mod">
-        <pc:chgData name="Weifeng Xu" userId="e7aed605-a3dd-4d5a-a692-a87037af107b" providerId="ADAL" clId="{9C06CBEB-0343-4287-8B81-0C702673DE5E}" dt="2025-04-21T12:06:27.352" v="1955" actId="1076"/>
-        <pc:sldMkLst>
-          <pc:docMk/>
-          <pc:sldMk cId="2715224073" sldId="260"/>
-        </pc:sldMkLst>
-      </pc:sldChg>
-      <pc:sldChg chg="addSp delSp modSp new mod modClrScheme chgLayout">
-        <pc:chgData name="Weifeng Xu" userId="e7aed605-a3dd-4d5a-a692-a87037af107b" providerId="ADAL" clId="{9C06CBEB-0343-4287-8B81-0C702673DE5E}" dt="2025-04-22T01:35:22.881" v="2625" actId="14100"/>
-        <pc:sldMkLst>
-          <pc:docMk/>
-          <pc:sldMk cId="1030786537" sldId="261"/>
-        </pc:sldMkLst>
-      </pc:sldChg>
-      <pc:sldChg chg="addSp delSp modSp new mod">
-        <pc:chgData name="Weifeng Xu" userId="e7aed605-a3dd-4d5a-a692-a87037af107b" providerId="ADAL" clId="{9C06CBEB-0343-4287-8B81-0C702673DE5E}" dt="2025-04-23T00:36:22.083" v="3996" actId="20577"/>
-        <pc:sldMkLst>
-          <pc:docMk/>
-          <pc:sldMk cId="3284022864" sldId="262"/>
-        </pc:sldMkLst>
-      </pc:sldChg>
-      <pc:sldChg chg="addSp delSp modSp new mod">
-        <pc:chgData name="Weifeng Xu" userId="e7aed605-a3dd-4d5a-a692-a87037af107b" providerId="ADAL" clId="{9C06CBEB-0343-4287-8B81-0C702673DE5E}" dt="2025-04-23T00:40:19.679" v="4005" actId="6549"/>
-        <pc:sldMkLst>
-          <pc:docMk/>
-          <pc:sldMk cId="786756272" sldId="263"/>
-        </pc:sldMkLst>
-      </pc:sldChg>
-      <pc:sldChg chg="addSp delSp modSp new mod modClrScheme chgLayout">
-        <pc:chgData name="Weifeng Xu" userId="e7aed605-a3dd-4d5a-a692-a87037af107b" providerId="ADAL" clId="{9C06CBEB-0343-4287-8B81-0C702673DE5E}" dt="2025-04-23T00:42:08.933" v="4070" actId="108"/>
-        <pc:sldMkLst>
-          <pc:docMk/>
-          <pc:sldMk cId="3548515090" sldId="264"/>
-        </pc:sldMkLst>
-      </pc:sldChg>
-      <pc:sldChg chg="addSp delSp modSp new mod modClrScheme chgLayout modNotesTx">
-        <pc:chgData name="Weifeng Xu" userId="e7aed605-a3dd-4d5a-a692-a87037af107b" providerId="ADAL" clId="{9C06CBEB-0343-4287-8B81-0C702673DE5E}" dt="2025-04-21T13:40:04.327" v="2094" actId="207"/>
-        <pc:sldMkLst>
-          <pc:docMk/>
-          <pc:sldMk cId="3523214092" sldId="265"/>
-        </pc:sldMkLst>
-      </pc:sldChg>
-      <pc:sldChg chg="addSp delSp modSp new mod ord modClrScheme chgLayout">
-        <pc:chgData name="Weifeng Xu" userId="e7aed605-a3dd-4d5a-a692-a87037af107b" providerId="ADAL" clId="{9C06CBEB-0343-4287-8B81-0C702673DE5E}" dt="2025-04-23T01:02:14.800" v="4310" actId="207"/>
-        <pc:sldMkLst>
-          <pc:docMk/>
-          <pc:sldMk cId="756868712" sldId="266"/>
-        </pc:sldMkLst>
-      </pc:sldChg>
-      <pc:sldChg chg="addSp delSp modSp add mod">
-        <pc:chgData name="Weifeng Xu" userId="e7aed605-a3dd-4d5a-a692-a87037af107b" providerId="ADAL" clId="{9C06CBEB-0343-4287-8B81-0C702673DE5E}" dt="2025-04-22T02:46:00.589" v="3485" actId="20577"/>
-        <pc:sldMkLst>
-          <pc:docMk/>
-          <pc:sldMk cId="2973990778" sldId="267"/>
-        </pc:sldMkLst>
-      </pc:sldChg>
-      <pc:sldChg chg="addSp delSp modSp add del mod">
-        <pc:chgData name="Weifeng Xu" userId="e7aed605-a3dd-4d5a-a692-a87037af107b" providerId="ADAL" clId="{9C06CBEB-0343-4287-8B81-0C702673DE5E}" dt="2025-04-22T12:56:50.206" v="3699" actId="1076"/>
-        <pc:sldMkLst>
-          <pc:docMk/>
-          <pc:sldMk cId="2042884208" sldId="268"/>
-        </pc:sldMkLst>
-      </pc:sldChg>
-      <pc:sldChg chg="addSp delSp modSp add mod modClrScheme chgLayout">
-        <pc:chgData name="Weifeng Xu" userId="e7aed605-a3dd-4d5a-a692-a87037af107b" providerId="ADAL" clId="{9C06CBEB-0343-4287-8B81-0C702673DE5E}" dt="2025-04-23T01:19:14.631" v="4375" actId="207"/>
-        <pc:sldMkLst>
-          <pc:docMk/>
-          <pc:sldMk cId="3256057421" sldId="269"/>
-        </pc:sldMkLst>
-      </pc:sldChg>
-      <pc:sldChg chg="addSp modSp add mod">
-        <pc:chgData name="Weifeng Xu" userId="e7aed605-a3dd-4d5a-a692-a87037af107b" providerId="ADAL" clId="{9C06CBEB-0343-4287-8B81-0C702673DE5E}" dt="2025-04-23T01:19:18.460" v="4376" actId="207"/>
-        <pc:sldMkLst>
-          <pc:docMk/>
-          <pc:sldMk cId="146876777" sldId="270"/>
-        </pc:sldMkLst>
-      </pc:sldChg>
-      <pc:sldChg chg="addSp delSp modSp add mod modClrScheme chgLayout">
-        <pc:chgData name="Weifeng Xu" userId="e7aed605-a3dd-4d5a-a692-a87037af107b" providerId="ADAL" clId="{9C06CBEB-0343-4287-8B81-0C702673DE5E}" dt="2025-04-23T01:26:00.614" v="4493" actId="1076"/>
-        <pc:sldMkLst>
-          <pc:docMk/>
-          <pc:sldMk cId="1939243851" sldId="271"/>
-        </pc:sldMkLst>
-      </pc:sldChg>
-      <pc:sldChg chg="addSp modSp new mod">
-        <pc:chgData name="Weifeng Xu" userId="e7aed605-a3dd-4d5a-a692-a87037af107b" providerId="ADAL" clId="{9C06CBEB-0343-4287-8B81-0C702673DE5E}" dt="2025-04-23T23:34:27.047" v="4553" actId="1076"/>
-        <pc:sldMkLst>
-          <pc:docMk/>
-          <pc:sldMk cId="2238745649" sldId="272"/>
-        </pc:sldMkLst>
-      </pc:sldChg>
-    </pc:docChg>
-  </pc:docChgLst>
-  <pc:docChgLst>
-    <pc:chgData name="Weifeng Xu" userId="e7aed605-a3dd-4d5a-a692-a87037af107b" providerId="ADAL" clId="{B29BA757-A9E5-4E35-900E-70A7C044DEA3}"/>
-    <pc:docChg chg="undo custSel addSld delSld modSld sldOrd">
-      <pc:chgData name="Weifeng Xu" userId="e7aed605-a3dd-4d5a-a692-a87037af107b" providerId="ADAL" clId="{B29BA757-A9E5-4E35-900E-70A7C044DEA3}" dt="2025-05-08T20:26:31.713" v="2302"/>
-      <pc:docMkLst>
-        <pc:docMk/>
-      </pc:docMkLst>
-      <pc:sldChg chg="addSp modSp mod">
-        <pc:chgData name="Weifeng Xu" userId="e7aed605-a3dd-4d5a-a692-a87037af107b" providerId="ADAL" clId="{B29BA757-A9E5-4E35-900E-70A7C044DEA3}" dt="2025-05-07T14:31:41.747" v="329" actId="1076"/>
-        <pc:sldMkLst>
-          <pc:docMk/>
-          <pc:sldMk cId="1325061211" sldId="256"/>
-        </pc:sldMkLst>
-        <pc:spChg chg="mod">
-          <ac:chgData name="Weifeng Xu" userId="e7aed605-a3dd-4d5a-a692-a87037af107b" providerId="ADAL" clId="{B29BA757-A9E5-4E35-900E-70A7C044DEA3}" dt="2025-05-07T01:06:01.501" v="27" actId="20577"/>
-          <ac:spMkLst>
-            <pc:docMk/>
-            <pc:sldMk cId="1325061211" sldId="256"/>
-            <ac:spMk id="2" creationId="{00000000-0000-0000-0000-000000000000}"/>
-          </ac:spMkLst>
-        </pc:spChg>
-        <pc:spChg chg="mod">
-          <ac:chgData name="Weifeng Xu" userId="e7aed605-a3dd-4d5a-a692-a87037af107b" providerId="ADAL" clId="{B29BA757-A9E5-4E35-900E-70A7C044DEA3}" dt="2025-05-07T01:06:21.715" v="29"/>
-          <ac:spMkLst>
-            <pc:docMk/>
-            <pc:sldMk cId="1325061211" sldId="256"/>
-            <ac:spMk id="3" creationId="{00000000-0000-0000-0000-000000000000}"/>
-          </ac:spMkLst>
-        </pc:spChg>
-        <pc:spChg chg="add mod">
-          <ac:chgData name="Weifeng Xu" userId="e7aed605-a3dd-4d5a-a692-a87037af107b" providerId="ADAL" clId="{B29BA757-A9E5-4E35-900E-70A7C044DEA3}" dt="2025-05-07T14:31:41.747" v="329" actId="1076"/>
-          <ac:spMkLst>
-            <pc:docMk/>
-            <pc:sldMk cId="1325061211" sldId="256"/>
-            <ac:spMk id="5" creationId="{147C7E1D-5E15-54B3-8083-82EF06571D93}"/>
-          </ac:spMkLst>
-        </pc:spChg>
-      </pc:sldChg>
-      <pc:sldChg chg="modSp mod">
-        <pc:chgData name="Weifeng Xu" userId="e7aed605-a3dd-4d5a-a692-a87037af107b" providerId="ADAL" clId="{B29BA757-A9E5-4E35-900E-70A7C044DEA3}" dt="2025-05-07T19:12:32.998" v="1316" actId="27636"/>
-        <pc:sldMkLst>
-          <pc:docMk/>
-          <pc:sldMk cId="3637650244" sldId="257"/>
-        </pc:sldMkLst>
-        <pc:spChg chg="mod">
-          <ac:chgData name="Weifeng Xu" userId="e7aed605-a3dd-4d5a-a692-a87037af107b" providerId="ADAL" clId="{B29BA757-A9E5-4E35-900E-70A7C044DEA3}" dt="2025-05-07T19:12:32.998" v="1316" actId="27636"/>
-          <ac:spMkLst>
-            <pc:docMk/>
-            <pc:sldMk cId="3637650244" sldId="257"/>
-            <ac:spMk id="3" creationId="{06162081-A63F-B575-CA37-6004D51E7702}"/>
-          </ac:spMkLst>
-        </pc:spChg>
-      </pc:sldChg>
-      <pc:sldChg chg="del">
-        <pc:chgData name="Weifeng Xu" userId="e7aed605-a3dd-4d5a-a692-a87037af107b" providerId="ADAL" clId="{B29BA757-A9E5-4E35-900E-70A7C044DEA3}" dt="2025-05-07T01:05:38.460" v="1" actId="47"/>
-        <pc:sldMkLst>
-          <pc:docMk/>
-          <pc:sldMk cId="2182874950" sldId="258"/>
-        </pc:sldMkLst>
-      </pc:sldChg>
-      <pc:sldChg chg="modSp new mod">
-        <pc:chgData name="Weifeng Xu" userId="e7aed605-a3dd-4d5a-a692-a87037af107b" providerId="ADAL" clId="{B29BA757-A9E5-4E35-900E-70A7C044DEA3}" dt="2025-05-07T01:09:41.997" v="59" actId="15"/>
-        <pc:sldMkLst>
-          <pc:docMk/>
-          <pc:sldMk cId="2656776715" sldId="258"/>
-        </pc:sldMkLst>
-        <pc:spChg chg="mod">
-          <ac:chgData name="Weifeng Xu" userId="e7aed605-a3dd-4d5a-a692-a87037af107b" providerId="ADAL" clId="{B29BA757-A9E5-4E35-900E-70A7C044DEA3}" dt="2025-05-07T01:08:59.827" v="41"/>
-          <ac:spMkLst>
-            <pc:docMk/>
-            <pc:sldMk cId="2656776715" sldId="258"/>
-            <ac:spMk id="2" creationId="{04C3D8BB-9CDA-759D-80BE-915302D2889D}"/>
-          </ac:spMkLst>
-        </pc:spChg>
-        <pc:spChg chg="mod">
-          <ac:chgData name="Weifeng Xu" userId="e7aed605-a3dd-4d5a-a692-a87037af107b" providerId="ADAL" clId="{B29BA757-A9E5-4E35-900E-70A7C044DEA3}" dt="2025-05-07T01:09:41.997" v="59" actId="15"/>
-          <ac:spMkLst>
-            <pc:docMk/>
-            <pc:sldMk cId="2656776715" sldId="258"/>
-            <ac:spMk id="3" creationId="{3F6822F9-4A4F-AF98-4316-AF51608095C7}"/>
-          </ac:spMkLst>
-        </pc:spChg>
-      </pc:sldChg>
-      <pc:sldChg chg="addSp modSp new mod modClrScheme chgLayout">
-        <pc:chgData name="Weifeng Xu" userId="e7aed605-a3dd-4d5a-a692-a87037af107b" providerId="ADAL" clId="{B29BA757-A9E5-4E35-900E-70A7C044DEA3}" dt="2025-05-08T16:47:57.135" v="2086" actId="27636"/>
-        <pc:sldMkLst>
-          <pc:docMk/>
-          <pc:sldMk cId="727829765" sldId="259"/>
-        </pc:sldMkLst>
-        <pc:spChg chg="mod">
-          <ac:chgData name="Weifeng Xu" userId="e7aed605-a3dd-4d5a-a692-a87037af107b" providerId="ADAL" clId="{B29BA757-A9E5-4E35-900E-70A7C044DEA3}" dt="2025-05-07T01:13:26.049" v="83" actId="26606"/>
-          <ac:spMkLst>
-            <pc:docMk/>
-            <pc:sldMk cId="727829765" sldId="259"/>
-            <ac:spMk id="2" creationId="{C93109A5-8166-74FA-5FA9-698AA7B40B2A}"/>
-          </ac:spMkLst>
-        </pc:spChg>
-        <pc:spChg chg="mod">
-          <ac:chgData name="Weifeng Xu" userId="e7aed605-a3dd-4d5a-a692-a87037af107b" providerId="ADAL" clId="{B29BA757-A9E5-4E35-900E-70A7C044DEA3}" dt="2025-05-08T16:47:57.135" v="2086" actId="27636"/>
-          <ac:spMkLst>
-            <pc:docMk/>
-            <pc:sldMk cId="727829765" sldId="259"/>
-            <ac:spMk id="3" creationId="{EF5D4A84-5B3D-7AF0-13AD-9BB69C560B15}"/>
-          </ac:spMkLst>
-        </pc:spChg>
-        <pc:picChg chg="add mod modCrop">
-          <ac:chgData name="Weifeng Xu" userId="e7aed605-a3dd-4d5a-a692-a87037af107b" providerId="ADAL" clId="{B29BA757-A9E5-4E35-900E-70A7C044DEA3}" dt="2025-05-07T01:47:54.826" v="231" actId="1076"/>
-          <ac:picMkLst>
-            <pc:docMk/>
-            <pc:sldMk cId="727829765" sldId="259"/>
-            <ac:picMk id="5" creationId="{8DC41C40-DE36-5FD3-B92E-5CBECAEBA82B}"/>
-          </ac:picMkLst>
-        </pc:picChg>
-        <pc:picChg chg="add mod">
-          <ac:chgData name="Weifeng Xu" userId="e7aed605-a3dd-4d5a-a692-a87037af107b" providerId="ADAL" clId="{B29BA757-A9E5-4E35-900E-70A7C044DEA3}" dt="2025-05-07T01:47:57.173" v="232" actId="14100"/>
-          <ac:picMkLst>
-            <pc:docMk/>
-            <pc:sldMk cId="727829765" sldId="259"/>
-            <ac:picMk id="3074" creationId="{80227FE9-761F-2656-1732-F66F3AFB420E}"/>
-          </ac:picMkLst>
-        </pc:picChg>
-      </pc:sldChg>
-      <pc:sldChg chg="del">
-        <pc:chgData name="Weifeng Xu" userId="e7aed605-a3dd-4d5a-a692-a87037af107b" providerId="ADAL" clId="{B29BA757-A9E5-4E35-900E-70A7C044DEA3}" dt="2025-05-07T01:05:38.614" v="2" actId="47"/>
-        <pc:sldMkLst>
-          <pc:docMk/>
-          <pc:sldMk cId="3948614833" sldId="259"/>
-        </pc:sldMkLst>
-      </pc:sldChg>
-      <pc:sldChg chg="addSp delSp modSp new mod modClrScheme chgLayout">
-        <pc:chgData name="Weifeng Xu" userId="e7aed605-a3dd-4d5a-a692-a87037af107b" providerId="ADAL" clId="{B29BA757-A9E5-4E35-900E-70A7C044DEA3}" dt="2025-05-07T15:58:32.517" v="715" actId="20577"/>
-        <pc:sldMkLst>
-          <pc:docMk/>
-          <pc:sldMk cId="1840264368" sldId="260"/>
-        </pc:sldMkLst>
-        <pc:spChg chg="del mod ord">
-          <ac:chgData name="Weifeng Xu" userId="e7aed605-a3dd-4d5a-a692-a87037af107b" providerId="ADAL" clId="{B29BA757-A9E5-4E35-900E-70A7C044DEA3}" dt="2025-05-07T01:18:35.894" v="100" actId="700"/>
-          <ac:spMkLst>
-            <pc:docMk/>
-            <pc:sldMk cId="1840264368" sldId="260"/>
-            <ac:spMk id="2" creationId="{4BA56C30-0EFB-01A5-B770-4EF3434A8306}"/>
-          </ac:spMkLst>
-        </pc:spChg>
-        <pc:spChg chg="del mod ord">
-          <ac:chgData name="Weifeng Xu" userId="e7aed605-a3dd-4d5a-a692-a87037af107b" providerId="ADAL" clId="{B29BA757-A9E5-4E35-900E-70A7C044DEA3}" dt="2025-05-07T01:18:35.894" v="100" actId="700"/>
-          <ac:spMkLst>
-            <pc:docMk/>
-            <pc:sldMk cId="1840264368" sldId="260"/>
-            <ac:spMk id="3" creationId="{4C7C2451-6615-659A-3397-988607AE1E38}"/>
-          </ac:spMkLst>
-        </pc:spChg>
-        <pc:spChg chg="del">
-          <ac:chgData name="Weifeng Xu" userId="e7aed605-a3dd-4d5a-a692-a87037af107b" providerId="ADAL" clId="{B29BA757-A9E5-4E35-900E-70A7C044DEA3}" dt="2025-05-07T01:18:35.894" v="100" actId="700"/>
-          <ac:spMkLst>
-            <pc:docMk/>
-            <pc:sldMk cId="1840264368" sldId="260"/>
-            <ac:spMk id="4" creationId="{BFFE2FD4-D5A1-FFBE-0194-DE3F65FD109A}"/>
-          </ac:spMkLst>
-        </pc:spChg>
-        <pc:spChg chg="add del mod ord">
-          <ac:chgData name="Weifeng Xu" userId="e7aed605-a3dd-4d5a-a692-a87037af107b" providerId="ADAL" clId="{B29BA757-A9E5-4E35-900E-70A7C044DEA3}" dt="2025-05-07T01:18:41.399" v="101" actId="700"/>
-          <ac:spMkLst>
-            <pc:docMk/>
-            <pc:sldMk cId="1840264368" sldId="260"/>
-            <ac:spMk id="5" creationId="{01C06313-EE31-B1E0-3AA5-888E422A790E}"/>
-          </ac:spMkLst>
-        </pc:spChg>
-        <pc:spChg chg="add del mod ord">
-          <ac:chgData name="Weifeng Xu" userId="e7aed605-a3dd-4d5a-a692-a87037af107b" providerId="ADAL" clId="{B29BA757-A9E5-4E35-900E-70A7C044DEA3}" dt="2025-05-07T01:18:41.399" v="101" actId="700"/>
-          <ac:spMkLst>
-            <pc:docMk/>
-            <pc:sldMk cId="1840264368" sldId="260"/>
-            <ac:spMk id="6" creationId="{102BD8E9-2817-45F2-13C6-E441AA5F0D95}"/>
-          </ac:spMkLst>
-        </pc:spChg>
-        <pc:spChg chg="add mod ord">
-          <ac:chgData name="Weifeng Xu" userId="e7aed605-a3dd-4d5a-a692-a87037af107b" providerId="ADAL" clId="{B29BA757-A9E5-4E35-900E-70A7C044DEA3}" dt="2025-05-07T15:58:32.517" v="715" actId="20577"/>
-          <ac:spMkLst>
-            <pc:docMk/>
-            <pc:sldMk cId="1840264368" sldId="260"/>
-            <ac:spMk id="7" creationId="{B24DD18C-DA02-F4DB-B5EF-481B5ACC6C56}"/>
-          </ac:spMkLst>
-        </pc:spChg>
-        <pc:spChg chg="add del mod ord">
-          <ac:chgData name="Weifeng Xu" userId="e7aed605-a3dd-4d5a-a692-a87037af107b" providerId="ADAL" clId="{B29BA757-A9E5-4E35-900E-70A7C044DEA3}" dt="2025-05-07T01:26:02.198" v="103" actId="700"/>
-          <ac:spMkLst>
-            <pc:docMk/>
-            <pc:sldMk cId="1840264368" sldId="260"/>
-            <ac:spMk id="8" creationId="{4C04C91A-817F-3CA9-9480-4F3736C95DC7}"/>
-          </ac:spMkLst>
-        </pc:spChg>
-        <pc:spChg chg="add mod">
-          <ac:chgData name="Weifeng Xu" userId="e7aed605-a3dd-4d5a-a692-a87037af107b" providerId="ADAL" clId="{B29BA757-A9E5-4E35-900E-70A7C044DEA3}" dt="2025-05-07T01:27:33.700" v="115" actId="1076"/>
-          <ac:spMkLst>
-            <pc:docMk/>
-            <pc:sldMk cId="1840264368" sldId="260"/>
-            <ac:spMk id="12" creationId="{AF5E90A7-685E-8037-23DA-0361A9387753}"/>
-          </ac:spMkLst>
-        </pc:spChg>
-        <pc:picChg chg="add del mod">
-          <ac:chgData name="Weifeng Xu" userId="e7aed605-a3dd-4d5a-a692-a87037af107b" providerId="ADAL" clId="{B29BA757-A9E5-4E35-900E-70A7C044DEA3}" dt="2025-05-07T01:28:14.540" v="117" actId="478"/>
-          <ac:picMkLst>
-            <pc:docMk/>
-            <pc:sldMk cId="1840264368" sldId="260"/>
-            <ac:picMk id="10" creationId="{8E597F00-331D-E318-0988-78C82AA56284}"/>
-          </ac:picMkLst>
-        </pc:picChg>
-        <pc:picChg chg="add del mod">
-          <ac:chgData name="Weifeng Xu" userId="e7aed605-a3dd-4d5a-a692-a87037af107b" providerId="ADAL" clId="{B29BA757-A9E5-4E35-900E-70A7C044DEA3}" dt="2025-05-07T01:29:58.103" v="123" actId="478"/>
-          <ac:picMkLst>
-            <pc:docMk/>
-            <pc:sldMk cId="1840264368" sldId="260"/>
-            <ac:picMk id="14" creationId="{52C03116-9CB4-A953-FE08-792158E22F37}"/>
-          </ac:picMkLst>
-        </pc:picChg>
-        <pc:picChg chg="add del mod">
-          <ac:chgData name="Weifeng Xu" userId="e7aed605-a3dd-4d5a-a692-a87037af107b" providerId="ADAL" clId="{B29BA757-A9E5-4E35-900E-70A7C044DEA3}" dt="2025-05-07T01:32:34.216" v="128" actId="478"/>
-          <ac:picMkLst>
-            <pc:docMk/>
-            <pc:sldMk cId="1840264368" sldId="260"/>
-            <ac:picMk id="16" creationId="{A8EA4CC6-94E0-12BE-057B-0BCAF5F349C1}"/>
-          </ac:picMkLst>
-        </pc:picChg>
-        <pc:picChg chg="add del mod">
-          <ac:chgData name="Weifeng Xu" userId="e7aed605-a3dd-4d5a-a692-a87037af107b" providerId="ADAL" clId="{B29BA757-A9E5-4E35-900E-70A7C044DEA3}" dt="2025-05-07T01:35:11.979" v="133" actId="478"/>
-          <ac:picMkLst>
-            <pc:docMk/>
-            <pc:sldMk cId="1840264368" sldId="260"/>
-            <ac:picMk id="18" creationId="{EBD15418-48A4-DC08-36DF-CED01D0BE366}"/>
-          </ac:picMkLst>
-        </pc:picChg>
-        <pc:picChg chg="add mod modCrop">
-          <ac:chgData name="Weifeng Xu" userId="e7aed605-a3dd-4d5a-a692-a87037af107b" providerId="ADAL" clId="{B29BA757-A9E5-4E35-900E-70A7C044DEA3}" dt="2025-05-07T02:00:40.551" v="295" actId="14100"/>
-          <ac:picMkLst>
-            <pc:docMk/>
-            <pc:sldMk cId="1840264368" sldId="260"/>
-            <ac:picMk id="20" creationId="{C6833234-303C-ECCF-78BD-D4BC9DB5A907}"/>
-          </ac:picMkLst>
-        </pc:picChg>
-      </pc:sldChg>
-      <pc:sldChg chg="del">
-        <pc:chgData name="Weifeng Xu" userId="e7aed605-a3dd-4d5a-a692-a87037af107b" providerId="ADAL" clId="{B29BA757-A9E5-4E35-900E-70A7C044DEA3}" dt="2025-05-07T01:05:38.749" v="3" actId="47"/>
-        <pc:sldMkLst>
-          <pc:docMk/>
-          <pc:sldMk cId="2232272763" sldId="260"/>
-        </pc:sldMkLst>
-      </pc:sldChg>
-      <pc:sldChg chg="del">
-        <pc:chgData name="Weifeng Xu" userId="e7aed605-a3dd-4d5a-a692-a87037af107b" providerId="ADAL" clId="{B29BA757-A9E5-4E35-900E-70A7C044DEA3}" dt="2025-05-07T01:05:38.900" v="4" actId="47"/>
-        <pc:sldMkLst>
-          <pc:docMk/>
-          <pc:sldMk cId="2892488957" sldId="261"/>
-        </pc:sldMkLst>
-      </pc:sldChg>
-      <pc:sldChg chg="addSp delSp modSp new mod modClrScheme chgLayout">
-        <pc:chgData name="Weifeng Xu" userId="e7aed605-a3dd-4d5a-a692-a87037af107b" providerId="ADAL" clId="{B29BA757-A9E5-4E35-900E-70A7C044DEA3}" dt="2025-05-07T16:07:46.408" v="827" actId="113"/>
-        <pc:sldMkLst>
-          <pc:docMk/>
-          <pc:sldMk cId="4111090122" sldId="261"/>
-        </pc:sldMkLst>
-        <pc:spChg chg="del">
-          <ac:chgData name="Weifeng Xu" userId="e7aed605-a3dd-4d5a-a692-a87037af107b" providerId="ADAL" clId="{B29BA757-A9E5-4E35-900E-70A7C044DEA3}" dt="2025-05-07T01:36:22.569" v="139" actId="700"/>
-          <ac:spMkLst>
-            <pc:docMk/>
-            <pc:sldMk cId="4111090122" sldId="261"/>
-            <ac:spMk id="2" creationId="{241C355A-E54B-DDD4-F5D7-5CC440515CFD}"/>
-          </ac:spMkLst>
-        </pc:spChg>
-        <pc:spChg chg="add mod">
-          <ac:chgData name="Weifeng Xu" userId="e7aed605-a3dd-4d5a-a692-a87037af107b" providerId="ADAL" clId="{B29BA757-A9E5-4E35-900E-70A7C044DEA3}" dt="2025-05-07T01:36:43.865" v="147" actId="1076"/>
-          <ac:spMkLst>
-            <pc:docMk/>
-            <pc:sldMk cId="4111090122" sldId="261"/>
-            <ac:spMk id="4" creationId="{64F62544-E8A8-E0A2-08D0-D2958ACFA55A}"/>
-          </ac:spMkLst>
-        </pc:spChg>
-        <pc:spChg chg="add mod">
-          <ac:chgData name="Weifeng Xu" userId="e7aed605-a3dd-4d5a-a692-a87037af107b" providerId="ADAL" clId="{B29BA757-A9E5-4E35-900E-70A7C044DEA3}" dt="2025-05-07T16:07:46.408" v="827" actId="113"/>
-          <ac:spMkLst>
-            <pc:docMk/>
-            <pc:sldMk cId="4111090122" sldId="261"/>
-            <ac:spMk id="6" creationId="{D89A1462-E38E-126D-AFD2-C44AFF57D232}"/>
-          </ac:spMkLst>
-        </pc:spChg>
-        <pc:picChg chg="add mod">
-          <ac:chgData name="Weifeng Xu" userId="e7aed605-a3dd-4d5a-a692-a87037af107b" providerId="ADAL" clId="{B29BA757-A9E5-4E35-900E-70A7C044DEA3}" dt="2025-05-07T01:52:10.291" v="251" actId="1076"/>
-          <ac:picMkLst>
-            <pc:docMk/>
-            <pc:sldMk cId="4111090122" sldId="261"/>
-            <ac:picMk id="1026" creationId="{76E75702-F073-8084-0465-B5E23D38ACC7}"/>
-          </ac:picMkLst>
-        </pc:picChg>
-        <pc:picChg chg="add mod">
-          <ac:chgData name="Weifeng Xu" userId="e7aed605-a3dd-4d5a-a692-a87037af107b" providerId="ADAL" clId="{B29BA757-A9E5-4E35-900E-70A7C044DEA3}" dt="2025-05-07T01:52:10.291" v="251" actId="1076"/>
-          <ac:picMkLst>
-            <pc:docMk/>
-            <pc:sldMk cId="4111090122" sldId="261"/>
-            <ac:picMk id="2050" creationId="{150D27DF-7401-302D-79A1-7B04CBBC07CC}"/>
-          </ac:picMkLst>
-        </pc:picChg>
-      </pc:sldChg>
-      <pc:sldChg chg="del">
-        <pc:chgData name="Weifeng Xu" userId="e7aed605-a3dd-4d5a-a692-a87037af107b" providerId="ADAL" clId="{B29BA757-A9E5-4E35-900E-70A7C044DEA3}" dt="2025-05-07T01:05:39.385" v="6" actId="47"/>
-        <pc:sldMkLst>
-          <pc:docMk/>
-          <pc:sldMk cId="151526665" sldId="262"/>
-        </pc:sldMkLst>
-      </pc:sldChg>
-      <pc:sldChg chg="addSp delSp modSp new mod">
-        <pc:chgData name="Weifeng Xu" userId="e7aed605-a3dd-4d5a-a692-a87037af107b" providerId="ADAL" clId="{B29BA757-A9E5-4E35-900E-70A7C044DEA3}" dt="2025-05-07T02:15:40.306" v="320" actId="20577"/>
-        <pc:sldMkLst>
-          <pc:docMk/>
-          <pc:sldMk cId="2317883494" sldId="262"/>
-        </pc:sldMkLst>
-        <pc:spChg chg="add mod">
-          <ac:chgData name="Weifeng Xu" userId="e7aed605-a3dd-4d5a-a692-a87037af107b" providerId="ADAL" clId="{B29BA757-A9E5-4E35-900E-70A7C044DEA3}" dt="2025-05-07T02:11:27.249" v="297" actId="1076"/>
-          <ac:spMkLst>
-            <pc:docMk/>
-            <pc:sldMk cId="2317883494" sldId="262"/>
-            <ac:spMk id="3" creationId="{BDDF688F-F3B7-25A9-8E5D-83980FC768ED}"/>
-          </ac:spMkLst>
-        </pc:spChg>
-        <pc:spChg chg="add mod">
-          <ac:chgData name="Weifeng Xu" userId="e7aed605-a3dd-4d5a-a692-a87037af107b" providerId="ADAL" clId="{B29BA757-A9E5-4E35-900E-70A7C044DEA3}" dt="2025-05-07T02:11:27.249" v="297" actId="1076"/>
-          <ac:spMkLst>
-            <pc:docMk/>
-            <pc:sldMk cId="2317883494" sldId="262"/>
-            <ac:spMk id="5" creationId="{44AD3B6E-CCD7-302B-3031-6CD63A3EC22A}"/>
-          </ac:spMkLst>
-        </pc:spChg>
-        <pc:spChg chg="add mod">
-          <ac:chgData name="Weifeng Xu" userId="e7aed605-a3dd-4d5a-a692-a87037af107b" providerId="ADAL" clId="{B29BA757-A9E5-4E35-900E-70A7C044DEA3}" dt="2025-05-07T02:11:13.478" v="296" actId="1076"/>
-          <ac:spMkLst>
-            <pc:docMk/>
-            <pc:sldMk cId="2317883494" sldId="262"/>
-            <ac:spMk id="8" creationId="{A902D152-AEE5-8EDC-55BE-41C94943CA61}"/>
-          </ac:spMkLst>
-        </pc:spChg>
-        <pc:spChg chg="add mod">
-          <ac:chgData name="Weifeng Xu" userId="e7aed605-a3dd-4d5a-a692-a87037af107b" providerId="ADAL" clId="{B29BA757-A9E5-4E35-900E-70A7C044DEA3}" dt="2025-05-07T02:15:40.306" v="320" actId="20577"/>
-          <ac:spMkLst>
-            <pc:docMk/>
-            <pc:sldMk cId="2317883494" sldId="262"/>
-            <ac:spMk id="10" creationId="{725557C7-B978-8846-665C-D90BEFBED91D}"/>
-          </ac:spMkLst>
-        </pc:spChg>
-        <pc:picChg chg="add mod">
-          <ac:chgData name="Weifeng Xu" userId="e7aed605-a3dd-4d5a-a692-a87037af107b" providerId="ADAL" clId="{B29BA757-A9E5-4E35-900E-70A7C044DEA3}" dt="2025-05-07T02:11:13.478" v="296" actId="1076"/>
-          <ac:picMkLst>
-            <pc:docMk/>
-            <pc:sldMk cId="2317883494" sldId="262"/>
-            <ac:picMk id="6" creationId="{E11B4414-34CE-69FD-0268-70995B422B58}"/>
-          </ac:picMkLst>
-        </pc:picChg>
-        <pc:picChg chg="add del">
-          <ac:chgData name="Weifeng Xu" userId="e7aed605-a3dd-4d5a-a692-a87037af107b" providerId="ADAL" clId="{B29BA757-A9E5-4E35-900E-70A7C044DEA3}" dt="2025-05-07T01:37:13.811" v="155" actId="21"/>
-          <ac:picMkLst>
-            <pc:docMk/>
-            <pc:sldMk cId="2317883494" sldId="262"/>
-            <ac:picMk id="2050" creationId="{150D27DF-7401-302D-79A1-7B04CBBC07CC}"/>
-          </ac:picMkLst>
-        </pc:picChg>
-        <pc:picChg chg="add mod">
-          <ac:chgData name="Weifeng Xu" userId="e7aed605-a3dd-4d5a-a692-a87037af107b" providerId="ADAL" clId="{B29BA757-A9E5-4E35-900E-70A7C044DEA3}" dt="2025-05-07T02:11:27.249" v="297" actId="1076"/>
-          <ac:picMkLst>
-            <pc:docMk/>
-            <pc:sldMk cId="2317883494" sldId="262"/>
-            <ac:picMk id="2052" creationId="{F8383B3E-A01E-629E-1FA4-01D19F89DC61}"/>
-          </ac:picMkLst>
-        </pc:picChg>
-        <pc:picChg chg="add mod">
-          <ac:chgData name="Weifeng Xu" userId="e7aed605-a3dd-4d5a-a692-a87037af107b" providerId="ADAL" clId="{B29BA757-A9E5-4E35-900E-70A7C044DEA3}" dt="2025-05-07T02:11:27.249" v="297" actId="1076"/>
-          <ac:picMkLst>
-            <pc:docMk/>
-            <pc:sldMk cId="2317883494" sldId="262"/>
-            <ac:picMk id="2054" creationId="{839842C4-CE27-D343-DFB9-A74B9B4F4748}"/>
-          </ac:picMkLst>
-        </pc:picChg>
-      </pc:sldChg>
-      <pc:sldChg chg="addSp modSp new mod modClrScheme chgLayout">
-        <pc:chgData name="Weifeng Xu" userId="e7aed605-a3dd-4d5a-a692-a87037af107b" providerId="ADAL" clId="{B29BA757-A9E5-4E35-900E-70A7C044DEA3}" dt="2025-05-07T01:53:07.182" v="259" actId="1076"/>
-        <pc:sldMkLst>
-          <pc:docMk/>
-          <pc:sldMk cId="811983070" sldId="263"/>
-        </pc:sldMkLst>
-        <pc:spChg chg="add mod ord">
-          <ac:chgData name="Weifeng Xu" userId="e7aed605-a3dd-4d5a-a692-a87037af107b" providerId="ADAL" clId="{B29BA757-A9E5-4E35-900E-70A7C044DEA3}" dt="2025-05-07T01:52:37.216" v="254"/>
-          <ac:spMkLst>
-            <pc:docMk/>
-            <pc:sldMk cId="811983070" sldId="263"/>
-            <ac:spMk id="2" creationId="{F5359C82-8FD8-9D22-E50F-350FFEACF446}"/>
-          </ac:spMkLst>
-        </pc:spChg>
-        <pc:picChg chg="add mod">
-          <ac:chgData name="Weifeng Xu" userId="e7aed605-a3dd-4d5a-a692-a87037af107b" providerId="ADAL" clId="{B29BA757-A9E5-4E35-900E-70A7C044DEA3}" dt="2025-05-07T01:53:07.182" v="259" actId="1076"/>
-          <ac:picMkLst>
-            <pc:docMk/>
-            <pc:sldMk cId="811983070" sldId="263"/>
-            <ac:picMk id="4098" creationId="{0475C885-1326-9941-92EF-0EDBB4ABBD3F}"/>
-          </ac:picMkLst>
-        </pc:picChg>
-      </pc:sldChg>
-      <pc:sldChg chg="del">
-        <pc:chgData name="Weifeng Xu" userId="e7aed605-a3dd-4d5a-a692-a87037af107b" providerId="ADAL" clId="{B29BA757-A9E5-4E35-900E-70A7C044DEA3}" dt="2025-05-07T01:05:39.039" v="5" actId="47"/>
-        <pc:sldMkLst>
-          <pc:docMk/>
-          <pc:sldMk cId="1683674305" sldId="263"/>
-        </pc:sldMkLst>
-      </pc:sldChg>
-      <pc:sldChg chg="del">
-        <pc:chgData name="Weifeng Xu" userId="e7aed605-a3dd-4d5a-a692-a87037af107b" providerId="ADAL" clId="{B29BA757-A9E5-4E35-900E-70A7C044DEA3}" dt="2025-05-07T01:05:39.710" v="7" actId="47"/>
-        <pc:sldMkLst>
-          <pc:docMk/>
-          <pc:sldMk cId="14529535" sldId="264"/>
-        </pc:sldMkLst>
-      </pc:sldChg>
-      <pc:sldChg chg="addSp modSp new mod modClrScheme chgLayout">
-        <pc:chgData name="Weifeng Xu" userId="e7aed605-a3dd-4d5a-a692-a87037af107b" providerId="ADAL" clId="{B29BA757-A9E5-4E35-900E-70A7C044DEA3}" dt="2025-05-07T01:53:03.713" v="258" actId="14100"/>
-        <pc:sldMkLst>
-          <pc:docMk/>
-          <pc:sldMk cId="1963809480" sldId="264"/>
-        </pc:sldMkLst>
-        <pc:spChg chg="add mod ord">
-          <ac:chgData name="Weifeng Xu" userId="e7aed605-a3dd-4d5a-a692-a87037af107b" providerId="ADAL" clId="{B29BA757-A9E5-4E35-900E-70A7C044DEA3}" dt="2025-05-07T01:52:57.370" v="256"/>
-          <ac:spMkLst>
-            <pc:docMk/>
-            <pc:sldMk cId="1963809480" sldId="264"/>
-            <ac:spMk id="2" creationId="{7B7B0BFC-3C4A-F2FE-38EC-992F08EBC608}"/>
-          </ac:spMkLst>
-        </pc:spChg>
-        <pc:picChg chg="add mod">
-          <ac:chgData name="Weifeng Xu" userId="e7aed605-a3dd-4d5a-a692-a87037af107b" providerId="ADAL" clId="{B29BA757-A9E5-4E35-900E-70A7C044DEA3}" dt="2025-05-07T01:53:03.713" v="258" actId="14100"/>
-          <ac:picMkLst>
-            <pc:docMk/>
-            <pc:sldMk cId="1963809480" sldId="264"/>
-            <ac:picMk id="5122" creationId="{33C57649-6E23-435C-D7D0-E23DEEA14F10}"/>
-          </ac:picMkLst>
-        </pc:picChg>
-      </pc:sldChg>
-      <pc:sldChg chg="addSp delSp modSp new mod modClrScheme chgLayout">
-        <pc:chgData name="Weifeng Xu" userId="e7aed605-a3dd-4d5a-a692-a87037af107b" providerId="ADAL" clId="{B29BA757-A9E5-4E35-900E-70A7C044DEA3}" dt="2025-05-07T02:00:05.906" v="291" actId="27636"/>
-        <pc:sldMkLst>
-          <pc:docMk/>
-          <pc:sldMk cId="1407222423" sldId="265"/>
-        </pc:sldMkLst>
-        <pc:spChg chg="mod ord">
-          <ac:chgData name="Weifeng Xu" userId="e7aed605-a3dd-4d5a-a692-a87037af107b" providerId="ADAL" clId="{B29BA757-A9E5-4E35-900E-70A7C044DEA3}" dt="2025-05-07T01:58:44.163" v="262" actId="700"/>
-          <ac:spMkLst>
-            <pc:docMk/>
-            <pc:sldMk cId="1407222423" sldId="265"/>
-            <ac:spMk id="2" creationId="{DD12EF57-6E92-4DEA-C09F-4B388DFAC015}"/>
-          </ac:spMkLst>
-        </pc:spChg>
-        <pc:spChg chg="add del mod ord">
-          <ac:chgData name="Weifeng Xu" userId="e7aed605-a3dd-4d5a-a692-a87037af107b" providerId="ADAL" clId="{B29BA757-A9E5-4E35-900E-70A7C044DEA3}" dt="2025-05-07T02:00:05.906" v="291" actId="27636"/>
-          <ac:spMkLst>
-            <pc:docMk/>
-            <pc:sldMk cId="1407222423" sldId="265"/>
-            <ac:spMk id="3" creationId="{E71E6E54-C483-7405-7E0F-24ED839A5467}"/>
-          </ac:spMkLst>
-        </pc:spChg>
-        <pc:spChg chg="add mod">
-          <ac:chgData name="Weifeng Xu" userId="e7aed605-a3dd-4d5a-a692-a87037af107b" providerId="ADAL" clId="{B29BA757-A9E5-4E35-900E-70A7C044DEA3}" dt="2025-05-07T01:58:58.358" v="264"/>
-          <ac:spMkLst>
-            <pc:docMk/>
-            <pc:sldMk cId="1407222423" sldId="265"/>
-            <ac:spMk id="4" creationId="{6F1BE1F5-1C1F-C8DC-6A8D-C62821B29F77}"/>
-          </ac:spMkLst>
-        </pc:spChg>
-      </pc:sldChg>
-      <pc:sldChg chg="del">
-        <pc:chgData name="Weifeng Xu" userId="e7aed605-a3dd-4d5a-a692-a87037af107b" providerId="ADAL" clId="{B29BA757-A9E5-4E35-900E-70A7C044DEA3}" dt="2025-05-07T01:05:38.315" v="0" actId="47"/>
-        <pc:sldMkLst>
-          <pc:docMk/>
-          <pc:sldMk cId="2513134488" sldId="265"/>
-        </pc:sldMkLst>
-      </pc:sldChg>
-      <pc:sldChg chg="addSp delSp modSp new mod ord modClrScheme chgLayout">
-        <pc:chgData name="Weifeng Xu" userId="e7aed605-a3dd-4d5a-a692-a87037af107b" providerId="ADAL" clId="{B29BA757-A9E5-4E35-900E-70A7C044DEA3}" dt="2025-05-07T16:11:53.180" v="845"/>
-        <pc:sldMkLst>
-          <pc:docMk/>
-          <pc:sldMk cId="765826211" sldId="266"/>
-        </pc:sldMkLst>
-        <pc:spChg chg="mod ord">
-          <ac:chgData name="Weifeng Xu" userId="e7aed605-a3dd-4d5a-a692-a87037af107b" providerId="ADAL" clId="{B29BA757-A9E5-4E35-900E-70A7C044DEA3}" dt="2025-05-07T14:47:13.198" v="412" actId="700"/>
-          <ac:spMkLst>
-            <pc:docMk/>
-            <pc:sldMk cId="765826211" sldId="266"/>
-            <ac:spMk id="2" creationId="{A6D2753B-282E-ADB6-CA35-7EEA0F45F989}"/>
-          </ac:spMkLst>
-        </pc:spChg>
-        <pc:spChg chg="del">
-          <ac:chgData name="Weifeng Xu" userId="e7aed605-a3dd-4d5a-a692-a87037af107b" providerId="ADAL" clId="{B29BA757-A9E5-4E35-900E-70A7C044DEA3}" dt="2025-05-07T14:47:13.198" v="412" actId="700"/>
-          <ac:spMkLst>
-            <pc:docMk/>
-            <pc:sldMk cId="765826211" sldId="266"/>
-            <ac:spMk id="3" creationId="{2BE72DBD-0660-4FC1-F751-2A0513B42EB2}"/>
-          </ac:spMkLst>
-        </pc:spChg>
-        <pc:spChg chg="add mod">
-          <ac:chgData name="Weifeng Xu" userId="e7aed605-a3dd-4d5a-a692-a87037af107b" providerId="ADAL" clId="{B29BA757-A9E5-4E35-900E-70A7C044DEA3}" dt="2025-05-07T15:47:07.711" v="555" actId="14861"/>
-          <ac:spMkLst>
-            <pc:docMk/>
-            <pc:sldMk cId="765826211" sldId="266"/>
-            <ac:spMk id="5" creationId="{3141F1CB-EFD5-01E9-E854-B4838C100318}"/>
-          </ac:spMkLst>
-        </pc:spChg>
-        <pc:picChg chg="add mod">
-          <ac:chgData name="Weifeng Xu" userId="e7aed605-a3dd-4d5a-a692-a87037af107b" providerId="ADAL" clId="{B29BA757-A9E5-4E35-900E-70A7C044DEA3}" dt="2025-05-07T15:47:27.571" v="571" actId="14861"/>
-          <ac:picMkLst>
-            <pc:docMk/>
-            <pc:sldMk cId="765826211" sldId="266"/>
-            <ac:picMk id="4" creationId="{9FEB5364-450E-6C16-1CDF-1787ACD19F42}"/>
-          </ac:picMkLst>
-        </pc:picChg>
-        <pc:picChg chg="add mod">
-          <ac:chgData name="Weifeng Xu" userId="e7aed605-a3dd-4d5a-a692-a87037af107b" providerId="ADAL" clId="{B29BA757-A9E5-4E35-900E-70A7C044DEA3}" dt="2025-05-07T15:45:57.886" v="464" actId="1076"/>
-          <ac:picMkLst>
-            <pc:docMk/>
-            <pc:sldMk cId="765826211" sldId="266"/>
-            <ac:picMk id="8194" creationId="{4ED19399-1D30-6BBC-7731-37B40B8936C6}"/>
-          </ac:picMkLst>
-        </pc:picChg>
-      </pc:sldChg>
-      <pc:sldChg chg="del">
-        <pc:chgData name="Weifeng Xu" userId="e7aed605-a3dd-4d5a-a692-a87037af107b" providerId="ADAL" clId="{B29BA757-A9E5-4E35-900E-70A7C044DEA3}" dt="2025-05-07T01:05:40.134" v="10" actId="47"/>
-        <pc:sldMkLst>
-          <pc:docMk/>
-          <pc:sldMk cId="2697101003" sldId="266"/>
-        </pc:sldMkLst>
-      </pc:sldChg>
-      <pc:sldChg chg="new del">
-        <pc:chgData name="Weifeng Xu" userId="e7aed605-a3dd-4d5a-a692-a87037af107b" providerId="ADAL" clId="{B29BA757-A9E5-4E35-900E-70A7C044DEA3}" dt="2025-05-07T02:16:40.905" v="322" actId="680"/>
-        <pc:sldMkLst>
-          <pc:docMk/>
-          <pc:sldMk cId="3259922637" sldId="266"/>
-        </pc:sldMkLst>
-      </pc:sldChg>
-      <pc:sldChg chg="del">
-        <pc:chgData name="Weifeng Xu" userId="e7aed605-a3dd-4d5a-a692-a87037af107b" providerId="ADAL" clId="{B29BA757-A9E5-4E35-900E-70A7C044DEA3}" dt="2025-05-07T01:05:39.993" v="9" actId="47"/>
-        <pc:sldMkLst>
-          <pc:docMk/>
-          <pc:sldMk cId="2718594992" sldId="267"/>
-        </pc:sldMkLst>
-      </pc:sldChg>
-      <pc:sldChg chg="addSp delSp modSp new mod modClrScheme chgLayout modNotesTx">
-        <pc:chgData name="Weifeng Xu" userId="e7aed605-a3dd-4d5a-a692-a87037af107b" providerId="ADAL" clId="{B29BA757-A9E5-4E35-900E-70A7C044DEA3}" dt="2025-05-07T14:46:51.402" v="411" actId="478"/>
-        <pc:sldMkLst>
-          <pc:docMk/>
-          <pc:sldMk cId="3504296645" sldId="267"/>
-        </pc:sldMkLst>
-        <pc:spChg chg="add mod">
-          <ac:chgData name="Weifeng Xu" userId="e7aed605-a3dd-4d5a-a692-a87037af107b" providerId="ADAL" clId="{B29BA757-A9E5-4E35-900E-70A7C044DEA3}" dt="2025-05-07T14:36:22.216" v="380" actId="20577"/>
-          <ac:spMkLst>
-            <pc:docMk/>
-            <pc:sldMk cId="3504296645" sldId="267"/>
-            <ac:spMk id="2" creationId="{E8CB220D-61CD-BE5F-6968-0A8A55812E37}"/>
-          </ac:spMkLst>
-        </pc:spChg>
-        <pc:spChg chg="add mod">
-          <ac:chgData name="Weifeng Xu" userId="e7aed605-a3dd-4d5a-a692-a87037af107b" providerId="ADAL" clId="{B29BA757-A9E5-4E35-900E-70A7C044DEA3}" dt="2025-05-07T14:45:44.277" v="405" actId="6549"/>
-          <ac:spMkLst>
-            <pc:docMk/>
-            <pc:sldMk cId="3504296645" sldId="267"/>
-            <ac:spMk id="4" creationId="{0250A04D-63CB-DAB5-72ED-649087D0AF1D}"/>
-          </ac:spMkLst>
-        </pc:spChg>
-        <pc:spChg chg="add del mod">
-          <ac:chgData name="Weifeng Xu" userId="e7aed605-a3dd-4d5a-a692-a87037af107b" providerId="ADAL" clId="{B29BA757-A9E5-4E35-900E-70A7C044DEA3}" dt="2025-05-07T14:46:51.402" v="411" actId="478"/>
-          <ac:spMkLst>
-            <pc:docMk/>
-            <pc:sldMk cId="3504296645" sldId="267"/>
-            <ac:spMk id="6" creationId="{B789C6DD-8A55-C5E6-5A5C-9787C2939048}"/>
-          </ac:spMkLst>
-        </pc:spChg>
-        <pc:picChg chg="add mod">
-          <ac:chgData name="Weifeng Xu" userId="e7aed605-a3dd-4d5a-a692-a87037af107b" providerId="ADAL" clId="{B29BA757-A9E5-4E35-900E-70A7C044DEA3}" dt="2025-05-07T14:40:26.781" v="401" actId="1076"/>
-          <ac:picMkLst>
-            <pc:docMk/>
-            <pc:sldMk cId="3504296645" sldId="267"/>
-            <ac:picMk id="7170" creationId="{9F430DF8-27FE-CD92-A57D-5B08CECF0ED8}"/>
-          </ac:picMkLst>
-        </pc:picChg>
-      </pc:sldChg>
-      <pc:sldChg chg="addSp modSp new mod">
-        <pc:chgData name="Weifeng Xu" userId="e7aed605-a3dd-4d5a-a692-a87037af107b" providerId="ADAL" clId="{B29BA757-A9E5-4E35-900E-70A7C044DEA3}" dt="2025-05-07T19:16:35.860" v="1318" actId="1076"/>
-        <pc:sldMkLst>
-          <pc:docMk/>
-          <pc:sldMk cId="679910618" sldId="268"/>
-        </pc:sldMkLst>
-        <pc:spChg chg="mod">
-          <ac:chgData name="Weifeng Xu" userId="e7aed605-a3dd-4d5a-a692-a87037af107b" providerId="ADAL" clId="{B29BA757-A9E5-4E35-900E-70A7C044DEA3}" dt="2025-05-07T16:12:38.505" v="848" actId="20577"/>
-          <ac:spMkLst>
-            <pc:docMk/>
-            <pc:sldMk cId="679910618" sldId="268"/>
-            <ac:spMk id="2" creationId="{A93E9FBC-7151-DA81-C3BD-018D5F2FF86D}"/>
-          </ac:spMkLst>
-        </pc:spChg>
-        <pc:picChg chg="add mod">
-          <ac:chgData name="Weifeng Xu" userId="e7aed605-a3dd-4d5a-a692-a87037af107b" providerId="ADAL" clId="{B29BA757-A9E5-4E35-900E-70A7C044DEA3}" dt="2025-05-07T14:49:33.914" v="428" actId="1076"/>
-          <ac:picMkLst>
-            <pc:docMk/>
-            <pc:sldMk cId="679910618" sldId="268"/>
-            <ac:picMk id="9218" creationId="{F0DB79C3-A134-00B8-27C4-E8E7D97D2670}"/>
-          </ac:picMkLst>
-        </pc:picChg>
-        <pc:picChg chg="add mod">
-          <ac:chgData name="Weifeng Xu" userId="e7aed605-a3dd-4d5a-a692-a87037af107b" providerId="ADAL" clId="{B29BA757-A9E5-4E35-900E-70A7C044DEA3}" dt="2025-05-07T19:16:35.860" v="1318" actId="1076"/>
-          <ac:picMkLst>
-            <pc:docMk/>
-            <pc:sldMk cId="679910618" sldId="268"/>
-            <ac:picMk id="9220" creationId="{6433D573-6048-D353-BC42-EA4A6FC35031}"/>
-          </ac:picMkLst>
-        </pc:picChg>
-      </pc:sldChg>
-      <pc:sldChg chg="del">
-        <pc:chgData name="Weifeng Xu" userId="e7aed605-a3dd-4d5a-a692-a87037af107b" providerId="ADAL" clId="{B29BA757-A9E5-4E35-900E-70A7C044DEA3}" dt="2025-05-07T01:05:40.272" v="11" actId="47"/>
-        <pc:sldMkLst>
-          <pc:docMk/>
-          <pc:sldMk cId="2848934703" sldId="268"/>
-        </pc:sldMkLst>
-      </pc:sldChg>
-      <pc:sldChg chg="addSp delSp modSp new mod modClrScheme chgLayout">
-        <pc:chgData name="Weifeng Xu" userId="e7aed605-a3dd-4d5a-a692-a87037af107b" providerId="ADAL" clId="{B29BA757-A9E5-4E35-900E-70A7C044DEA3}" dt="2025-05-07T15:40:11.868" v="444" actId="1076"/>
-        <pc:sldMkLst>
-          <pc:docMk/>
-          <pc:sldMk cId="2594904362" sldId="269"/>
-        </pc:sldMkLst>
-        <pc:spChg chg="mod ord">
-          <ac:chgData name="Weifeng Xu" userId="e7aed605-a3dd-4d5a-a692-a87037af107b" providerId="ADAL" clId="{B29BA757-A9E5-4E35-900E-70A7C044DEA3}" dt="2025-05-07T15:37:49.103" v="436" actId="700"/>
-          <ac:spMkLst>
-            <pc:docMk/>
-            <pc:sldMk cId="2594904362" sldId="269"/>
-            <ac:spMk id="2" creationId="{0A600582-002A-36B5-CC3F-6E8F90D7E4AC}"/>
-          </ac:spMkLst>
-        </pc:spChg>
-        <pc:spChg chg="del">
-          <ac:chgData name="Weifeng Xu" userId="e7aed605-a3dd-4d5a-a692-a87037af107b" providerId="ADAL" clId="{B29BA757-A9E5-4E35-900E-70A7C044DEA3}" dt="2025-05-07T15:37:49.103" v="436" actId="700"/>
-          <ac:spMkLst>
-            <pc:docMk/>
-            <pc:sldMk cId="2594904362" sldId="269"/>
-            <ac:spMk id="3" creationId="{FD3F53D4-43F0-F010-00C5-3168AA598329}"/>
-          </ac:spMkLst>
-        </pc:spChg>
-        <pc:spChg chg="add mod">
-          <ac:chgData name="Weifeng Xu" userId="e7aed605-a3dd-4d5a-a692-a87037af107b" providerId="ADAL" clId="{B29BA757-A9E5-4E35-900E-70A7C044DEA3}" dt="2025-05-07T15:40:11.868" v="444" actId="1076"/>
-          <ac:spMkLst>
-            <pc:docMk/>
-            <pc:sldMk cId="2594904362" sldId="269"/>
-            <ac:spMk id="5" creationId="{AD15C5BE-4852-E1B6-18F7-B72DEE419C48}"/>
-          </ac:spMkLst>
-        </pc:spChg>
-        <pc:picChg chg="add mod">
-          <ac:chgData name="Weifeng Xu" userId="e7aed605-a3dd-4d5a-a692-a87037af107b" providerId="ADAL" clId="{B29BA757-A9E5-4E35-900E-70A7C044DEA3}" dt="2025-05-07T15:38:04.471" v="440" actId="1076"/>
-          <ac:picMkLst>
-            <pc:docMk/>
-            <pc:sldMk cId="2594904362" sldId="269"/>
-            <ac:picMk id="10242" creationId="{B4344CDE-AFEC-899C-28CD-10BDDCF40D07}"/>
-          </ac:picMkLst>
-        </pc:picChg>
-      </pc:sldChg>
-      <pc:sldChg chg="del">
-        <pc:chgData name="Weifeng Xu" userId="e7aed605-a3dd-4d5a-a692-a87037af107b" providerId="ADAL" clId="{B29BA757-A9E5-4E35-900E-70A7C044DEA3}" dt="2025-05-07T01:05:41.327" v="15" actId="47"/>
-        <pc:sldMkLst>
-          <pc:docMk/>
-          <pc:sldMk cId="2627592652" sldId="269"/>
-        </pc:sldMkLst>
-      </pc:sldChg>
-      <pc:sldChg chg="addSp modSp new mod">
-        <pc:chgData name="Weifeng Xu" userId="e7aed605-a3dd-4d5a-a692-a87037af107b" providerId="ADAL" clId="{B29BA757-A9E5-4E35-900E-70A7C044DEA3}" dt="2025-05-08T13:13:14.917" v="2061" actId="1076"/>
-        <pc:sldMkLst>
-          <pc:docMk/>
-          <pc:sldMk cId="3508688350" sldId="270"/>
-        </pc:sldMkLst>
-        <pc:spChg chg="mod">
-          <ac:chgData name="Weifeng Xu" userId="e7aed605-a3dd-4d5a-a692-a87037af107b" providerId="ADAL" clId="{B29BA757-A9E5-4E35-900E-70A7C044DEA3}" dt="2025-05-07T15:41:28.280" v="446"/>
-          <ac:spMkLst>
-            <pc:docMk/>
-            <pc:sldMk cId="3508688350" sldId="270"/>
-            <ac:spMk id="2" creationId="{553043D3-5E81-86DB-9CD1-5484A8A0FF97}"/>
-          </ac:spMkLst>
-        </pc:spChg>
-        <pc:spChg chg="add mod">
-          <ac:chgData name="Weifeng Xu" userId="e7aed605-a3dd-4d5a-a692-a87037af107b" providerId="ADAL" clId="{B29BA757-A9E5-4E35-900E-70A7C044DEA3}" dt="2025-05-08T13:12:13.792" v="2056" actId="1076"/>
-          <ac:spMkLst>
-            <pc:docMk/>
-            <pc:sldMk cId="3508688350" sldId="270"/>
-            <ac:spMk id="3" creationId="{63BC51D1-BE60-0DC1-DEFB-1E131D1F95FC}"/>
-          </ac:spMkLst>
-        </pc:spChg>
-        <pc:picChg chg="add mod">
-          <ac:chgData name="Weifeng Xu" userId="e7aed605-a3dd-4d5a-a692-a87037af107b" providerId="ADAL" clId="{B29BA757-A9E5-4E35-900E-70A7C044DEA3}" dt="2025-05-08T13:11:07.756" v="2039" actId="14100"/>
-          <ac:picMkLst>
-            <pc:docMk/>
-            <pc:sldMk cId="3508688350" sldId="270"/>
-            <ac:picMk id="11266" creationId="{90A62E87-9945-5ED0-7F61-CFC36590DB7C}"/>
-          </ac:picMkLst>
-        </pc:picChg>
-        <pc:cxnChg chg="add mod">
-          <ac:chgData name="Weifeng Xu" userId="e7aed605-a3dd-4d5a-a692-a87037af107b" providerId="ADAL" clId="{B29BA757-A9E5-4E35-900E-70A7C044DEA3}" dt="2025-05-08T13:13:02.719" v="2058" actId="13822"/>
-          <ac:cxnSpMkLst>
-            <pc:docMk/>
-            <pc:sldMk cId="3508688350" sldId="270"/>
-            <ac:cxnSpMk id="5" creationId="{D00FB76F-4706-D488-B3E9-F616F58B8BBA}"/>
-          </ac:cxnSpMkLst>
-        </pc:cxnChg>
-        <pc:cxnChg chg="add mod">
-          <ac:chgData name="Weifeng Xu" userId="e7aed605-a3dd-4d5a-a692-a87037af107b" providerId="ADAL" clId="{B29BA757-A9E5-4E35-900E-70A7C044DEA3}" dt="2025-05-08T13:13:14.917" v="2061" actId="1076"/>
-          <ac:cxnSpMkLst>
-            <pc:docMk/>
-            <pc:sldMk cId="3508688350" sldId="270"/>
-            <ac:cxnSpMk id="7" creationId="{C076C0C7-5F78-EAC8-4BD0-A5DC444A8A26}"/>
-          </ac:cxnSpMkLst>
-        </pc:cxnChg>
-      </pc:sldChg>
-      <pc:sldChg chg="del">
-        <pc:chgData name="Weifeng Xu" userId="e7aed605-a3dd-4d5a-a692-a87037af107b" providerId="ADAL" clId="{B29BA757-A9E5-4E35-900E-70A7C044DEA3}" dt="2025-05-07T01:05:39.869" v="8" actId="47"/>
-        <pc:sldMkLst>
-          <pc:docMk/>
-          <pc:sldMk cId="2150245760" sldId="271"/>
-        </pc:sldMkLst>
-      </pc:sldChg>
-      <pc:sldChg chg="addSp modSp new mod ord">
-        <pc:chgData name="Weifeng Xu" userId="e7aed605-a3dd-4d5a-a692-a87037af107b" providerId="ADAL" clId="{B29BA757-A9E5-4E35-900E-70A7C044DEA3}" dt="2025-05-07T16:10:31.408" v="829"/>
-        <pc:sldMkLst>
-          <pc:docMk/>
-          <pc:sldMk cId="2923167307" sldId="271"/>
-        </pc:sldMkLst>
-        <pc:spChg chg="mod">
-          <ac:chgData name="Weifeng Xu" userId="e7aed605-a3dd-4d5a-a692-a87037af107b" providerId="ADAL" clId="{B29BA757-A9E5-4E35-900E-70A7C044DEA3}" dt="2025-05-07T15:49:12.501" v="576"/>
-          <ac:spMkLst>
-            <pc:docMk/>
-            <pc:sldMk cId="2923167307" sldId="271"/>
-            <ac:spMk id="2" creationId="{0CE3E3DB-D588-CC1C-C06F-00A23000562B}"/>
-          </ac:spMkLst>
-        </pc:spChg>
-        <pc:spChg chg="add mod">
-          <ac:chgData name="Weifeng Xu" userId="e7aed605-a3dd-4d5a-a692-a87037af107b" providerId="ADAL" clId="{B29BA757-A9E5-4E35-900E-70A7C044DEA3}" dt="2025-05-07T15:52:58.718" v="659" actId="20577"/>
-          <ac:spMkLst>
-            <pc:docMk/>
-            <pc:sldMk cId="2923167307" sldId="271"/>
-            <ac:spMk id="4" creationId="{9B63456B-3961-6058-D1C2-26665C5F3B5D}"/>
-          </ac:spMkLst>
-        </pc:spChg>
-        <pc:picChg chg="add mod">
-          <ac:chgData name="Weifeng Xu" userId="e7aed605-a3dd-4d5a-a692-a87037af107b" providerId="ADAL" clId="{B29BA757-A9E5-4E35-900E-70A7C044DEA3}" dt="2025-05-07T15:50:26.312" v="583" actId="14100"/>
-          <ac:picMkLst>
-            <pc:docMk/>
-            <pc:sldMk cId="2923167307" sldId="271"/>
-            <ac:picMk id="12290" creationId="{0508AE45-9DD6-530C-9531-59ED7CB5E36D}"/>
-          </ac:picMkLst>
-        </pc:picChg>
-        <pc:picChg chg="add mod">
-          <ac:chgData name="Weifeng Xu" userId="e7aed605-a3dd-4d5a-a692-a87037af107b" providerId="ADAL" clId="{B29BA757-A9E5-4E35-900E-70A7C044DEA3}" dt="2025-05-07T15:52:05.885" v="585" actId="1076"/>
-          <ac:picMkLst>
-            <pc:docMk/>
-            <pc:sldMk cId="2923167307" sldId="271"/>
-            <ac:picMk id="12292" creationId="{72F16100-5839-1DB5-9180-E2193DDF8BE8}"/>
-          </ac:picMkLst>
-        </pc:picChg>
-      </pc:sldChg>
-      <pc:sldChg chg="addSp delSp modSp new mod modClrScheme chgLayout">
-        <pc:chgData name="Weifeng Xu" userId="e7aed605-a3dd-4d5a-a692-a87037af107b" providerId="ADAL" clId="{B29BA757-A9E5-4E35-900E-70A7C044DEA3}" dt="2025-05-08T16:30:39.819" v="2079" actId="207"/>
-        <pc:sldMkLst>
-          <pc:docMk/>
-          <pc:sldMk cId="868934236" sldId="272"/>
-        </pc:sldMkLst>
-        <pc:spChg chg="mod ord">
-          <ac:chgData name="Weifeng Xu" userId="e7aed605-a3dd-4d5a-a692-a87037af107b" providerId="ADAL" clId="{B29BA757-A9E5-4E35-900E-70A7C044DEA3}" dt="2025-05-08T01:27:40.292" v="1547" actId="700"/>
-          <ac:spMkLst>
-            <pc:docMk/>
-            <pc:sldMk cId="868934236" sldId="272"/>
-            <ac:spMk id="2" creationId="{AFE35F81-904F-4234-22FB-44C961864F65}"/>
-          </ac:spMkLst>
-        </pc:spChg>
-        <pc:spChg chg="add del mod ord">
-          <ac:chgData name="Weifeng Xu" userId="e7aed605-a3dd-4d5a-a692-a87037af107b" providerId="ADAL" clId="{B29BA757-A9E5-4E35-900E-70A7C044DEA3}" dt="2025-05-08T01:27:40.292" v="1547" actId="700"/>
-          <ac:spMkLst>
-            <pc:docMk/>
-            <pc:sldMk cId="868934236" sldId="272"/>
-            <ac:spMk id="3" creationId="{B4916F48-3FEE-4205-DCEF-FCC736D9E470}"/>
-          </ac:spMkLst>
-        </pc:spChg>
-        <pc:spChg chg="add mod">
-          <ac:chgData name="Weifeng Xu" userId="e7aed605-a3dd-4d5a-a692-a87037af107b" providerId="ADAL" clId="{B29BA757-A9E5-4E35-900E-70A7C044DEA3}" dt="2025-05-07T19:17:36.409" v="1327" actId="1076"/>
-          <ac:spMkLst>
-            <pc:docMk/>
-            <pc:sldMk cId="868934236" sldId="272"/>
-            <ac:spMk id="4" creationId="{BB6CD3EC-F136-D85E-47D3-D53EDA696E07}"/>
-          </ac:spMkLst>
-        </pc:spChg>
-        <pc:spChg chg="add mod">
-          <ac:chgData name="Weifeng Xu" userId="e7aed605-a3dd-4d5a-a692-a87037af107b" providerId="ADAL" clId="{B29BA757-A9E5-4E35-900E-70A7C044DEA3}" dt="2025-05-08T03:00:08.648" v="1797" actId="1076"/>
-          <ac:spMkLst>
-            <pc:docMk/>
-            <pc:sldMk cId="868934236" sldId="272"/>
-            <ac:spMk id="5" creationId="{3EB338EB-E7CA-2FDB-4139-56E6F3B3C079}"/>
-          </ac:spMkLst>
-        </pc:spChg>
-        <pc:spChg chg="add mod">
-          <ac:chgData name="Weifeng Xu" userId="e7aed605-a3dd-4d5a-a692-a87037af107b" providerId="ADAL" clId="{B29BA757-A9E5-4E35-900E-70A7C044DEA3}" dt="2025-05-08T16:30:23.325" v="2069" actId="1076"/>
-          <ac:spMkLst>
-            <pc:docMk/>
-            <pc:sldMk cId="868934236" sldId="272"/>
-            <ac:spMk id="6" creationId="{36531939-8149-34DA-54F9-52ABB1A75B57}"/>
-          </ac:spMkLst>
-        </pc:spChg>
-        <pc:spChg chg="add mod">
-          <ac:chgData name="Weifeng Xu" userId="e7aed605-a3dd-4d5a-a692-a87037af107b" providerId="ADAL" clId="{B29BA757-A9E5-4E35-900E-70A7C044DEA3}" dt="2025-05-08T02:59:59.911" v="1795" actId="207"/>
-          <ac:spMkLst>
-            <pc:docMk/>
-            <pc:sldMk cId="868934236" sldId="272"/>
-            <ac:spMk id="7" creationId="{5716E4F1-ED82-4F40-FC59-54A2C6FA91E5}"/>
-          </ac:spMkLst>
-        </pc:spChg>
-        <pc:spChg chg="add mod">
-          <ac:chgData name="Weifeng Xu" userId="e7aed605-a3dd-4d5a-a692-a87037af107b" providerId="ADAL" clId="{B29BA757-A9E5-4E35-900E-70A7C044DEA3}" dt="2025-05-07T19:21:51.774" v="1348" actId="207"/>
-          <ac:spMkLst>
-            <pc:docMk/>
-            <pc:sldMk cId="868934236" sldId="272"/>
-            <ac:spMk id="8" creationId="{BA676CFC-A77C-D95E-964D-0DE866FBDF92}"/>
-          </ac:spMkLst>
-        </pc:spChg>
-        <pc:spChg chg="add mod">
-          <ac:chgData name="Weifeng Xu" userId="e7aed605-a3dd-4d5a-a692-a87037af107b" providerId="ADAL" clId="{B29BA757-A9E5-4E35-900E-70A7C044DEA3}" dt="2025-05-08T16:29:58.232" v="2068" actId="20577"/>
-          <ac:spMkLst>
-            <pc:docMk/>
-            <pc:sldMk cId="868934236" sldId="272"/>
-            <ac:spMk id="9" creationId="{DBFCF1E8-A644-D117-1C72-1F3ECC81C1BA}"/>
-          </ac:spMkLst>
-        </pc:spChg>
-        <pc:spChg chg="add mod">
-          <ac:chgData name="Weifeng Xu" userId="e7aed605-a3dd-4d5a-a692-a87037af107b" providerId="ADAL" clId="{B29BA757-A9E5-4E35-900E-70A7C044DEA3}" dt="2025-05-08T16:30:39.819" v="2079" actId="207"/>
-          <ac:spMkLst>
-            <pc:docMk/>
-            <pc:sldMk cId="868934236" sldId="272"/>
-            <ac:spMk id="10" creationId="{CDFF8FDB-6580-BA34-DF34-9E30E5AA91DE}"/>
-          </ac:spMkLst>
-        </pc:spChg>
-        <pc:picChg chg="add mod">
-          <ac:chgData name="Weifeng Xu" userId="e7aed605-a3dd-4d5a-a692-a87037af107b" providerId="ADAL" clId="{B29BA757-A9E5-4E35-900E-70A7C044DEA3}" dt="2025-05-07T19:17:34.170" v="1326" actId="1076"/>
-          <ac:picMkLst>
-            <pc:docMk/>
-            <pc:sldMk cId="868934236" sldId="272"/>
-            <ac:picMk id="13314" creationId="{3688B60F-7DDF-D90A-2A5F-29AE6D8CE9A0}"/>
-          </ac:picMkLst>
-        </pc:picChg>
-      </pc:sldChg>
-      <pc:sldChg chg="del">
-        <pc:chgData name="Weifeng Xu" userId="e7aed605-a3dd-4d5a-a692-a87037af107b" providerId="ADAL" clId="{B29BA757-A9E5-4E35-900E-70A7C044DEA3}" dt="2025-05-07T01:05:41.838" v="16" actId="47"/>
-        <pc:sldMkLst>
-          <pc:docMk/>
-          <pc:sldMk cId="2888544228" sldId="272"/>
-        </pc:sldMkLst>
-      </pc:sldChg>
-      <pc:sldChg chg="addSp delSp modSp new mod modClrScheme chgLayout">
-        <pc:chgData name="Weifeng Xu" userId="e7aed605-a3dd-4d5a-a692-a87037af107b" providerId="ADAL" clId="{B29BA757-A9E5-4E35-900E-70A7C044DEA3}" dt="2025-05-07T15:54:54.600" v="665" actId="20577"/>
-        <pc:sldMkLst>
-          <pc:docMk/>
-          <pc:sldMk cId="862046090" sldId="273"/>
-        </pc:sldMkLst>
-        <pc:spChg chg="del mod ord">
-          <ac:chgData name="Weifeng Xu" userId="e7aed605-a3dd-4d5a-a692-a87037af107b" providerId="ADAL" clId="{B29BA757-A9E5-4E35-900E-70A7C044DEA3}" dt="2025-05-07T15:54:49.633" v="662" actId="700"/>
-          <ac:spMkLst>
-            <pc:docMk/>
-            <pc:sldMk cId="862046090" sldId="273"/>
-            <ac:spMk id="2" creationId="{50E52A76-AB61-D017-8961-F7D7CDDCCA26}"/>
-          </ac:spMkLst>
-        </pc:spChg>
-        <pc:spChg chg="del mod ord">
-          <ac:chgData name="Weifeng Xu" userId="e7aed605-a3dd-4d5a-a692-a87037af107b" providerId="ADAL" clId="{B29BA757-A9E5-4E35-900E-70A7C044DEA3}" dt="2025-05-07T15:54:49.633" v="662" actId="700"/>
-          <ac:spMkLst>
-            <pc:docMk/>
-            <pc:sldMk cId="862046090" sldId="273"/>
-            <ac:spMk id="3" creationId="{6EDBD512-FFAC-2466-3ADF-E2392DDEB97F}"/>
-          </ac:spMkLst>
-        </pc:spChg>
-        <pc:spChg chg="del">
-          <ac:chgData name="Weifeng Xu" userId="e7aed605-a3dd-4d5a-a692-a87037af107b" providerId="ADAL" clId="{B29BA757-A9E5-4E35-900E-70A7C044DEA3}" dt="2025-05-07T15:54:49.633" v="662" actId="700"/>
-          <ac:spMkLst>
-            <pc:docMk/>
-            <pc:sldMk cId="862046090" sldId="273"/>
-            <ac:spMk id="4" creationId="{6A3C2287-5A84-A459-A113-0B2776D2DF0D}"/>
-          </ac:spMkLst>
-        </pc:spChg>
-        <pc:spChg chg="add mod ord">
-          <ac:chgData name="Weifeng Xu" userId="e7aed605-a3dd-4d5a-a692-a87037af107b" providerId="ADAL" clId="{B29BA757-A9E5-4E35-900E-70A7C044DEA3}" dt="2025-05-07T15:54:54.600" v="665" actId="20577"/>
-          <ac:spMkLst>
-            <pc:docMk/>
-            <pc:sldMk cId="862046090" sldId="273"/>
-            <ac:spMk id="5" creationId="{DB802138-2CE8-8EDD-0E88-415B4C0741F3}"/>
-          </ac:spMkLst>
-        </pc:spChg>
-        <pc:spChg chg="add mod ord">
-          <ac:chgData name="Weifeng Xu" userId="e7aed605-a3dd-4d5a-a692-a87037af107b" providerId="ADAL" clId="{B29BA757-A9E5-4E35-900E-70A7C044DEA3}" dt="2025-05-07T15:54:49.633" v="662" actId="700"/>
-          <ac:spMkLst>
-            <pc:docMk/>
-            <pc:sldMk cId="862046090" sldId="273"/>
-            <ac:spMk id="6" creationId="{848FE46C-819E-2CFF-88F5-E3B339CE655D}"/>
-          </ac:spMkLst>
-        </pc:spChg>
-      </pc:sldChg>
-      <pc:sldChg chg="del">
-        <pc:chgData name="Weifeng Xu" userId="e7aed605-a3dd-4d5a-a692-a87037af107b" providerId="ADAL" clId="{B29BA757-A9E5-4E35-900E-70A7C044DEA3}" dt="2025-05-07T01:05:40.913" v="12" actId="47"/>
-        <pc:sldMkLst>
-          <pc:docMk/>
-          <pc:sldMk cId="2994016025" sldId="273"/>
-        </pc:sldMkLst>
-      </pc:sldChg>
-      <pc:sldChg chg="addSp delSp modSp new mod ord modClrScheme chgLayout">
-        <pc:chgData name="Weifeng Xu" userId="e7aed605-a3dd-4d5a-a692-a87037af107b" providerId="ADAL" clId="{B29BA757-A9E5-4E35-900E-70A7C044DEA3}" dt="2025-05-07T16:06:14.904" v="769" actId="20577"/>
-        <pc:sldMkLst>
-          <pc:docMk/>
-          <pc:sldMk cId="602319858" sldId="274"/>
-        </pc:sldMkLst>
-        <pc:spChg chg="add mod">
-          <ac:chgData name="Weifeng Xu" userId="e7aed605-a3dd-4d5a-a692-a87037af107b" providerId="ADAL" clId="{B29BA757-A9E5-4E35-900E-70A7C044DEA3}" dt="2025-05-07T16:05:31.437" v="761" actId="1076"/>
-          <ac:spMkLst>
-            <pc:docMk/>
-            <pc:sldMk cId="602319858" sldId="274"/>
-            <ac:spMk id="3" creationId="{594BD976-D372-D402-A9D8-E5959DCADED5}"/>
-          </ac:spMkLst>
-        </pc:spChg>
-        <pc:spChg chg="add del mod">
-          <ac:chgData name="Weifeng Xu" userId="e7aed605-a3dd-4d5a-a692-a87037af107b" providerId="ADAL" clId="{B29BA757-A9E5-4E35-900E-70A7C044DEA3}" dt="2025-05-07T16:05:56.586" v="765" actId="478"/>
-          <ac:spMkLst>
-            <pc:docMk/>
-            <pc:sldMk cId="602319858" sldId="274"/>
-            <ac:spMk id="4" creationId="{AD360225-CEBF-8B5D-D4EB-73C6D26B4824}"/>
-          </ac:spMkLst>
-        </pc:spChg>
-        <pc:spChg chg="add mod ord">
-          <ac:chgData name="Weifeng Xu" userId="e7aed605-a3dd-4d5a-a692-a87037af107b" providerId="ADAL" clId="{B29BA757-A9E5-4E35-900E-70A7C044DEA3}" dt="2025-05-07T16:06:14.904" v="769" actId="20577"/>
-          <ac:spMkLst>
-            <pc:docMk/>
-            <pc:sldMk cId="602319858" sldId="274"/>
-            <ac:spMk id="5" creationId="{548C5B3B-F07C-DD9B-C0B2-DF6E7384E8B7}"/>
-          </ac:spMkLst>
-        </pc:spChg>
-        <pc:spChg chg="add del mod">
-          <ac:chgData name="Weifeng Xu" userId="e7aed605-a3dd-4d5a-a692-a87037af107b" providerId="ADAL" clId="{B29BA757-A9E5-4E35-900E-70A7C044DEA3}" dt="2025-05-07T16:03:47.376" v="747" actId="26606"/>
-          <ac:spMkLst>
-            <pc:docMk/>
-            <pc:sldMk cId="602319858" sldId="274"/>
-            <ac:spMk id="14343" creationId="{A8AC1B5C-A9FD-0D0D-90FF-022088FE6E6E}"/>
-          </ac:spMkLst>
-        </pc:spChg>
-        <pc:spChg chg="add del mod">
-          <ac:chgData name="Weifeng Xu" userId="e7aed605-a3dd-4d5a-a692-a87037af107b" providerId="ADAL" clId="{B29BA757-A9E5-4E35-900E-70A7C044DEA3}" dt="2025-05-07T16:03:47.376" v="747" actId="26606"/>
-          <ac:spMkLst>
-            <pc:docMk/>
-            <pc:sldMk cId="602319858" sldId="274"/>
-            <ac:spMk id="14345" creationId="{81C08965-43C2-F386-D3BD-B32FD2A3F49D}"/>
-          </ac:spMkLst>
-        </pc:spChg>
-        <pc:picChg chg="add mod">
-          <ac:chgData name="Weifeng Xu" userId="e7aed605-a3dd-4d5a-a692-a87037af107b" providerId="ADAL" clId="{B29BA757-A9E5-4E35-900E-70A7C044DEA3}" dt="2025-05-07T16:05:59.294" v="766" actId="1076"/>
-          <ac:picMkLst>
-            <pc:docMk/>
-            <pc:sldMk cId="602319858" sldId="274"/>
-            <ac:picMk id="14338" creationId="{C53C04E5-03DE-FFBD-0933-E0366C9399AB}"/>
-          </ac:picMkLst>
-        </pc:picChg>
-      </pc:sldChg>
-      <pc:sldChg chg="del">
-        <pc:chgData name="Weifeng Xu" userId="e7aed605-a3dd-4d5a-a692-a87037af107b" providerId="ADAL" clId="{B29BA757-A9E5-4E35-900E-70A7C044DEA3}" dt="2025-05-07T01:05:41.168" v="14" actId="47"/>
-        <pc:sldMkLst>
-          <pc:docMk/>
-          <pc:sldMk cId="1783593539" sldId="274"/>
-        </pc:sldMkLst>
-      </pc:sldChg>
-      <pc:sldChg chg="del">
-        <pc:chgData name="Weifeng Xu" userId="e7aed605-a3dd-4d5a-a692-a87037af107b" providerId="ADAL" clId="{B29BA757-A9E5-4E35-900E-70A7C044DEA3}" dt="2025-05-07T01:05:41.058" v="13" actId="47"/>
-        <pc:sldMkLst>
-          <pc:docMk/>
-          <pc:sldMk cId="1245700757" sldId="275"/>
-        </pc:sldMkLst>
-      </pc:sldChg>
-      <pc:sldChg chg="addSp delSp modSp new mod modClrScheme chgLayout">
-        <pc:chgData name="Weifeng Xu" userId="e7aed605-a3dd-4d5a-a692-a87037af107b" providerId="ADAL" clId="{B29BA757-A9E5-4E35-900E-70A7C044DEA3}" dt="2025-05-07T16:10:51.558" v="834" actId="20577"/>
-        <pc:sldMkLst>
-          <pc:docMk/>
-          <pc:sldMk cId="1760818567" sldId="275"/>
-        </pc:sldMkLst>
-        <pc:spChg chg="del mod ord">
-          <ac:chgData name="Weifeng Xu" userId="e7aed605-a3dd-4d5a-a692-a87037af107b" providerId="ADAL" clId="{B29BA757-A9E5-4E35-900E-70A7C044DEA3}" dt="2025-05-07T16:10:38.693" v="831" actId="700"/>
-          <ac:spMkLst>
-            <pc:docMk/>
-            <pc:sldMk cId="1760818567" sldId="275"/>
-            <ac:spMk id="2" creationId="{D9A996D2-F03E-6C17-CF63-1252553EB2E1}"/>
-          </ac:spMkLst>
-        </pc:spChg>
-        <pc:spChg chg="add mod ord">
-          <ac:chgData name="Weifeng Xu" userId="e7aed605-a3dd-4d5a-a692-a87037af107b" providerId="ADAL" clId="{B29BA757-A9E5-4E35-900E-70A7C044DEA3}" dt="2025-05-07T16:10:51.558" v="834" actId="20577"/>
-          <ac:spMkLst>
-            <pc:docMk/>
-            <pc:sldMk cId="1760818567" sldId="275"/>
-            <ac:spMk id="3" creationId="{DDF4AB42-BB4F-F79B-2EC5-FC1D508C3D6E}"/>
-          </ac:spMkLst>
-        </pc:spChg>
-        <pc:spChg chg="add mod ord">
-          <ac:chgData name="Weifeng Xu" userId="e7aed605-a3dd-4d5a-a692-a87037af107b" providerId="ADAL" clId="{B29BA757-A9E5-4E35-900E-70A7C044DEA3}" dt="2025-05-07T16:10:38.693" v="831" actId="700"/>
-          <ac:spMkLst>
-            <pc:docMk/>
-            <pc:sldMk cId="1760818567" sldId="275"/>
-            <ac:spMk id="4" creationId="{1C0AE1BC-1D89-E6CD-0EDC-C8E32FC0784E}"/>
-          </ac:spMkLst>
-        </pc:spChg>
-      </pc:sldChg>
-      <pc:sldChg chg="del">
-        <pc:chgData name="Weifeng Xu" userId="e7aed605-a3dd-4d5a-a692-a87037af107b" providerId="ADAL" clId="{B29BA757-A9E5-4E35-900E-70A7C044DEA3}" dt="2025-05-07T01:05:41.987" v="17" actId="47"/>
-        <pc:sldMkLst>
-          <pc:docMk/>
-          <pc:sldMk cId="495228592" sldId="276"/>
-        </pc:sldMkLst>
-      </pc:sldChg>
-      <pc:sldChg chg="addSp delSp modSp new mod modClrScheme chgLayout">
-        <pc:chgData name="Weifeng Xu" userId="e7aed605-a3dd-4d5a-a692-a87037af107b" providerId="ADAL" clId="{B29BA757-A9E5-4E35-900E-70A7C044DEA3}" dt="2025-05-07T16:11:45.415" v="843" actId="20577"/>
-        <pc:sldMkLst>
-          <pc:docMk/>
-          <pc:sldMk cId="2550957305" sldId="276"/>
-        </pc:sldMkLst>
-        <pc:spChg chg="del mod ord">
-          <ac:chgData name="Weifeng Xu" userId="e7aed605-a3dd-4d5a-a692-a87037af107b" providerId="ADAL" clId="{B29BA757-A9E5-4E35-900E-70A7C044DEA3}" dt="2025-05-07T16:11:36.066" v="838" actId="700"/>
-          <ac:spMkLst>
-            <pc:docMk/>
-            <pc:sldMk cId="2550957305" sldId="276"/>
-            <ac:spMk id="2" creationId="{152B122E-1C1E-2867-F426-F02E595B97AF}"/>
-          </ac:spMkLst>
-        </pc:spChg>
-        <pc:spChg chg="add mod ord">
-          <ac:chgData name="Weifeng Xu" userId="e7aed605-a3dd-4d5a-a692-a87037af107b" providerId="ADAL" clId="{B29BA757-A9E5-4E35-900E-70A7C044DEA3}" dt="2025-05-07T16:11:45.415" v="843" actId="20577"/>
-          <ac:spMkLst>
-            <pc:docMk/>
-            <pc:sldMk cId="2550957305" sldId="276"/>
-            <ac:spMk id="3" creationId="{1AE6CBFF-52E4-BEC0-1F18-9255E84E6506}"/>
-          </ac:spMkLst>
-        </pc:spChg>
-        <pc:spChg chg="add mod ord">
-          <ac:chgData name="Weifeng Xu" userId="e7aed605-a3dd-4d5a-a692-a87037af107b" providerId="ADAL" clId="{B29BA757-A9E5-4E35-900E-70A7C044DEA3}" dt="2025-05-07T16:11:36.066" v="838" actId="700"/>
-          <ac:spMkLst>
-            <pc:docMk/>
-            <pc:sldMk cId="2550957305" sldId="276"/>
-            <ac:spMk id="4" creationId="{516CD9D8-9F82-77E2-348B-D294C12EE633}"/>
-          </ac:spMkLst>
-        </pc:spChg>
-      </pc:sldChg>
-      <pc:sldChg chg="addSp delSp modSp new mod modClrScheme chgLayout">
-        <pc:chgData name="Weifeng Xu" userId="e7aed605-a3dd-4d5a-a692-a87037af107b" providerId="ADAL" clId="{B29BA757-A9E5-4E35-900E-70A7C044DEA3}" dt="2025-05-07T16:14:54.334" v="868" actId="20577"/>
-        <pc:sldMkLst>
-          <pc:docMk/>
-          <pc:sldMk cId="3185848680" sldId="277"/>
-        </pc:sldMkLst>
-        <pc:spChg chg="del mod ord">
-          <ac:chgData name="Weifeng Xu" userId="e7aed605-a3dd-4d5a-a692-a87037af107b" providerId="ADAL" clId="{B29BA757-A9E5-4E35-900E-70A7C044DEA3}" dt="2025-05-07T16:13:25.206" v="850" actId="700"/>
-          <ac:spMkLst>
-            <pc:docMk/>
-            <pc:sldMk cId="3185848680" sldId="277"/>
-            <ac:spMk id="2" creationId="{5CF1DCA4-191B-6429-F9C6-CC23A355F721}"/>
-          </ac:spMkLst>
-        </pc:spChg>
-        <pc:spChg chg="add mod ord">
-          <ac:chgData name="Weifeng Xu" userId="e7aed605-a3dd-4d5a-a692-a87037af107b" providerId="ADAL" clId="{B29BA757-A9E5-4E35-900E-70A7C044DEA3}" dt="2025-05-07T16:14:54.334" v="868" actId="20577"/>
-          <ac:spMkLst>
-            <pc:docMk/>
-            <pc:sldMk cId="3185848680" sldId="277"/>
-            <ac:spMk id="3" creationId="{C336DEE6-9E61-6D08-2D47-107CAF276AB6}"/>
-          </ac:spMkLst>
-        </pc:spChg>
-        <pc:spChg chg="add mod ord">
-          <ac:chgData name="Weifeng Xu" userId="e7aed605-a3dd-4d5a-a692-a87037af107b" providerId="ADAL" clId="{B29BA757-A9E5-4E35-900E-70A7C044DEA3}" dt="2025-05-07T16:13:25.206" v="850" actId="700"/>
-          <ac:spMkLst>
-            <pc:docMk/>
-            <pc:sldMk cId="3185848680" sldId="277"/>
-            <ac:spMk id="4" creationId="{F3DFAE06-4187-356D-D535-35DD70F552A9}"/>
-          </ac:spMkLst>
-        </pc:spChg>
-      </pc:sldChg>
-      <pc:sldChg chg="del">
-        <pc:chgData name="Weifeng Xu" userId="e7aed605-a3dd-4d5a-a692-a87037af107b" providerId="ADAL" clId="{B29BA757-A9E5-4E35-900E-70A7C044DEA3}" dt="2025-05-07T01:05:42.120" v="18" actId="47"/>
-        <pc:sldMkLst>
-          <pc:docMk/>
-          <pc:sldMk cId="3629368376" sldId="277"/>
-        </pc:sldMkLst>
-      </pc:sldChg>
-      <pc:sldChg chg="addSp delSp modSp new mod modClrScheme chgLayout">
-        <pc:chgData name="Weifeng Xu" userId="e7aed605-a3dd-4d5a-a692-a87037af107b" providerId="ADAL" clId="{B29BA757-A9E5-4E35-900E-70A7C044DEA3}" dt="2025-05-07T16:14:46.033" v="864" actId="21"/>
-        <pc:sldMkLst>
-          <pc:docMk/>
-          <pc:sldMk cId="405124300" sldId="278"/>
-        </pc:sldMkLst>
-        <pc:spChg chg="del mod ord">
-          <ac:chgData name="Weifeng Xu" userId="e7aed605-a3dd-4d5a-a692-a87037af107b" providerId="ADAL" clId="{B29BA757-A9E5-4E35-900E-70A7C044DEA3}" dt="2025-05-07T16:13:35.058" v="853" actId="700"/>
-          <ac:spMkLst>
-            <pc:docMk/>
-            <pc:sldMk cId="405124300" sldId="278"/>
-            <ac:spMk id="2" creationId="{414CC661-5A7D-39B5-5CD9-97DBE4A29B1D}"/>
-          </ac:spMkLst>
-        </pc:spChg>
-        <pc:spChg chg="del">
-          <ac:chgData name="Weifeng Xu" userId="e7aed605-a3dd-4d5a-a692-a87037af107b" providerId="ADAL" clId="{B29BA757-A9E5-4E35-900E-70A7C044DEA3}" dt="2025-05-07T16:13:35.058" v="853" actId="700"/>
-          <ac:spMkLst>
-            <pc:docMk/>
-            <pc:sldMk cId="405124300" sldId="278"/>
-            <ac:spMk id="3" creationId="{8B93E3CC-3ABA-A293-6C52-C90805D84112}"/>
-          </ac:spMkLst>
-        </pc:spChg>
-        <pc:spChg chg="add mod ord">
-          <ac:chgData name="Weifeng Xu" userId="e7aed605-a3dd-4d5a-a692-a87037af107b" providerId="ADAL" clId="{B29BA757-A9E5-4E35-900E-70A7C044DEA3}" dt="2025-05-07T16:14:46.033" v="864" actId="21"/>
-          <ac:spMkLst>
-            <pc:docMk/>
-            <pc:sldMk cId="405124300" sldId="278"/>
-            <ac:spMk id="4" creationId="{70E3844E-77F4-3653-C874-0275A25197E6}"/>
-          </ac:spMkLst>
-        </pc:spChg>
-        <pc:spChg chg="add mod">
-          <ac:chgData name="Weifeng Xu" userId="e7aed605-a3dd-4d5a-a692-a87037af107b" providerId="ADAL" clId="{B29BA757-A9E5-4E35-900E-70A7C044DEA3}" dt="2025-05-07T16:14:34.133" v="862" actId="1076"/>
-          <ac:spMkLst>
-            <pc:docMk/>
-            <pc:sldMk cId="405124300" sldId="278"/>
-            <ac:spMk id="6" creationId="{173EFC27-96F7-2062-8A32-781E80DD0462}"/>
-          </ac:spMkLst>
-        </pc:spChg>
-        <pc:picChg chg="add mod">
-          <ac:chgData name="Weifeng Xu" userId="e7aed605-a3dd-4d5a-a692-a87037af107b" providerId="ADAL" clId="{B29BA757-A9E5-4E35-900E-70A7C044DEA3}" dt="2025-05-07T16:14:37.833" v="863" actId="14100"/>
-          <ac:picMkLst>
-            <pc:docMk/>
-            <pc:sldMk cId="405124300" sldId="278"/>
-            <ac:picMk id="15362" creationId="{991BC5CB-2312-2561-0429-BB100FB96644}"/>
-          </ac:picMkLst>
-        </pc:picChg>
-      </pc:sldChg>
-      <pc:sldChg chg="del">
-        <pc:chgData name="Weifeng Xu" userId="e7aed605-a3dd-4d5a-a692-a87037af107b" providerId="ADAL" clId="{B29BA757-A9E5-4E35-900E-70A7C044DEA3}" dt="2025-05-07T01:05:42.732" v="19" actId="47"/>
-        <pc:sldMkLst>
-          <pc:docMk/>
-          <pc:sldMk cId="1472723351" sldId="278"/>
-        </pc:sldMkLst>
-      </pc:sldChg>
-      <pc:sldChg chg="addSp modSp new mod">
-        <pc:chgData name="Weifeng Xu" userId="e7aed605-a3dd-4d5a-a692-a87037af107b" providerId="ADAL" clId="{B29BA757-A9E5-4E35-900E-70A7C044DEA3}" dt="2025-05-07T16:22:03.960" v="883" actId="6549"/>
-        <pc:sldMkLst>
-          <pc:docMk/>
-          <pc:sldMk cId="2022899757" sldId="279"/>
-        </pc:sldMkLst>
-        <pc:spChg chg="mod">
-          <ac:chgData name="Weifeng Xu" userId="e7aed605-a3dd-4d5a-a692-a87037af107b" providerId="ADAL" clId="{B29BA757-A9E5-4E35-900E-70A7C044DEA3}" dt="2025-05-07T16:21:12.947" v="870"/>
-          <ac:spMkLst>
-            <pc:docMk/>
-            <pc:sldMk cId="2022899757" sldId="279"/>
-            <ac:spMk id="2" creationId="{8734ADC4-4E94-BD56-39F6-99F21A89F0CE}"/>
-          </ac:spMkLst>
-        </pc:spChg>
-        <pc:spChg chg="add mod">
-          <ac:chgData name="Weifeng Xu" userId="e7aed605-a3dd-4d5a-a692-a87037af107b" providerId="ADAL" clId="{B29BA757-A9E5-4E35-900E-70A7C044DEA3}" dt="2025-05-07T16:22:03.960" v="883" actId="6549"/>
-          <ac:spMkLst>
-            <pc:docMk/>
-            <pc:sldMk cId="2022899757" sldId="279"/>
-            <ac:spMk id="4" creationId="{657654BE-61EC-CEFC-B856-F59C1A4B30FF}"/>
-          </ac:spMkLst>
-        </pc:spChg>
-        <pc:picChg chg="add mod">
-          <ac:chgData name="Weifeng Xu" userId="e7aed605-a3dd-4d5a-a692-a87037af107b" providerId="ADAL" clId="{B29BA757-A9E5-4E35-900E-70A7C044DEA3}" dt="2025-05-07T16:21:47.974" v="876" actId="1076"/>
-          <ac:picMkLst>
-            <pc:docMk/>
-            <pc:sldMk cId="2022899757" sldId="279"/>
-            <ac:picMk id="16386" creationId="{D40412E3-D9A9-C843-C8AE-184C5BB2EBA3}"/>
-          </ac:picMkLst>
-        </pc:picChg>
-      </pc:sldChg>
-      <pc:sldChg chg="del">
-        <pc:chgData name="Weifeng Xu" userId="e7aed605-a3dd-4d5a-a692-a87037af107b" providerId="ADAL" clId="{B29BA757-A9E5-4E35-900E-70A7C044DEA3}" dt="2025-05-07T01:05:42.915" v="20" actId="47"/>
-        <pc:sldMkLst>
-          <pc:docMk/>
-          <pc:sldMk cId="545826806" sldId="280"/>
-        </pc:sldMkLst>
-      </pc:sldChg>
-      <pc:sldChg chg="addSp modSp new mod">
-        <pc:chgData name="Weifeng Xu" userId="e7aed605-a3dd-4d5a-a692-a87037af107b" providerId="ADAL" clId="{B29BA757-A9E5-4E35-900E-70A7C044DEA3}" dt="2025-05-07T16:49:42.797" v="901" actId="1076"/>
-        <pc:sldMkLst>
-          <pc:docMk/>
-          <pc:sldMk cId="2021787752" sldId="280"/>
-        </pc:sldMkLst>
-        <pc:spChg chg="mod">
-          <ac:chgData name="Weifeng Xu" userId="e7aed605-a3dd-4d5a-a692-a87037af107b" providerId="ADAL" clId="{B29BA757-A9E5-4E35-900E-70A7C044DEA3}" dt="2025-05-07T16:22:25.392" v="885"/>
-          <ac:spMkLst>
-            <pc:docMk/>
-            <pc:sldMk cId="2021787752" sldId="280"/>
-            <ac:spMk id="2" creationId="{4E41A7D1-E039-5148-A4C6-94B345532CFA}"/>
-          </ac:spMkLst>
-        </pc:spChg>
-        <pc:spChg chg="add mod">
-          <ac:chgData name="Weifeng Xu" userId="e7aed605-a3dd-4d5a-a692-a87037af107b" providerId="ADAL" clId="{B29BA757-A9E5-4E35-900E-70A7C044DEA3}" dt="2025-05-07T16:23:13.825" v="896" actId="1076"/>
-          <ac:spMkLst>
-            <pc:docMk/>
-            <pc:sldMk cId="2021787752" sldId="280"/>
-            <ac:spMk id="4" creationId="{7C5C1C67-CDD3-4B15-9D1D-F5A75645EFE6}"/>
-          </ac:spMkLst>
-        </pc:spChg>
-        <pc:spChg chg="add mod">
-          <ac:chgData name="Weifeng Xu" userId="e7aed605-a3dd-4d5a-a692-a87037af107b" providerId="ADAL" clId="{B29BA757-A9E5-4E35-900E-70A7C044DEA3}" dt="2025-05-07T16:49:42.797" v="901" actId="1076"/>
-          <ac:spMkLst>
-            <pc:docMk/>
-            <pc:sldMk cId="2021787752" sldId="280"/>
-            <ac:spMk id="6" creationId="{59A0F657-B087-8F9A-EF8A-3D970B5253D9}"/>
-          </ac:spMkLst>
-        </pc:spChg>
-        <pc:picChg chg="add mod">
-          <ac:chgData name="Weifeng Xu" userId="e7aed605-a3dd-4d5a-a692-a87037af107b" providerId="ADAL" clId="{B29BA757-A9E5-4E35-900E-70A7C044DEA3}" dt="2025-05-07T16:22:41.904" v="889" actId="1076"/>
-          <ac:picMkLst>
-            <pc:docMk/>
-            <pc:sldMk cId="2021787752" sldId="280"/>
-            <ac:picMk id="17410" creationId="{258570F6-DA0C-4D72-5D5E-DD27B309BF08}"/>
-          </ac:picMkLst>
-        </pc:picChg>
-      </pc:sldChg>
-      <pc:sldChg chg="del">
-        <pc:chgData name="Weifeng Xu" userId="e7aed605-a3dd-4d5a-a692-a87037af107b" providerId="ADAL" clId="{B29BA757-A9E5-4E35-900E-70A7C044DEA3}" dt="2025-05-07T01:05:43.017" v="21" actId="47"/>
-        <pc:sldMkLst>
-          <pc:docMk/>
-          <pc:sldMk cId="1846476847" sldId="281"/>
-        </pc:sldMkLst>
-      </pc:sldChg>
-      <pc:sldChg chg="addSp modSp new mod modClrScheme chgLayout">
-        <pc:chgData name="Weifeng Xu" userId="e7aed605-a3dd-4d5a-a692-a87037af107b" providerId="ADAL" clId="{B29BA757-A9E5-4E35-900E-70A7C044DEA3}" dt="2025-05-07T18:40:01.580" v="1051" actId="14100"/>
-        <pc:sldMkLst>
-          <pc:docMk/>
-          <pc:sldMk cId="3900806462" sldId="281"/>
-        </pc:sldMkLst>
-        <pc:spChg chg="mod ord">
-          <ac:chgData name="Weifeng Xu" userId="e7aed605-a3dd-4d5a-a692-a87037af107b" providerId="ADAL" clId="{B29BA757-A9E5-4E35-900E-70A7C044DEA3}" dt="2025-05-07T18:33:15.263" v="908" actId="700"/>
-          <ac:spMkLst>
-            <pc:docMk/>
-            <pc:sldMk cId="3900806462" sldId="281"/>
-            <ac:spMk id="2" creationId="{50056747-6A43-1764-8039-96E511157F7C}"/>
-          </ac:spMkLst>
-        </pc:spChg>
-        <pc:spChg chg="add mod ord">
-          <ac:chgData name="Weifeng Xu" userId="e7aed605-a3dd-4d5a-a692-a87037af107b" providerId="ADAL" clId="{B29BA757-A9E5-4E35-900E-70A7C044DEA3}" dt="2025-05-07T18:39:07.265" v="1047" actId="14100"/>
-          <ac:spMkLst>
-            <pc:docMk/>
-            <pc:sldMk cId="3900806462" sldId="281"/>
-            <ac:spMk id="4" creationId="{B39D8A60-6E18-DDB4-9B7B-57D10E19E391}"/>
-          </ac:spMkLst>
-        </pc:spChg>
-        <pc:picChg chg="add mod">
-          <ac:chgData name="Weifeng Xu" userId="e7aed605-a3dd-4d5a-a692-a87037af107b" providerId="ADAL" clId="{B29BA757-A9E5-4E35-900E-70A7C044DEA3}" dt="2025-05-07T18:39:09.728" v="1048" actId="14100"/>
-          <ac:picMkLst>
-            <pc:docMk/>
-            <pc:sldMk cId="3900806462" sldId="281"/>
-            <ac:picMk id="3" creationId="{694121D8-389F-1C13-1EF8-26A901B72943}"/>
-          </ac:picMkLst>
-        </pc:picChg>
-        <pc:picChg chg="add mod">
-          <ac:chgData name="Weifeng Xu" userId="e7aed605-a3dd-4d5a-a692-a87037af107b" providerId="ADAL" clId="{B29BA757-A9E5-4E35-900E-70A7C044DEA3}" dt="2025-05-07T18:40:01.580" v="1051" actId="14100"/>
-          <ac:picMkLst>
-            <pc:docMk/>
-            <pc:sldMk cId="3900806462" sldId="281"/>
-            <ac:picMk id="18434" creationId="{980A2034-27B2-2623-9C87-BA7FA4BEDD7F}"/>
-          </ac:picMkLst>
-        </pc:picChg>
-      </pc:sldChg>
-      <pc:sldChg chg="del">
-        <pc:chgData name="Weifeng Xu" userId="e7aed605-a3dd-4d5a-a692-a87037af107b" providerId="ADAL" clId="{B29BA757-A9E5-4E35-900E-70A7C044DEA3}" dt="2025-05-07T01:05:43.560" v="22" actId="47"/>
-        <pc:sldMkLst>
-          <pc:docMk/>
-          <pc:sldMk cId="1740457000" sldId="282"/>
-        </pc:sldMkLst>
-      </pc:sldChg>
-      <pc:sldChg chg="addSp delSp modSp new mod modClrScheme chgLayout">
-        <pc:chgData name="Weifeng Xu" userId="e7aed605-a3dd-4d5a-a692-a87037af107b" providerId="ADAL" clId="{B29BA757-A9E5-4E35-900E-70A7C044DEA3}" dt="2025-05-07T19:07:15.321" v="1278" actId="20577"/>
-        <pc:sldMkLst>
-          <pc:docMk/>
-          <pc:sldMk cId="2831829862" sldId="282"/>
-        </pc:sldMkLst>
-        <pc:spChg chg="mod ord">
-          <ac:chgData name="Weifeng Xu" userId="e7aed605-a3dd-4d5a-a692-a87037af107b" providerId="ADAL" clId="{B29BA757-A9E5-4E35-900E-70A7C044DEA3}" dt="2025-05-07T18:44:09.677" v="1133"/>
-          <ac:spMkLst>
-            <pc:docMk/>
-            <pc:sldMk cId="2831829862" sldId="282"/>
-            <ac:spMk id="2" creationId="{2F60BC8C-7051-23E4-BD6E-E5613B1E0BF1}"/>
-          </ac:spMkLst>
-        </pc:spChg>
-        <pc:spChg chg="del">
-          <ac:chgData name="Weifeng Xu" userId="e7aed605-a3dd-4d5a-a692-a87037af107b" providerId="ADAL" clId="{B29BA757-A9E5-4E35-900E-70A7C044DEA3}" dt="2025-05-07T18:40:39.111" v="1054" actId="700"/>
-          <ac:spMkLst>
-            <pc:docMk/>
-            <pc:sldMk cId="2831829862" sldId="282"/>
-            <ac:spMk id="3" creationId="{6EC0454A-3A38-6D93-5749-D15B166BDCB7}"/>
-          </ac:spMkLst>
-        </pc:spChg>
-        <pc:spChg chg="add del mod">
-          <ac:chgData name="Weifeng Xu" userId="e7aed605-a3dd-4d5a-a692-a87037af107b" providerId="ADAL" clId="{B29BA757-A9E5-4E35-900E-70A7C044DEA3}" dt="2025-05-07T18:44:12.806" v="1134" actId="478"/>
-          <ac:spMkLst>
-            <pc:docMk/>
-            <pc:sldMk cId="2831829862" sldId="282"/>
-            <ac:spMk id="5" creationId="{6B8686B4-AA4B-0AB6-0A75-12E0150E2624}"/>
-          </ac:spMkLst>
-        </pc:spChg>
-        <pc:spChg chg="add mod">
-          <ac:chgData name="Weifeng Xu" userId="e7aed605-a3dd-4d5a-a692-a87037af107b" providerId="ADAL" clId="{B29BA757-A9E5-4E35-900E-70A7C044DEA3}" dt="2025-05-07T19:00:42.718" v="1241" actId="20577"/>
-          <ac:spMkLst>
-            <pc:docMk/>
-            <pc:sldMk cId="2831829862" sldId="282"/>
-            <ac:spMk id="8" creationId="{C0042A42-C1ED-38F7-8AD7-CF3E5EFCB367}"/>
-          </ac:spMkLst>
-        </pc:spChg>
-        <pc:spChg chg="add mod">
-          <ac:chgData name="Weifeng Xu" userId="e7aed605-a3dd-4d5a-a692-a87037af107b" providerId="ADAL" clId="{B29BA757-A9E5-4E35-900E-70A7C044DEA3}" dt="2025-05-07T19:07:15.321" v="1278" actId="20577"/>
-          <ac:spMkLst>
-            <pc:docMk/>
-            <pc:sldMk cId="2831829862" sldId="282"/>
-            <ac:spMk id="12" creationId="{DEB47E7C-4AC9-3030-59D6-592E6500CA2C}"/>
-          </ac:spMkLst>
-        </pc:spChg>
-        <pc:picChg chg="add mod">
-          <ac:chgData name="Weifeng Xu" userId="e7aed605-a3dd-4d5a-a692-a87037af107b" providerId="ADAL" clId="{B29BA757-A9E5-4E35-900E-70A7C044DEA3}" dt="2025-05-07T19:01:18.470" v="1246" actId="1076"/>
-          <ac:picMkLst>
-            <pc:docMk/>
-            <pc:sldMk cId="2831829862" sldId="282"/>
-            <ac:picMk id="7" creationId="{5A7F7814-345A-73CC-64EB-95E98EF4679B}"/>
-          </ac:picMkLst>
-        </pc:picChg>
-        <pc:picChg chg="add mod">
-          <ac:chgData name="Weifeng Xu" userId="e7aed605-a3dd-4d5a-a692-a87037af107b" providerId="ADAL" clId="{B29BA757-A9E5-4E35-900E-70A7C044DEA3}" dt="2025-05-07T19:01:26.485" v="1249" actId="1076"/>
-          <ac:picMkLst>
-            <pc:docMk/>
-            <pc:sldMk cId="2831829862" sldId="282"/>
-            <ac:picMk id="10" creationId="{200EDB87-9A7D-3DD3-A95E-F504DE2CE33D}"/>
-          </ac:picMkLst>
-        </pc:picChg>
-        <pc:picChg chg="add mod">
-          <ac:chgData name="Weifeng Xu" userId="e7aed605-a3dd-4d5a-a692-a87037af107b" providerId="ADAL" clId="{B29BA757-A9E5-4E35-900E-70A7C044DEA3}" dt="2025-05-07T18:44:37.049" v="1143" actId="1076"/>
-          <ac:picMkLst>
-            <pc:docMk/>
-            <pc:sldMk cId="2831829862" sldId="282"/>
-            <ac:picMk id="19458" creationId="{A886CF80-C202-16D8-9D15-B334C798205F}"/>
-          </ac:picMkLst>
-        </pc:picChg>
-        <pc:picChg chg="add mod">
-          <ac:chgData name="Weifeng Xu" userId="e7aed605-a3dd-4d5a-a692-a87037af107b" providerId="ADAL" clId="{B29BA757-A9E5-4E35-900E-70A7C044DEA3}" dt="2025-05-07T18:44:40.525" v="1145" actId="1076"/>
-          <ac:picMkLst>
-            <pc:docMk/>
-            <pc:sldMk cId="2831829862" sldId="282"/>
-            <ac:picMk id="19460" creationId="{E0AFBC81-3046-D4CA-5284-41BE188A35DC}"/>
-          </ac:picMkLst>
-        </pc:picChg>
-      </pc:sldChg>
-      <pc:sldChg chg="del">
-        <pc:chgData name="Weifeng Xu" userId="e7aed605-a3dd-4d5a-a692-a87037af107b" providerId="ADAL" clId="{B29BA757-A9E5-4E35-900E-70A7C044DEA3}" dt="2025-05-07T01:05:43.719" v="23" actId="47"/>
-        <pc:sldMkLst>
-          <pc:docMk/>
-          <pc:sldMk cId="1312178182" sldId="283"/>
-        </pc:sldMkLst>
-      </pc:sldChg>
-      <pc:sldChg chg="addSp delSp modSp new mod">
-        <pc:chgData name="Weifeng Xu" userId="e7aed605-a3dd-4d5a-a692-a87037af107b" providerId="ADAL" clId="{B29BA757-A9E5-4E35-900E-70A7C044DEA3}" dt="2025-05-07T19:10:31.791" v="1310" actId="1076"/>
-        <pc:sldMkLst>
-          <pc:docMk/>
-          <pc:sldMk cId="3760669567" sldId="283"/>
-        </pc:sldMkLst>
-        <pc:spChg chg="mod">
-          <ac:chgData name="Weifeng Xu" userId="e7aed605-a3dd-4d5a-a692-a87037af107b" providerId="ADAL" clId="{B29BA757-A9E5-4E35-900E-70A7C044DEA3}" dt="2025-05-07T19:09:06.518" v="1303"/>
-          <ac:spMkLst>
-            <pc:docMk/>
-            <pc:sldMk cId="3760669567" sldId="283"/>
-            <ac:spMk id="2" creationId="{0FBF1087-E4EC-4B1B-6F3B-D5E210034C00}"/>
-          </ac:spMkLst>
-        </pc:spChg>
-        <pc:spChg chg="add mod">
-          <ac:chgData name="Weifeng Xu" userId="e7aed605-a3dd-4d5a-a692-a87037af107b" providerId="ADAL" clId="{B29BA757-A9E5-4E35-900E-70A7C044DEA3}" dt="2025-05-07T19:08:51.378" v="1291" actId="14100"/>
-          <ac:spMkLst>
-            <pc:docMk/>
-            <pc:sldMk cId="3760669567" sldId="283"/>
-            <ac:spMk id="4" creationId="{72B38D1A-7F2E-F957-D95B-AC2D0F1FD900}"/>
-          </ac:spMkLst>
-        </pc:spChg>
-        <pc:picChg chg="add del mod">
-          <ac:chgData name="Weifeng Xu" userId="e7aed605-a3dd-4d5a-a692-a87037af107b" providerId="ADAL" clId="{B29BA757-A9E5-4E35-900E-70A7C044DEA3}" dt="2025-05-07T19:10:20.746" v="1305" actId="478"/>
-          <ac:picMkLst>
-            <pc:docMk/>
-            <pc:sldMk cId="3760669567" sldId="283"/>
-            <ac:picMk id="20482" creationId="{3BE923AF-2B65-ECE5-02ED-1351E74F771C}"/>
-          </ac:picMkLst>
-        </pc:picChg>
-        <pc:picChg chg="add mod">
-          <ac:chgData name="Weifeng Xu" userId="e7aed605-a3dd-4d5a-a692-a87037af107b" providerId="ADAL" clId="{B29BA757-A9E5-4E35-900E-70A7C044DEA3}" dt="2025-05-07T19:10:31.791" v="1310" actId="1076"/>
-          <ac:picMkLst>
-            <pc:docMk/>
-            <pc:sldMk cId="3760669567" sldId="283"/>
-            <ac:picMk id="20484" creationId="{04F3F1F6-829E-219B-E962-CE48304159D3}"/>
-          </ac:picMkLst>
-        </pc:picChg>
-      </pc:sldChg>
-      <pc:sldChg chg="del">
-        <pc:chgData name="Weifeng Xu" userId="e7aed605-a3dd-4d5a-a692-a87037af107b" providerId="ADAL" clId="{B29BA757-A9E5-4E35-900E-70A7C044DEA3}" dt="2025-05-07T01:05:43.858" v="24" actId="47"/>
-        <pc:sldMkLst>
-          <pc:docMk/>
-          <pc:sldMk cId="383624214" sldId="284"/>
-        </pc:sldMkLst>
-      </pc:sldChg>
-      <pc:sldChg chg="addSp delSp modSp new mod modClrScheme chgLayout">
-        <pc:chgData name="Weifeng Xu" userId="e7aed605-a3dd-4d5a-a692-a87037af107b" providerId="ADAL" clId="{B29BA757-A9E5-4E35-900E-70A7C044DEA3}" dt="2025-05-07T21:25:08.149" v="1502" actId="20577"/>
-        <pc:sldMkLst>
-          <pc:docMk/>
-          <pc:sldMk cId="2141137123" sldId="284"/>
-        </pc:sldMkLst>
-        <pc:spChg chg="del">
-          <ac:chgData name="Weifeng Xu" userId="e7aed605-a3dd-4d5a-a692-a87037af107b" providerId="ADAL" clId="{B29BA757-A9E5-4E35-900E-70A7C044DEA3}" dt="2025-05-07T19:22:11.088" v="1350" actId="700"/>
-          <ac:spMkLst>
-            <pc:docMk/>
-            <pc:sldMk cId="2141137123" sldId="284"/>
-            <ac:spMk id="2" creationId="{59E94FCC-6217-85AF-B578-9D74076E89F5}"/>
-          </ac:spMkLst>
-        </pc:spChg>
-        <pc:spChg chg="add mod ord">
-          <ac:chgData name="Weifeng Xu" userId="e7aed605-a3dd-4d5a-a692-a87037af107b" providerId="ADAL" clId="{B29BA757-A9E5-4E35-900E-70A7C044DEA3}" dt="2025-05-07T21:25:08.149" v="1502" actId="20577"/>
-          <ac:spMkLst>
-            <pc:docMk/>
-            <pc:sldMk cId="2141137123" sldId="284"/>
-            <ac:spMk id="3" creationId="{5273FE8E-DC75-A819-3F53-FB23FDAA579A}"/>
-          </ac:spMkLst>
-        </pc:spChg>
-        <pc:spChg chg="add">
-          <ac:chgData name="Weifeng Xu" userId="e7aed605-a3dd-4d5a-a692-a87037af107b" providerId="ADAL" clId="{B29BA757-A9E5-4E35-900E-70A7C044DEA3}" dt="2025-05-07T19:23:20.980" v="1358"/>
-          <ac:spMkLst>
-            <pc:docMk/>
-            <pc:sldMk cId="2141137123" sldId="284"/>
-            <ac:spMk id="4" creationId="{FE047A02-E5CA-D5C5-A1E4-BD8AF0C3692C}"/>
-          </ac:spMkLst>
-        </pc:spChg>
-        <pc:spChg chg="add mod">
-          <ac:chgData name="Weifeng Xu" userId="e7aed605-a3dd-4d5a-a692-a87037af107b" providerId="ADAL" clId="{B29BA757-A9E5-4E35-900E-70A7C044DEA3}" dt="2025-05-07T19:24:08.501" v="1385" actId="14100"/>
-          <ac:spMkLst>
-            <pc:docMk/>
-            <pc:sldMk cId="2141137123" sldId="284"/>
-            <ac:spMk id="7" creationId="{664E37B5-82BA-4491-2510-6AC4B8219068}"/>
-          </ac:spMkLst>
-        </pc:spChg>
-        <pc:spChg chg="add del mod">
-          <ac:chgData name="Weifeng Xu" userId="e7aed605-a3dd-4d5a-a692-a87037af107b" providerId="ADAL" clId="{B29BA757-A9E5-4E35-900E-70A7C044DEA3}" dt="2025-05-07T21:05:39.981" v="1413" actId="478"/>
-          <ac:spMkLst>
-            <pc:docMk/>
-            <pc:sldMk cId="2141137123" sldId="284"/>
-            <ac:spMk id="9" creationId="{48FE3C32-75CD-1FBE-DDEC-0BF60F9938D2}"/>
-          </ac:spMkLst>
-        </pc:spChg>
-        <pc:spChg chg="add mod ord">
-          <ac:chgData name="Weifeng Xu" userId="e7aed605-a3dd-4d5a-a692-a87037af107b" providerId="ADAL" clId="{B29BA757-A9E5-4E35-900E-70A7C044DEA3}" dt="2025-05-07T21:23:37.330" v="1495" actId="27636"/>
-          <ac:spMkLst>
-            <pc:docMk/>
-            <pc:sldMk cId="2141137123" sldId="284"/>
-            <ac:spMk id="10" creationId="{E0750543-9DB8-709E-092F-9EC93D55A7A5}"/>
-          </ac:spMkLst>
-        </pc:spChg>
-        <pc:picChg chg="add del mod modCrop">
-          <ac:chgData name="Weifeng Xu" userId="e7aed605-a3dd-4d5a-a692-a87037af107b" providerId="ADAL" clId="{B29BA757-A9E5-4E35-900E-70A7C044DEA3}" dt="2025-05-07T21:18:39.057" v="1468" actId="21"/>
-          <ac:picMkLst>
-            <pc:docMk/>
-            <pc:sldMk cId="2141137123" sldId="284"/>
-            <ac:picMk id="5" creationId="{38807988-ED62-822C-384B-B79DA3B5EAD9}"/>
-          </ac:picMkLst>
-        </pc:picChg>
-        <pc:picChg chg="add mod modCrop">
-          <ac:chgData name="Weifeng Xu" userId="e7aed605-a3dd-4d5a-a692-a87037af107b" providerId="ADAL" clId="{B29BA757-A9E5-4E35-900E-70A7C044DEA3}" dt="2025-05-07T21:23:38.994" v="1496" actId="1076"/>
-          <ac:picMkLst>
-            <pc:docMk/>
-            <pc:sldMk cId="2141137123" sldId="284"/>
-            <ac:picMk id="12" creationId="{E16D040D-D62F-2D01-193F-05A5184812E6}"/>
-          </ac:picMkLst>
-        </pc:picChg>
-        <pc:picChg chg="add del mod">
-          <ac:chgData name="Weifeng Xu" userId="e7aed605-a3dd-4d5a-a692-a87037af107b" providerId="ADAL" clId="{B29BA757-A9E5-4E35-900E-70A7C044DEA3}" dt="2025-05-07T21:23:19.682" v="1488" actId="478"/>
-          <ac:picMkLst>
-            <pc:docMk/>
-            <pc:sldMk cId="2141137123" sldId="284"/>
-            <ac:picMk id="13" creationId="{A707E73E-0A08-B9E5-AE85-4DB3C7BA3C15}"/>
-          </ac:picMkLst>
-        </pc:picChg>
-        <pc:picChg chg="add mod">
-          <ac:chgData name="Weifeng Xu" userId="e7aed605-a3dd-4d5a-a692-a87037af107b" providerId="ADAL" clId="{B29BA757-A9E5-4E35-900E-70A7C044DEA3}" dt="2025-05-07T21:23:27.070" v="1491" actId="1076"/>
-          <ac:picMkLst>
-            <pc:docMk/>
-            <pc:sldMk cId="2141137123" sldId="284"/>
-            <ac:picMk id="21508" creationId="{8D74F894-3045-84F2-220D-89DE7ECD1E7F}"/>
-          </ac:picMkLst>
-        </pc:picChg>
-      </pc:sldChg>
-      <pc:sldChg chg="addSp delSp modSp new del mod modClrScheme chgLayout modNotesTx">
-        <pc:chgData name="Weifeng Xu" userId="e7aed605-a3dd-4d5a-a692-a87037af107b" providerId="ADAL" clId="{B29BA757-A9E5-4E35-900E-70A7C044DEA3}" dt="2025-05-07T21:20:02.566" v="1484" actId="47"/>
-        <pc:sldMkLst>
-          <pc:docMk/>
-          <pc:sldMk cId="2382133442" sldId="285"/>
-        </pc:sldMkLst>
-        <pc:spChg chg="del mod ord">
-          <ac:chgData name="Weifeng Xu" userId="e7aed605-a3dd-4d5a-a692-a87037af107b" providerId="ADAL" clId="{B29BA757-A9E5-4E35-900E-70A7C044DEA3}" dt="2025-05-07T21:09:09.333" v="1433" actId="700"/>
-          <ac:spMkLst>
-            <pc:docMk/>
-            <pc:sldMk cId="2382133442" sldId="285"/>
-            <ac:spMk id="2" creationId="{CD57F7F3-95DD-AFA1-CEF7-0ABCA06E3978}"/>
-          </ac:spMkLst>
-        </pc:spChg>
-        <pc:spChg chg="del">
-          <ac:chgData name="Weifeng Xu" userId="e7aed605-a3dd-4d5a-a692-a87037af107b" providerId="ADAL" clId="{B29BA757-A9E5-4E35-900E-70A7C044DEA3}" dt="2025-05-07T21:09:09.333" v="1433" actId="700"/>
-          <ac:spMkLst>
-            <pc:docMk/>
-            <pc:sldMk cId="2382133442" sldId="285"/>
-            <ac:spMk id="3" creationId="{43DAB3DD-4690-E127-17E7-18D615F8F6F3}"/>
-          </ac:spMkLst>
-        </pc:spChg>
-        <pc:spChg chg="add del mod ord">
-          <ac:chgData name="Weifeng Xu" userId="e7aed605-a3dd-4d5a-a692-a87037af107b" providerId="ADAL" clId="{B29BA757-A9E5-4E35-900E-70A7C044DEA3}" dt="2025-05-07T21:09:13.993" v="1434" actId="700"/>
-          <ac:spMkLst>
-            <pc:docMk/>
-            <pc:sldMk cId="2382133442" sldId="285"/>
-            <ac:spMk id="4" creationId="{A9C99CA8-57A4-E204-1333-C899746751F3}"/>
-          </ac:spMkLst>
-        </pc:spChg>
-        <pc:picChg chg="add del">
-          <ac:chgData name="Weifeng Xu" userId="e7aed605-a3dd-4d5a-a692-a87037af107b" providerId="ADAL" clId="{B29BA757-A9E5-4E35-900E-70A7C044DEA3}" dt="2025-05-07T21:18:32.539" v="1466" actId="21"/>
-          <ac:picMkLst>
-            <pc:docMk/>
-            <pc:sldMk cId="2382133442" sldId="285"/>
-            <ac:picMk id="5" creationId="{A707E73E-0A08-B9E5-AE85-4DB3C7BA3C15}"/>
-          </ac:picMkLst>
-        </pc:picChg>
-        <pc:picChg chg="add mod">
-          <ac:chgData name="Weifeng Xu" userId="e7aed605-a3dd-4d5a-a692-a87037af107b" providerId="ADAL" clId="{B29BA757-A9E5-4E35-900E-70A7C044DEA3}" dt="2025-05-07T21:19:16.376" v="1477" actId="1076"/>
-          <ac:picMkLst>
-            <pc:docMk/>
-            <pc:sldMk cId="2382133442" sldId="285"/>
-            <ac:picMk id="6" creationId="{38807988-ED62-822C-384B-B79DA3B5EAD9}"/>
-          </ac:picMkLst>
-        </pc:picChg>
-      </pc:sldChg>
-      <pc:sldChg chg="del">
-        <pc:chgData name="Weifeng Xu" userId="e7aed605-a3dd-4d5a-a692-a87037af107b" providerId="ADAL" clId="{B29BA757-A9E5-4E35-900E-70A7C044DEA3}" dt="2025-05-07T01:05:43.978" v="25" actId="47"/>
-        <pc:sldMkLst>
-          <pc:docMk/>
-          <pc:sldMk cId="3552171113" sldId="285"/>
-        </pc:sldMkLst>
-      </pc:sldChg>
-      <pc:sldChg chg="addSp delSp modSp new del mod">
-        <pc:chgData name="Weifeng Xu" userId="e7aed605-a3dd-4d5a-a692-a87037af107b" providerId="ADAL" clId="{B29BA757-A9E5-4E35-900E-70A7C044DEA3}" dt="2025-05-07T21:11:08.982" v="1441" actId="47"/>
-        <pc:sldMkLst>
-          <pc:docMk/>
-          <pc:sldMk cId="1698969649" sldId="286"/>
-        </pc:sldMkLst>
-        <pc:picChg chg="add del mod">
-          <ac:chgData name="Weifeng Xu" userId="e7aed605-a3dd-4d5a-a692-a87037af107b" providerId="ADAL" clId="{B29BA757-A9E5-4E35-900E-70A7C044DEA3}" dt="2025-05-07T21:11:05.991" v="1440" actId="478"/>
-          <ac:picMkLst>
-            <pc:docMk/>
-            <pc:sldMk cId="1698969649" sldId="286"/>
-            <ac:picMk id="3" creationId="{159F611E-144E-98DA-8B34-ECA6C34829B7}"/>
-          </ac:picMkLst>
-        </pc:picChg>
-      </pc:sldChg>
-      <pc:sldChg chg="addSp modSp new mod modClrScheme chgLayout modNotesTx">
-        <pc:chgData name="Weifeng Xu" userId="e7aed605-a3dd-4d5a-a692-a87037af107b" providerId="ADAL" clId="{B29BA757-A9E5-4E35-900E-70A7C044DEA3}" dt="2025-05-07T21:24:47.497" v="1500" actId="14100"/>
-        <pc:sldMkLst>
-          <pc:docMk/>
-          <pc:sldMk cId="4021924536" sldId="286"/>
-        </pc:sldMkLst>
-        <pc:spChg chg="add mod">
-          <ac:chgData name="Weifeng Xu" userId="e7aed605-a3dd-4d5a-a692-a87037af107b" providerId="ADAL" clId="{B29BA757-A9E5-4E35-900E-70A7C044DEA3}" dt="2025-05-07T21:13:12.420" v="1444"/>
-          <ac:spMkLst>
-            <pc:docMk/>
-            <pc:sldMk cId="4021924536" sldId="286"/>
-            <ac:spMk id="2" creationId="{CBF71ECA-6404-332B-3060-FE5D929F540E}"/>
-          </ac:spMkLst>
-        </pc:spChg>
-        <pc:spChg chg="add mod">
-          <ac:chgData name="Weifeng Xu" userId="e7aed605-a3dd-4d5a-a692-a87037af107b" providerId="ADAL" clId="{B29BA757-A9E5-4E35-900E-70A7C044DEA3}" dt="2025-05-07T21:24:43.555" v="1499" actId="27636"/>
-          <ac:spMkLst>
-            <pc:docMk/>
-            <pc:sldMk cId="4021924536" sldId="286"/>
-            <ac:spMk id="3" creationId="{158A4B92-AAEF-A08A-D7FA-EBB0C2B49A7F}"/>
-          </ac:spMkLst>
-        </pc:spChg>
-        <pc:picChg chg="add mod">
-          <ac:chgData name="Weifeng Xu" userId="e7aed605-a3dd-4d5a-a692-a87037af107b" providerId="ADAL" clId="{B29BA757-A9E5-4E35-900E-70A7C044DEA3}" dt="2025-05-07T21:24:47.497" v="1500" actId="14100"/>
-          <ac:picMkLst>
-            <pc:docMk/>
-            <pc:sldMk cId="4021924536" sldId="286"/>
-            <ac:picMk id="4" creationId="{1E14C428-026F-4B5D-C6B3-7825F4EC73BA}"/>
-          </ac:picMkLst>
-        </pc:picChg>
-      </pc:sldChg>
-      <pc:sldChg chg="addSp delSp modSp new mod modClrScheme chgLayout">
-        <pc:chgData name="Weifeng Xu" userId="e7aed605-a3dd-4d5a-a692-a87037af107b" providerId="ADAL" clId="{B29BA757-A9E5-4E35-900E-70A7C044DEA3}" dt="2025-05-08T16:45:28.350" v="2080" actId="6549"/>
-        <pc:sldMkLst>
-          <pc:docMk/>
-          <pc:sldMk cId="214610006" sldId="287"/>
-        </pc:sldMkLst>
-        <pc:spChg chg="del mod ord">
-          <ac:chgData name="Weifeng Xu" userId="e7aed605-a3dd-4d5a-a692-a87037af107b" providerId="ADAL" clId="{B29BA757-A9E5-4E35-900E-70A7C044DEA3}" dt="2025-05-07T21:26:36.211" v="1504" actId="700"/>
-          <ac:spMkLst>
-            <pc:docMk/>
-            <pc:sldMk cId="214610006" sldId="287"/>
-            <ac:spMk id="2" creationId="{97B3BCA3-7784-B0A3-93DF-8AC23944B9C9}"/>
-          </ac:spMkLst>
-        </pc:spChg>
-        <pc:spChg chg="add mod ord">
-          <ac:chgData name="Weifeng Xu" userId="e7aed605-a3dd-4d5a-a692-a87037af107b" providerId="ADAL" clId="{B29BA757-A9E5-4E35-900E-70A7C044DEA3}" dt="2025-05-08T16:45:28.350" v="2080" actId="6549"/>
-          <ac:spMkLst>
-            <pc:docMk/>
-            <pc:sldMk cId="214610006" sldId="287"/>
-            <ac:spMk id="3" creationId="{71869232-8935-06E6-F90B-3F2E5298D6C3}"/>
-          </ac:spMkLst>
-        </pc:spChg>
-        <pc:spChg chg="add mod ord">
-          <ac:chgData name="Weifeng Xu" userId="e7aed605-a3dd-4d5a-a692-a87037af107b" providerId="ADAL" clId="{B29BA757-A9E5-4E35-900E-70A7C044DEA3}" dt="2025-05-07T21:26:36.211" v="1504" actId="700"/>
-          <ac:spMkLst>
-            <pc:docMk/>
-            <pc:sldMk cId="214610006" sldId="287"/>
-            <ac:spMk id="4" creationId="{31E0C3D3-850C-65E9-0AB6-979F5C944FFB}"/>
-          </ac:spMkLst>
-        </pc:spChg>
-      </pc:sldChg>
-      <pc:sldChg chg="addSp delSp modSp new mod modClrScheme chgLayout">
-        <pc:chgData name="Weifeng Xu" userId="e7aed605-a3dd-4d5a-a692-a87037af107b" providerId="ADAL" clId="{B29BA757-A9E5-4E35-900E-70A7C044DEA3}" dt="2025-05-08T19:16:33.374" v="2189" actId="27636"/>
-        <pc:sldMkLst>
-          <pc:docMk/>
-          <pc:sldMk cId="1407769080" sldId="288"/>
-        </pc:sldMkLst>
-        <pc:spChg chg="del mod ord">
-          <ac:chgData name="Weifeng Xu" userId="e7aed605-a3dd-4d5a-a692-a87037af107b" providerId="ADAL" clId="{B29BA757-A9E5-4E35-900E-70A7C044DEA3}" dt="2025-05-07T21:26:56.168" v="1513" actId="700"/>
-          <ac:spMkLst>
-            <pc:docMk/>
-            <pc:sldMk cId="1407769080" sldId="288"/>
-            <ac:spMk id="2" creationId="{1752F31D-E472-C9E1-8F4A-084A1F81D9A2}"/>
-          </ac:spMkLst>
-        </pc:spChg>
-        <pc:spChg chg="del mod ord">
-          <ac:chgData name="Weifeng Xu" userId="e7aed605-a3dd-4d5a-a692-a87037af107b" providerId="ADAL" clId="{B29BA757-A9E5-4E35-900E-70A7C044DEA3}" dt="2025-05-07T21:26:56.168" v="1513" actId="700"/>
-          <ac:spMkLst>
-            <pc:docMk/>
-            <pc:sldMk cId="1407769080" sldId="288"/>
-            <ac:spMk id="3" creationId="{7ECD0CC4-5792-3C28-9D93-E30A6C0D3CD6}"/>
-          </ac:spMkLst>
-        </pc:spChg>
-        <pc:spChg chg="add mod ord">
-          <ac:chgData name="Weifeng Xu" userId="e7aed605-a3dd-4d5a-a692-a87037af107b" providerId="ADAL" clId="{B29BA757-A9E5-4E35-900E-70A7C044DEA3}" dt="2025-05-08T17:18:38.081" v="2136" actId="20577"/>
-          <ac:spMkLst>
-            <pc:docMk/>
-            <pc:sldMk cId="1407769080" sldId="288"/>
-            <ac:spMk id="4" creationId="{CFFE4D01-F5ED-09CD-7257-8AF6118EA6E9}"/>
-          </ac:spMkLst>
-        </pc:spChg>
-        <pc:spChg chg="add mod ord">
-          <ac:chgData name="Weifeng Xu" userId="e7aed605-a3dd-4d5a-a692-a87037af107b" providerId="ADAL" clId="{B29BA757-A9E5-4E35-900E-70A7C044DEA3}" dt="2025-05-08T19:16:33.374" v="2189" actId="27636"/>
-          <ac:spMkLst>
-            <pc:docMk/>
-            <pc:sldMk cId="1407769080" sldId="288"/>
-            <ac:spMk id="5" creationId="{1F3EC17E-17B1-2D01-7924-FC11EAC60408}"/>
-          </ac:spMkLst>
-        </pc:spChg>
-        <pc:picChg chg="add del mod">
-          <ac:chgData name="Weifeng Xu" userId="e7aed605-a3dd-4d5a-a692-a87037af107b" providerId="ADAL" clId="{B29BA757-A9E5-4E35-900E-70A7C044DEA3}" dt="2025-05-08T19:15:24.102" v="2174" actId="478"/>
-          <ac:picMkLst>
-            <pc:docMk/>
-            <pc:sldMk cId="1407769080" sldId="288"/>
-            <ac:picMk id="3" creationId="{5A421330-2F70-D342-79E2-D26DCEF60134}"/>
-          </ac:picMkLst>
-        </pc:picChg>
-        <pc:picChg chg="add mod">
-          <ac:chgData name="Weifeng Xu" userId="e7aed605-a3dd-4d5a-a692-a87037af107b" providerId="ADAL" clId="{B29BA757-A9E5-4E35-900E-70A7C044DEA3}" dt="2025-05-08T19:16:25.027" v="2184" actId="1076"/>
-          <ac:picMkLst>
-            <pc:docMk/>
-            <pc:sldMk cId="1407769080" sldId="288"/>
-            <ac:picMk id="7" creationId="{8B38289A-CA97-8849-88CD-EA16AFD76FCC}"/>
-          </ac:picMkLst>
-        </pc:picChg>
-      </pc:sldChg>
-      <pc:sldChg chg="addSp delSp modSp new mod ord modClrScheme chgLayout">
-        <pc:chgData name="Weifeng Xu" userId="e7aed605-a3dd-4d5a-a692-a87037af107b" providerId="ADAL" clId="{B29BA757-A9E5-4E35-900E-70A7C044DEA3}" dt="2025-05-08T12:59:41.769" v="2034"/>
-        <pc:sldMkLst>
-          <pc:docMk/>
-          <pc:sldMk cId="104095834" sldId="289"/>
-        </pc:sldMkLst>
-        <pc:spChg chg="del">
-          <ac:chgData name="Weifeng Xu" userId="e7aed605-a3dd-4d5a-a692-a87037af107b" providerId="ADAL" clId="{B29BA757-A9E5-4E35-900E-70A7C044DEA3}" dt="2025-05-07T21:33:16.292" v="1542" actId="700"/>
-          <ac:spMkLst>
-            <pc:docMk/>
-            <pc:sldMk cId="104095834" sldId="289"/>
-            <ac:spMk id="2" creationId="{BA5BBCA2-EBF6-A260-2C74-12244BFFE98A}"/>
-          </ac:spMkLst>
-        </pc:spChg>
-        <pc:spChg chg="add mod">
-          <ac:chgData name="Weifeng Xu" userId="e7aed605-a3dd-4d5a-a692-a87037af107b" providerId="ADAL" clId="{B29BA757-A9E5-4E35-900E-70A7C044DEA3}" dt="2025-05-08T12:49:24.842" v="1977" actId="20577"/>
-          <ac:spMkLst>
-            <pc:docMk/>
-            <pc:sldMk cId="104095834" sldId="289"/>
-            <ac:spMk id="2" creationId="{C78E3B81-239C-8B39-EAF8-2D5D7BDE928F}"/>
-          </ac:spMkLst>
-        </pc:spChg>
-        <pc:spChg chg="add mod">
-          <ac:chgData name="Weifeng Xu" userId="e7aed605-a3dd-4d5a-a692-a87037af107b" providerId="ADAL" clId="{B29BA757-A9E5-4E35-900E-70A7C044DEA3}" dt="2025-05-08T12:48:50.248" v="1958" actId="14100"/>
-          <ac:spMkLst>
-            <pc:docMk/>
-            <pc:sldMk cId="104095834" sldId="289"/>
-            <ac:spMk id="3" creationId="{94098692-4163-A81C-C866-791957592507}"/>
-          </ac:spMkLst>
-        </pc:spChg>
-        <pc:spChg chg="add del mod">
-          <ac:chgData name="Weifeng Xu" userId="e7aed605-a3dd-4d5a-a692-a87037af107b" providerId="ADAL" clId="{B29BA757-A9E5-4E35-900E-70A7C044DEA3}" dt="2025-05-08T02:57:54.790" v="1751" actId="478"/>
-          <ac:spMkLst>
-            <pc:docMk/>
-            <pc:sldMk cId="104095834" sldId="289"/>
-            <ac:spMk id="11" creationId="{CAE27F03-72F2-45F3-466F-2FC3983CA955}"/>
-          </ac:spMkLst>
-        </pc:spChg>
-        <pc:spChg chg="add mod">
-          <ac:chgData name="Weifeng Xu" userId="e7aed605-a3dd-4d5a-a692-a87037af107b" providerId="ADAL" clId="{B29BA757-A9E5-4E35-900E-70A7C044DEA3}" dt="2025-05-08T12:58:45.404" v="2031" actId="1076"/>
-          <ac:spMkLst>
-            <pc:docMk/>
-            <pc:sldMk cId="104095834" sldId="289"/>
-            <ac:spMk id="12" creationId="{4649B735-6C84-0CB5-AAC8-9CE58C241C64}"/>
-          </ac:spMkLst>
-        </pc:spChg>
-        <pc:spChg chg="add mod">
-          <ac:chgData name="Weifeng Xu" userId="e7aed605-a3dd-4d5a-a692-a87037af107b" providerId="ADAL" clId="{B29BA757-A9E5-4E35-900E-70A7C044DEA3}" dt="2025-05-08T12:54:34.157" v="1996" actId="113"/>
-          <ac:spMkLst>
-            <pc:docMk/>
-            <pc:sldMk cId="104095834" sldId="289"/>
-            <ac:spMk id="14" creationId="{4F885FB7-9F51-E9FE-EC27-814172F25417}"/>
-          </ac:spMkLst>
-        </pc:spChg>
-        <pc:picChg chg="add del mod">
-          <ac:chgData name="Weifeng Xu" userId="e7aed605-a3dd-4d5a-a692-a87037af107b" providerId="ADAL" clId="{B29BA757-A9E5-4E35-900E-70A7C044DEA3}" dt="2025-05-08T01:27:11.761" v="1545" actId="478"/>
-          <ac:picMkLst>
-            <pc:docMk/>
-            <pc:sldMk cId="104095834" sldId="289"/>
-            <ac:picMk id="4" creationId="{D1058116-1469-3752-DCE9-7ED410A3D219}"/>
-          </ac:picMkLst>
-        </pc:picChg>
-        <pc:picChg chg="add del mod">
-          <ac:chgData name="Weifeng Xu" userId="e7aed605-a3dd-4d5a-a692-a87037af107b" providerId="ADAL" clId="{B29BA757-A9E5-4E35-900E-70A7C044DEA3}" dt="2025-05-08T02:05:59.157" v="1628" actId="478"/>
-          <ac:picMkLst>
-            <pc:docMk/>
-            <pc:sldMk cId="104095834" sldId="289"/>
-            <ac:picMk id="5" creationId="{7B2F48E1-08A0-E04E-4FE9-C73A491103B8}"/>
-          </ac:picMkLst>
-        </pc:picChg>
-        <pc:picChg chg="add del mod">
-          <ac:chgData name="Weifeng Xu" userId="e7aed605-a3dd-4d5a-a692-a87037af107b" providerId="ADAL" clId="{B29BA757-A9E5-4E35-900E-70A7C044DEA3}" dt="2025-05-08T02:05:08.953" v="1625" actId="478"/>
-          <ac:picMkLst>
-            <pc:docMk/>
-            <pc:sldMk cId="104095834" sldId="289"/>
-            <ac:picMk id="7" creationId="{586F9B7A-EB85-3D38-13B3-1ABD6044EB13}"/>
-          </ac:picMkLst>
-        </pc:picChg>
-        <pc:picChg chg="add mod modCrop">
-          <ac:chgData name="Weifeng Xu" userId="e7aed605-a3dd-4d5a-a692-a87037af107b" providerId="ADAL" clId="{B29BA757-A9E5-4E35-900E-70A7C044DEA3}" dt="2025-05-08T12:54:03.278" v="1985" actId="1076"/>
-          <ac:picMkLst>
-            <pc:docMk/>
-            <pc:sldMk cId="104095834" sldId="289"/>
-            <ac:picMk id="9" creationId="{3C0713E6-7993-7CB4-15DD-7DEAEB0C823C}"/>
-          </ac:picMkLst>
-        </pc:picChg>
-        <pc:picChg chg="add mod">
-          <ac:chgData name="Weifeng Xu" userId="e7aed605-a3dd-4d5a-a692-a87037af107b" providerId="ADAL" clId="{B29BA757-A9E5-4E35-900E-70A7C044DEA3}" dt="2025-05-08T02:34:51.782" v="1657" actId="1076"/>
-          <ac:picMkLst>
-            <pc:docMk/>
-            <pc:sldMk cId="104095834" sldId="289"/>
-            <ac:picMk id="10" creationId="{2393EE23-19CC-1817-411B-5FC5F4BD9FEF}"/>
-          </ac:picMkLst>
-        </pc:picChg>
-        <pc:picChg chg="add del mod">
-          <ac:chgData name="Weifeng Xu" userId="e7aed605-a3dd-4d5a-a692-a87037af107b" providerId="ADAL" clId="{B29BA757-A9E5-4E35-900E-70A7C044DEA3}" dt="2025-05-08T01:46:05.421" v="1573" actId="21"/>
-          <ac:picMkLst>
-            <pc:docMk/>
-            <pc:sldMk cId="104095834" sldId="289"/>
-            <ac:picMk id="1026" creationId="{7EB37E70-5ABD-ED8F-2AF3-0D8F1FCC0D0E}"/>
-          </ac:picMkLst>
-        </pc:picChg>
-      </pc:sldChg>
-      <pc:sldChg chg="addSp delSp modSp new mod ord modClrScheme chgLayout">
-        <pc:chgData name="Weifeng Xu" userId="e7aed605-a3dd-4d5a-a692-a87037af107b" providerId="ADAL" clId="{B29BA757-A9E5-4E35-900E-70A7C044DEA3}" dt="2025-05-08T13:08:23.713" v="2038"/>
-        <pc:sldMkLst>
-          <pc:docMk/>
-          <pc:sldMk cId="3513636499" sldId="290"/>
-        </pc:sldMkLst>
-        <pc:spChg chg="del mod ord">
-          <ac:chgData name="Weifeng Xu" userId="e7aed605-a3dd-4d5a-a692-a87037af107b" providerId="ADAL" clId="{B29BA757-A9E5-4E35-900E-70A7C044DEA3}" dt="2025-05-08T01:46:13.901" v="1575" actId="700"/>
-          <ac:spMkLst>
-            <pc:docMk/>
-            <pc:sldMk cId="3513636499" sldId="290"/>
-            <ac:spMk id="2" creationId="{82CCC1A2-8879-F4E9-AFC1-09C8376E38E8}"/>
-          </ac:spMkLst>
-        </pc:spChg>
-        <pc:spChg chg="del">
-          <ac:chgData name="Weifeng Xu" userId="e7aed605-a3dd-4d5a-a692-a87037af107b" providerId="ADAL" clId="{B29BA757-A9E5-4E35-900E-70A7C044DEA3}" dt="2025-05-08T01:46:13.901" v="1575" actId="700"/>
-          <ac:spMkLst>
-            <pc:docMk/>
-            <pc:sldMk cId="3513636499" sldId="290"/>
-            <ac:spMk id="3" creationId="{50A86F6B-C935-AEC7-0197-231A722045DF}"/>
-          </ac:spMkLst>
-        </pc:spChg>
-        <pc:spChg chg="add mod ord">
-          <ac:chgData name="Weifeng Xu" userId="e7aed605-a3dd-4d5a-a692-a87037af107b" providerId="ADAL" clId="{B29BA757-A9E5-4E35-900E-70A7C044DEA3}" dt="2025-05-08T01:52:31.932" v="1604" actId="20577"/>
-          <ac:spMkLst>
-            <pc:docMk/>
-            <pc:sldMk cId="3513636499" sldId="290"/>
-            <ac:spMk id="4" creationId="{7920F541-1FF9-1E6D-E67D-F9CF3F785CB2}"/>
-          </ac:spMkLst>
-        </pc:spChg>
-        <pc:spChg chg="add mod">
-          <ac:chgData name="Weifeng Xu" userId="e7aed605-a3dd-4d5a-a692-a87037af107b" providerId="ADAL" clId="{B29BA757-A9E5-4E35-900E-70A7C044DEA3}" dt="2025-05-08T01:48:02.680" v="1589" actId="404"/>
-          <ac:spMkLst>
-            <pc:docMk/>
-            <pc:sldMk cId="3513636499" sldId="290"/>
-            <ac:spMk id="7" creationId="{0A53C6D3-859F-CB80-D5A3-C12058923566}"/>
-          </ac:spMkLst>
-        </pc:spChg>
-        <pc:picChg chg="add mod">
-          <ac:chgData name="Weifeng Xu" userId="e7aed605-a3dd-4d5a-a692-a87037af107b" providerId="ADAL" clId="{B29BA757-A9E5-4E35-900E-70A7C044DEA3}" dt="2025-05-08T01:50:53.145" v="1595" actId="14100"/>
-          <ac:picMkLst>
-            <pc:docMk/>
-            <pc:sldMk cId="3513636499" sldId="290"/>
-            <ac:picMk id="5" creationId="{9AAF4039-1E14-52CF-3079-5441AA45A89D}"/>
-          </ac:picMkLst>
-        </pc:picChg>
-        <pc:picChg chg="add">
-          <ac:chgData name="Weifeng Xu" userId="e7aed605-a3dd-4d5a-a692-a87037af107b" providerId="ADAL" clId="{B29BA757-A9E5-4E35-900E-70A7C044DEA3}" dt="2025-05-08T01:50:05.411" v="1591"/>
-          <ac:picMkLst>
-            <pc:docMk/>
-            <pc:sldMk cId="3513636499" sldId="290"/>
-            <ac:picMk id="8" creationId="{9CF48E1D-64B9-AE4D-6CF8-29AEC4718E51}"/>
-          </ac:picMkLst>
-        </pc:picChg>
-        <pc:picChg chg="add mod">
-          <ac:chgData name="Weifeng Xu" userId="e7aed605-a3dd-4d5a-a692-a87037af107b" providerId="ADAL" clId="{B29BA757-A9E5-4E35-900E-70A7C044DEA3}" dt="2025-05-08T01:50:54.973" v="1596" actId="1076"/>
-          <ac:picMkLst>
-            <pc:docMk/>
-            <pc:sldMk cId="3513636499" sldId="290"/>
-            <ac:picMk id="10" creationId="{6A9B681F-6630-542E-ACBC-85969856AA43}"/>
-          </ac:picMkLst>
-        </pc:picChg>
-        <pc:picChg chg="add mod">
-          <ac:chgData name="Weifeng Xu" userId="e7aed605-a3dd-4d5a-a692-a87037af107b" providerId="ADAL" clId="{B29BA757-A9E5-4E35-900E-70A7C044DEA3}" dt="2025-05-08T01:51:05.092" v="1598" actId="14100"/>
-          <ac:picMkLst>
-            <pc:docMk/>
-            <pc:sldMk cId="3513636499" sldId="290"/>
-            <ac:picMk id="1026" creationId="{7EB37E70-5ABD-ED8F-2AF3-0D8F1FCC0D0E}"/>
-          </ac:picMkLst>
-        </pc:picChg>
-      </pc:sldChg>
-      <pc:sldChg chg="addSp delSp modSp new mod">
-        <pc:chgData name="Weifeng Xu" userId="e7aed605-a3dd-4d5a-a692-a87037af107b" providerId="ADAL" clId="{B29BA757-A9E5-4E35-900E-70A7C044DEA3}" dt="2025-05-08T19:18:52.428" v="2201" actId="1076"/>
-        <pc:sldMkLst>
-          <pc:docMk/>
-          <pc:sldMk cId="767342062" sldId="291"/>
-        </pc:sldMkLst>
-        <pc:spChg chg="mod">
-          <ac:chgData name="Weifeng Xu" userId="e7aed605-a3dd-4d5a-a692-a87037af107b" providerId="ADAL" clId="{B29BA757-A9E5-4E35-900E-70A7C044DEA3}" dt="2025-05-08T17:20:40.448" v="2146"/>
-          <ac:spMkLst>
-            <pc:docMk/>
-            <pc:sldMk cId="767342062" sldId="291"/>
-            <ac:spMk id="2" creationId="{CAE49999-3E78-C826-35DB-FA83936F402E}"/>
-          </ac:spMkLst>
-        </pc:spChg>
-        <pc:spChg chg="mod">
-          <ac:chgData name="Weifeng Xu" userId="e7aed605-a3dd-4d5a-a692-a87037af107b" providerId="ADAL" clId="{B29BA757-A9E5-4E35-900E-70A7C044DEA3}" dt="2025-05-08T19:11:05.734" v="2163" actId="27636"/>
-          <ac:spMkLst>
-            <pc:docMk/>
-            <pc:sldMk cId="767342062" sldId="291"/>
-            <ac:spMk id="3" creationId="{4D8A1080-9CF1-63B1-9C35-6C67D82E507A}"/>
-          </ac:spMkLst>
-        </pc:spChg>
-        <pc:picChg chg="add del mod">
-          <ac:chgData name="Weifeng Xu" userId="e7aed605-a3dd-4d5a-a692-a87037af107b" providerId="ADAL" clId="{B29BA757-A9E5-4E35-900E-70A7C044DEA3}" dt="2025-05-08T19:18:32.442" v="2199" actId="478"/>
-          <ac:picMkLst>
-            <pc:docMk/>
-            <pc:sldMk cId="767342062" sldId="291"/>
-            <ac:picMk id="5" creationId="{3803A606-8D7C-503C-615B-3814405ACA77}"/>
-          </ac:picMkLst>
-        </pc:picChg>
-        <pc:picChg chg="add mod">
-          <ac:chgData name="Weifeng Xu" userId="e7aed605-a3dd-4d5a-a692-a87037af107b" providerId="ADAL" clId="{B29BA757-A9E5-4E35-900E-70A7C044DEA3}" dt="2025-05-08T19:18:52.428" v="2201" actId="1076"/>
-          <ac:picMkLst>
-            <pc:docMk/>
-            <pc:sldMk cId="767342062" sldId="291"/>
-            <ac:picMk id="7" creationId="{04A12B0D-84FF-4EDB-FBF7-98E93958BF25}"/>
-          </ac:picMkLst>
-        </pc:picChg>
-      </pc:sldChg>
-      <pc:sldChg chg="delSp add del mod">
-        <pc:chgData name="Weifeng Xu" userId="e7aed605-a3dd-4d5a-a692-a87037af107b" providerId="ADAL" clId="{B29BA757-A9E5-4E35-900E-70A7C044DEA3}" dt="2025-05-08T12:59:23.881" v="2032" actId="47"/>
-        <pc:sldMkLst>
-          <pc:docMk/>
-          <pc:sldMk cId="4059981469" sldId="291"/>
-        </pc:sldMkLst>
-        <pc:picChg chg="del">
-          <ac:chgData name="Weifeng Xu" userId="e7aed605-a3dd-4d5a-a692-a87037af107b" providerId="ADAL" clId="{B29BA757-A9E5-4E35-900E-70A7C044DEA3}" dt="2025-05-08T12:32:50.021" v="1860" actId="478"/>
-          <ac:picMkLst>
-            <pc:docMk/>
-            <pc:sldMk cId="4059981469" sldId="291"/>
-            <ac:picMk id="9" creationId="{80280589-8BAC-57AA-CCD3-5B88B55D7481}"/>
-          </ac:picMkLst>
-        </pc:picChg>
-      </pc:sldChg>
-      <pc:sldChg chg="addSp modSp new mod">
-        <pc:chgData name="Weifeng Xu" userId="e7aed605-a3dd-4d5a-a692-a87037af107b" providerId="ADAL" clId="{B29BA757-A9E5-4E35-900E-70A7C044DEA3}" dt="2025-05-08T19:19:12.442" v="2205" actId="1076"/>
-        <pc:sldMkLst>
-          <pc:docMk/>
-          <pc:sldMk cId="3454193145" sldId="292"/>
-        </pc:sldMkLst>
-        <pc:spChg chg="mod">
-          <ac:chgData name="Weifeng Xu" userId="e7aed605-a3dd-4d5a-a692-a87037af107b" providerId="ADAL" clId="{B29BA757-A9E5-4E35-900E-70A7C044DEA3}" dt="2025-05-08T19:13:18.011" v="2170"/>
-          <ac:spMkLst>
-            <pc:docMk/>
-            <pc:sldMk cId="3454193145" sldId="292"/>
-            <ac:spMk id="2" creationId="{C2D26B6D-C1EF-BA0F-B1BF-7249D51DF765}"/>
-          </ac:spMkLst>
-        </pc:spChg>
-        <pc:spChg chg="mod">
-          <ac:chgData name="Weifeng Xu" userId="e7aed605-a3dd-4d5a-a692-a87037af107b" providerId="ADAL" clId="{B29BA757-A9E5-4E35-900E-70A7C044DEA3}" dt="2025-05-08T19:13:59.078" v="2173" actId="20577"/>
-          <ac:spMkLst>
-            <pc:docMk/>
-            <pc:sldMk cId="3454193145" sldId="292"/>
-            <ac:spMk id="3" creationId="{73D49F2B-6AA7-9D1C-C78A-33475716E02E}"/>
-          </ac:spMkLst>
-        </pc:spChg>
-        <pc:picChg chg="add mod">
-          <ac:chgData name="Weifeng Xu" userId="e7aed605-a3dd-4d5a-a692-a87037af107b" providerId="ADAL" clId="{B29BA757-A9E5-4E35-900E-70A7C044DEA3}" dt="2025-05-08T19:19:12.442" v="2205" actId="1076"/>
-          <ac:picMkLst>
-            <pc:docMk/>
-            <pc:sldMk cId="3454193145" sldId="292"/>
-            <ac:picMk id="5" creationId="{CBED7160-CEBC-26B7-7F33-D6818A326A84}"/>
-          </ac:picMkLst>
-        </pc:picChg>
-      </pc:sldChg>
-      <pc:sldChg chg="addSp delSp modSp new mod modClrScheme chgLayout">
-        <pc:chgData name="Weifeng Xu" userId="e7aed605-a3dd-4d5a-a692-a87037af107b" providerId="ADAL" clId="{B29BA757-A9E5-4E35-900E-70A7C044DEA3}" dt="2025-05-08T19:17:53.737" v="2198" actId="14100"/>
-        <pc:sldMkLst>
-          <pc:docMk/>
-          <pc:sldMk cId="2222583924" sldId="293"/>
-        </pc:sldMkLst>
-        <pc:spChg chg="del">
-          <ac:chgData name="Weifeng Xu" userId="e7aed605-a3dd-4d5a-a692-a87037af107b" providerId="ADAL" clId="{B29BA757-A9E5-4E35-900E-70A7C044DEA3}" dt="2025-05-08T19:17:33.302" v="2193" actId="700"/>
-          <ac:spMkLst>
-            <pc:docMk/>
-            <pc:sldMk cId="2222583924" sldId="293"/>
-            <ac:spMk id="2" creationId="{FF7E5227-D4A8-698D-DF01-C3C821F3B2AD}"/>
-          </ac:spMkLst>
-        </pc:spChg>
-        <pc:spChg chg="del">
-          <ac:chgData name="Weifeng Xu" userId="e7aed605-a3dd-4d5a-a692-a87037af107b" providerId="ADAL" clId="{B29BA757-A9E5-4E35-900E-70A7C044DEA3}" dt="2025-05-08T19:17:33.302" v="2193" actId="700"/>
-          <ac:spMkLst>
-            <pc:docMk/>
-            <pc:sldMk cId="2222583924" sldId="293"/>
-            <ac:spMk id="3" creationId="{74DBBA96-383F-66E7-C14F-DD95A33661DD}"/>
-          </ac:spMkLst>
-        </pc:spChg>
-        <pc:picChg chg="add mod">
-          <ac:chgData name="Weifeng Xu" userId="e7aed605-a3dd-4d5a-a692-a87037af107b" providerId="ADAL" clId="{B29BA757-A9E5-4E35-900E-70A7C044DEA3}" dt="2025-05-08T19:17:53.737" v="2198" actId="14100"/>
-          <ac:picMkLst>
-            <pc:docMk/>
-            <pc:sldMk cId="2222583924" sldId="293"/>
-            <ac:picMk id="5" creationId="{4186F6DD-A471-6AF7-8F5F-D1BB21F02C6F}"/>
-          </ac:picMkLst>
-        </pc:picChg>
-      </pc:sldChg>
-      <pc:sldChg chg="addSp delSp modSp new del mod modClrScheme chgLayout">
-        <pc:chgData name="Weifeng Xu" userId="e7aed605-a3dd-4d5a-a692-a87037af107b" providerId="ADAL" clId="{B29BA757-A9E5-4E35-900E-70A7C044DEA3}" dt="2025-05-08T19:16:46.459" v="2191" actId="47"/>
-        <pc:sldMkLst>
-          <pc:docMk/>
-          <pc:sldMk cId="3547774912" sldId="293"/>
-        </pc:sldMkLst>
-        <pc:spChg chg="del">
-          <ac:chgData name="Weifeng Xu" userId="e7aed605-a3dd-4d5a-a692-a87037af107b" providerId="ADAL" clId="{B29BA757-A9E5-4E35-900E-70A7C044DEA3}" dt="2025-05-08T19:15:38.801" v="2176" actId="700"/>
-          <ac:spMkLst>
-            <pc:docMk/>
-            <pc:sldMk cId="3547774912" sldId="293"/>
-            <ac:spMk id="2" creationId="{F9C2EFB3-E1EC-508E-3E18-06040A0ECB23}"/>
-          </ac:spMkLst>
-        </pc:spChg>
-        <pc:spChg chg="del">
-          <ac:chgData name="Weifeng Xu" userId="e7aed605-a3dd-4d5a-a692-a87037af107b" providerId="ADAL" clId="{B29BA757-A9E5-4E35-900E-70A7C044DEA3}" dt="2025-05-08T19:15:38.801" v="2176" actId="700"/>
-          <ac:spMkLst>
-            <pc:docMk/>
-            <pc:sldMk cId="3547774912" sldId="293"/>
-            <ac:spMk id="3" creationId="{EB88A921-E6EC-F1CB-FEAB-6C8401B99999}"/>
-          </ac:spMkLst>
-        </pc:spChg>
-        <pc:picChg chg="add del mod">
-          <ac:chgData name="Weifeng Xu" userId="e7aed605-a3dd-4d5a-a692-a87037af107b" providerId="ADAL" clId="{B29BA757-A9E5-4E35-900E-70A7C044DEA3}" dt="2025-05-08T19:16:44.054" v="2190" actId="478"/>
-          <ac:picMkLst>
-            <pc:docMk/>
-            <pc:sldMk cId="3547774912" sldId="293"/>
-            <ac:picMk id="5" creationId="{745FD808-7329-3912-A5B7-E271AACC328B}"/>
-          </ac:picMkLst>
-        </pc:picChg>
-      </pc:sldChg>
-      <pc:sldChg chg="addSp modSp new mod">
-        <pc:chgData name="Weifeng Xu" userId="e7aed605-a3dd-4d5a-a692-a87037af107b" providerId="ADAL" clId="{B29BA757-A9E5-4E35-900E-70A7C044DEA3}" dt="2025-05-08T19:22:47.041" v="2221" actId="1076"/>
-        <pc:sldMkLst>
-          <pc:docMk/>
-          <pc:sldMk cId="1894162818" sldId="294"/>
-        </pc:sldMkLst>
-        <pc:spChg chg="mod">
-          <ac:chgData name="Weifeng Xu" userId="e7aed605-a3dd-4d5a-a692-a87037af107b" providerId="ADAL" clId="{B29BA757-A9E5-4E35-900E-70A7C044DEA3}" dt="2025-05-08T19:20:21.356" v="2207"/>
-          <ac:spMkLst>
-            <pc:docMk/>
-            <pc:sldMk cId="1894162818" sldId="294"/>
-            <ac:spMk id="2" creationId="{8A5EA7A7-7546-259F-138F-E1A5611D271D}"/>
-          </ac:spMkLst>
-        </pc:spChg>
-        <pc:spChg chg="mod">
-          <ac:chgData name="Weifeng Xu" userId="e7aed605-a3dd-4d5a-a692-a87037af107b" providerId="ADAL" clId="{B29BA757-A9E5-4E35-900E-70A7C044DEA3}" dt="2025-05-08T19:22:39.501" v="2219" actId="14100"/>
-          <ac:spMkLst>
-            <pc:docMk/>
-            <pc:sldMk cId="1894162818" sldId="294"/>
-            <ac:spMk id="3" creationId="{5A44B8D2-6D11-C3ED-49E5-A2BD6A0A786B}"/>
-          </ac:spMkLst>
-        </pc:spChg>
-        <pc:picChg chg="add mod">
-          <ac:chgData name="Weifeng Xu" userId="e7aed605-a3dd-4d5a-a692-a87037af107b" providerId="ADAL" clId="{B29BA757-A9E5-4E35-900E-70A7C044DEA3}" dt="2025-05-08T19:22:47.041" v="2221" actId="1076"/>
-          <ac:picMkLst>
-            <pc:docMk/>
-            <pc:sldMk cId="1894162818" sldId="294"/>
-            <ac:picMk id="5" creationId="{FC330909-A9E0-A5DD-E2B9-B1DA78C093C9}"/>
-          </ac:picMkLst>
-        </pc:picChg>
-      </pc:sldChg>
-      <pc:sldChg chg="addSp modSp new mod">
-        <pc:chgData name="Weifeng Xu" userId="e7aed605-a3dd-4d5a-a692-a87037af107b" providerId="ADAL" clId="{B29BA757-A9E5-4E35-900E-70A7C044DEA3}" dt="2025-05-08T19:25:57.875" v="2250" actId="14100"/>
-        <pc:sldMkLst>
-          <pc:docMk/>
-          <pc:sldMk cId="4224664371" sldId="295"/>
-        </pc:sldMkLst>
-        <pc:spChg chg="mod">
-          <ac:chgData name="Weifeng Xu" userId="e7aed605-a3dd-4d5a-a692-a87037af107b" providerId="ADAL" clId="{B29BA757-A9E5-4E35-900E-70A7C044DEA3}" dt="2025-05-08T19:25:40.416" v="2244" actId="14100"/>
-          <ac:spMkLst>
-            <pc:docMk/>
-            <pc:sldMk cId="4224664371" sldId="295"/>
-            <ac:spMk id="2" creationId="{CC825013-5F87-9BAF-F64A-9B9E836914ED}"/>
-          </ac:spMkLst>
-        </pc:spChg>
-        <pc:spChg chg="mod">
-          <ac:chgData name="Weifeng Xu" userId="e7aed605-a3dd-4d5a-a692-a87037af107b" providerId="ADAL" clId="{B29BA757-A9E5-4E35-900E-70A7C044DEA3}" dt="2025-05-08T19:25:47.903" v="2247" actId="14100"/>
-          <ac:spMkLst>
-            <pc:docMk/>
-            <pc:sldMk cId="4224664371" sldId="295"/>
-            <ac:spMk id="3" creationId="{B838E619-9D9B-F040-3EF5-EC48F39EB33D}"/>
-          </ac:spMkLst>
-        </pc:spChg>
-        <pc:picChg chg="add mod modCrop">
-          <ac:chgData name="Weifeng Xu" userId="e7aed605-a3dd-4d5a-a692-a87037af107b" providerId="ADAL" clId="{B29BA757-A9E5-4E35-900E-70A7C044DEA3}" dt="2025-05-08T19:25:57.875" v="2250" actId="14100"/>
-          <ac:picMkLst>
-            <pc:docMk/>
-            <pc:sldMk cId="4224664371" sldId="295"/>
-            <ac:picMk id="5" creationId="{96AD0C52-F73E-9C00-1B2E-438201B67412}"/>
-          </ac:picMkLst>
-        </pc:picChg>
-      </pc:sldChg>
-      <pc:sldChg chg="addSp delSp modSp new mod modClrScheme chgLayout">
-        <pc:chgData name="Weifeng Xu" userId="e7aed605-a3dd-4d5a-a692-a87037af107b" providerId="ADAL" clId="{B29BA757-A9E5-4E35-900E-70A7C044DEA3}" dt="2025-05-08T20:23:00.544" v="2270" actId="14100"/>
-        <pc:sldMkLst>
-          <pc:docMk/>
-          <pc:sldMk cId="720217490" sldId="296"/>
-        </pc:sldMkLst>
-        <pc:spChg chg="mod ord">
-          <ac:chgData name="Weifeng Xu" userId="e7aed605-a3dd-4d5a-a692-a87037af107b" providerId="ADAL" clId="{B29BA757-A9E5-4E35-900E-70A7C044DEA3}" dt="2025-05-08T20:23:00.544" v="2270" actId="14100"/>
-          <ac:spMkLst>
-            <pc:docMk/>
-            <pc:sldMk cId="720217490" sldId="296"/>
-            <ac:spMk id="2" creationId="{0BA6628A-E4AC-488F-507F-7C1798B0A969}"/>
-          </ac:spMkLst>
-        </pc:spChg>
-        <pc:spChg chg="del">
-          <ac:chgData name="Weifeng Xu" userId="e7aed605-a3dd-4d5a-a692-a87037af107b" providerId="ADAL" clId="{B29BA757-A9E5-4E35-900E-70A7C044DEA3}" dt="2025-05-08T19:36:07.422" v="2253" actId="700"/>
-          <ac:spMkLst>
-            <pc:docMk/>
-            <pc:sldMk cId="720217490" sldId="296"/>
-            <ac:spMk id="3" creationId="{05E9D560-1DB8-2B36-CDD4-A916D8E1B7F2}"/>
-          </ac:spMkLst>
-        </pc:spChg>
-        <pc:picChg chg="add mod modCrop">
-          <ac:chgData name="Weifeng Xu" userId="e7aed605-a3dd-4d5a-a692-a87037af107b" providerId="ADAL" clId="{B29BA757-A9E5-4E35-900E-70A7C044DEA3}" dt="2025-05-08T20:22:57.148" v="2269" actId="1076"/>
-          <ac:picMkLst>
-            <pc:docMk/>
-            <pc:sldMk cId="720217490" sldId="296"/>
-            <ac:picMk id="5" creationId="{853A5202-C55B-A5E5-FCC4-FD4366B79A4D}"/>
-          </ac:picMkLst>
-        </pc:picChg>
-        <pc:picChg chg="add mod modCrop">
-          <ac:chgData name="Weifeng Xu" userId="e7aed605-a3dd-4d5a-a692-a87037af107b" providerId="ADAL" clId="{B29BA757-A9E5-4E35-900E-70A7C044DEA3}" dt="2025-05-08T20:22:50.205" v="2266" actId="1076"/>
-          <ac:picMkLst>
-            <pc:docMk/>
-            <pc:sldMk cId="720217490" sldId="296"/>
-            <ac:picMk id="7" creationId="{5D85F227-67D9-3DAD-4C0A-31D1DD81FFF6}"/>
-          </ac:picMkLst>
-        </pc:picChg>
-      </pc:sldChg>
-      <pc:sldChg chg="addSp modSp new mod modClrScheme chgLayout">
-        <pc:chgData name="Weifeng Xu" userId="e7aed605-a3dd-4d5a-a692-a87037af107b" providerId="ADAL" clId="{B29BA757-A9E5-4E35-900E-70A7C044DEA3}" dt="2025-05-08T20:25:29.479" v="2296" actId="14100"/>
-        <pc:sldMkLst>
-          <pc:docMk/>
-          <pc:sldMk cId="4294253925" sldId="297"/>
-        </pc:sldMkLst>
-        <pc:spChg chg="mod ord">
-          <ac:chgData name="Weifeng Xu" userId="e7aed605-a3dd-4d5a-a692-a87037af107b" providerId="ADAL" clId="{B29BA757-A9E5-4E35-900E-70A7C044DEA3}" dt="2025-05-08T20:23:48.102" v="2274" actId="20577"/>
-          <ac:spMkLst>
-            <pc:docMk/>
-            <pc:sldMk cId="4294253925" sldId="297"/>
-            <ac:spMk id="2" creationId="{3CA01EDE-72C9-4011-F496-B8B001D8B12E}"/>
-          </ac:spMkLst>
-        </pc:spChg>
-        <pc:spChg chg="add mod ord">
-          <ac:chgData name="Weifeng Xu" userId="e7aed605-a3dd-4d5a-a692-a87037af107b" providerId="ADAL" clId="{B29BA757-A9E5-4E35-900E-70A7C044DEA3}" dt="2025-05-08T20:25:02.179" v="2291" actId="20577"/>
-          <ac:spMkLst>
-            <pc:docMk/>
-            <pc:sldMk cId="4294253925" sldId="297"/>
-            <ac:spMk id="3" creationId="{60E09913-4E61-321F-DC98-B3EBDCC208F5}"/>
-          </ac:spMkLst>
-        </pc:spChg>
-        <pc:picChg chg="add mod">
-          <ac:chgData name="Weifeng Xu" userId="e7aed605-a3dd-4d5a-a692-a87037af107b" providerId="ADAL" clId="{B29BA757-A9E5-4E35-900E-70A7C044DEA3}" dt="2025-05-08T20:25:29.479" v="2296" actId="14100"/>
-          <ac:picMkLst>
-            <pc:docMk/>
-            <pc:sldMk cId="4294253925" sldId="297"/>
-            <ac:picMk id="5" creationId="{1A46FB93-EAA3-F652-D462-D8F356D13120}"/>
-          </ac:picMkLst>
-        </pc:picChg>
-      </pc:sldChg>
-      <pc:sldChg chg="modSp new mod">
-        <pc:chgData name="Weifeng Xu" userId="e7aed605-a3dd-4d5a-a692-a87037af107b" providerId="ADAL" clId="{B29BA757-A9E5-4E35-900E-70A7C044DEA3}" dt="2025-05-08T20:26:01.468" v="2299"/>
-        <pc:sldMkLst>
-          <pc:docMk/>
-          <pc:sldMk cId="2038064399" sldId="298"/>
-        </pc:sldMkLst>
-        <pc:spChg chg="mod">
-          <ac:chgData name="Weifeng Xu" userId="e7aed605-a3dd-4d5a-a692-a87037af107b" providerId="ADAL" clId="{B29BA757-A9E5-4E35-900E-70A7C044DEA3}" dt="2025-05-08T20:25:56.172" v="2298"/>
-          <ac:spMkLst>
-            <pc:docMk/>
-            <pc:sldMk cId="2038064399" sldId="298"/>
-            <ac:spMk id="2" creationId="{666077D4-137F-A3C1-96AE-71AF3BBACAF7}"/>
-          </ac:spMkLst>
-        </pc:spChg>
-        <pc:spChg chg="mod">
-          <ac:chgData name="Weifeng Xu" userId="e7aed605-a3dd-4d5a-a692-a87037af107b" providerId="ADAL" clId="{B29BA757-A9E5-4E35-900E-70A7C044DEA3}" dt="2025-05-08T20:26:01.468" v="2299"/>
-          <ac:spMkLst>
-            <pc:docMk/>
-            <pc:sldMk cId="2038064399" sldId="298"/>
-            <ac:spMk id="3" creationId="{DB4B3295-4A0B-936F-4048-B74309B14A55}"/>
-          </ac:spMkLst>
-        </pc:spChg>
-      </pc:sldChg>
-      <pc:sldChg chg="modSp new mod">
-        <pc:chgData name="Weifeng Xu" userId="e7aed605-a3dd-4d5a-a692-a87037af107b" providerId="ADAL" clId="{B29BA757-A9E5-4E35-900E-70A7C044DEA3}" dt="2025-05-08T20:26:31.713" v="2302"/>
-        <pc:sldMkLst>
-          <pc:docMk/>
-          <pc:sldMk cId="1215718099" sldId="299"/>
-        </pc:sldMkLst>
-        <pc:spChg chg="mod">
-          <ac:chgData name="Weifeng Xu" userId="e7aed605-a3dd-4d5a-a692-a87037af107b" providerId="ADAL" clId="{B29BA757-A9E5-4E35-900E-70A7C044DEA3}" dt="2025-05-08T20:26:23.305" v="2301"/>
-          <ac:spMkLst>
-            <pc:docMk/>
-            <pc:sldMk cId="1215718099" sldId="299"/>
-            <ac:spMk id="2" creationId="{820F9E33-1626-836C-DA8D-6407E2D8707D}"/>
-          </ac:spMkLst>
-        </pc:spChg>
-        <pc:spChg chg="mod">
-          <ac:chgData name="Weifeng Xu" userId="e7aed605-a3dd-4d5a-a692-a87037af107b" providerId="ADAL" clId="{B29BA757-A9E5-4E35-900E-70A7C044DEA3}" dt="2025-05-08T20:26:31.713" v="2302"/>
-          <ac:spMkLst>
-            <pc:docMk/>
-            <pc:sldMk cId="1215718099" sldId="299"/>
-            <ac:spMk id="3" creationId="{E3E9BEF8-C647-4ACB-A62B-0922FFFFC91A}"/>
-          </ac:spMkLst>
-        </pc:spChg>
-      </pc:sldChg>
-    </pc:docChg>
-  </pc:docChgLst>
-  <pc:docChgLst>
     <pc:chgData name="Weifeng Xu" userId="e7aed605-a3dd-4d5a-a692-a87037af107b" providerId="ADAL" clId="{69090D41-60B8-4636-A275-1996D027DEDB}"/>
     <pc:docChg chg="undo custSel addSld delSld modSld sldOrd">
       <pc:chgData name="Weifeng Xu" userId="e7aed605-a3dd-4d5a-a692-a87037af107b" providerId="ADAL" clId="{69090D41-60B8-4636-A275-1996D027DEDB}" dt="2025-05-05T02:01:40.995" v="4514" actId="1076"/>
@@ -2962,22 +1832,6 @@
           <pc:docMk/>
           <pc:sldMk cId="1325061211" sldId="256"/>
         </pc:sldMkLst>
-        <pc:spChg chg="mod">
-          <ac:chgData name="Weifeng Xu" userId="e7aed605-a3dd-4d5a-a692-a87037af107b" providerId="ADAL" clId="{69090D41-60B8-4636-A275-1996D027DEDB}" dt="2025-05-03T20:44:45.203" v="32" actId="27636"/>
-          <ac:spMkLst>
-            <pc:docMk/>
-            <pc:sldMk cId="1325061211" sldId="256"/>
-            <ac:spMk id="2" creationId="{00000000-0000-0000-0000-000000000000}"/>
-          </ac:spMkLst>
-        </pc:spChg>
-        <pc:spChg chg="mod">
-          <ac:chgData name="Weifeng Xu" userId="e7aed605-a3dd-4d5a-a692-a87037af107b" providerId="ADAL" clId="{69090D41-60B8-4636-A275-1996D027DEDB}" dt="2025-05-03T20:45:02.331" v="33"/>
-          <ac:spMkLst>
-            <pc:docMk/>
-            <pc:sldMk cId="1325061211" sldId="256"/>
-            <ac:spMk id="3" creationId="{00000000-0000-0000-0000-000000000000}"/>
-          </ac:spMkLst>
-        </pc:spChg>
       </pc:sldChg>
       <pc:sldChg chg="del">
         <pc:chgData name="Weifeng Xu" userId="e7aed605-a3dd-4d5a-a692-a87037af107b" providerId="ADAL" clId="{69090D41-60B8-4636-A275-1996D027DEDB}" dt="2025-05-03T02:29:18.938" v="0" actId="47"/>
@@ -2992,22 +1846,6 @@
           <pc:docMk/>
           <pc:sldMk cId="3637650244" sldId="257"/>
         </pc:sldMkLst>
-        <pc:spChg chg="mod">
-          <ac:chgData name="Weifeng Xu" userId="e7aed605-a3dd-4d5a-a692-a87037af107b" providerId="ADAL" clId="{69090D41-60B8-4636-A275-1996D027DEDB}" dt="2025-05-03T20:45:28.055" v="42" actId="20577"/>
-          <ac:spMkLst>
-            <pc:docMk/>
-            <pc:sldMk cId="3637650244" sldId="257"/>
-            <ac:spMk id="2" creationId="{581B0BDA-EADA-7012-694F-60F1BFB9D6D9}"/>
-          </ac:spMkLst>
-        </pc:spChg>
-        <pc:spChg chg="mod">
-          <ac:chgData name="Weifeng Xu" userId="e7aed605-a3dd-4d5a-a692-a87037af107b" providerId="ADAL" clId="{69090D41-60B8-4636-A275-1996D027DEDB}" dt="2025-05-03T20:45:36.690" v="43"/>
-          <ac:spMkLst>
-            <pc:docMk/>
-            <pc:sldMk cId="3637650244" sldId="257"/>
-            <ac:spMk id="3" creationId="{06162081-A63F-B575-CA37-6004D51E7702}"/>
-          </ac:spMkLst>
-        </pc:spChg>
       </pc:sldChg>
       <pc:sldChg chg="del">
         <pc:chgData name="Weifeng Xu" userId="e7aed605-a3dd-4d5a-a692-a87037af107b" providerId="ADAL" clId="{69090D41-60B8-4636-A275-1996D027DEDB}" dt="2025-05-03T02:29:19.445" v="1" actId="47"/>
@@ -3294,478 +2132,6 @@
         <pc:sldMkLst>
           <pc:docMk/>
           <pc:sldMk cId="3552171113" sldId="285"/>
-        </pc:sldMkLst>
-      </pc:sldChg>
-    </pc:docChg>
-  </pc:docChgLst>
-  <pc:docChgLst>
-    <pc:chgData name="Weifeng Xu" userId="e7aed605-a3dd-4d5a-a692-a87037af107b" providerId="ADAL" clId="{8E5A6AEC-921D-4BE6-8002-CC8D4F2830D2}"/>
-    <pc:docChg chg="undo custSel addSld delSld modSld">
-      <pc:chgData name="Weifeng Xu" userId="e7aed605-a3dd-4d5a-a692-a87037af107b" providerId="ADAL" clId="{8E5A6AEC-921D-4BE6-8002-CC8D4F2830D2}" dt="2025-04-28T15:23:27.017" v="746" actId="6549"/>
-      <pc:docMkLst>
-        <pc:docMk/>
-      </pc:docMkLst>
-      <pc:sldChg chg="modSp mod chgLayout">
-        <pc:chgData name="Weifeng Xu" userId="e7aed605-a3dd-4d5a-a692-a87037af107b" providerId="ADAL" clId="{8E5A6AEC-921D-4BE6-8002-CC8D4F2830D2}" dt="2025-04-27T15:24:07.342" v="34" actId="700"/>
-        <pc:sldMkLst>
-          <pc:docMk/>
-          <pc:sldMk cId="1325061211" sldId="256"/>
-        </pc:sldMkLst>
-        <pc:spChg chg="mod ord">
-          <ac:chgData name="Weifeng Xu" userId="e7aed605-a3dd-4d5a-a692-a87037af107b" providerId="ADAL" clId="{8E5A6AEC-921D-4BE6-8002-CC8D4F2830D2}" dt="2025-04-27T15:24:07.342" v="34" actId="700"/>
-          <ac:spMkLst>
-            <pc:docMk/>
-            <pc:sldMk cId="1325061211" sldId="256"/>
-            <ac:spMk id="2" creationId="{00000000-0000-0000-0000-000000000000}"/>
-          </ac:spMkLst>
-        </pc:spChg>
-        <pc:spChg chg="mod ord">
-          <ac:chgData name="Weifeng Xu" userId="e7aed605-a3dd-4d5a-a692-a87037af107b" providerId="ADAL" clId="{8E5A6AEC-921D-4BE6-8002-CC8D4F2830D2}" dt="2025-04-27T15:24:07.342" v="34" actId="700"/>
-          <ac:spMkLst>
-            <pc:docMk/>
-            <pc:sldMk cId="1325061211" sldId="256"/>
-            <ac:spMk id="3" creationId="{00000000-0000-0000-0000-000000000000}"/>
-          </ac:spMkLst>
-        </pc:spChg>
-      </pc:sldChg>
-      <pc:sldChg chg="del">
-        <pc:chgData name="Weifeng Xu" userId="e7aed605-a3dd-4d5a-a692-a87037af107b" providerId="ADAL" clId="{8E5A6AEC-921D-4BE6-8002-CC8D4F2830D2}" dt="2025-04-27T15:25:06.899" v="35" actId="47"/>
-        <pc:sldMkLst>
-          <pc:docMk/>
-          <pc:sldMk cId="2201572609" sldId="257"/>
-        </pc:sldMkLst>
-      </pc:sldChg>
-      <pc:sldChg chg="addSp modSp new mod">
-        <pc:chgData name="Weifeng Xu" userId="e7aed605-a3dd-4d5a-a692-a87037af107b" providerId="ADAL" clId="{8E5A6AEC-921D-4BE6-8002-CC8D4F2830D2}" dt="2025-04-27T15:43:48.595" v="157" actId="1076"/>
-        <pc:sldMkLst>
-          <pc:docMk/>
-          <pc:sldMk cId="2572427240" sldId="257"/>
-        </pc:sldMkLst>
-      </pc:sldChg>
-      <pc:sldChg chg="del">
-        <pc:chgData name="Weifeng Xu" userId="e7aed605-a3dd-4d5a-a692-a87037af107b" providerId="ADAL" clId="{8E5A6AEC-921D-4BE6-8002-CC8D4F2830D2}" dt="2025-04-27T15:25:07.244" v="36" actId="47"/>
-        <pc:sldMkLst>
-          <pc:docMk/>
-          <pc:sldMk cId="450669007" sldId="258"/>
-        </pc:sldMkLst>
-      </pc:sldChg>
-      <pc:sldChg chg="addSp delSp modSp new mod modClrScheme chgLayout">
-        <pc:chgData name="Weifeng Xu" userId="e7aed605-a3dd-4d5a-a692-a87037af107b" providerId="ADAL" clId="{8E5A6AEC-921D-4BE6-8002-CC8D4F2830D2}" dt="2025-04-27T16:01:11.569" v="507" actId="207"/>
-        <pc:sldMkLst>
-          <pc:docMk/>
-          <pc:sldMk cId="3100494254" sldId="258"/>
-        </pc:sldMkLst>
-      </pc:sldChg>
-      <pc:sldChg chg="modSp new mod">
-        <pc:chgData name="Weifeng Xu" userId="e7aed605-a3dd-4d5a-a692-a87037af107b" providerId="ADAL" clId="{8E5A6AEC-921D-4BE6-8002-CC8D4F2830D2}" dt="2025-04-27T16:03:14.809" v="520" actId="207"/>
-        <pc:sldMkLst>
-          <pc:docMk/>
-          <pc:sldMk cId="1655253961" sldId="259"/>
-        </pc:sldMkLst>
-      </pc:sldChg>
-      <pc:sldChg chg="del">
-        <pc:chgData name="Weifeng Xu" userId="e7aed605-a3dd-4d5a-a692-a87037af107b" providerId="ADAL" clId="{8E5A6AEC-921D-4BE6-8002-CC8D4F2830D2}" dt="2025-04-27T15:25:07.654" v="37" actId="47"/>
-        <pc:sldMkLst>
-          <pc:docMk/>
-          <pc:sldMk cId="3233567480" sldId="259"/>
-        </pc:sldMkLst>
-      </pc:sldChg>
-      <pc:sldChg chg="del">
-        <pc:chgData name="Weifeng Xu" userId="e7aed605-a3dd-4d5a-a692-a87037af107b" providerId="ADAL" clId="{8E5A6AEC-921D-4BE6-8002-CC8D4F2830D2}" dt="2025-04-27T15:25:09.947" v="46" actId="47"/>
-        <pc:sldMkLst>
-          <pc:docMk/>
-          <pc:sldMk cId="2715224073" sldId="260"/>
-        </pc:sldMkLst>
-      </pc:sldChg>
-      <pc:sldChg chg="modSp new mod">
-        <pc:chgData name="Weifeng Xu" userId="e7aed605-a3dd-4d5a-a692-a87037af107b" providerId="ADAL" clId="{8E5A6AEC-921D-4BE6-8002-CC8D4F2830D2}" dt="2025-04-27T16:04:14.976" v="601" actId="313"/>
-        <pc:sldMkLst>
-          <pc:docMk/>
-          <pc:sldMk cId="3375603492" sldId="260"/>
-        </pc:sldMkLst>
-      </pc:sldChg>
-      <pc:sldChg chg="modSp new mod">
-        <pc:chgData name="Weifeng Xu" userId="e7aed605-a3dd-4d5a-a692-a87037af107b" providerId="ADAL" clId="{8E5A6AEC-921D-4BE6-8002-CC8D4F2830D2}" dt="2025-04-27T16:05:14.474" v="618"/>
-        <pc:sldMkLst>
-          <pc:docMk/>
-          <pc:sldMk cId="909895920" sldId="261"/>
-        </pc:sldMkLst>
-      </pc:sldChg>
-      <pc:sldChg chg="del">
-        <pc:chgData name="Weifeng Xu" userId="e7aed605-a3dd-4d5a-a692-a87037af107b" providerId="ADAL" clId="{8E5A6AEC-921D-4BE6-8002-CC8D4F2830D2}" dt="2025-04-27T15:25:07.871" v="38" actId="47"/>
-        <pc:sldMkLst>
-          <pc:docMk/>
-          <pc:sldMk cId="1030786537" sldId="261"/>
-        </pc:sldMkLst>
-      </pc:sldChg>
-      <pc:sldChg chg="addSp delSp modSp new mod">
-        <pc:chgData name="Weifeng Xu" userId="e7aed605-a3dd-4d5a-a692-a87037af107b" providerId="ADAL" clId="{8E5A6AEC-921D-4BE6-8002-CC8D4F2830D2}" dt="2025-04-28T15:23:27.017" v="746" actId="6549"/>
-        <pc:sldMkLst>
-          <pc:docMk/>
-          <pc:sldMk cId="1010189504" sldId="262"/>
-        </pc:sldMkLst>
-      </pc:sldChg>
-      <pc:sldChg chg="del">
-        <pc:chgData name="Weifeng Xu" userId="e7aed605-a3dd-4d5a-a692-a87037af107b" providerId="ADAL" clId="{8E5A6AEC-921D-4BE6-8002-CC8D4F2830D2}" dt="2025-04-27T15:25:08.095" v="39" actId="47"/>
-        <pc:sldMkLst>
-          <pc:docMk/>
-          <pc:sldMk cId="3548515090" sldId="264"/>
-        </pc:sldMkLst>
-      </pc:sldChg>
-      <pc:sldChg chg="del">
-        <pc:chgData name="Weifeng Xu" userId="e7aed605-a3dd-4d5a-a692-a87037af107b" providerId="ADAL" clId="{8E5A6AEC-921D-4BE6-8002-CC8D4F2830D2}" dt="2025-04-27T15:25:10.434" v="47" actId="47"/>
-        <pc:sldMkLst>
-          <pc:docMk/>
-          <pc:sldMk cId="3523214092" sldId="265"/>
-        </pc:sldMkLst>
-      </pc:sldChg>
-      <pc:sldChg chg="del">
-        <pc:chgData name="Weifeng Xu" userId="e7aed605-a3dd-4d5a-a692-a87037af107b" providerId="ADAL" clId="{8E5A6AEC-921D-4BE6-8002-CC8D4F2830D2}" dt="2025-04-27T15:25:08.929" v="43" actId="47"/>
-        <pc:sldMkLst>
-          <pc:docMk/>
-          <pc:sldMk cId="756868712" sldId="266"/>
-        </pc:sldMkLst>
-      </pc:sldChg>
-      <pc:sldChg chg="del">
-        <pc:chgData name="Weifeng Xu" userId="e7aed605-a3dd-4d5a-a692-a87037af107b" providerId="ADAL" clId="{8E5A6AEC-921D-4BE6-8002-CC8D4F2830D2}" dt="2025-04-27T15:25:09.145" v="44" actId="47"/>
-        <pc:sldMkLst>
-          <pc:docMk/>
-          <pc:sldMk cId="2973990778" sldId="267"/>
-        </pc:sldMkLst>
-      </pc:sldChg>
-      <pc:sldChg chg="del">
-        <pc:chgData name="Weifeng Xu" userId="e7aed605-a3dd-4d5a-a692-a87037af107b" providerId="ADAL" clId="{8E5A6AEC-921D-4BE6-8002-CC8D4F2830D2}" dt="2025-04-27T15:25:09.362" v="45" actId="47"/>
-        <pc:sldMkLst>
-          <pc:docMk/>
-          <pc:sldMk cId="2042884208" sldId="268"/>
-        </pc:sldMkLst>
-      </pc:sldChg>
-      <pc:sldChg chg="del">
-        <pc:chgData name="Weifeng Xu" userId="e7aed605-a3dd-4d5a-a692-a87037af107b" providerId="ADAL" clId="{8E5A6AEC-921D-4BE6-8002-CC8D4F2830D2}" dt="2025-04-27T15:25:08.271" v="40" actId="47"/>
-        <pc:sldMkLst>
-          <pc:docMk/>
-          <pc:sldMk cId="3256057421" sldId="269"/>
-        </pc:sldMkLst>
-      </pc:sldChg>
-      <pc:sldChg chg="del">
-        <pc:chgData name="Weifeng Xu" userId="e7aed605-a3dd-4d5a-a692-a87037af107b" providerId="ADAL" clId="{8E5A6AEC-921D-4BE6-8002-CC8D4F2830D2}" dt="2025-04-27T15:25:08.466" v="41" actId="47"/>
-        <pc:sldMkLst>
-          <pc:docMk/>
-          <pc:sldMk cId="146876777" sldId="270"/>
-        </pc:sldMkLst>
-      </pc:sldChg>
-      <pc:sldChg chg="del">
-        <pc:chgData name="Weifeng Xu" userId="e7aed605-a3dd-4d5a-a692-a87037af107b" providerId="ADAL" clId="{8E5A6AEC-921D-4BE6-8002-CC8D4F2830D2}" dt="2025-04-27T15:25:08.686" v="42" actId="47"/>
-        <pc:sldMkLst>
-          <pc:docMk/>
-          <pc:sldMk cId="1939243851" sldId="271"/>
-        </pc:sldMkLst>
-      </pc:sldChg>
-      <pc:sldChg chg="del">
-        <pc:chgData name="Weifeng Xu" userId="e7aed605-a3dd-4d5a-a692-a87037af107b" providerId="ADAL" clId="{8E5A6AEC-921D-4BE6-8002-CC8D4F2830D2}" dt="2025-04-27T15:25:11.096" v="48" actId="47"/>
-        <pc:sldMkLst>
-          <pc:docMk/>
-          <pc:sldMk cId="2238745649" sldId="272"/>
-        </pc:sldMkLst>
-      </pc:sldChg>
-    </pc:docChg>
-  </pc:docChgLst>
-  <pc:docChgLst>
-    <pc:chgData name="Weifeng Xu" userId="e7aed605-a3dd-4d5a-a692-a87037af107b" providerId="ADAL" clId="{781DD69C-B3C3-4AA3-A094-E5C237C15CAE}"/>
-    <pc:docChg chg="delSld">
-      <pc:chgData name="Weifeng Xu" userId="e7aed605-a3dd-4d5a-a692-a87037af107b" providerId="ADAL" clId="{781DD69C-B3C3-4AA3-A094-E5C237C15CAE}" dt="2025-04-26T15:34:37.721" v="1" actId="47"/>
-      <pc:docMkLst>
-        <pc:docMk/>
-      </pc:docMkLst>
-      <pc:sldChg chg="del">
-        <pc:chgData name="Weifeng Xu" userId="e7aed605-a3dd-4d5a-a692-a87037af107b" providerId="ADAL" clId="{781DD69C-B3C3-4AA3-A094-E5C237C15CAE}" dt="2025-04-26T15:34:36.333" v="0" actId="47"/>
-        <pc:sldMkLst>
-          <pc:docMk/>
-          <pc:sldMk cId="3284022864" sldId="262"/>
-        </pc:sldMkLst>
-      </pc:sldChg>
-      <pc:sldChg chg="del">
-        <pc:chgData name="Weifeng Xu" userId="e7aed605-a3dd-4d5a-a692-a87037af107b" providerId="ADAL" clId="{781DD69C-B3C3-4AA3-A094-E5C237C15CAE}" dt="2025-04-26T15:34:37.721" v="1" actId="47"/>
-        <pc:sldMkLst>
-          <pc:docMk/>
-          <pc:sldMk cId="786756272" sldId="263"/>
-        </pc:sldMkLst>
-      </pc:sldChg>
-    </pc:docChg>
-  </pc:docChgLst>
-  <pc:docChgLst>
-    <pc:chgData name="Weifeng Xu" userId="e7aed605-a3dd-4d5a-a692-a87037af107b" providerId="ADAL" clId="{30C724EF-4842-4D28-AD5E-F8ADBCCE7FC4}"/>
-    <pc:docChg chg="undo custSel addSld delSld modSld">
-      <pc:chgData name="Weifeng Xu" userId="e7aed605-a3dd-4d5a-a692-a87037af107b" providerId="ADAL" clId="{30C724EF-4842-4D28-AD5E-F8ADBCCE7FC4}" dt="2025-05-02T15:10:40.316" v="141" actId="1076"/>
-      <pc:docMkLst>
-        <pc:docMk/>
-      </pc:docMkLst>
-      <pc:sldChg chg="delSp modSp mod">
-        <pc:chgData name="Weifeng Xu" userId="e7aed605-a3dd-4d5a-a692-a87037af107b" providerId="ADAL" clId="{30C724EF-4842-4D28-AD5E-F8ADBCCE7FC4}" dt="2025-05-02T14:27:30.559" v="26" actId="6549"/>
-        <pc:sldMkLst>
-          <pc:docMk/>
-          <pc:sldMk cId="1325061211" sldId="256"/>
-        </pc:sldMkLst>
-        <pc:spChg chg="mod">
-          <ac:chgData name="Weifeng Xu" userId="e7aed605-a3dd-4d5a-a692-a87037af107b" providerId="ADAL" clId="{30C724EF-4842-4D28-AD5E-F8ADBCCE7FC4}" dt="2025-05-02T14:26:53.935" v="23" actId="6549"/>
-          <ac:spMkLst>
-            <pc:docMk/>
-            <pc:sldMk cId="1325061211" sldId="256"/>
-            <ac:spMk id="2" creationId="{00000000-0000-0000-0000-000000000000}"/>
-          </ac:spMkLst>
-        </pc:spChg>
-        <pc:spChg chg="mod">
-          <ac:chgData name="Weifeng Xu" userId="e7aed605-a3dd-4d5a-a692-a87037af107b" providerId="ADAL" clId="{30C724EF-4842-4D28-AD5E-F8ADBCCE7FC4}" dt="2025-05-02T14:27:30.559" v="26" actId="6549"/>
-          <ac:spMkLst>
-            <pc:docMk/>
-            <pc:sldMk cId="1325061211" sldId="256"/>
-            <ac:spMk id="3" creationId="{00000000-0000-0000-0000-000000000000}"/>
-          </ac:spMkLst>
-        </pc:spChg>
-      </pc:sldChg>
-      <pc:sldChg chg="modSp new mod">
-        <pc:chgData name="Weifeng Xu" userId="e7aed605-a3dd-4d5a-a692-a87037af107b" providerId="ADAL" clId="{30C724EF-4842-4D28-AD5E-F8ADBCCE7FC4}" dt="2025-05-02T14:27:48.979" v="28"/>
-        <pc:sldMkLst>
-          <pc:docMk/>
-          <pc:sldMk cId="1640287784" sldId="257"/>
-        </pc:sldMkLst>
-      </pc:sldChg>
-      <pc:sldChg chg="del">
-        <pc:chgData name="Weifeng Xu" userId="e7aed605-a3dd-4d5a-a692-a87037af107b" providerId="ADAL" clId="{30C724EF-4842-4D28-AD5E-F8ADBCCE7FC4}" dt="2025-05-02T14:26:32.787" v="0" actId="47"/>
-        <pc:sldMkLst>
-          <pc:docMk/>
-          <pc:sldMk cId="2003605107" sldId="257"/>
-        </pc:sldMkLst>
-      </pc:sldChg>
-      <pc:sldChg chg="modSp new mod">
-        <pc:chgData name="Weifeng Xu" userId="e7aed605-a3dd-4d5a-a692-a87037af107b" providerId="ADAL" clId="{30C724EF-4842-4D28-AD5E-F8ADBCCE7FC4}" dt="2025-05-02T14:31:22.834" v="56" actId="108"/>
-        <pc:sldMkLst>
-          <pc:docMk/>
-          <pc:sldMk cId="717681411" sldId="258"/>
-        </pc:sldMkLst>
-      </pc:sldChg>
-      <pc:sldChg chg="del">
-        <pc:chgData name="Weifeng Xu" userId="e7aed605-a3dd-4d5a-a692-a87037af107b" providerId="ADAL" clId="{30C724EF-4842-4D28-AD5E-F8ADBCCE7FC4}" dt="2025-05-02T14:26:32.949" v="1" actId="47"/>
-        <pc:sldMkLst>
-          <pc:docMk/>
-          <pc:sldMk cId="3148078500" sldId="258"/>
-        </pc:sldMkLst>
-      </pc:sldChg>
-      <pc:sldChg chg="del">
-        <pc:chgData name="Weifeng Xu" userId="e7aed605-a3dd-4d5a-a692-a87037af107b" providerId="ADAL" clId="{30C724EF-4842-4D28-AD5E-F8ADBCCE7FC4}" dt="2025-05-02T14:26:33.102" v="2" actId="47"/>
-        <pc:sldMkLst>
-          <pc:docMk/>
-          <pc:sldMk cId="2942233055" sldId="259"/>
-        </pc:sldMkLst>
-      </pc:sldChg>
-      <pc:sldChg chg="modSp new mod">
-        <pc:chgData name="Weifeng Xu" userId="e7aed605-a3dd-4d5a-a692-a87037af107b" providerId="ADAL" clId="{30C724EF-4842-4D28-AD5E-F8ADBCCE7FC4}" dt="2025-05-02T14:31:19.127" v="55" actId="108"/>
-        <pc:sldMkLst>
-          <pc:docMk/>
-          <pc:sldMk cId="3856045583" sldId="259"/>
-        </pc:sldMkLst>
-      </pc:sldChg>
-      <pc:sldChg chg="addSp modSp new mod">
-        <pc:chgData name="Weifeng Xu" userId="e7aed605-a3dd-4d5a-a692-a87037af107b" providerId="ADAL" clId="{30C724EF-4842-4D28-AD5E-F8ADBCCE7FC4}" dt="2025-05-02T15:07:43.406" v="100" actId="1076"/>
-        <pc:sldMkLst>
-          <pc:docMk/>
-          <pc:sldMk cId="1123301564" sldId="260"/>
-        </pc:sldMkLst>
-      </pc:sldChg>
-      <pc:sldChg chg="del">
-        <pc:chgData name="Weifeng Xu" userId="e7aed605-a3dd-4d5a-a692-a87037af107b" providerId="ADAL" clId="{30C724EF-4842-4D28-AD5E-F8ADBCCE7FC4}" dt="2025-05-02T14:26:33.278" v="3" actId="47"/>
-        <pc:sldMkLst>
-          <pc:docMk/>
-          <pc:sldMk cId="4238292093" sldId="260"/>
-        </pc:sldMkLst>
-      </pc:sldChg>
-      <pc:sldChg chg="del">
-        <pc:chgData name="Weifeng Xu" userId="e7aed605-a3dd-4d5a-a692-a87037af107b" providerId="ADAL" clId="{30C724EF-4842-4D28-AD5E-F8ADBCCE7FC4}" dt="2025-05-02T14:26:33.438" v="4" actId="47"/>
-        <pc:sldMkLst>
-          <pc:docMk/>
-          <pc:sldMk cId="773548588" sldId="261"/>
-        </pc:sldMkLst>
-      </pc:sldChg>
-      <pc:sldChg chg="modSp new mod">
-        <pc:chgData name="Weifeng Xu" userId="e7aed605-a3dd-4d5a-a692-a87037af107b" providerId="ADAL" clId="{30C724EF-4842-4D28-AD5E-F8ADBCCE7FC4}" dt="2025-05-02T14:31:40.332" v="59" actId="20577"/>
-        <pc:sldMkLst>
-          <pc:docMk/>
-          <pc:sldMk cId="805984163" sldId="261"/>
-        </pc:sldMkLst>
-      </pc:sldChg>
-      <pc:sldChg chg="modSp new mod">
-        <pc:chgData name="Weifeng Xu" userId="e7aed605-a3dd-4d5a-a692-a87037af107b" providerId="ADAL" clId="{30C724EF-4842-4D28-AD5E-F8ADBCCE7FC4}" dt="2025-05-02T14:32:29.484" v="64"/>
-        <pc:sldMkLst>
-          <pc:docMk/>
-          <pc:sldMk cId="914522820" sldId="262"/>
-        </pc:sldMkLst>
-      </pc:sldChg>
-      <pc:sldChg chg="del">
-        <pc:chgData name="Weifeng Xu" userId="e7aed605-a3dd-4d5a-a692-a87037af107b" providerId="ADAL" clId="{30C724EF-4842-4D28-AD5E-F8ADBCCE7FC4}" dt="2025-05-02T14:26:33.690" v="5" actId="47"/>
-        <pc:sldMkLst>
-          <pc:docMk/>
-          <pc:sldMk cId="3939068785" sldId="262"/>
-        </pc:sldMkLst>
-      </pc:sldChg>
-      <pc:sldChg chg="del">
-        <pc:chgData name="Weifeng Xu" userId="e7aed605-a3dd-4d5a-a692-a87037af107b" providerId="ADAL" clId="{30C724EF-4842-4D28-AD5E-F8ADBCCE7FC4}" dt="2025-05-02T14:26:33.878" v="6" actId="47"/>
-        <pc:sldMkLst>
-          <pc:docMk/>
-          <pc:sldMk cId="2162073066" sldId="263"/>
-        </pc:sldMkLst>
-      </pc:sldChg>
-      <pc:sldChg chg="modSp new mod">
-        <pc:chgData name="Weifeng Xu" userId="e7aed605-a3dd-4d5a-a692-a87037af107b" providerId="ADAL" clId="{30C724EF-4842-4D28-AD5E-F8ADBCCE7FC4}" dt="2025-05-02T14:32:55.778" v="67"/>
-        <pc:sldMkLst>
-          <pc:docMk/>
-          <pc:sldMk cId="3784490461" sldId="263"/>
-        </pc:sldMkLst>
-      </pc:sldChg>
-      <pc:sldChg chg="modSp new mod">
-        <pc:chgData name="Weifeng Xu" userId="e7aed605-a3dd-4d5a-a692-a87037af107b" providerId="ADAL" clId="{30C724EF-4842-4D28-AD5E-F8ADBCCE7FC4}" dt="2025-05-02T14:34:02.101" v="70"/>
-        <pc:sldMkLst>
-          <pc:docMk/>
-          <pc:sldMk cId="1859847628" sldId="264"/>
-        </pc:sldMkLst>
-      </pc:sldChg>
-      <pc:sldChg chg="del">
-        <pc:chgData name="Weifeng Xu" userId="e7aed605-a3dd-4d5a-a692-a87037af107b" providerId="ADAL" clId="{30C724EF-4842-4D28-AD5E-F8ADBCCE7FC4}" dt="2025-05-02T14:26:34.055" v="7" actId="47"/>
-        <pc:sldMkLst>
-          <pc:docMk/>
-          <pc:sldMk cId="1975365164" sldId="264"/>
-        </pc:sldMkLst>
-      </pc:sldChg>
-      <pc:sldChg chg="modSp new mod">
-        <pc:chgData name="Weifeng Xu" userId="e7aed605-a3dd-4d5a-a692-a87037af107b" providerId="ADAL" clId="{30C724EF-4842-4D28-AD5E-F8ADBCCE7FC4}" dt="2025-05-02T14:36:37.939" v="73"/>
-        <pc:sldMkLst>
-          <pc:docMk/>
-          <pc:sldMk cId="2875748899" sldId="265"/>
-        </pc:sldMkLst>
-      </pc:sldChg>
-      <pc:sldChg chg="del">
-        <pc:chgData name="Weifeng Xu" userId="e7aed605-a3dd-4d5a-a692-a87037af107b" providerId="ADAL" clId="{30C724EF-4842-4D28-AD5E-F8ADBCCE7FC4}" dt="2025-05-02T14:26:34.218" v="8" actId="47"/>
-        <pc:sldMkLst>
-          <pc:docMk/>
-          <pc:sldMk cId="4163382801" sldId="265"/>
-        </pc:sldMkLst>
-      </pc:sldChg>
-      <pc:sldChg chg="del">
-        <pc:chgData name="Weifeng Xu" userId="e7aed605-a3dd-4d5a-a692-a87037af107b" providerId="ADAL" clId="{30C724EF-4842-4D28-AD5E-F8ADBCCE7FC4}" dt="2025-05-02T14:26:35.006" v="12" actId="47"/>
-        <pc:sldMkLst>
-          <pc:docMk/>
-          <pc:sldMk cId="711940281" sldId="266"/>
-        </pc:sldMkLst>
-      </pc:sldChg>
-      <pc:sldChg chg="modSp new mod">
-        <pc:chgData name="Weifeng Xu" userId="e7aed605-a3dd-4d5a-a692-a87037af107b" providerId="ADAL" clId="{30C724EF-4842-4D28-AD5E-F8ADBCCE7FC4}" dt="2025-05-02T14:37:14.713" v="77" actId="27636"/>
-        <pc:sldMkLst>
-          <pc:docMk/>
-          <pc:sldMk cId="3455260336" sldId="266"/>
-        </pc:sldMkLst>
-      </pc:sldChg>
-      <pc:sldChg chg="modSp new mod">
-        <pc:chgData name="Weifeng Xu" userId="e7aed605-a3dd-4d5a-a692-a87037af107b" providerId="ADAL" clId="{30C724EF-4842-4D28-AD5E-F8ADBCCE7FC4}" dt="2025-05-02T14:37:38.176" v="80"/>
-        <pc:sldMkLst>
-          <pc:docMk/>
-          <pc:sldMk cId="2341961951" sldId="267"/>
-        </pc:sldMkLst>
-      </pc:sldChg>
-      <pc:sldChg chg="del">
-        <pc:chgData name="Weifeng Xu" userId="e7aed605-a3dd-4d5a-a692-a87037af107b" providerId="ADAL" clId="{30C724EF-4842-4D28-AD5E-F8ADBCCE7FC4}" dt="2025-05-02T14:26:35.227" v="13" actId="47"/>
-        <pc:sldMkLst>
-          <pc:docMk/>
-          <pc:sldMk cId="3000902119" sldId="267"/>
-        </pc:sldMkLst>
-      </pc:sldChg>
-      <pc:sldChg chg="del">
-        <pc:chgData name="Weifeng Xu" userId="e7aed605-a3dd-4d5a-a692-a87037af107b" providerId="ADAL" clId="{30C724EF-4842-4D28-AD5E-F8ADBCCE7FC4}" dt="2025-05-02T14:26:35.390" v="14" actId="47"/>
-        <pc:sldMkLst>
-          <pc:docMk/>
-          <pc:sldMk cId="70125468" sldId="268"/>
-        </pc:sldMkLst>
-      </pc:sldChg>
-      <pc:sldChg chg="modSp new mod">
-        <pc:chgData name="Weifeng Xu" userId="e7aed605-a3dd-4d5a-a692-a87037af107b" providerId="ADAL" clId="{30C724EF-4842-4D28-AD5E-F8ADBCCE7FC4}" dt="2025-05-02T14:38:19.021" v="83"/>
-        <pc:sldMkLst>
-          <pc:docMk/>
-          <pc:sldMk cId="1430309032" sldId="268"/>
-        </pc:sldMkLst>
-      </pc:sldChg>
-      <pc:sldChg chg="del">
-        <pc:chgData name="Weifeng Xu" userId="e7aed605-a3dd-4d5a-a692-a87037af107b" providerId="ADAL" clId="{30C724EF-4842-4D28-AD5E-F8ADBCCE7FC4}" dt="2025-05-02T14:26:38.233" v="19" actId="47"/>
-        <pc:sldMkLst>
-          <pc:docMk/>
-          <pc:sldMk cId="1829157120" sldId="269"/>
-        </pc:sldMkLst>
-      </pc:sldChg>
-      <pc:sldChg chg="addSp delSp modSp new mod modClrScheme chgLayout">
-        <pc:chgData name="Weifeng Xu" userId="e7aed605-a3dd-4d5a-a692-a87037af107b" providerId="ADAL" clId="{30C724EF-4842-4D28-AD5E-F8ADBCCE7FC4}" dt="2025-05-02T15:09:25.274" v="131" actId="1076"/>
-        <pc:sldMkLst>
-          <pc:docMk/>
-          <pc:sldMk cId="2476079575" sldId="269"/>
-        </pc:sldMkLst>
-      </pc:sldChg>
-      <pc:sldChg chg="del">
-        <pc:chgData name="Weifeng Xu" userId="e7aed605-a3dd-4d5a-a692-a87037af107b" providerId="ADAL" clId="{30C724EF-4842-4D28-AD5E-F8ADBCCE7FC4}" dt="2025-05-02T14:26:35.560" v="15" actId="47"/>
-        <pc:sldMkLst>
-          <pc:docMk/>
-          <pc:sldMk cId="1822568230" sldId="270"/>
-        </pc:sldMkLst>
-      </pc:sldChg>
-      <pc:sldChg chg="addSp delSp modSp new mod modClrScheme chgLayout">
-        <pc:chgData name="Weifeng Xu" userId="e7aed605-a3dd-4d5a-a692-a87037af107b" providerId="ADAL" clId="{30C724EF-4842-4D28-AD5E-F8ADBCCE7FC4}" dt="2025-05-02T15:10:40.316" v="141" actId="1076"/>
-        <pc:sldMkLst>
-          <pc:docMk/>
-          <pc:sldMk cId="2069138016" sldId="270"/>
-        </pc:sldMkLst>
-      </pc:sldChg>
-      <pc:sldChg chg="del">
-        <pc:chgData name="Weifeng Xu" userId="e7aed605-a3dd-4d5a-a692-a87037af107b" providerId="ADAL" clId="{30C724EF-4842-4D28-AD5E-F8ADBCCE7FC4}" dt="2025-05-02T14:26:36.264" v="17" actId="47"/>
-        <pc:sldMkLst>
-          <pc:docMk/>
-          <pc:sldMk cId="929903445" sldId="271"/>
-        </pc:sldMkLst>
-      </pc:sldChg>
-      <pc:sldChg chg="del">
-        <pc:chgData name="Weifeng Xu" userId="e7aed605-a3dd-4d5a-a692-a87037af107b" providerId="ADAL" clId="{30C724EF-4842-4D28-AD5E-F8ADBCCE7FC4}" dt="2025-05-02T14:26:34.596" v="10" actId="47"/>
-        <pc:sldMkLst>
-          <pc:docMk/>
-          <pc:sldMk cId="409369350" sldId="272"/>
-        </pc:sldMkLst>
-      </pc:sldChg>
-      <pc:sldChg chg="del">
-        <pc:chgData name="Weifeng Xu" userId="e7aed605-a3dd-4d5a-a692-a87037af107b" providerId="ADAL" clId="{30C724EF-4842-4D28-AD5E-F8ADBCCE7FC4}" dt="2025-05-02T14:26:34.416" v="9" actId="47"/>
-        <pc:sldMkLst>
-          <pc:docMk/>
-          <pc:sldMk cId="3399795082" sldId="273"/>
-        </pc:sldMkLst>
-      </pc:sldChg>
-      <pc:sldChg chg="del">
-        <pc:chgData name="Weifeng Xu" userId="e7aed605-a3dd-4d5a-a692-a87037af107b" providerId="ADAL" clId="{30C724EF-4842-4D28-AD5E-F8ADBCCE7FC4}" dt="2025-05-02T14:26:34.833" v="11" actId="47"/>
-        <pc:sldMkLst>
-          <pc:docMk/>
-          <pc:sldMk cId="1313382436" sldId="274"/>
-        </pc:sldMkLst>
-      </pc:sldChg>
-      <pc:sldChg chg="del">
-        <pc:chgData name="Weifeng Xu" userId="e7aed605-a3dd-4d5a-a692-a87037af107b" providerId="ADAL" clId="{30C724EF-4842-4D28-AD5E-F8ADBCCE7FC4}" dt="2025-05-02T14:26:39.207" v="20" actId="47"/>
-        <pc:sldMkLst>
-          <pc:docMk/>
-          <pc:sldMk cId="4170236264" sldId="275"/>
-        </pc:sldMkLst>
-      </pc:sldChg>
-      <pc:sldChg chg="del">
-        <pc:chgData name="Weifeng Xu" userId="e7aed605-a3dd-4d5a-a692-a87037af107b" providerId="ADAL" clId="{30C724EF-4842-4D28-AD5E-F8ADBCCE7FC4}" dt="2025-05-02T14:26:35.754" v="16" actId="47"/>
-        <pc:sldMkLst>
-          <pc:docMk/>
-          <pc:sldMk cId="363184616" sldId="276"/>
-        </pc:sldMkLst>
-      </pc:sldChg>
-      <pc:sldChg chg="del">
-        <pc:chgData name="Weifeng Xu" userId="e7aed605-a3dd-4d5a-a692-a87037af107b" providerId="ADAL" clId="{30C724EF-4842-4D28-AD5E-F8ADBCCE7FC4}" dt="2025-05-02T14:26:37.362" v="18" actId="47"/>
-        <pc:sldMkLst>
-          <pc:docMk/>
-          <pc:sldMk cId="1572050356" sldId="277"/>
         </pc:sldMkLst>
       </pc:sldChg>
     </pc:docChg>
@@ -3855,7 +2221,7 @@
           <a:p>
             <a:fld id="{2A59A54D-A59E-4D85-AEC9-D5AFF867AB55}" type="datetimeFigureOut">
               <a:rPr lang="en-US" smtClean="0"/>
-              <a:t>10/15/2025</a:t>
+              <a:t>10/22/2025</a:t>
             </a:fld>
             <a:endParaRPr lang="en-US"/>
           </a:p>
@@ -4414,7 +2780,7 @@
           <a:p>
             <a:fld id="{AD4B3522-F598-4236-847D-901DDEE8B2B8}" type="slidenum">
               <a:rPr lang="en-US" smtClean="0"/>
-              <a:t>10</a:t>
+              <a:t>11</a:t>
             </a:fld>
             <a:endParaRPr lang="en-US"/>
           </a:p>
@@ -4498,7 +2864,7 @@
           <a:p>
             <a:fld id="{AD4B3522-F598-4236-847D-901DDEE8B2B8}" type="slidenum">
               <a:rPr lang="en-US" smtClean="0"/>
-              <a:t>23</a:t>
+              <a:t>24</a:t>
             </a:fld>
             <a:endParaRPr lang="en-US"/>
           </a:p>
@@ -5177,7 +3543,7 @@
           <a:p>
             <a:fld id="{AD4B3522-F598-4236-847D-901DDEE8B2B8}" type="slidenum">
               <a:rPr lang="en-US" smtClean="0"/>
-              <a:t>24</a:t>
+              <a:t>25</a:t>
             </a:fld>
             <a:endParaRPr lang="en-US"/>
           </a:p>
@@ -5325,7 +3691,7 @@
           <a:p>
             <a:fld id="{4263717A-E3C1-4BED-ABE0-B7069385E023}" type="datetimeFigureOut">
               <a:rPr lang="en-US" smtClean="0"/>
-              <a:t>10/15/2025</a:t>
+              <a:t>10/22/2025</a:t>
             </a:fld>
             <a:endParaRPr lang="en-US"/>
           </a:p>
@@ -5498,7 +3864,7 @@
           <a:p>
             <a:fld id="{4263717A-E3C1-4BED-ABE0-B7069385E023}" type="datetimeFigureOut">
               <a:rPr lang="en-US" smtClean="0"/>
-              <a:t>10/15/2025</a:t>
+              <a:t>10/22/2025</a:t>
             </a:fld>
             <a:endParaRPr lang="en-US"/>
           </a:p>
@@ -5676,7 +4042,7 @@
           <a:p>
             <a:fld id="{4263717A-E3C1-4BED-ABE0-B7069385E023}" type="datetimeFigureOut">
               <a:rPr lang="en-US" smtClean="0"/>
-              <a:t>10/15/2025</a:t>
+              <a:t>10/22/2025</a:t>
             </a:fld>
             <a:endParaRPr lang="en-US"/>
           </a:p>
@@ -5844,7 +4210,7 @@
           <a:p>
             <a:fld id="{4263717A-E3C1-4BED-ABE0-B7069385E023}" type="datetimeFigureOut">
               <a:rPr lang="en-US" smtClean="0"/>
-              <a:t>10/15/2025</a:t>
+              <a:t>10/22/2025</a:t>
             </a:fld>
             <a:endParaRPr lang="en-US"/>
           </a:p>
@@ -6089,7 +4455,7 @@
           <a:p>
             <a:fld id="{4263717A-E3C1-4BED-ABE0-B7069385E023}" type="datetimeFigureOut">
               <a:rPr lang="en-US" smtClean="0"/>
-              <a:t>10/15/2025</a:t>
+              <a:t>10/22/2025</a:t>
             </a:fld>
             <a:endParaRPr lang="en-US"/>
           </a:p>
@@ -6318,7 +4684,7 @@
           <a:p>
             <a:fld id="{4263717A-E3C1-4BED-ABE0-B7069385E023}" type="datetimeFigureOut">
               <a:rPr lang="en-US" smtClean="0"/>
-              <a:t>10/15/2025</a:t>
+              <a:t>10/22/2025</a:t>
             </a:fld>
             <a:endParaRPr lang="en-US"/>
           </a:p>
@@ -6682,7 +5048,7 @@
           <a:p>
             <a:fld id="{4263717A-E3C1-4BED-ABE0-B7069385E023}" type="datetimeFigureOut">
               <a:rPr lang="en-US" smtClean="0"/>
-              <a:t>10/15/2025</a:t>
+              <a:t>10/22/2025</a:t>
             </a:fld>
             <a:endParaRPr lang="en-US"/>
           </a:p>
@@ -6799,7 +5165,7 @@
           <a:p>
             <a:fld id="{4263717A-E3C1-4BED-ABE0-B7069385E023}" type="datetimeFigureOut">
               <a:rPr lang="en-US" smtClean="0"/>
-              <a:t>10/15/2025</a:t>
+              <a:t>10/22/2025</a:t>
             </a:fld>
             <a:endParaRPr lang="en-US"/>
           </a:p>
@@ -6894,7 +5260,7 @@
           <a:p>
             <a:fld id="{4263717A-E3C1-4BED-ABE0-B7069385E023}" type="datetimeFigureOut">
               <a:rPr lang="en-US" smtClean="0"/>
-              <a:t>10/15/2025</a:t>
+              <a:t>10/22/2025</a:t>
             </a:fld>
             <a:endParaRPr lang="en-US"/>
           </a:p>
@@ -7169,7 +5535,7 @@
           <a:p>
             <a:fld id="{4263717A-E3C1-4BED-ABE0-B7069385E023}" type="datetimeFigureOut">
               <a:rPr lang="en-US" smtClean="0"/>
-              <a:t>10/15/2025</a:t>
+              <a:t>10/22/2025</a:t>
             </a:fld>
             <a:endParaRPr lang="en-US"/>
           </a:p>
@@ -7421,7 +5787,7 @@
           <a:p>
             <a:fld id="{4263717A-E3C1-4BED-ABE0-B7069385E023}" type="datetimeFigureOut">
               <a:rPr lang="en-US" smtClean="0"/>
-              <a:t>10/15/2025</a:t>
+              <a:t>10/22/2025</a:t>
             </a:fld>
             <a:endParaRPr lang="en-US"/>
           </a:p>
@@ -7640,7 +6006,7 @@
           <a:p>
             <a:fld id="{4263717A-E3C1-4BED-ABE0-B7069385E023}" type="datetimeFigureOut">
               <a:rPr lang="en-US" smtClean="0"/>
-              <a:t>10/15/2025</a:t>
+              <a:t>10/22/2025</a:t>
             </a:fld>
             <a:endParaRPr lang="en-US"/>
           </a:p>
@@ -8199,6 +6565,337 @@
           <a:chExt cx="0" cy="0"/>
         </a:xfrm>
       </p:grpSpPr>
+      <p:pic>
+        <p:nvPicPr>
+          <p:cNvPr id="2052" name="Picture 4" descr="Stride">
+            <a:extLst>
+              <a:ext uri="{FF2B5EF4-FFF2-40B4-BE49-F238E27FC236}">
+                <a16:creationId xmlns:a16="http://schemas.microsoft.com/office/drawing/2014/main" id="{F8383B3E-A01E-629E-1FA4-01D19F89DC61}"/>
+              </a:ext>
+            </a:extLst>
+          </p:cNvPr>
+          <p:cNvPicPr>
+            <a:picLocks noChangeAspect="1" noChangeArrowheads="1"/>
+          </p:cNvPicPr>
+          <p:nvPr/>
+        </p:nvPicPr>
+        <p:blipFill>
+          <a:blip r:embed="rId2">
+            <a:extLst>
+              <a:ext uri="{28A0092B-C50C-407E-A947-70E740481C1C}">
+                <a14:useLocalDpi xmlns:a14="http://schemas.microsoft.com/office/drawing/2010/main" val="0"/>
+              </a:ext>
+            </a:extLst>
+          </a:blip>
+          <a:srcRect/>
+          <a:stretch>
+            <a:fillRect/>
+          </a:stretch>
+        </p:blipFill>
+        <p:spPr bwMode="auto">
+          <a:xfrm>
+            <a:off x="847725" y="202882"/>
+            <a:ext cx="6915150" cy="2924175"/>
+          </a:xfrm>
+          <a:prstGeom prst="rect">
+            <a:avLst/>
+          </a:prstGeom>
+          <a:noFill/>
+          <a:extLst>
+            <a:ext uri="{909E8E84-426E-40DD-AFC4-6F175D3DCCD1}">
+              <a14:hiddenFill xmlns:a14="http://schemas.microsoft.com/office/drawing/2010/main">
+                <a:solidFill>
+                  <a:srgbClr val="FFFFFF"/>
+                </a:solidFill>
+              </a14:hiddenFill>
+            </a:ext>
+          </a:extLst>
+        </p:spPr>
+      </p:pic>
+      <p:sp>
+        <p:nvSpPr>
+          <p:cNvPr id="3" name="TextBox 2">
+            <a:extLst>
+              <a:ext uri="{FF2B5EF4-FFF2-40B4-BE49-F238E27FC236}">
+                <a16:creationId xmlns:a16="http://schemas.microsoft.com/office/drawing/2014/main" id="{BDDF688F-F3B7-25A9-8E5D-83980FC768ED}"/>
+              </a:ext>
+            </a:extLst>
+          </p:cNvPr>
+          <p:cNvSpPr txBox="1"/>
+          <p:nvPr/>
+        </p:nvSpPr>
+        <p:spPr>
+          <a:xfrm>
+            <a:off x="100965" y="1909047"/>
+            <a:ext cx="899160" cy="369332"/>
+          </a:xfrm>
+          <a:prstGeom prst="rect">
+            <a:avLst/>
+          </a:prstGeom>
+          <a:noFill/>
+        </p:spPr>
+        <p:txBody>
+          <a:bodyPr wrap="square">
+            <a:spAutoFit/>
+          </a:bodyPr>
+          <a:lstStyle/>
+          <a:p>
+            <a:r>
+              <a:rPr lang="en-US" b="1" dirty="0"/>
+              <a:t>Stride</a:t>
+            </a:r>
+          </a:p>
+        </p:txBody>
+      </p:sp>
+      <p:pic>
+        <p:nvPicPr>
+          <p:cNvPr id="2054" name="Picture 6" descr="Padding">
+            <a:extLst>
+              <a:ext uri="{FF2B5EF4-FFF2-40B4-BE49-F238E27FC236}">
+                <a16:creationId xmlns:a16="http://schemas.microsoft.com/office/drawing/2014/main" id="{839842C4-CE27-D343-DFB9-A74B9B4F4748}"/>
+              </a:ext>
+            </a:extLst>
+          </p:cNvPr>
+          <p:cNvPicPr>
+            <a:picLocks noChangeAspect="1" noChangeArrowheads="1"/>
+          </p:cNvPicPr>
+          <p:nvPr/>
+        </p:nvPicPr>
+        <p:blipFill>
+          <a:blip r:embed="rId3">
+            <a:extLst>
+              <a:ext uri="{28A0092B-C50C-407E-A947-70E740481C1C}">
+                <a14:useLocalDpi xmlns:a14="http://schemas.microsoft.com/office/drawing/2010/main" val="0"/>
+              </a:ext>
+            </a:extLst>
+          </a:blip>
+          <a:srcRect/>
+          <a:stretch>
+            <a:fillRect/>
+          </a:stretch>
+        </p:blipFill>
+        <p:spPr bwMode="auto">
+          <a:xfrm>
+            <a:off x="847725" y="3448594"/>
+            <a:ext cx="6583680" cy="3409406"/>
+          </a:xfrm>
+          <a:prstGeom prst="rect">
+            <a:avLst/>
+          </a:prstGeom>
+          <a:noFill/>
+          <a:extLst>
+            <a:ext uri="{909E8E84-426E-40DD-AFC4-6F175D3DCCD1}">
+              <a14:hiddenFill xmlns:a14="http://schemas.microsoft.com/office/drawing/2010/main">
+                <a:solidFill>
+                  <a:srgbClr val="FFFFFF"/>
+                </a:solidFill>
+              </a14:hiddenFill>
+            </a:ext>
+          </a:extLst>
+        </p:spPr>
+      </p:pic>
+      <p:sp>
+        <p:nvSpPr>
+          <p:cNvPr id="5" name="TextBox 4">
+            <a:extLst>
+              <a:ext uri="{FF2B5EF4-FFF2-40B4-BE49-F238E27FC236}">
+                <a16:creationId xmlns:a16="http://schemas.microsoft.com/office/drawing/2014/main" id="{44AD3B6E-CCD7-302B-3031-6CD63A3EC22A}"/>
+              </a:ext>
+            </a:extLst>
+          </p:cNvPr>
+          <p:cNvSpPr txBox="1"/>
+          <p:nvPr/>
+        </p:nvSpPr>
+        <p:spPr>
+          <a:xfrm>
+            <a:off x="0" y="4648556"/>
+            <a:ext cx="1000125" cy="369332"/>
+          </a:xfrm>
+          <a:prstGeom prst="rect">
+            <a:avLst/>
+          </a:prstGeom>
+          <a:noFill/>
+        </p:spPr>
+        <p:txBody>
+          <a:bodyPr wrap="square">
+            <a:spAutoFit/>
+          </a:bodyPr>
+          <a:lstStyle/>
+          <a:p>
+            <a:r>
+              <a:rPr lang="en-US" b="1" dirty="0"/>
+              <a:t>Padding</a:t>
+            </a:r>
+          </a:p>
+        </p:txBody>
+      </p:sp>
+      <p:pic>
+        <p:nvPicPr>
+          <p:cNvPr id="6" name="Picture 5">
+            <a:extLst>
+              <a:ext uri="{FF2B5EF4-FFF2-40B4-BE49-F238E27FC236}">
+                <a16:creationId xmlns:a16="http://schemas.microsoft.com/office/drawing/2014/main" id="{E11B4414-34CE-69FD-0268-70995B422B58}"/>
+              </a:ext>
+            </a:extLst>
+          </p:cNvPr>
+          <p:cNvPicPr>
+            <a:picLocks noChangeAspect="1"/>
+          </p:cNvPicPr>
+          <p:nvPr/>
+        </p:nvPicPr>
+        <p:blipFill>
+          <a:blip r:embed="rId4"/>
+          <a:stretch>
+            <a:fillRect/>
+          </a:stretch>
+        </p:blipFill>
+        <p:spPr>
+          <a:xfrm>
+            <a:off x="8126728" y="2956560"/>
+            <a:ext cx="3943405" cy="601980"/>
+          </a:xfrm>
+          <a:prstGeom prst="rect">
+            <a:avLst/>
+          </a:prstGeom>
+        </p:spPr>
+      </p:pic>
+      <p:sp>
+        <p:nvSpPr>
+          <p:cNvPr id="8" name="TextBox 7">
+            <a:extLst>
+              <a:ext uri="{FF2B5EF4-FFF2-40B4-BE49-F238E27FC236}">
+                <a16:creationId xmlns:a16="http://schemas.microsoft.com/office/drawing/2014/main" id="{A902D152-AEE5-8EDC-55BE-41C94943CA61}"/>
+              </a:ext>
+            </a:extLst>
+          </p:cNvPr>
+          <p:cNvSpPr txBox="1"/>
+          <p:nvPr/>
+        </p:nvSpPr>
+        <p:spPr>
+          <a:xfrm>
+            <a:off x="8126728" y="2436614"/>
+            <a:ext cx="3943405" cy="369332"/>
+          </a:xfrm>
+          <a:prstGeom prst="rect">
+            <a:avLst/>
+          </a:prstGeom>
+          <a:noFill/>
+        </p:spPr>
+        <p:txBody>
+          <a:bodyPr wrap="square">
+            <a:spAutoFit/>
+          </a:bodyPr>
+          <a:lstStyle/>
+          <a:p>
+            <a:r>
+              <a:rPr lang="en-US" b="1" dirty="0">
+                <a:solidFill>
+                  <a:srgbClr val="7030A0"/>
+                </a:solidFill>
+              </a:rPr>
+              <a:t>Calculate output</a:t>
+            </a:r>
+            <a:r>
+              <a:rPr lang="en-US" dirty="0">
+                <a:solidFill>
+                  <a:srgbClr val="7030A0"/>
+                </a:solidFill>
+              </a:rPr>
+              <a:t> </a:t>
+            </a:r>
+            <a:r>
+              <a:rPr lang="en-US" b="1" dirty="0">
+                <a:solidFill>
+                  <a:srgbClr val="7030A0"/>
+                </a:solidFill>
+              </a:rPr>
+              <a:t>dimension</a:t>
+            </a:r>
+          </a:p>
+        </p:txBody>
+      </p:sp>
+      <p:sp>
+        <p:nvSpPr>
+          <p:cNvPr id="10" name="TextBox 9">
+            <a:extLst>
+              <a:ext uri="{FF2B5EF4-FFF2-40B4-BE49-F238E27FC236}">
+                <a16:creationId xmlns:a16="http://schemas.microsoft.com/office/drawing/2014/main" id="{725557C7-B978-8846-665C-D90BEFBED91D}"/>
+              </a:ext>
+            </a:extLst>
+          </p:cNvPr>
+          <p:cNvSpPr txBox="1"/>
+          <p:nvPr/>
+        </p:nvSpPr>
+        <p:spPr>
+          <a:xfrm>
+            <a:off x="8191499" y="4254578"/>
+            <a:ext cx="3878633" cy="892552"/>
+          </a:xfrm>
+          <a:prstGeom prst="rect">
+            <a:avLst/>
+          </a:prstGeom>
+          <a:solidFill>
+            <a:schemeClr val="accent4">
+              <a:lumMod val="20000"/>
+              <a:lumOff val="80000"/>
+            </a:schemeClr>
+          </a:solidFill>
+        </p:spPr>
+        <p:txBody>
+          <a:bodyPr wrap="square">
+            <a:spAutoFit/>
+          </a:bodyPr>
+          <a:lstStyle/>
+          <a:p>
+            <a:pPr rtl="0"/>
+            <a:r>
+              <a:rPr lang="en-US" sz="1600" dirty="0">
+                <a:solidFill>
+                  <a:schemeClr val="accent5"/>
+                </a:solidFill>
+                <a:latin typeface="OCRB" panose="020B0609020202020204" pitchFamily="49" charset="0"/>
+              </a:rPr>
+              <a:t>nn.Conv2d(1, 32, 3, padding=1)</a:t>
+            </a:r>
+          </a:p>
+          <a:p>
+            <a:r>
+              <a:rPr lang="en-US" dirty="0"/>
+              <a:t>1 input channel (grayscale), 32 output channels, 3x3 filter</a:t>
+            </a:r>
+          </a:p>
+        </p:txBody>
+      </p:sp>
+    </p:spTree>
+    <p:extLst>
+      <p:ext uri="{BB962C8B-B14F-4D97-AF65-F5344CB8AC3E}">
+        <p14:creationId xmlns:p14="http://schemas.microsoft.com/office/powerpoint/2010/main" val="2317883494"/>
+      </p:ext>
+    </p:extLst>
+  </p:cSld>
+  <p:clrMapOvr>
+    <a:masterClrMapping/>
+  </p:clrMapOvr>
+</p:sld>
+</file>
+
+<file path=ppt/slides/slide11.xml><?xml version="1.0" encoding="utf-8"?>
+<p:sld xmlns:a="http://schemas.openxmlformats.org/drawingml/2006/main" xmlns:r="http://schemas.openxmlformats.org/officeDocument/2006/relationships" xmlns:p="http://schemas.openxmlformats.org/presentationml/2006/main">
+  <p:cSld>
+    <p:spTree>
+      <p:nvGrpSpPr>
+        <p:cNvPr id="1" name=""/>
+        <p:cNvGrpSpPr/>
+        <p:nvPr/>
+      </p:nvGrpSpPr>
+      <p:grpSpPr>
+        <a:xfrm>
+          <a:off x="0" y="0"/>
+          <a:ext cx="0" cy="0"/>
+          <a:chOff x="0" y="0"/>
+          <a:chExt cx="0" cy="0"/>
+        </a:xfrm>
+      </p:grpSpPr>
       <p:sp>
         <p:nvSpPr>
           <p:cNvPr id="2" name="Title 1">
@@ -8379,111 +7076,6 @@
     <p:extLst>
       <p:ext uri="{BB962C8B-B14F-4D97-AF65-F5344CB8AC3E}">
         <p14:creationId xmlns:p14="http://schemas.microsoft.com/office/powerpoint/2010/main" val="3504296645"/>
-      </p:ext>
-    </p:extLst>
-  </p:cSld>
-  <p:clrMapOvr>
-    <a:masterClrMapping/>
-  </p:clrMapOvr>
-</p:sld>
-</file>
-
-<file path=ppt/slides/slide11.xml><?xml version="1.0" encoding="utf-8"?>
-<p:sld xmlns:a="http://schemas.openxmlformats.org/drawingml/2006/main" xmlns:r="http://schemas.openxmlformats.org/officeDocument/2006/relationships" xmlns:p="http://schemas.openxmlformats.org/presentationml/2006/main">
-  <p:cSld>
-    <p:spTree>
-      <p:nvGrpSpPr>
-        <p:cNvPr id="1" name=""/>
-        <p:cNvGrpSpPr/>
-        <p:nvPr/>
-      </p:nvGrpSpPr>
-      <p:grpSpPr>
-        <a:xfrm>
-          <a:off x="0" y="0"/>
-          <a:ext cx="0" cy="0"/>
-          <a:chOff x="0" y="0"/>
-          <a:chExt cx="0" cy="0"/>
-        </a:xfrm>
-      </p:grpSpPr>
-      <p:pic>
-        <p:nvPicPr>
-          <p:cNvPr id="4098" name="Picture 2" descr="Convolution Operation on Volume">
-            <a:extLst>
-              <a:ext uri="{FF2B5EF4-FFF2-40B4-BE49-F238E27FC236}">
-                <a16:creationId xmlns:a16="http://schemas.microsoft.com/office/drawing/2014/main" id="{0475C885-1326-9941-92EF-0EDBB4ABBD3F}"/>
-              </a:ext>
-            </a:extLst>
-          </p:cNvPr>
-          <p:cNvPicPr>
-            <a:picLocks noChangeAspect="1" noChangeArrowheads="1"/>
-          </p:cNvPicPr>
-          <p:nvPr/>
-        </p:nvPicPr>
-        <p:blipFill>
-          <a:blip r:embed="rId2">
-            <a:extLst>
-              <a:ext uri="{28A0092B-C50C-407E-A947-70E740481C1C}">
-                <a14:useLocalDpi xmlns:a14="http://schemas.microsoft.com/office/drawing/2010/main" val="0"/>
-              </a:ext>
-            </a:extLst>
-          </a:blip>
-          <a:srcRect/>
-          <a:stretch>
-            <a:fillRect/>
-          </a:stretch>
-        </p:blipFill>
-        <p:spPr bwMode="auto">
-          <a:xfrm>
-            <a:off x="1567344" y="1855470"/>
-            <a:ext cx="8508671" cy="3973830"/>
-          </a:xfrm>
-          <a:prstGeom prst="rect">
-            <a:avLst/>
-          </a:prstGeom>
-          <a:noFill/>
-          <a:extLst>
-            <a:ext uri="{909E8E84-426E-40DD-AFC4-6F175D3DCCD1}">
-              <a14:hiddenFill xmlns:a14="http://schemas.microsoft.com/office/drawing/2010/main">
-                <a:solidFill>
-                  <a:srgbClr val="FFFFFF"/>
-                </a:solidFill>
-              </a14:hiddenFill>
-            </a:ext>
-          </a:extLst>
-        </p:spPr>
-      </p:pic>
-      <p:sp>
-        <p:nvSpPr>
-          <p:cNvPr id="2" name="Title 1">
-            <a:extLst>
-              <a:ext uri="{FF2B5EF4-FFF2-40B4-BE49-F238E27FC236}">
-                <a16:creationId xmlns:a16="http://schemas.microsoft.com/office/drawing/2014/main" id="{F5359C82-8FD8-9D22-E50F-350FFEACF446}"/>
-              </a:ext>
-            </a:extLst>
-          </p:cNvPr>
-          <p:cNvSpPr>
-            <a:spLocks noGrp="1"/>
-          </p:cNvSpPr>
-          <p:nvPr>
-            <p:ph type="title"/>
-          </p:nvPr>
-        </p:nvSpPr>
-        <p:spPr/>
-        <p:txBody>
-          <a:bodyPr/>
-          <a:lstStyle/>
-          <a:p>
-            <a:r>
-              <a:rPr lang="en-US" dirty="0"/>
-              <a:t>Convolution Operation on Volume</a:t>
-            </a:r>
-          </a:p>
-        </p:txBody>
-      </p:sp>
-    </p:spTree>
-    <p:extLst>
-      <p:ext uri="{BB962C8B-B14F-4D97-AF65-F5344CB8AC3E}">
-        <p14:creationId xmlns:p14="http://schemas.microsoft.com/office/powerpoint/2010/main" val="811983070"/>
       </p:ext>
     </p:extLst>
   </p:cSld>
@@ -8512,6 +7104,111 @@
       </p:grpSpPr>
       <p:pic>
         <p:nvPicPr>
+          <p:cNvPr id="4098" name="Picture 2" descr="Convolution Operation on Volume">
+            <a:extLst>
+              <a:ext uri="{FF2B5EF4-FFF2-40B4-BE49-F238E27FC236}">
+                <a16:creationId xmlns:a16="http://schemas.microsoft.com/office/drawing/2014/main" id="{0475C885-1326-9941-92EF-0EDBB4ABBD3F}"/>
+              </a:ext>
+            </a:extLst>
+          </p:cNvPr>
+          <p:cNvPicPr>
+            <a:picLocks noChangeAspect="1" noChangeArrowheads="1"/>
+          </p:cNvPicPr>
+          <p:nvPr/>
+        </p:nvPicPr>
+        <p:blipFill>
+          <a:blip r:embed="rId2">
+            <a:extLst>
+              <a:ext uri="{28A0092B-C50C-407E-A947-70E740481C1C}">
+                <a14:useLocalDpi xmlns:a14="http://schemas.microsoft.com/office/drawing/2010/main" val="0"/>
+              </a:ext>
+            </a:extLst>
+          </a:blip>
+          <a:srcRect/>
+          <a:stretch>
+            <a:fillRect/>
+          </a:stretch>
+        </p:blipFill>
+        <p:spPr bwMode="auto">
+          <a:xfrm>
+            <a:off x="1567344" y="1855470"/>
+            <a:ext cx="8508671" cy="3973830"/>
+          </a:xfrm>
+          <a:prstGeom prst="rect">
+            <a:avLst/>
+          </a:prstGeom>
+          <a:noFill/>
+          <a:extLst>
+            <a:ext uri="{909E8E84-426E-40DD-AFC4-6F175D3DCCD1}">
+              <a14:hiddenFill xmlns:a14="http://schemas.microsoft.com/office/drawing/2010/main">
+                <a:solidFill>
+                  <a:srgbClr val="FFFFFF"/>
+                </a:solidFill>
+              </a14:hiddenFill>
+            </a:ext>
+          </a:extLst>
+        </p:spPr>
+      </p:pic>
+      <p:sp>
+        <p:nvSpPr>
+          <p:cNvPr id="2" name="Title 1">
+            <a:extLst>
+              <a:ext uri="{FF2B5EF4-FFF2-40B4-BE49-F238E27FC236}">
+                <a16:creationId xmlns:a16="http://schemas.microsoft.com/office/drawing/2014/main" id="{F5359C82-8FD8-9D22-E50F-350FFEACF446}"/>
+              </a:ext>
+            </a:extLst>
+          </p:cNvPr>
+          <p:cNvSpPr>
+            <a:spLocks noGrp="1"/>
+          </p:cNvSpPr>
+          <p:nvPr>
+            <p:ph type="title"/>
+          </p:nvPr>
+        </p:nvSpPr>
+        <p:spPr/>
+        <p:txBody>
+          <a:bodyPr/>
+          <a:lstStyle/>
+          <a:p>
+            <a:r>
+              <a:rPr lang="en-US" dirty="0"/>
+              <a:t>Convolution Operation on Volume</a:t>
+            </a:r>
+          </a:p>
+        </p:txBody>
+      </p:sp>
+    </p:spTree>
+    <p:extLst>
+      <p:ext uri="{BB962C8B-B14F-4D97-AF65-F5344CB8AC3E}">
+        <p14:creationId xmlns:p14="http://schemas.microsoft.com/office/powerpoint/2010/main" val="811983070"/>
+      </p:ext>
+    </p:extLst>
+  </p:cSld>
+  <p:clrMapOvr>
+    <a:masterClrMapping/>
+  </p:clrMapOvr>
+</p:sld>
+</file>
+
+<file path=ppt/slides/slide13.xml><?xml version="1.0" encoding="utf-8"?>
+<p:sld xmlns:a="http://schemas.openxmlformats.org/drawingml/2006/main" xmlns:r="http://schemas.openxmlformats.org/officeDocument/2006/relationships" xmlns:p="http://schemas.openxmlformats.org/presentationml/2006/main">
+  <p:cSld>
+    <p:spTree>
+      <p:nvGrpSpPr>
+        <p:cNvPr id="1" name=""/>
+        <p:cNvGrpSpPr/>
+        <p:nvPr/>
+      </p:nvGrpSpPr>
+      <p:grpSpPr>
+        <a:xfrm>
+          <a:off x="0" y="0"/>
+          <a:ext cx="0" cy="0"/>
+          <a:chOff x="0" y="0"/>
+          <a:chExt cx="0" cy="0"/>
+        </a:xfrm>
+      </p:grpSpPr>
+      <p:pic>
+        <p:nvPicPr>
           <p:cNvPr id="5122" name="Picture 2" descr="Convolution with Multiple Filters">
             <a:extLst>
               <a:ext uri="{FF2B5EF4-FFF2-40B4-BE49-F238E27FC236}">
@@ -8599,7 +7296,7 @@
 </p:sld>
 </file>
 
-<file path=ppt/slides/slide13.xml><?xml version="1.0" encoding="utf-8"?>
+<file path=ppt/slides/slide14.xml><?xml version="1.0" encoding="utf-8"?>
 <p:sld xmlns:a="http://schemas.openxmlformats.org/drawingml/2006/main" xmlns:r="http://schemas.openxmlformats.org/officeDocument/2006/relationships" xmlns:p="http://schemas.openxmlformats.org/presentationml/2006/main">
   <p:cSld>
     <p:spTree>
@@ -8747,7 +7444,7 @@
 </p:sld>
 </file>
 
-<file path=ppt/slides/slide14.xml><?xml version="1.0" encoding="utf-8"?>
+<file path=ppt/slides/slide15.xml><?xml version="1.0" encoding="utf-8"?>
 <p:sld xmlns:a="http://schemas.openxmlformats.org/drawingml/2006/main" xmlns:r="http://schemas.openxmlformats.org/officeDocument/2006/relationships" xmlns:p="http://schemas.openxmlformats.org/presentationml/2006/main">
   <p:cSld>
     <p:spTree>
@@ -8888,7 +7585,7 @@
 </p:sld>
 </file>
 
-<file path=ppt/slides/slide15.xml><?xml version="1.0" encoding="utf-8"?>
+<file path=ppt/slides/slide16.xml><?xml version="1.0" encoding="utf-8"?>
 <p:sld xmlns:a="http://schemas.openxmlformats.org/drawingml/2006/main" xmlns:r="http://schemas.openxmlformats.org/officeDocument/2006/relationships" xmlns:p="http://schemas.openxmlformats.org/presentationml/2006/main">
   <p:cSld>
     <p:spTree>
@@ -9129,7 +7826,7 @@
 </p:sld>
 </file>
 
-<file path=ppt/slides/slide16.xml><?xml version="1.0" encoding="utf-8"?>
+<file path=ppt/slides/slide17.xml><?xml version="1.0" encoding="utf-8"?>
 <p:sld xmlns:a="http://schemas.openxmlformats.org/drawingml/2006/main" xmlns:r="http://schemas.openxmlformats.org/officeDocument/2006/relationships" xmlns:p="http://schemas.openxmlformats.org/presentationml/2006/main">
   <p:cSld>
     <p:spTree>
@@ -9346,7 +8043,7 @@
 </p:sld>
 </file>
 
-<file path=ppt/slides/slide17.xml><?xml version="1.0" encoding="utf-8"?>
+<file path=ppt/slides/slide18.xml><?xml version="1.0" encoding="utf-8"?>
 <p:sld xmlns:a="http://schemas.openxmlformats.org/drawingml/2006/main" xmlns:r="http://schemas.openxmlformats.org/officeDocument/2006/relationships" xmlns:p="http://schemas.openxmlformats.org/presentationml/2006/main">
   <p:cSld>
     <p:spTree>
@@ -9429,7 +8126,7 @@
 </p:sld>
 </file>
 
-<file path=ppt/slides/slide18.xml><?xml version="1.0" encoding="utf-8"?>
+<file path=ppt/slides/slide19.xml><?xml version="1.0" encoding="utf-8"?>
 <p:sld xmlns:a="http://schemas.openxmlformats.org/drawingml/2006/main" xmlns:r="http://schemas.openxmlformats.org/officeDocument/2006/relationships" xmlns:p="http://schemas.openxmlformats.org/presentationml/2006/main">
   <p:cSld>
     <p:spTree>
@@ -9623,89 +8320,6 @@
 </p:sld>
 </file>
 
-<file path=ppt/slides/slide19.xml><?xml version="1.0" encoding="utf-8"?>
-<p:sld xmlns:a="http://schemas.openxmlformats.org/drawingml/2006/main" xmlns:r="http://schemas.openxmlformats.org/officeDocument/2006/relationships" xmlns:p="http://schemas.openxmlformats.org/presentationml/2006/main">
-  <p:cSld>
-    <p:spTree>
-      <p:nvGrpSpPr>
-        <p:cNvPr id="1" name=""/>
-        <p:cNvGrpSpPr/>
-        <p:nvPr/>
-      </p:nvGrpSpPr>
-      <p:grpSpPr>
-        <a:xfrm>
-          <a:off x="0" y="0"/>
-          <a:ext cx="0" cy="0"/>
-          <a:chOff x="0" y="0"/>
-          <a:chExt cx="0" cy="0"/>
-        </a:xfrm>
-      </p:grpSpPr>
-      <p:sp>
-        <p:nvSpPr>
-          <p:cNvPr id="3" name="Title 2">
-            <a:extLst>
-              <a:ext uri="{FF2B5EF4-FFF2-40B4-BE49-F238E27FC236}">
-                <a16:creationId xmlns:a16="http://schemas.microsoft.com/office/drawing/2014/main" id="{1AE6CBFF-52E4-BEC0-1F18-9255E84E6506}"/>
-              </a:ext>
-            </a:extLst>
-          </p:cNvPr>
-          <p:cNvSpPr>
-            <a:spLocks noGrp="1"/>
-          </p:cNvSpPr>
-          <p:nvPr>
-            <p:ph type="title"/>
-          </p:nvPr>
-        </p:nvSpPr>
-        <p:spPr/>
-        <p:txBody>
-          <a:bodyPr/>
-          <a:lstStyle/>
-          <a:p>
-            <a:r>
-              <a:rPr lang="en-US" dirty="0"/>
-              <a:t>CNN Architectures</a:t>
-            </a:r>
-          </a:p>
-        </p:txBody>
-      </p:sp>
-      <p:sp>
-        <p:nvSpPr>
-          <p:cNvPr id="4" name="Text Placeholder 3">
-            <a:extLst>
-              <a:ext uri="{FF2B5EF4-FFF2-40B4-BE49-F238E27FC236}">
-                <a16:creationId xmlns:a16="http://schemas.microsoft.com/office/drawing/2014/main" id="{516CD9D8-9F82-77E2-348B-D294C12EE633}"/>
-              </a:ext>
-            </a:extLst>
-          </p:cNvPr>
-          <p:cNvSpPr>
-            <a:spLocks noGrp="1"/>
-          </p:cNvSpPr>
-          <p:nvPr>
-            <p:ph type="body" idx="1"/>
-          </p:nvPr>
-        </p:nvSpPr>
-        <p:spPr/>
-        <p:txBody>
-          <a:bodyPr/>
-          <a:lstStyle/>
-          <a:p>
-            <a:endParaRPr lang="en-US"/>
-          </a:p>
-        </p:txBody>
-      </p:sp>
-    </p:spTree>
-    <p:extLst>
-      <p:ext uri="{BB962C8B-B14F-4D97-AF65-F5344CB8AC3E}">
-        <p14:creationId xmlns:p14="http://schemas.microsoft.com/office/powerpoint/2010/main" val="2550957305"/>
-      </p:ext>
-    </p:extLst>
-  </p:cSld>
-  <p:clrMapOvr>
-    <a:masterClrMapping/>
-  </p:clrMapOvr>
-</p:sld>
-</file>
-
 <file path=ppt/slides/slide2.xml><?xml version="1.0" encoding="utf-8"?>
 <p:sld xmlns:a="http://schemas.openxmlformats.org/drawingml/2006/main" xmlns:r="http://schemas.openxmlformats.org/officeDocument/2006/relationships" xmlns:p="http://schemas.openxmlformats.org/presentationml/2006/main">
   <p:cSld>
@@ -9866,6 +8480,89 @@
 </file>
 
 <file path=ppt/slides/slide20.xml><?xml version="1.0" encoding="utf-8"?>
+<p:sld xmlns:a="http://schemas.openxmlformats.org/drawingml/2006/main" xmlns:r="http://schemas.openxmlformats.org/officeDocument/2006/relationships" xmlns:p="http://schemas.openxmlformats.org/presentationml/2006/main">
+  <p:cSld>
+    <p:spTree>
+      <p:nvGrpSpPr>
+        <p:cNvPr id="1" name=""/>
+        <p:cNvGrpSpPr/>
+        <p:nvPr/>
+      </p:nvGrpSpPr>
+      <p:grpSpPr>
+        <a:xfrm>
+          <a:off x="0" y="0"/>
+          <a:ext cx="0" cy="0"/>
+          <a:chOff x="0" y="0"/>
+          <a:chExt cx="0" cy="0"/>
+        </a:xfrm>
+      </p:grpSpPr>
+      <p:sp>
+        <p:nvSpPr>
+          <p:cNvPr id="3" name="Title 2">
+            <a:extLst>
+              <a:ext uri="{FF2B5EF4-FFF2-40B4-BE49-F238E27FC236}">
+                <a16:creationId xmlns:a16="http://schemas.microsoft.com/office/drawing/2014/main" id="{1AE6CBFF-52E4-BEC0-1F18-9255E84E6506}"/>
+              </a:ext>
+            </a:extLst>
+          </p:cNvPr>
+          <p:cNvSpPr>
+            <a:spLocks noGrp="1"/>
+          </p:cNvSpPr>
+          <p:nvPr>
+            <p:ph type="title"/>
+          </p:nvPr>
+        </p:nvSpPr>
+        <p:spPr/>
+        <p:txBody>
+          <a:bodyPr/>
+          <a:lstStyle/>
+          <a:p>
+            <a:r>
+              <a:rPr lang="en-US" dirty="0"/>
+              <a:t>CNN Architectures</a:t>
+            </a:r>
+          </a:p>
+        </p:txBody>
+      </p:sp>
+      <p:sp>
+        <p:nvSpPr>
+          <p:cNvPr id="4" name="Text Placeholder 3">
+            <a:extLst>
+              <a:ext uri="{FF2B5EF4-FFF2-40B4-BE49-F238E27FC236}">
+                <a16:creationId xmlns:a16="http://schemas.microsoft.com/office/drawing/2014/main" id="{516CD9D8-9F82-77E2-348B-D294C12EE633}"/>
+              </a:ext>
+            </a:extLst>
+          </p:cNvPr>
+          <p:cNvSpPr>
+            <a:spLocks noGrp="1"/>
+          </p:cNvSpPr>
+          <p:nvPr>
+            <p:ph type="body" idx="1"/>
+          </p:nvPr>
+        </p:nvSpPr>
+        <p:spPr/>
+        <p:txBody>
+          <a:bodyPr/>
+          <a:lstStyle/>
+          <a:p>
+            <a:endParaRPr lang="en-US"/>
+          </a:p>
+        </p:txBody>
+      </p:sp>
+    </p:spTree>
+    <p:extLst>
+      <p:ext uri="{BB962C8B-B14F-4D97-AF65-F5344CB8AC3E}">
+        <p14:creationId xmlns:p14="http://schemas.microsoft.com/office/powerpoint/2010/main" val="2550957305"/>
+      </p:ext>
+    </p:extLst>
+  </p:cSld>
+  <p:clrMapOvr>
+    <a:masterClrMapping/>
+  </p:clrMapOvr>
+</p:sld>
+</file>
+
+<file path=ppt/slides/slide21.xml><?xml version="1.0" encoding="utf-8"?>
 <p:sld xmlns:a="http://schemas.openxmlformats.org/drawingml/2006/main" xmlns:r="http://schemas.openxmlformats.org/officeDocument/2006/relationships" xmlns:p="http://schemas.openxmlformats.org/presentationml/2006/main">
   <p:cSld>
     <p:spTree>
@@ -10069,7 +8766,7 @@
 </p:sld>
 </file>
 
-<file path=ppt/slides/slide21.xml><?xml version="1.0" encoding="utf-8"?>
+<file path=ppt/slides/slide22.xml><?xml version="1.0" encoding="utf-8"?>
 <p:sld xmlns:a="http://schemas.openxmlformats.org/drawingml/2006/main" xmlns:r="http://schemas.openxmlformats.org/officeDocument/2006/relationships" xmlns:p="http://schemas.openxmlformats.org/presentationml/2006/main">
   <p:cSld>
     <p:spTree>
@@ -10221,7 +8918,7 @@
 </p:sld>
 </file>
 
-<file path=ppt/slides/slide22.xml><?xml version="1.0" encoding="utf-8"?>
+<file path=ppt/slides/slide23.xml><?xml version="1.0" encoding="utf-8"?>
 <p:sld xmlns:a="http://schemas.openxmlformats.org/drawingml/2006/main" xmlns:r="http://schemas.openxmlformats.org/officeDocument/2006/relationships" xmlns:p="http://schemas.openxmlformats.org/presentationml/2006/main">
   <p:cSld>
     <p:spTree>
@@ -10639,7 +9336,7 @@
 </p:sld>
 </file>
 
-<file path=ppt/slides/slide23.xml><?xml version="1.0" encoding="utf-8"?>
+<file path=ppt/slides/slide24.xml><?xml version="1.0" encoding="utf-8"?>
 <p:sld xmlns:a="http://schemas.openxmlformats.org/drawingml/2006/main" xmlns:r="http://schemas.openxmlformats.org/officeDocument/2006/relationships" xmlns:p="http://schemas.openxmlformats.org/presentationml/2006/main">
   <p:cSld>
     <p:spTree>
@@ -10894,7 +9591,7 @@
 </p:sld>
 </file>
 
-<file path=ppt/slides/slide24.xml><?xml version="1.0" encoding="utf-8"?>
+<file path=ppt/slides/slide25.xml><?xml version="1.0" encoding="utf-8"?>
 <p:sld xmlns:a="http://schemas.openxmlformats.org/drawingml/2006/main" xmlns:r="http://schemas.openxmlformats.org/officeDocument/2006/relationships" xmlns:p="http://schemas.openxmlformats.org/presentationml/2006/main">
   <p:cSld>
     <p:spTree>
@@ -11050,7 +9747,7 @@
 </p:sld>
 </file>
 
-<file path=ppt/slides/slide25.xml><?xml version="1.0" encoding="utf-8"?>
+<file path=ppt/slides/slide26.xml><?xml version="1.0" encoding="utf-8"?>
 <p:sld xmlns:a="http://schemas.openxmlformats.org/drawingml/2006/main" xmlns:r="http://schemas.openxmlformats.org/officeDocument/2006/relationships" xmlns:p="http://schemas.openxmlformats.org/presentationml/2006/main">
   <p:cSld>
     <p:spTree>
@@ -11514,7 +10211,7 @@
 </p:sld>
 </file>
 
-<file path=ppt/slides/slide26.xml><?xml version="1.0" encoding="utf-8"?>
+<file path=ppt/slides/slide27.xml><?xml version="1.0" encoding="utf-8"?>
 <p:sld xmlns:a="http://schemas.openxmlformats.org/drawingml/2006/main" xmlns:r="http://schemas.openxmlformats.org/officeDocument/2006/relationships" xmlns:p="http://schemas.openxmlformats.org/presentationml/2006/main">
   <p:cSld>
     <p:spTree>
@@ -11574,7 +10271,7 @@
 </p:sld>
 </file>
 
-<file path=ppt/slides/slide27.xml><?xml version="1.0" encoding="utf-8"?>
+<file path=ppt/slides/slide28.xml><?xml version="1.0" encoding="utf-8"?>
 <p:sld xmlns:a="http://schemas.openxmlformats.org/drawingml/2006/main" xmlns:r="http://schemas.openxmlformats.org/officeDocument/2006/relationships" xmlns:p="http://schemas.openxmlformats.org/presentationml/2006/main">
   <p:cSld>
     <p:spTree>
@@ -11657,7 +10354,7 @@
 </p:sld>
 </file>
 
-<file path=ppt/slides/slide28.xml><?xml version="1.0" encoding="utf-8"?>
+<file path=ppt/slides/slide29.xml><?xml version="1.0" encoding="utf-8"?>
 <p:sld xmlns:a="http://schemas.openxmlformats.org/drawingml/2006/main" xmlns:r="http://schemas.openxmlformats.org/officeDocument/2006/relationships" xmlns:p="http://schemas.openxmlformats.org/presentationml/2006/main">
   <p:cSld>
     <p:spTree>
@@ -11805,163 +10502,6 @@
     <p:extLst>
       <p:ext uri="{BB962C8B-B14F-4D97-AF65-F5344CB8AC3E}">
         <p14:creationId xmlns:p14="http://schemas.microsoft.com/office/powerpoint/2010/main" val="405124300"/>
-      </p:ext>
-    </p:extLst>
-  </p:cSld>
-  <p:clrMapOvr>
-    <a:masterClrMapping/>
-  </p:clrMapOvr>
-</p:sld>
-</file>
-
-<file path=ppt/slides/slide29.xml><?xml version="1.0" encoding="utf-8"?>
-<p:sld xmlns:a="http://schemas.openxmlformats.org/drawingml/2006/main" xmlns:r="http://schemas.openxmlformats.org/officeDocument/2006/relationships" xmlns:p="http://schemas.openxmlformats.org/presentationml/2006/main">
-  <p:cSld>
-    <p:spTree>
-      <p:nvGrpSpPr>
-        <p:cNvPr id="1" name=""/>
-        <p:cNvGrpSpPr/>
-        <p:nvPr/>
-      </p:nvGrpSpPr>
-      <p:grpSpPr>
-        <a:xfrm>
-          <a:off x="0" y="0"/>
-          <a:ext cx="0" cy="0"/>
-          <a:chOff x="0" y="0"/>
-          <a:chExt cx="0" cy="0"/>
-        </a:xfrm>
-      </p:grpSpPr>
-      <p:sp>
-        <p:nvSpPr>
-          <p:cNvPr id="2" name="Title 1">
-            <a:extLst>
-              <a:ext uri="{FF2B5EF4-FFF2-40B4-BE49-F238E27FC236}">
-                <a16:creationId xmlns:a16="http://schemas.microsoft.com/office/drawing/2014/main" id="{8734ADC4-4E94-BD56-39F6-99F21A89F0CE}"/>
-              </a:ext>
-            </a:extLst>
-          </p:cNvPr>
-          <p:cNvSpPr>
-            <a:spLocks noGrp="1"/>
-          </p:cNvSpPr>
-          <p:nvPr>
-            <p:ph type="title"/>
-          </p:nvPr>
-        </p:nvSpPr>
-        <p:spPr/>
-        <p:txBody>
-          <a:bodyPr/>
-          <a:lstStyle/>
-          <a:p>
-            <a:r>
-              <a:rPr lang="en-US" dirty="0" err="1"/>
-              <a:t>AlexNet</a:t>
-            </a:r>
-            <a:endParaRPr lang="en-US" dirty="0"/>
-          </a:p>
-        </p:txBody>
-      </p:sp>
-      <p:pic>
-        <p:nvPicPr>
-          <p:cNvPr id="16386" name="Picture 2" descr="AlexNet">
-            <a:extLst>
-              <a:ext uri="{FF2B5EF4-FFF2-40B4-BE49-F238E27FC236}">
-                <a16:creationId xmlns:a16="http://schemas.microsoft.com/office/drawing/2014/main" id="{D40412E3-D9A9-C843-C8AE-184C5BB2EBA3}"/>
-              </a:ext>
-            </a:extLst>
-          </p:cNvPr>
-          <p:cNvPicPr>
-            <a:picLocks noChangeAspect="1" noChangeArrowheads="1"/>
-          </p:cNvPicPr>
-          <p:nvPr/>
-        </p:nvPicPr>
-        <p:blipFill>
-          <a:blip r:embed="rId2">
-            <a:extLst>
-              <a:ext uri="{28A0092B-C50C-407E-A947-70E740481C1C}">
-                <a14:useLocalDpi xmlns:a14="http://schemas.microsoft.com/office/drawing/2010/main" val="0"/>
-              </a:ext>
-            </a:extLst>
-          </a:blip>
-          <a:srcRect/>
-          <a:stretch>
-            <a:fillRect/>
-          </a:stretch>
-        </p:blipFill>
-        <p:spPr bwMode="auto">
-          <a:xfrm>
-            <a:off x="960120" y="1690688"/>
-            <a:ext cx="8046064" cy="4580572"/>
-          </a:xfrm>
-          <a:prstGeom prst="rect">
-            <a:avLst/>
-          </a:prstGeom>
-          <a:noFill/>
-          <a:extLst>
-            <a:ext uri="{909E8E84-426E-40DD-AFC4-6F175D3DCCD1}">
-              <a14:hiddenFill xmlns:a14="http://schemas.microsoft.com/office/drawing/2010/main">
-                <a:solidFill>
-                  <a:srgbClr val="FFFFFF"/>
-                </a:solidFill>
-              </a14:hiddenFill>
-            </a:ext>
-          </a:extLst>
-        </p:spPr>
-      </p:pic>
-      <p:sp>
-        <p:nvSpPr>
-          <p:cNvPr id="4" name="TextBox 3">
-            <a:extLst>
-              <a:ext uri="{FF2B5EF4-FFF2-40B4-BE49-F238E27FC236}">
-                <a16:creationId xmlns:a16="http://schemas.microsoft.com/office/drawing/2014/main" id="{657654BE-61EC-CEFC-B856-F59C1A4B30FF}"/>
-              </a:ext>
-            </a:extLst>
-          </p:cNvPr>
-          <p:cNvSpPr txBox="1"/>
-          <p:nvPr/>
-        </p:nvSpPr>
-        <p:spPr>
-          <a:xfrm>
-            <a:off x="1523672" y="6231265"/>
-            <a:ext cx="8344228" cy="523220"/>
-          </a:xfrm>
-          <a:prstGeom prst="rect">
-            <a:avLst/>
-          </a:prstGeom>
-          <a:noFill/>
-        </p:spPr>
-        <p:txBody>
-          <a:bodyPr wrap="square">
-            <a:spAutoFit/>
-          </a:bodyPr>
-          <a:lstStyle/>
-          <a:p>
-            <a:r>
-              <a:rPr lang="en-US" sz="1400" dirty="0"/>
-              <a:t>ImageNet Classification with Deep Convolutional Neural Networks paper by Alex </a:t>
-            </a:r>
-            <a:r>
-              <a:rPr lang="en-US" sz="1400" dirty="0" err="1"/>
-              <a:t>Krizhevsky</a:t>
-            </a:r>
-            <a:r>
-              <a:rPr lang="en-US" sz="1400" dirty="0"/>
-              <a:t>, Geoffrey Hinton, and Ilya </a:t>
-            </a:r>
-            <a:r>
-              <a:rPr lang="en-US" sz="1400" dirty="0" err="1"/>
-              <a:t>Sutskever</a:t>
-            </a:r>
-            <a:r>
-              <a:rPr lang="en-US" sz="1400" dirty="0"/>
-              <a:t> (2012).</a:t>
-            </a:r>
-          </a:p>
-        </p:txBody>
-      </p:sp>
-    </p:spTree>
-    <p:extLst>
-      <p:ext uri="{BB962C8B-B14F-4D97-AF65-F5344CB8AC3E}">
-        <p14:creationId xmlns:p14="http://schemas.microsoft.com/office/powerpoint/2010/main" val="2022899757"/>
       </p:ext>
     </p:extLst>
   </p:cSld>
@@ -12129,6 +10669,163 @@
           <p:cNvPr id="2" name="Title 1">
             <a:extLst>
               <a:ext uri="{FF2B5EF4-FFF2-40B4-BE49-F238E27FC236}">
+                <a16:creationId xmlns:a16="http://schemas.microsoft.com/office/drawing/2014/main" id="{8734ADC4-4E94-BD56-39F6-99F21A89F0CE}"/>
+              </a:ext>
+            </a:extLst>
+          </p:cNvPr>
+          <p:cNvSpPr>
+            <a:spLocks noGrp="1"/>
+          </p:cNvSpPr>
+          <p:nvPr>
+            <p:ph type="title"/>
+          </p:nvPr>
+        </p:nvSpPr>
+        <p:spPr/>
+        <p:txBody>
+          <a:bodyPr/>
+          <a:lstStyle/>
+          <a:p>
+            <a:r>
+              <a:rPr lang="en-US" dirty="0" err="1"/>
+              <a:t>AlexNet</a:t>
+            </a:r>
+            <a:endParaRPr lang="en-US" dirty="0"/>
+          </a:p>
+        </p:txBody>
+      </p:sp>
+      <p:pic>
+        <p:nvPicPr>
+          <p:cNvPr id="16386" name="Picture 2" descr="AlexNet">
+            <a:extLst>
+              <a:ext uri="{FF2B5EF4-FFF2-40B4-BE49-F238E27FC236}">
+                <a16:creationId xmlns:a16="http://schemas.microsoft.com/office/drawing/2014/main" id="{D40412E3-D9A9-C843-C8AE-184C5BB2EBA3}"/>
+              </a:ext>
+            </a:extLst>
+          </p:cNvPr>
+          <p:cNvPicPr>
+            <a:picLocks noChangeAspect="1" noChangeArrowheads="1"/>
+          </p:cNvPicPr>
+          <p:nvPr/>
+        </p:nvPicPr>
+        <p:blipFill>
+          <a:blip r:embed="rId2">
+            <a:extLst>
+              <a:ext uri="{28A0092B-C50C-407E-A947-70E740481C1C}">
+                <a14:useLocalDpi xmlns:a14="http://schemas.microsoft.com/office/drawing/2010/main" val="0"/>
+              </a:ext>
+            </a:extLst>
+          </a:blip>
+          <a:srcRect/>
+          <a:stretch>
+            <a:fillRect/>
+          </a:stretch>
+        </p:blipFill>
+        <p:spPr bwMode="auto">
+          <a:xfrm>
+            <a:off x="960120" y="1690688"/>
+            <a:ext cx="8046064" cy="4580572"/>
+          </a:xfrm>
+          <a:prstGeom prst="rect">
+            <a:avLst/>
+          </a:prstGeom>
+          <a:noFill/>
+          <a:extLst>
+            <a:ext uri="{909E8E84-426E-40DD-AFC4-6F175D3DCCD1}">
+              <a14:hiddenFill xmlns:a14="http://schemas.microsoft.com/office/drawing/2010/main">
+                <a:solidFill>
+                  <a:srgbClr val="FFFFFF"/>
+                </a:solidFill>
+              </a14:hiddenFill>
+            </a:ext>
+          </a:extLst>
+        </p:spPr>
+      </p:pic>
+      <p:sp>
+        <p:nvSpPr>
+          <p:cNvPr id="4" name="TextBox 3">
+            <a:extLst>
+              <a:ext uri="{FF2B5EF4-FFF2-40B4-BE49-F238E27FC236}">
+                <a16:creationId xmlns:a16="http://schemas.microsoft.com/office/drawing/2014/main" id="{657654BE-61EC-CEFC-B856-F59C1A4B30FF}"/>
+              </a:ext>
+            </a:extLst>
+          </p:cNvPr>
+          <p:cNvSpPr txBox="1"/>
+          <p:nvPr/>
+        </p:nvSpPr>
+        <p:spPr>
+          <a:xfrm>
+            <a:off x="1523672" y="6231265"/>
+            <a:ext cx="8344228" cy="523220"/>
+          </a:xfrm>
+          <a:prstGeom prst="rect">
+            <a:avLst/>
+          </a:prstGeom>
+          <a:noFill/>
+        </p:spPr>
+        <p:txBody>
+          <a:bodyPr wrap="square">
+            <a:spAutoFit/>
+          </a:bodyPr>
+          <a:lstStyle/>
+          <a:p>
+            <a:r>
+              <a:rPr lang="en-US" sz="1400" dirty="0"/>
+              <a:t>ImageNet Classification with Deep Convolutional Neural Networks paper by Alex </a:t>
+            </a:r>
+            <a:r>
+              <a:rPr lang="en-US" sz="1400" dirty="0" err="1"/>
+              <a:t>Krizhevsky</a:t>
+            </a:r>
+            <a:r>
+              <a:rPr lang="en-US" sz="1400" dirty="0"/>
+              <a:t>, Geoffrey Hinton, and Ilya </a:t>
+            </a:r>
+            <a:r>
+              <a:rPr lang="en-US" sz="1400" dirty="0" err="1"/>
+              <a:t>Sutskever</a:t>
+            </a:r>
+            <a:r>
+              <a:rPr lang="en-US" sz="1400" dirty="0"/>
+              <a:t> (2012).</a:t>
+            </a:r>
+          </a:p>
+        </p:txBody>
+      </p:sp>
+    </p:spTree>
+    <p:extLst>
+      <p:ext uri="{BB962C8B-B14F-4D97-AF65-F5344CB8AC3E}">
+        <p14:creationId xmlns:p14="http://schemas.microsoft.com/office/powerpoint/2010/main" val="2022899757"/>
+      </p:ext>
+    </p:extLst>
+  </p:cSld>
+  <p:clrMapOvr>
+    <a:masterClrMapping/>
+  </p:clrMapOvr>
+</p:sld>
+</file>
+
+<file path=ppt/slides/slide31.xml><?xml version="1.0" encoding="utf-8"?>
+<p:sld xmlns:a="http://schemas.openxmlformats.org/drawingml/2006/main" xmlns:r="http://schemas.openxmlformats.org/officeDocument/2006/relationships" xmlns:p="http://schemas.openxmlformats.org/presentationml/2006/main">
+  <p:cSld>
+    <p:spTree>
+      <p:nvGrpSpPr>
+        <p:cNvPr id="1" name=""/>
+        <p:cNvGrpSpPr/>
+        <p:nvPr/>
+      </p:nvGrpSpPr>
+      <p:grpSpPr>
+        <a:xfrm>
+          <a:off x="0" y="0"/>
+          <a:ext cx="0" cy="0"/>
+          <a:chOff x="0" y="0"/>
+          <a:chExt cx="0" cy="0"/>
+        </a:xfrm>
+      </p:grpSpPr>
+      <p:sp>
+        <p:nvSpPr>
+          <p:cNvPr id="2" name="Title 1">
+            <a:extLst>
+              <a:ext uri="{FF2B5EF4-FFF2-40B4-BE49-F238E27FC236}">
                 <a16:creationId xmlns:a16="http://schemas.microsoft.com/office/drawing/2014/main" id="{4E41A7D1-E039-5148-A4C6-94B345532CFA}"/>
               </a:ext>
             </a:extLst>
@@ -12284,7 +10981,7 @@
 </p:sld>
 </file>
 
-<file path=ppt/slides/slide31.xml><?xml version="1.0" encoding="utf-8"?>
+<file path=ppt/slides/slide32.xml><?xml version="1.0" encoding="utf-8"?>
 <p:sld xmlns:a="http://schemas.openxmlformats.org/drawingml/2006/main" xmlns:r="http://schemas.openxmlformats.org/officeDocument/2006/relationships" xmlns:p="http://schemas.openxmlformats.org/presentationml/2006/main">
   <p:cSld>
     <p:spTree>
@@ -12483,7 +11180,7 @@
 </p:sld>
 </file>
 
-<file path=ppt/slides/slide32.xml><?xml version="1.0" encoding="utf-8"?>
+<file path=ppt/slides/slide33.xml><?xml version="1.0" encoding="utf-8"?>
 <p:sld xmlns:a="http://schemas.openxmlformats.org/drawingml/2006/main" xmlns:r="http://schemas.openxmlformats.org/officeDocument/2006/relationships" xmlns:p="http://schemas.openxmlformats.org/presentationml/2006/main">
   <p:cSld>
     <p:spTree>
@@ -12777,7 +11474,7 @@
 </p:sld>
 </file>
 
-<file path=ppt/slides/slide33.xml><?xml version="1.0" encoding="utf-8"?>
+<file path=ppt/slides/slide34.xml><?xml version="1.0" encoding="utf-8"?>
 <p:sld xmlns:a="http://schemas.openxmlformats.org/drawingml/2006/main" xmlns:r="http://schemas.openxmlformats.org/officeDocument/2006/relationships" xmlns:p="http://schemas.openxmlformats.org/presentationml/2006/main">
   <p:cSld>
     <p:spTree>
@@ -12927,7 +11624,7 @@
 </p:sld>
 </file>
 
-<file path=ppt/slides/slide34.xml><?xml version="1.0" encoding="utf-8"?>
+<file path=ppt/slides/slide35.xml><?xml version="1.0" encoding="utf-8"?>
 <p:sld xmlns:a="http://schemas.openxmlformats.org/drawingml/2006/main" xmlns:r="http://schemas.openxmlformats.org/officeDocument/2006/relationships" xmlns:p="http://schemas.openxmlformats.org/presentationml/2006/main">
   <p:cSld>
     <p:spTree>
@@ -13010,7 +11707,7 @@
 </p:sld>
 </file>
 
-<file path=ppt/slides/slide35.xml><?xml version="1.0" encoding="utf-8"?>
+<file path=ppt/slides/slide36.xml><?xml version="1.0" encoding="utf-8"?>
 <p:sld xmlns:a="http://schemas.openxmlformats.org/drawingml/2006/main" xmlns:r="http://schemas.openxmlformats.org/officeDocument/2006/relationships" xmlns:p="http://schemas.openxmlformats.org/presentationml/2006/main">
   <p:cSld>
     <p:spTree>
@@ -13180,7 +11877,7 @@
 </p:sld>
 </file>
 
-<file path=ppt/slides/slide36.xml><?xml version="1.0" encoding="utf-8"?>
+<file path=ppt/slides/slide37.xml><?xml version="1.0" encoding="utf-8"?>
 <p:sld xmlns:a="http://schemas.openxmlformats.org/drawingml/2006/main" xmlns:r="http://schemas.openxmlformats.org/officeDocument/2006/relationships" xmlns:p="http://schemas.openxmlformats.org/presentationml/2006/main">
   <p:cSld>
     <p:spTree>
@@ -13379,7 +12076,7 @@
 </p:sld>
 </file>
 
-<file path=ppt/slides/slide37.xml><?xml version="1.0" encoding="utf-8"?>
+<file path=ppt/slides/slide38.xml><?xml version="1.0" encoding="utf-8"?>
 <p:sld xmlns:a="http://schemas.openxmlformats.org/drawingml/2006/main" xmlns:r="http://schemas.openxmlformats.org/officeDocument/2006/relationships" xmlns:p="http://schemas.openxmlformats.org/presentationml/2006/main">
   <p:cSld>
     <p:spTree>
@@ -13502,7 +12199,7 @@
 </p:sld>
 </file>
 
-<file path=ppt/slides/slide38.xml><?xml version="1.0" encoding="utf-8"?>
+<file path=ppt/slides/slide39.xml><?xml version="1.0" encoding="utf-8"?>
 <p:sld xmlns:a="http://schemas.openxmlformats.org/drawingml/2006/main" xmlns:r="http://schemas.openxmlformats.org/officeDocument/2006/relationships" xmlns:p="http://schemas.openxmlformats.org/presentationml/2006/main">
   <p:cSld>
     <p:spTree>
@@ -13634,146 +12331,6 @@
     <p:extLst>
       <p:ext uri="{BB962C8B-B14F-4D97-AF65-F5344CB8AC3E}">
         <p14:creationId xmlns:p14="http://schemas.microsoft.com/office/powerpoint/2010/main" val="1894162818"/>
-      </p:ext>
-    </p:extLst>
-  </p:cSld>
-  <p:clrMapOvr>
-    <a:masterClrMapping/>
-  </p:clrMapOvr>
-</p:sld>
-</file>
-
-<file path=ppt/slides/slide39.xml><?xml version="1.0" encoding="utf-8"?>
-<p:sld xmlns:a="http://schemas.openxmlformats.org/drawingml/2006/main" xmlns:r="http://schemas.openxmlformats.org/officeDocument/2006/relationships" xmlns:p="http://schemas.openxmlformats.org/presentationml/2006/main">
-  <p:cSld>
-    <p:spTree>
-      <p:nvGrpSpPr>
-        <p:cNvPr id="1" name=""/>
-        <p:cNvGrpSpPr/>
-        <p:nvPr/>
-      </p:nvGrpSpPr>
-      <p:grpSpPr>
-        <a:xfrm>
-          <a:off x="0" y="0"/>
-          <a:ext cx="0" cy="0"/>
-          <a:chOff x="0" y="0"/>
-          <a:chExt cx="0" cy="0"/>
-        </a:xfrm>
-      </p:grpSpPr>
-      <p:sp>
-        <p:nvSpPr>
-          <p:cNvPr id="2" name="Title 1">
-            <a:extLst>
-              <a:ext uri="{FF2B5EF4-FFF2-40B4-BE49-F238E27FC236}">
-                <a16:creationId xmlns:a16="http://schemas.microsoft.com/office/drawing/2014/main" id="{CC825013-5F87-9BAF-F64A-9B9E836914ED}"/>
-              </a:ext>
-            </a:extLst>
-          </p:cNvPr>
-          <p:cNvSpPr>
-            <a:spLocks noGrp="1"/>
-          </p:cNvSpPr>
-          <p:nvPr>
-            <p:ph type="title"/>
-          </p:nvPr>
-        </p:nvSpPr>
-        <p:spPr>
-          <a:xfrm>
-            <a:off x="838200" y="365125"/>
-            <a:ext cx="5348378" cy="1325563"/>
-          </a:xfrm>
-        </p:spPr>
-        <p:txBody>
-          <a:bodyPr/>
-          <a:lstStyle/>
-          <a:p>
-            <a:r>
-              <a:rPr lang="en-US" dirty="0"/>
-              <a:t>Visualization - Confusion Matrix</a:t>
-            </a:r>
-          </a:p>
-        </p:txBody>
-      </p:sp>
-      <p:sp>
-        <p:nvSpPr>
-          <p:cNvPr id="3" name="Content Placeholder 2">
-            <a:extLst>
-              <a:ext uri="{FF2B5EF4-FFF2-40B4-BE49-F238E27FC236}">
-                <a16:creationId xmlns:a16="http://schemas.microsoft.com/office/drawing/2014/main" id="{B838E619-9D9B-F040-3EF5-EC48F39EB33D}"/>
-              </a:ext>
-            </a:extLst>
-          </p:cNvPr>
-          <p:cNvSpPr>
-            <a:spLocks noGrp="1"/>
-          </p:cNvSpPr>
-          <p:nvPr>
-            <p:ph idx="1"/>
-          </p:nvPr>
-        </p:nvSpPr>
-        <p:spPr>
-          <a:xfrm>
-            <a:off x="838201" y="1825624"/>
-            <a:ext cx="3897702" cy="2556595"/>
-          </a:xfrm>
-        </p:spPr>
-        <p:txBody>
-          <a:bodyPr>
-            <a:normAutofit/>
-          </a:bodyPr>
-          <a:lstStyle/>
-          <a:p>
-            <a:r>
-              <a:rPr lang="en-GB" dirty="0"/>
-              <a:t>Shows correct and incorrect predictions per class</a:t>
-            </a:r>
-          </a:p>
-          <a:p>
-            <a:r>
-              <a:rPr lang="en-GB" dirty="0"/>
-              <a:t>Helps identify problematic classes</a:t>
-            </a:r>
-            <a:endParaRPr lang="en-US" dirty="0"/>
-          </a:p>
-        </p:txBody>
-      </p:sp>
-      <p:pic>
-        <p:nvPicPr>
-          <p:cNvPr id="5" name="Picture 4" descr="A graph with numbers and squares&#10;&#10;AI-generated content may be incorrect.">
-            <a:extLst>
-              <a:ext uri="{FF2B5EF4-FFF2-40B4-BE49-F238E27FC236}">
-                <a16:creationId xmlns:a16="http://schemas.microsoft.com/office/drawing/2014/main" id="{96AD0C52-F73E-9C00-1B2E-438201B67412}"/>
-              </a:ext>
-            </a:extLst>
-          </p:cNvPr>
-          <p:cNvPicPr>
-            <a:picLocks noChangeAspect="1"/>
-          </p:cNvPicPr>
-          <p:nvPr/>
-        </p:nvPicPr>
-        <p:blipFill>
-          <a:blip r:embed="rId2">
-            <a:extLst>
-              <a:ext uri="{28A0092B-C50C-407E-A947-70E740481C1C}">
-                <a14:useLocalDpi xmlns:a14="http://schemas.microsoft.com/office/drawing/2010/main" val="0"/>
-              </a:ext>
-            </a:extLst>
-          </a:blip>
-          <a:srcRect l="7496" t="8230" r="13102" b="3833"/>
-          <a:stretch/>
-        </p:blipFill>
-        <p:spPr>
-          <a:xfrm>
-            <a:off x="4850872" y="293298"/>
-            <a:ext cx="7341128" cy="6504317"/>
-          </a:xfrm>
-          <a:prstGeom prst="rect">
-            <a:avLst/>
-          </a:prstGeom>
-        </p:spPr>
-      </p:pic>
-    </p:spTree>
-    <p:extLst>
-      <p:ext uri="{BB962C8B-B14F-4D97-AF65-F5344CB8AC3E}">
-        <p14:creationId xmlns:p14="http://schemas.microsoft.com/office/powerpoint/2010/main" val="4224664371"/>
       </p:ext>
     </p:extLst>
   </p:cSld>
@@ -14042,6 +12599,146 @@
           <p:cNvPr id="2" name="Title 1">
             <a:extLst>
               <a:ext uri="{FF2B5EF4-FFF2-40B4-BE49-F238E27FC236}">
+                <a16:creationId xmlns:a16="http://schemas.microsoft.com/office/drawing/2014/main" id="{CC825013-5F87-9BAF-F64A-9B9E836914ED}"/>
+              </a:ext>
+            </a:extLst>
+          </p:cNvPr>
+          <p:cNvSpPr>
+            <a:spLocks noGrp="1"/>
+          </p:cNvSpPr>
+          <p:nvPr>
+            <p:ph type="title"/>
+          </p:nvPr>
+        </p:nvSpPr>
+        <p:spPr>
+          <a:xfrm>
+            <a:off x="838200" y="365125"/>
+            <a:ext cx="5348378" cy="1325563"/>
+          </a:xfrm>
+        </p:spPr>
+        <p:txBody>
+          <a:bodyPr/>
+          <a:lstStyle/>
+          <a:p>
+            <a:r>
+              <a:rPr lang="en-US" dirty="0"/>
+              <a:t>Visualization - Confusion Matrix</a:t>
+            </a:r>
+          </a:p>
+        </p:txBody>
+      </p:sp>
+      <p:sp>
+        <p:nvSpPr>
+          <p:cNvPr id="3" name="Content Placeholder 2">
+            <a:extLst>
+              <a:ext uri="{FF2B5EF4-FFF2-40B4-BE49-F238E27FC236}">
+                <a16:creationId xmlns:a16="http://schemas.microsoft.com/office/drawing/2014/main" id="{B838E619-9D9B-F040-3EF5-EC48F39EB33D}"/>
+              </a:ext>
+            </a:extLst>
+          </p:cNvPr>
+          <p:cNvSpPr>
+            <a:spLocks noGrp="1"/>
+          </p:cNvSpPr>
+          <p:nvPr>
+            <p:ph idx="1"/>
+          </p:nvPr>
+        </p:nvSpPr>
+        <p:spPr>
+          <a:xfrm>
+            <a:off x="838201" y="1825624"/>
+            <a:ext cx="3897702" cy="2556595"/>
+          </a:xfrm>
+        </p:spPr>
+        <p:txBody>
+          <a:bodyPr>
+            <a:normAutofit/>
+          </a:bodyPr>
+          <a:lstStyle/>
+          <a:p>
+            <a:r>
+              <a:rPr lang="en-GB" dirty="0"/>
+              <a:t>Shows correct and incorrect predictions per class</a:t>
+            </a:r>
+          </a:p>
+          <a:p>
+            <a:r>
+              <a:rPr lang="en-GB" dirty="0"/>
+              <a:t>Helps identify problematic classes</a:t>
+            </a:r>
+            <a:endParaRPr lang="en-US" dirty="0"/>
+          </a:p>
+        </p:txBody>
+      </p:sp>
+      <p:pic>
+        <p:nvPicPr>
+          <p:cNvPr id="5" name="Picture 4" descr="A graph with numbers and squares&#10;&#10;AI-generated content may be incorrect.">
+            <a:extLst>
+              <a:ext uri="{FF2B5EF4-FFF2-40B4-BE49-F238E27FC236}">
+                <a16:creationId xmlns:a16="http://schemas.microsoft.com/office/drawing/2014/main" id="{96AD0C52-F73E-9C00-1B2E-438201B67412}"/>
+              </a:ext>
+            </a:extLst>
+          </p:cNvPr>
+          <p:cNvPicPr>
+            <a:picLocks noChangeAspect="1"/>
+          </p:cNvPicPr>
+          <p:nvPr/>
+        </p:nvPicPr>
+        <p:blipFill>
+          <a:blip r:embed="rId2">
+            <a:extLst>
+              <a:ext uri="{28A0092B-C50C-407E-A947-70E740481C1C}">
+                <a14:useLocalDpi xmlns:a14="http://schemas.microsoft.com/office/drawing/2010/main" val="0"/>
+              </a:ext>
+            </a:extLst>
+          </a:blip>
+          <a:srcRect l="7496" t="8230" r="13102" b="3833"/>
+          <a:stretch/>
+        </p:blipFill>
+        <p:spPr>
+          <a:xfrm>
+            <a:off x="4850872" y="293298"/>
+            <a:ext cx="7341128" cy="6504317"/>
+          </a:xfrm>
+          <a:prstGeom prst="rect">
+            <a:avLst/>
+          </a:prstGeom>
+        </p:spPr>
+      </p:pic>
+    </p:spTree>
+    <p:extLst>
+      <p:ext uri="{BB962C8B-B14F-4D97-AF65-F5344CB8AC3E}">
+        <p14:creationId xmlns:p14="http://schemas.microsoft.com/office/powerpoint/2010/main" val="4224664371"/>
+      </p:ext>
+    </p:extLst>
+  </p:cSld>
+  <p:clrMapOvr>
+    <a:masterClrMapping/>
+  </p:clrMapOvr>
+</p:sld>
+</file>
+
+<file path=ppt/slides/slide41.xml><?xml version="1.0" encoding="utf-8"?>
+<p:sld xmlns:a="http://schemas.openxmlformats.org/drawingml/2006/main" xmlns:r="http://schemas.openxmlformats.org/officeDocument/2006/relationships" xmlns:p="http://schemas.openxmlformats.org/presentationml/2006/main">
+  <p:cSld>
+    <p:spTree>
+      <p:nvGrpSpPr>
+        <p:cNvPr id="1" name=""/>
+        <p:cNvGrpSpPr/>
+        <p:nvPr/>
+      </p:nvGrpSpPr>
+      <p:grpSpPr>
+        <a:xfrm>
+          <a:off x="0" y="0"/>
+          <a:ext cx="0" cy="0"/>
+          <a:chOff x="0" y="0"/>
+          <a:chExt cx="0" cy="0"/>
+        </a:xfrm>
+      </p:grpSpPr>
+      <p:sp>
+        <p:nvSpPr>
+          <p:cNvPr id="2" name="Title 1">
+            <a:extLst>
+              <a:ext uri="{FF2B5EF4-FFF2-40B4-BE49-F238E27FC236}">
                 <a16:creationId xmlns:a16="http://schemas.microsoft.com/office/drawing/2014/main" id="{0BA6628A-E4AC-488F-507F-7C1798B0A969}"/>
               </a:ext>
             </a:extLst>
@@ -14147,7 +12844,7 @@
 </p:sld>
 </file>
 
-<file path=ppt/slides/slide41.xml><?xml version="1.0" encoding="utf-8"?>
+<file path=ppt/slides/slide42.xml><?xml version="1.0" encoding="utf-8"?>
 <p:sld xmlns:a="http://schemas.openxmlformats.org/drawingml/2006/main" xmlns:r="http://schemas.openxmlformats.org/officeDocument/2006/relationships" xmlns:p="http://schemas.openxmlformats.org/presentationml/2006/main">
   <p:cSld>
     <p:spTree>
@@ -14314,7 +13011,7 @@
 </p:sld>
 </file>
 
-<file path=ppt/slides/slide42.xml><?xml version="1.0" encoding="utf-8"?>
+<file path=ppt/slides/slide43.xml><?xml version="1.0" encoding="utf-8"?>
 <p:sld xmlns:a="http://schemas.openxmlformats.org/drawingml/2006/main" xmlns:r="http://schemas.openxmlformats.org/officeDocument/2006/relationships" xmlns:p="http://schemas.openxmlformats.org/presentationml/2006/main">
   <p:cSld>
     <p:spTree>
@@ -14469,7 +13166,7 @@
 </p:sld>
 </file>
 
-<file path=ppt/slides/slide43.xml><?xml version="1.0" encoding="utf-8"?>
+<file path=ppt/slides/slide44.xml><?xml version="1.0" encoding="utf-8"?>
 <p:sld xmlns:a="http://schemas.openxmlformats.org/drawingml/2006/main" xmlns:r="http://schemas.openxmlformats.org/officeDocument/2006/relationships" xmlns:p="http://schemas.openxmlformats.org/presentationml/2006/main">
   <p:cSld>
     <p:spTree>
@@ -14683,6 +13380,53 @@
           </a:p>
         </p:txBody>
       </p:sp>
+      <p:pic>
+        <p:nvPicPr>
+          <p:cNvPr id="1026" name="Picture 2" descr="Understanding Edge Detection (Sobel Operator) | by Ashish |  DataDrivenInvestor">
+            <a:extLst>
+              <a:ext uri="{FF2B5EF4-FFF2-40B4-BE49-F238E27FC236}">
+                <a16:creationId xmlns:a16="http://schemas.microsoft.com/office/drawing/2014/main" id="{85D32D6C-4761-E6F5-CA78-491F0A9117C9}"/>
+              </a:ext>
+            </a:extLst>
+          </p:cNvPr>
+          <p:cNvPicPr>
+            <a:picLocks noChangeAspect="1" noChangeArrowheads="1"/>
+          </p:cNvPicPr>
+          <p:nvPr/>
+        </p:nvPicPr>
+        <p:blipFill>
+          <a:blip r:embed="rId2">
+            <a:extLst>
+              <a:ext uri="{28A0092B-C50C-407E-A947-70E740481C1C}">
+                <a14:useLocalDpi xmlns:a14="http://schemas.microsoft.com/office/drawing/2010/main" val="0"/>
+              </a:ext>
+            </a:extLst>
+          </a:blip>
+          <a:srcRect/>
+          <a:stretch>
+            <a:fillRect/>
+          </a:stretch>
+        </p:blipFill>
+        <p:spPr bwMode="auto">
+          <a:xfrm>
+            <a:off x="6390781" y="194074"/>
+            <a:ext cx="5550847" cy="2673817"/>
+          </a:xfrm>
+          <a:prstGeom prst="rect">
+            <a:avLst/>
+          </a:prstGeom>
+          <a:noFill/>
+          <a:extLst>
+            <a:ext uri="{909E8E84-426E-40DD-AFC4-6F175D3DCCD1}">
+              <a14:hiddenFill xmlns:a14="http://schemas.microsoft.com/office/drawing/2010/main">
+                <a:solidFill>
+                  <a:srgbClr val="FFFFFF"/>
+                </a:solidFill>
+              </a14:hiddenFill>
+            </a:ext>
+          </a:extLst>
+        </p:spPr>
+      </p:pic>
     </p:spTree>
     <p:extLst>
       <p:ext uri="{BB962C8B-B14F-4D97-AF65-F5344CB8AC3E}">
@@ -14715,10 +13459,10 @@
       </p:grpSpPr>
       <p:sp>
         <p:nvSpPr>
-          <p:cNvPr id="7" name="Title 6">
-            <a:extLst>
-              <a:ext uri="{FF2B5EF4-FFF2-40B4-BE49-F238E27FC236}">
-                <a16:creationId xmlns:a16="http://schemas.microsoft.com/office/drawing/2014/main" id="{B24DD18C-DA02-F4DB-B5EF-481B5ACC6C56}"/>
+          <p:cNvPr id="4" name="Title 3">
+            <a:extLst>
+              <a:ext uri="{FF2B5EF4-FFF2-40B4-BE49-F238E27FC236}">
+                <a16:creationId xmlns:a16="http://schemas.microsoft.com/office/drawing/2014/main" id="{AA2ADA8E-70C3-DCA2-226D-D9A8E6F42A5C}"/>
               </a:ext>
             </a:extLst>
           </p:cNvPr>
@@ -14735,54 +13479,18 @@
           <a:lstStyle/>
           <a:p>
             <a:r>
-              <a:rPr lang="en-GB" dirty="0"/>
-              <a:t>Feature detector with Convolution Operation</a:t>
-            </a:r>
-            <a:endParaRPr lang="en-US" dirty="0"/>
-          </a:p>
-        </p:txBody>
-      </p:sp>
-      <p:sp>
-        <p:nvSpPr>
-          <p:cNvPr id="12" name="TextBox 11">
-            <a:extLst>
-              <a:ext uri="{FF2B5EF4-FFF2-40B4-BE49-F238E27FC236}">
-                <a16:creationId xmlns:a16="http://schemas.microsoft.com/office/drawing/2014/main" id="{AF5E90A7-685E-8037-23DA-0361A9387753}"/>
-              </a:ext>
-            </a:extLst>
-          </p:cNvPr>
-          <p:cNvSpPr txBox="1"/>
-          <p:nvPr/>
-        </p:nvSpPr>
-        <p:spPr>
-          <a:xfrm>
-            <a:off x="1519103" y="6492875"/>
-            <a:ext cx="4374126" cy="307777"/>
-          </a:xfrm>
-          <a:prstGeom prst="rect">
-            <a:avLst/>
-          </a:prstGeom>
-          <a:noFill/>
-        </p:spPr>
-        <p:txBody>
-          <a:bodyPr wrap="square">
-            <a:spAutoFit/>
-          </a:bodyPr>
-          <a:lstStyle/>
-          <a:p>
-            <a:r>
-              <a:rPr lang="en-US" sz="1400" dirty="0"/>
-              <a:t>https://www.youtube.com/watch?v=XuD4C8vJzEQ</a:t>
+              <a:rPr lang="en-US" dirty="0"/>
+              <a:t>Features at different layers</a:t>
             </a:r>
           </a:p>
         </p:txBody>
       </p:sp>
       <p:pic>
         <p:nvPicPr>
-          <p:cNvPr id="20" name="Picture 19">
-            <a:extLst>
-              <a:ext uri="{FF2B5EF4-FFF2-40B4-BE49-F238E27FC236}">
-                <a16:creationId xmlns:a16="http://schemas.microsoft.com/office/drawing/2014/main" id="{C6833234-303C-ECCF-78BD-D4BC9DB5A907}"/>
+          <p:cNvPr id="7" name="Picture 6">
+            <a:extLst>
+              <a:ext uri="{FF2B5EF4-FFF2-40B4-BE49-F238E27FC236}">
+                <a16:creationId xmlns:a16="http://schemas.microsoft.com/office/drawing/2014/main" id="{4AC5A175-8D53-FC22-BF47-0EADC660EC1F}"/>
               </a:ext>
             </a:extLst>
           </p:cNvPr>
@@ -14793,23 +13501,59 @@
         </p:nvPicPr>
         <p:blipFill>
           <a:blip r:embed="rId2"/>
-          <a:srcRect l="1518"/>
-          <a:stretch/>
+          <a:stretch>
+            <a:fillRect/>
+          </a:stretch>
         </p:blipFill>
         <p:spPr>
           <a:xfrm>
-            <a:off x="922019" y="1690688"/>
-            <a:ext cx="7466586" cy="4115752"/>
+            <a:off x="838200" y="1570302"/>
+            <a:ext cx="9238457" cy="4793129"/>
           </a:xfrm>
           <a:prstGeom prst="rect">
             <a:avLst/>
           </a:prstGeom>
         </p:spPr>
       </p:pic>
+      <p:sp>
+        <p:nvSpPr>
+          <p:cNvPr id="9" name="TextBox 8">
+            <a:extLst>
+              <a:ext uri="{FF2B5EF4-FFF2-40B4-BE49-F238E27FC236}">
+                <a16:creationId xmlns:a16="http://schemas.microsoft.com/office/drawing/2014/main" id="{9F4DA791-AC47-E678-D460-1466145F44E9}"/>
+              </a:ext>
+            </a:extLst>
+          </p:cNvPr>
+          <p:cNvSpPr txBox="1"/>
+          <p:nvPr/>
+        </p:nvSpPr>
+        <p:spPr>
+          <a:xfrm>
+            <a:off x="1749830" y="6492875"/>
+            <a:ext cx="8940338" cy="276999"/>
+          </a:xfrm>
+          <a:prstGeom prst="rect">
+            <a:avLst/>
+          </a:prstGeom>
+          <a:noFill/>
+        </p:spPr>
+        <p:txBody>
+          <a:bodyPr wrap="square">
+            <a:spAutoFit/>
+          </a:bodyPr>
+          <a:lstStyle/>
+          <a:p>
+            <a:r>
+              <a:rPr lang="en-US" sz="1200" dirty="0"/>
+              <a:t>https://www.researchgate.net/figure/Features-obtained-for-face-recognition-application-in-hidden-layers-of-CNN-9_fig1_355228583</a:t>
+            </a:r>
+          </a:p>
+        </p:txBody>
+      </p:sp>
     </p:spTree>
     <p:extLst>
       <p:ext uri="{BB962C8B-B14F-4D97-AF65-F5344CB8AC3E}">
-        <p14:creationId xmlns:p14="http://schemas.microsoft.com/office/powerpoint/2010/main" val="1840264368"/>
+        <p14:creationId xmlns:p14="http://schemas.microsoft.com/office/powerpoint/2010/main" val="1083673441"/>
       </p:ext>
     </p:extLst>
   </p:cSld>
@@ -14836,57 +13580,41 @@
           <a:chExt cx="0" cy="0"/>
         </a:xfrm>
       </p:grpSpPr>
-      <p:pic>
-        <p:nvPicPr>
-          <p:cNvPr id="14338" name="Picture 2" descr="An animation of a filter sliding across a matrix (input image) and generating an output feature map (another matrix).">
-            <a:extLst>
-              <a:ext uri="{FF2B5EF4-FFF2-40B4-BE49-F238E27FC236}">
-                <a16:creationId xmlns:a16="http://schemas.microsoft.com/office/drawing/2014/main" id="{C53C04E5-03DE-FFBD-0933-E0366C9399AB}"/>
-              </a:ext>
-            </a:extLst>
-          </p:cNvPr>
-          <p:cNvPicPr>
-            <a:picLocks noChangeAspect="1" noChangeArrowheads="1"/>
-          </p:cNvPicPr>
-          <p:nvPr/>
-        </p:nvPicPr>
-        <p:blipFill rotWithShape="1">
-          <a:blip r:embed="rId2">
-            <a:extLst>
-              <a:ext uri="{28A0092B-C50C-407E-A947-70E740481C1C}">
-                <a14:useLocalDpi xmlns:a14="http://schemas.microsoft.com/office/drawing/2010/main" val="0"/>
-              </a:ext>
-            </a:extLst>
-          </a:blip>
-          <a:srcRect t="12345" b="13334"/>
-          <a:stretch/>
-        </p:blipFill>
-        <p:spPr bwMode="auto">
-          <a:xfrm>
-            <a:off x="525780" y="1799689"/>
-            <a:ext cx="10972800" cy="4587240"/>
-          </a:xfrm>
-          <a:prstGeom prst="rect">
-            <a:avLst/>
-          </a:prstGeom>
-          <a:noFill/>
-          <a:extLst>
-            <a:ext uri="{909E8E84-426E-40DD-AFC4-6F175D3DCCD1}">
-              <a14:hiddenFill xmlns:a14="http://schemas.microsoft.com/office/drawing/2010/main">
-                <a:solidFill>
-                  <a:srgbClr val="FFFFFF"/>
-                </a:solidFill>
-              </a14:hiddenFill>
-            </a:ext>
-          </a:extLst>
-        </p:spPr>
-      </p:pic>
-      <p:sp>
-        <p:nvSpPr>
-          <p:cNvPr id="3" name="TextBox 2">
-            <a:extLst>
-              <a:ext uri="{FF2B5EF4-FFF2-40B4-BE49-F238E27FC236}">
-                <a16:creationId xmlns:a16="http://schemas.microsoft.com/office/drawing/2014/main" id="{594BD976-D372-D402-A9D8-E5959DCADED5}"/>
+      <p:sp>
+        <p:nvSpPr>
+          <p:cNvPr id="7" name="Title 6">
+            <a:extLst>
+              <a:ext uri="{FF2B5EF4-FFF2-40B4-BE49-F238E27FC236}">
+                <a16:creationId xmlns:a16="http://schemas.microsoft.com/office/drawing/2014/main" id="{B24DD18C-DA02-F4DB-B5EF-481B5ACC6C56}"/>
+              </a:ext>
+            </a:extLst>
+          </p:cNvPr>
+          <p:cNvSpPr>
+            <a:spLocks noGrp="1"/>
+          </p:cNvSpPr>
+          <p:nvPr>
+            <p:ph type="title"/>
+          </p:nvPr>
+        </p:nvSpPr>
+        <p:spPr/>
+        <p:txBody>
+          <a:bodyPr/>
+          <a:lstStyle/>
+          <a:p>
+            <a:r>
+              <a:rPr lang="en-GB" dirty="0"/>
+              <a:t>Feature detector with Convolution Operation</a:t>
+            </a:r>
+            <a:endParaRPr lang="en-US" dirty="0"/>
+          </a:p>
+        </p:txBody>
+      </p:sp>
+      <p:sp>
+        <p:nvSpPr>
+          <p:cNvPr id="12" name="TextBox 11">
+            <a:extLst>
+              <a:ext uri="{FF2B5EF4-FFF2-40B4-BE49-F238E27FC236}">
+                <a16:creationId xmlns:a16="http://schemas.microsoft.com/office/drawing/2014/main" id="{AF5E90A7-685E-8037-23DA-0361A9387753}"/>
               </a:ext>
             </a:extLst>
           </p:cNvPr>
@@ -14895,8 +13623,8 @@
         </p:nvSpPr>
         <p:spPr>
           <a:xfrm>
-            <a:off x="2560320" y="6386929"/>
-            <a:ext cx="6172200" cy="230832"/>
+            <a:off x="1519103" y="6492875"/>
+            <a:ext cx="4374126" cy="307777"/>
           </a:xfrm>
           <a:prstGeom prst="rect">
             <a:avLst/>
@@ -14910,36 +13638,76 @@
           <a:lstStyle/>
           <a:p>
             <a:r>
-              <a:rPr lang="en-US" sz="900" dirty="0"/>
-              <a:t>https://medium.com/@alejandro.itoaramendia/convolutional-neural-networks-cnns-a-complete-guide-a803534a1930</a:t>
-            </a:r>
-          </a:p>
-        </p:txBody>
-      </p:sp>
-      <p:sp>
-        <p:nvSpPr>
-          <p:cNvPr id="5" name="Title 4">
-            <a:extLst>
-              <a:ext uri="{FF2B5EF4-FFF2-40B4-BE49-F238E27FC236}">
-                <a16:creationId xmlns:a16="http://schemas.microsoft.com/office/drawing/2014/main" id="{548C5B3B-F07C-DD9B-C0B2-DF6E7384E8B7}"/>
-              </a:ext>
-            </a:extLst>
-          </p:cNvPr>
-          <p:cNvSpPr>
-            <a:spLocks noGrp="1"/>
-          </p:cNvSpPr>
-          <p:nvPr>
-            <p:ph type="title"/>
-          </p:nvPr>
-        </p:nvSpPr>
-        <p:spPr/>
-        <p:txBody>
-          <a:bodyPr/>
-          <a:lstStyle/>
-          <a:p>
-            <a:r>
-              <a:rPr lang="en-US" dirty="0"/>
-              <a:t>Basic Convolution Operation</a:t>
+              <a:rPr lang="en-US" sz="1400" dirty="0"/>
+              <a:t>https://www.youtube.com/watch?v=XuD4C8vJzEQ</a:t>
+            </a:r>
+          </a:p>
+        </p:txBody>
+      </p:sp>
+      <p:pic>
+        <p:nvPicPr>
+          <p:cNvPr id="20" name="Picture 19">
+            <a:extLst>
+              <a:ext uri="{FF2B5EF4-FFF2-40B4-BE49-F238E27FC236}">
+                <a16:creationId xmlns:a16="http://schemas.microsoft.com/office/drawing/2014/main" id="{C6833234-303C-ECCF-78BD-D4BC9DB5A907}"/>
+              </a:ext>
+            </a:extLst>
+          </p:cNvPr>
+          <p:cNvPicPr>
+            <a:picLocks noChangeAspect="1"/>
+          </p:cNvPicPr>
+          <p:nvPr/>
+        </p:nvPicPr>
+        <p:blipFill>
+          <a:blip r:embed="rId2"/>
+          <a:srcRect l="1518"/>
+          <a:stretch/>
+        </p:blipFill>
+        <p:spPr>
+          <a:xfrm>
+            <a:off x="922019" y="1690688"/>
+            <a:ext cx="7466586" cy="4115752"/>
+          </a:xfrm>
+          <a:prstGeom prst="rect">
+            <a:avLst/>
+          </a:prstGeom>
+        </p:spPr>
+      </p:pic>
+      <p:sp>
+        <p:nvSpPr>
+          <p:cNvPr id="2" name="TextBox 1">
+            <a:extLst>
+              <a:ext uri="{FF2B5EF4-FFF2-40B4-BE49-F238E27FC236}">
+                <a16:creationId xmlns:a16="http://schemas.microsoft.com/office/drawing/2014/main" id="{1B19169C-2A22-BF7F-62B6-823A4B891FC2}"/>
+              </a:ext>
+            </a:extLst>
+          </p:cNvPr>
+          <p:cNvSpPr txBox="1"/>
+          <p:nvPr/>
+        </p:nvSpPr>
+        <p:spPr>
+          <a:xfrm>
+            <a:off x="3582785" y="2192457"/>
+            <a:ext cx="1303242" cy="369332"/>
+          </a:xfrm>
+          <a:prstGeom prst="rect">
+            <a:avLst/>
+          </a:prstGeom>
+          <a:noFill/>
+        </p:spPr>
+        <p:txBody>
+          <a:bodyPr wrap="none" rtlCol="0">
+            <a:spAutoFit/>
+          </a:bodyPr>
+          <a:lstStyle/>
+          <a:p>
+            <a:r>
+              <a:rPr lang="en-US" dirty="0">
+                <a:solidFill>
+                  <a:srgbClr val="FF0000"/>
+                </a:solidFill>
+              </a:rPr>
+              <a:t>filter/kernel</a:t>
             </a:r>
           </a:p>
         </p:txBody>
@@ -14947,7 +13715,7 @@
     </p:spTree>
     <p:extLst>
       <p:ext uri="{BB962C8B-B14F-4D97-AF65-F5344CB8AC3E}">
-        <p14:creationId xmlns:p14="http://schemas.microsoft.com/office/powerpoint/2010/main" val="602319858"/>
+        <p14:creationId xmlns:p14="http://schemas.microsoft.com/office/powerpoint/2010/main" val="1840264368"/>
       </p:ext>
     </p:extLst>
   </p:cSld>
@@ -14976,10 +13744,10 @@
       </p:grpSpPr>
       <p:pic>
         <p:nvPicPr>
-          <p:cNvPr id="1026" name="Picture 2" descr="Convolution Operation 1">
-            <a:extLst>
-              <a:ext uri="{FF2B5EF4-FFF2-40B4-BE49-F238E27FC236}">
-                <a16:creationId xmlns:a16="http://schemas.microsoft.com/office/drawing/2014/main" id="{76E75702-F073-8084-0465-B5E23D38ACC7}"/>
+          <p:cNvPr id="14338" name="Picture 2" descr="An animation of a filter sliding across a matrix (input image) and generating an output feature map (another matrix).">
+            <a:extLst>
+              <a:ext uri="{FF2B5EF4-FFF2-40B4-BE49-F238E27FC236}">
+                <a16:creationId xmlns:a16="http://schemas.microsoft.com/office/drawing/2014/main" id="{C53C04E5-03DE-FFBD-0933-E0366C9399AB}"/>
               </a:ext>
             </a:extLst>
           </p:cNvPr>
@@ -14988,7 +13756,7 @@
           </p:cNvPicPr>
           <p:nvPr/>
         </p:nvPicPr>
-        <p:blipFill>
+        <p:blipFill rotWithShape="1">
           <a:blip r:embed="rId2">
             <a:extLst>
               <a:ext uri="{28A0092B-C50C-407E-A947-70E740481C1C}">
@@ -14996,15 +13764,13 @@
               </a:ext>
             </a:extLst>
           </a:blip>
-          <a:srcRect/>
-          <a:stretch>
-            <a:fillRect/>
-          </a:stretch>
+          <a:srcRect t="12345" b="13334"/>
+          <a:stretch/>
         </p:blipFill>
         <p:spPr bwMode="auto">
           <a:xfrm>
-            <a:off x="3107891" y="350242"/>
-            <a:ext cx="6984128" cy="2933143"/>
+            <a:off x="525780" y="1799689"/>
+            <a:ext cx="10972800" cy="4587240"/>
           </a:xfrm>
           <a:prstGeom prst="rect">
             <a:avLst/>
@@ -15023,10 +13789,10 @@
       </p:pic>
       <p:sp>
         <p:nvSpPr>
-          <p:cNvPr id="4" name="TextBox 3">
-            <a:extLst>
-              <a:ext uri="{FF2B5EF4-FFF2-40B4-BE49-F238E27FC236}">
-                <a16:creationId xmlns:a16="http://schemas.microsoft.com/office/drawing/2014/main" id="{64F62544-E8A8-E0A2-08D0-D2958ACFA55A}"/>
+          <p:cNvPr id="3" name="TextBox 2">
+            <a:extLst>
+              <a:ext uri="{FF2B5EF4-FFF2-40B4-BE49-F238E27FC236}">
+                <a16:creationId xmlns:a16="http://schemas.microsoft.com/office/drawing/2014/main" id="{594BD976-D372-D402-A9D8-E5959DCADED5}"/>
               </a:ext>
             </a:extLst>
           </p:cNvPr>
@@ -15035,8 +13801,8 @@
         </p:nvSpPr>
         <p:spPr>
           <a:xfrm>
-            <a:off x="3009900" y="6505916"/>
-            <a:ext cx="6172200" cy="261610"/>
+            <a:off x="2560320" y="6386929"/>
+            <a:ext cx="6172200" cy="230832"/>
           </a:xfrm>
           <a:prstGeom prst="rect">
             <a:avLst/>
@@ -15050,95 +13816,36 @@
           <a:lstStyle/>
           <a:p>
             <a:r>
-              <a:rPr lang="en-US" sz="1100" dirty="0"/>
-              <a:t>https://indoml.com/2018/03/07/student-notes-convolutional-neural-networks-cnn-introduction/</a:t>
-            </a:r>
-          </a:p>
-        </p:txBody>
-      </p:sp>
-      <p:pic>
-        <p:nvPicPr>
-          <p:cNvPr id="2050" name="Picture 2" descr="Convolution Operation 2">
-            <a:extLst>
-              <a:ext uri="{FF2B5EF4-FFF2-40B4-BE49-F238E27FC236}">
-                <a16:creationId xmlns:a16="http://schemas.microsoft.com/office/drawing/2014/main" id="{150D27DF-7401-302D-79A1-7B04CBBC07CC}"/>
-              </a:ext>
-            </a:extLst>
-          </p:cNvPr>
-          <p:cNvPicPr>
-            <a:picLocks noChangeAspect="1" noChangeArrowheads="1"/>
-          </p:cNvPicPr>
-          <p:nvPr/>
-        </p:nvPicPr>
-        <p:blipFill>
-          <a:blip r:embed="rId3">
-            <a:extLst>
-              <a:ext uri="{28A0092B-C50C-407E-A947-70E740481C1C}">
-                <a14:useLocalDpi xmlns:a14="http://schemas.microsoft.com/office/drawing/2010/main" val="0"/>
-              </a:ext>
-            </a:extLst>
-          </a:blip>
-          <a:srcRect/>
-          <a:stretch>
-            <a:fillRect/>
-          </a:stretch>
-        </p:blipFill>
-        <p:spPr bwMode="auto">
-          <a:xfrm>
-            <a:off x="3142380" y="3429000"/>
-            <a:ext cx="6915150" cy="2924175"/>
-          </a:xfrm>
-          <a:prstGeom prst="rect">
-            <a:avLst/>
-          </a:prstGeom>
-          <a:noFill/>
-          <a:extLst>
-            <a:ext uri="{909E8E84-426E-40DD-AFC4-6F175D3DCCD1}">
-              <a14:hiddenFill xmlns:a14="http://schemas.microsoft.com/office/drawing/2010/main">
-                <a:solidFill>
-                  <a:srgbClr val="FFFFFF"/>
-                </a:solidFill>
-              </a14:hiddenFill>
-            </a:ext>
-          </a:extLst>
-        </p:spPr>
-      </p:pic>
-      <p:sp>
-        <p:nvSpPr>
-          <p:cNvPr id="6" name="TextBox 5">
-            <a:extLst>
-              <a:ext uri="{FF2B5EF4-FFF2-40B4-BE49-F238E27FC236}">
-                <a16:creationId xmlns:a16="http://schemas.microsoft.com/office/drawing/2014/main" id="{D89A1462-E38E-126D-AFD2-C44AFF57D232}"/>
-              </a:ext>
-            </a:extLst>
-          </p:cNvPr>
-          <p:cNvSpPr txBox="1"/>
-          <p:nvPr/>
-        </p:nvSpPr>
-        <p:spPr>
-          <a:xfrm>
-            <a:off x="365760" y="2867886"/>
-            <a:ext cx="2331720" cy="830997"/>
-          </a:xfrm>
-          <a:prstGeom prst="rect">
-            <a:avLst/>
-          </a:prstGeom>
-          <a:noFill/>
-        </p:spPr>
-        <p:txBody>
-          <a:bodyPr wrap="square">
-            <a:spAutoFit/>
-          </a:bodyPr>
-          <a:lstStyle/>
-          <a:p>
-            <a:r>
-              <a:rPr lang="en-US" sz="2400" b="1" dirty="0">
-                <a:solidFill>
-                  <a:srgbClr val="242424"/>
-                </a:solidFill>
-                <a:latin typeface="source-serif-pro"/>
-              </a:rPr>
-              <a:t>Filter /kernels parameters</a:t>
+              <a:rPr lang="en-US" sz="900" dirty="0"/>
+              <a:t>https://medium.com/@alejandro.itoaramendia/convolutional-neural-networks-cnns-a-complete-guide-a803534a1930</a:t>
+            </a:r>
+          </a:p>
+        </p:txBody>
+      </p:sp>
+      <p:sp>
+        <p:nvSpPr>
+          <p:cNvPr id="5" name="Title 4">
+            <a:extLst>
+              <a:ext uri="{FF2B5EF4-FFF2-40B4-BE49-F238E27FC236}">
+                <a16:creationId xmlns:a16="http://schemas.microsoft.com/office/drawing/2014/main" id="{548C5B3B-F07C-DD9B-C0B2-DF6E7384E8B7}"/>
+              </a:ext>
+            </a:extLst>
+          </p:cNvPr>
+          <p:cNvSpPr>
+            <a:spLocks noGrp="1"/>
+          </p:cNvSpPr>
+          <p:nvPr>
+            <p:ph type="title"/>
+          </p:nvPr>
+        </p:nvSpPr>
+        <p:spPr/>
+        <p:txBody>
+          <a:bodyPr/>
+          <a:lstStyle/>
+          <a:p>
+            <a:r>
+              <a:rPr lang="en-US" dirty="0"/>
+              <a:t>Basic Convolution Operation</a:t>
             </a:r>
           </a:p>
         </p:txBody>
@@ -15146,7 +13853,7 @@
     </p:spTree>
     <p:extLst>
       <p:ext uri="{BB962C8B-B14F-4D97-AF65-F5344CB8AC3E}">
-        <p14:creationId xmlns:p14="http://schemas.microsoft.com/office/powerpoint/2010/main" val="4111090122"/>
+        <p14:creationId xmlns:p14="http://schemas.microsoft.com/office/powerpoint/2010/main" val="602319858"/>
       </p:ext>
     </p:extLst>
   </p:cSld>
@@ -15175,10 +13882,10 @@
       </p:grpSpPr>
       <p:pic>
         <p:nvPicPr>
-          <p:cNvPr id="2052" name="Picture 4" descr="Stride">
-            <a:extLst>
-              <a:ext uri="{FF2B5EF4-FFF2-40B4-BE49-F238E27FC236}">
-                <a16:creationId xmlns:a16="http://schemas.microsoft.com/office/drawing/2014/main" id="{F8383B3E-A01E-629E-1FA4-01D19F89DC61}"/>
+          <p:cNvPr id="1026" name="Picture 2" descr="Convolution Operation 1">
+            <a:extLst>
+              <a:ext uri="{FF2B5EF4-FFF2-40B4-BE49-F238E27FC236}">
+                <a16:creationId xmlns:a16="http://schemas.microsoft.com/office/drawing/2014/main" id="{76E75702-F073-8084-0465-B5E23D38ACC7}"/>
               </a:ext>
             </a:extLst>
           </p:cNvPr>
@@ -15202,7 +13909,89 @@
         </p:blipFill>
         <p:spPr bwMode="auto">
           <a:xfrm>
-            <a:off x="847725" y="202882"/>
+            <a:off x="3107891" y="350242"/>
+            <a:ext cx="6984128" cy="2933143"/>
+          </a:xfrm>
+          <a:prstGeom prst="rect">
+            <a:avLst/>
+          </a:prstGeom>
+          <a:noFill/>
+          <a:extLst>
+            <a:ext uri="{909E8E84-426E-40DD-AFC4-6F175D3DCCD1}">
+              <a14:hiddenFill xmlns:a14="http://schemas.microsoft.com/office/drawing/2010/main">
+                <a:solidFill>
+                  <a:srgbClr val="FFFFFF"/>
+                </a:solidFill>
+              </a14:hiddenFill>
+            </a:ext>
+          </a:extLst>
+        </p:spPr>
+      </p:pic>
+      <p:sp>
+        <p:nvSpPr>
+          <p:cNvPr id="4" name="TextBox 3">
+            <a:extLst>
+              <a:ext uri="{FF2B5EF4-FFF2-40B4-BE49-F238E27FC236}">
+                <a16:creationId xmlns:a16="http://schemas.microsoft.com/office/drawing/2014/main" id="{64F62544-E8A8-E0A2-08D0-D2958ACFA55A}"/>
+              </a:ext>
+            </a:extLst>
+          </p:cNvPr>
+          <p:cNvSpPr txBox="1"/>
+          <p:nvPr/>
+        </p:nvSpPr>
+        <p:spPr>
+          <a:xfrm>
+            <a:off x="3009900" y="6505916"/>
+            <a:ext cx="6172200" cy="261610"/>
+          </a:xfrm>
+          <a:prstGeom prst="rect">
+            <a:avLst/>
+          </a:prstGeom>
+          <a:noFill/>
+        </p:spPr>
+        <p:txBody>
+          <a:bodyPr wrap="square">
+            <a:spAutoFit/>
+          </a:bodyPr>
+          <a:lstStyle/>
+          <a:p>
+            <a:r>
+              <a:rPr lang="en-US" sz="1100" dirty="0"/>
+              <a:t>https://indoml.com/2018/03/07/student-notes-convolutional-neural-networks-cnn-introduction/</a:t>
+            </a:r>
+          </a:p>
+        </p:txBody>
+      </p:sp>
+      <p:pic>
+        <p:nvPicPr>
+          <p:cNvPr id="2050" name="Picture 2" descr="Convolution Operation 2">
+            <a:extLst>
+              <a:ext uri="{FF2B5EF4-FFF2-40B4-BE49-F238E27FC236}">
+                <a16:creationId xmlns:a16="http://schemas.microsoft.com/office/drawing/2014/main" id="{150D27DF-7401-302D-79A1-7B04CBBC07CC}"/>
+              </a:ext>
+            </a:extLst>
+          </p:cNvPr>
+          <p:cNvPicPr>
+            <a:picLocks noChangeAspect="1" noChangeArrowheads="1"/>
+          </p:cNvPicPr>
+          <p:nvPr/>
+        </p:nvPicPr>
+        <p:blipFill>
+          <a:blip r:embed="rId3">
+            <a:extLst>
+              <a:ext uri="{28A0092B-C50C-407E-A947-70E740481C1C}">
+                <a14:useLocalDpi xmlns:a14="http://schemas.microsoft.com/office/drawing/2010/main" val="0"/>
+              </a:ext>
+            </a:extLst>
+          </a:blip>
+          <a:srcRect/>
+          <a:stretch>
+            <a:fillRect/>
+          </a:stretch>
+        </p:blipFill>
+        <p:spPr bwMode="auto">
+          <a:xfrm>
+            <a:off x="3142380" y="3429000"/>
             <a:ext cx="6915150" cy="2924175"/>
           </a:xfrm>
           <a:prstGeom prst="rect">
@@ -15222,10 +14011,10 @@
       </p:pic>
       <p:sp>
         <p:nvSpPr>
-          <p:cNvPr id="3" name="TextBox 2">
-            <a:extLst>
-              <a:ext uri="{FF2B5EF4-FFF2-40B4-BE49-F238E27FC236}">
-                <a16:creationId xmlns:a16="http://schemas.microsoft.com/office/drawing/2014/main" id="{BDDF688F-F3B7-25A9-8E5D-83980FC768ED}"/>
+          <p:cNvPr id="6" name="TextBox 5">
+            <a:extLst>
+              <a:ext uri="{FF2B5EF4-FFF2-40B4-BE49-F238E27FC236}">
+                <a16:creationId xmlns:a16="http://schemas.microsoft.com/office/drawing/2014/main" id="{D89A1462-E38E-126D-AFD2-C44AFF57D232}"/>
               </a:ext>
             </a:extLst>
           </p:cNvPr>
@@ -15234,8 +14023,8 @@
         </p:nvSpPr>
         <p:spPr>
           <a:xfrm>
-            <a:off x="100965" y="1909047"/>
-            <a:ext cx="899160" cy="369332"/>
+            <a:off x="365760" y="2867886"/>
+            <a:ext cx="2331720" cy="830997"/>
           </a:xfrm>
           <a:prstGeom prst="rect">
             <a:avLst/>
@@ -15249,227 +14038,13 @@
           <a:lstStyle/>
           <a:p>
             <a:r>
-              <a:rPr lang="en-US" b="1" dirty="0"/>
-              <a:t>Stride</a:t>
-            </a:r>
-          </a:p>
-        </p:txBody>
-      </p:sp>
-      <p:pic>
-        <p:nvPicPr>
-          <p:cNvPr id="2054" name="Picture 6" descr="Padding">
-            <a:extLst>
-              <a:ext uri="{FF2B5EF4-FFF2-40B4-BE49-F238E27FC236}">
-                <a16:creationId xmlns:a16="http://schemas.microsoft.com/office/drawing/2014/main" id="{839842C4-CE27-D343-DFB9-A74B9B4F4748}"/>
-              </a:ext>
-            </a:extLst>
-          </p:cNvPr>
-          <p:cNvPicPr>
-            <a:picLocks noChangeAspect="1" noChangeArrowheads="1"/>
-          </p:cNvPicPr>
-          <p:nvPr/>
-        </p:nvPicPr>
-        <p:blipFill>
-          <a:blip r:embed="rId3">
-            <a:extLst>
-              <a:ext uri="{28A0092B-C50C-407E-A947-70E740481C1C}">
-                <a14:useLocalDpi xmlns:a14="http://schemas.microsoft.com/office/drawing/2010/main" val="0"/>
-              </a:ext>
-            </a:extLst>
-          </a:blip>
-          <a:srcRect/>
-          <a:stretch>
-            <a:fillRect/>
-          </a:stretch>
-        </p:blipFill>
-        <p:spPr bwMode="auto">
-          <a:xfrm>
-            <a:off x="847725" y="3448594"/>
-            <a:ext cx="6583680" cy="3409406"/>
-          </a:xfrm>
-          <a:prstGeom prst="rect">
-            <a:avLst/>
-          </a:prstGeom>
-          <a:noFill/>
-          <a:extLst>
-            <a:ext uri="{909E8E84-426E-40DD-AFC4-6F175D3DCCD1}">
-              <a14:hiddenFill xmlns:a14="http://schemas.microsoft.com/office/drawing/2010/main">
+              <a:rPr lang="en-US" sz="2400" b="1" dirty="0">
                 <a:solidFill>
-                  <a:srgbClr val="FFFFFF"/>
+                  <a:srgbClr val="242424"/>
                 </a:solidFill>
-              </a14:hiddenFill>
-            </a:ext>
-          </a:extLst>
-        </p:spPr>
-      </p:pic>
-      <p:sp>
-        <p:nvSpPr>
-          <p:cNvPr id="5" name="TextBox 4">
-            <a:extLst>
-              <a:ext uri="{FF2B5EF4-FFF2-40B4-BE49-F238E27FC236}">
-                <a16:creationId xmlns:a16="http://schemas.microsoft.com/office/drawing/2014/main" id="{44AD3B6E-CCD7-302B-3031-6CD63A3EC22A}"/>
-              </a:ext>
-            </a:extLst>
-          </p:cNvPr>
-          <p:cNvSpPr txBox="1"/>
-          <p:nvPr/>
-        </p:nvSpPr>
-        <p:spPr>
-          <a:xfrm>
-            <a:off x="0" y="4648556"/>
-            <a:ext cx="1000125" cy="369332"/>
-          </a:xfrm>
-          <a:prstGeom prst="rect">
-            <a:avLst/>
-          </a:prstGeom>
-          <a:noFill/>
-        </p:spPr>
-        <p:txBody>
-          <a:bodyPr wrap="square">
-            <a:spAutoFit/>
-          </a:bodyPr>
-          <a:lstStyle/>
-          <a:p>
-            <a:r>
-              <a:rPr lang="en-US" b="1" dirty="0"/>
-              <a:t>Padding</a:t>
-            </a:r>
-          </a:p>
-        </p:txBody>
-      </p:sp>
-      <p:pic>
-        <p:nvPicPr>
-          <p:cNvPr id="6" name="Picture 5">
-            <a:extLst>
-              <a:ext uri="{FF2B5EF4-FFF2-40B4-BE49-F238E27FC236}">
-                <a16:creationId xmlns:a16="http://schemas.microsoft.com/office/drawing/2014/main" id="{E11B4414-34CE-69FD-0268-70995B422B58}"/>
-              </a:ext>
-            </a:extLst>
-          </p:cNvPr>
-          <p:cNvPicPr>
-            <a:picLocks noChangeAspect="1"/>
-          </p:cNvPicPr>
-          <p:nvPr/>
-        </p:nvPicPr>
-        <p:blipFill>
-          <a:blip r:embed="rId4"/>
-          <a:stretch>
-            <a:fillRect/>
-          </a:stretch>
-        </p:blipFill>
-        <p:spPr>
-          <a:xfrm>
-            <a:off x="8126728" y="2956560"/>
-            <a:ext cx="3943405" cy="601980"/>
-          </a:xfrm>
-          <a:prstGeom prst="rect">
-            <a:avLst/>
-          </a:prstGeom>
-        </p:spPr>
-      </p:pic>
-      <p:sp>
-        <p:nvSpPr>
-          <p:cNvPr id="8" name="TextBox 7">
-            <a:extLst>
-              <a:ext uri="{FF2B5EF4-FFF2-40B4-BE49-F238E27FC236}">
-                <a16:creationId xmlns:a16="http://schemas.microsoft.com/office/drawing/2014/main" id="{A902D152-AEE5-8EDC-55BE-41C94943CA61}"/>
-              </a:ext>
-            </a:extLst>
-          </p:cNvPr>
-          <p:cNvSpPr txBox="1"/>
-          <p:nvPr/>
-        </p:nvSpPr>
-        <p:spPr>
-          <a:xfrm>
-            <a:off x="8126728" y="2436614"/>
-            <a:ext cx="3943405" cy="369332"/>
-          </a:xfrm>
-          <a:prstGeom prst="rect">
-            <a:avLst/>
-          </a:prstGeom>
-          <a:noFill/>
-        </p:spPr>
-        <p:txBody>
-          <a:bodyPr wrap="square">
-            <a:spAutoFit/>
-          </a:bodyPr>
-          <a:lstStyle/>
-          <a:p>
-            <a:r>
-              <a:rPr lang="en-US" b="1" dirty="0">
-                <a:solidFill>
-                  <a:srgbClr val="7030A0"/>
-                </a:solidFill>
+                <a:latin typeface="source-serif-pro"/>
               </a:rPr>
-              <a:t>Calculate output</a:t>
-            </a:r>
-            <a:r>
-              <a:rPr lang="en-US" dirty="0">
-                <a:solidFill>
-                  <a:srgbClr val="7030A0"/>
-                </a:solidFill>
-              </a:rPr>
-              <a:t> </a:t>
-            </a:r>
-            <a:r>
-              <a:rPr lang="en-US" b="1" dirty="0">
-                <a:solidFill>
-                  <a:srgbClr val="7030A0"/>
-                </a:solidFill>
-              </a:rPr>
-              <a:t>dimension</a:t>
-            </a:r>
-          </a:p>
-        </p:txBody>
-      </p:sp>
-      <p:sp>
-        <p:nvSpPr>
-          <p:cNvPr id="10" name="TextBox 9">
-            <a:extLst>
-              <a:ext uri="{FF2B5EF4-FFF2-40B4-BE49-F238E27FC236}">
-                <a16:creationId xmlns:a16="http://schemas.microsoft.com/office/drawing/2014/main" id="{725557C7-B978-8846-665C-D90BEFBED91D}"/>
-              </a:ext>
-            </a:extLst>
-          </p:cNvPr>
-          <p:cNvSpPr txBox="1"/>
-          <p:nvPr/>
-        </p:nvSpPr>
-        <p:spPr>
-          <a:xfrm>
-            <a:off x="8191499" y="4254578"/>
-            <a:ext cx="3878633" cy="892552"/>
-          </a:xfrm>
-          <a:prstGeom prst="rect">
-            <a:avLst/>
-          </a:prstGeom>
-          <a:solidFill>
-            <a:schemeClr val="accent4">
-              <a:lumMod val="20000"/>
-              <a:lumOff val="80000"/>
-            </a:schemeClr>
-          </a:solidFill>
-        </p:spPr>
-        <p:txBody>
-          <a:bodyPr wrap="square">
-            <a:spAutoFit/>
-          </a:bodyPr>
-          <a:lstStyle/>
-          <a:p>
-            <a:pPr rtl="0"/>
-            <a:r>
-              <a:rPr lang="en-US" sz="1600" dirty="0">
-                <a:solidFill>
-                  <a:schemeClr val="accent5"/>
-                </a:solidFill>
-                <a:latin typeface="OCRB" panose="020B0609020202020204" pitchFamily="49" charset="0"/>
-              </a:rPr>
-              <a:t>nn.Conv2d(1, 32, 3, padding=1)</a:t>
-            </a:r>
-          </a:p>
-          <a:p>
-            <a:r>
-              <a:rPr lang="en-US" dirty="0"/>
-              <a:t>1 input channel (grayscale), 32 output channels, 3x3 filter</a:t>
+              <a:t>Filter /kernels parameters</a:t>
             </a:r>
           </a:p>
         </p:txBody>
@@ -15477,7 +14052,7 @@
     </p:spTree>
     <p:extLst>
       <p:ext uri="{BB962C8B-B14F-4D97-AF65-F5344CB8AC3E}">
-        <p14:creationId xmlns:p14="http://schemas.microsoft.com/office/powerpoint/2010/main" val="2317883494"/>
+        <p14:creationId xmlns:p14="http://schemas.microsoft.com/office/powerpoint/2010/main" val="4111090122"/>
       </p:ext>
     </p:extLst>
   </p:cSld>
